--- a/ITProjectManagement/BA/SpecsWireframes/MVP/wireframe.pptx
+++ b/ITProjectManagement/BA/SpecsWireframes/MVP/wireframe.pptx
@@ -7,9 +7,11 @@
   <p:sldIdLst>
     <p:sldId id="256" r:id="rId2"/>
     <p:sldId id="257" r:id="rId3"/>
-    <p:sldId id="258" r:id="rId4"/>
-    <p:sldId id="259" r:id="rId5"/>
-    <p:sldId id="260" r:id="rId6"/>
+    <p:sldId id="261" r:id="rId4"/>
+    <p:sldId id="258" r:id="rId5"/>
+    <p:sldId id="259" r:id="rId6"/>
+    <p:sldId id="260" r:id="rId7"/>
+    <p:sldId id="262" r:id="rId8"/>
   </p:sldIdLst>
   <p:sldSz cx="12192000" cy="6858000"/>
   <p:notesSz cx="6858000" cy="9144000"/>
@@ -115,9 +117,11 @@
           <p14:sldIdLst>
             <p14:sldId id="256"/>
             <p14:sldId id="257"/>
+            <p14:sldId id="261"/>
             <p14:sldId id="258"/>
             <p14:sldId id="259"/>
             <p14:sldId id="260"/>
+            <p14:sldId id="262"/>
           </p14:sldIdLst>
         </p14:section>
       </p14:sectionLst>
@@ -260,7 +264,7 @@
           <a:p>
             <a:fld id="{4807185A-816E-4D07-BD68-6FA3F9B52EF9}" type="datetimeFigureOut">
               <a:rPr lang="en-AU" smtClean="0"/>
-              <a:t>17/03/2022</a:t>
+              <a:t>18/03/2022</a:t>
             </a:fld>
             <a:endParaRPr lang="en-AU"/>
           </a:p>
@@ -430,7 +434,7 @@
           <a:p>
             <a:fld id="{4807185A-816E-4D07-BD68-6FA3F9B52EF9}" type="datetimeFigureOut">
               <a:rPr lang="en-AU" smtClean="0"/>
-              <a:t>17/03/2022</a:t>
+              <a:t>18/03/2022</a:t>
             </a:fld>
             <a:endParaRPr lang="en-AU"/>
           </a:p>
@@ -610,7 +614,7 @@
           <a:p>
             <a:fld id="{4807185A-816E-4D07-BD68-6FA3F9B52EF9}" type="datetimeFigureOut">
               <a:rPr lang="en-AU" smtClean="0"/>
-              <a:t>17/03/2022</a:t>
+              <a:t>18/03/2022</a:t>
             </a:fld>
             <a:endParaRPr lang="en-AU"/>
           </a:p>
@@ -780,7 +784,7 @@
           <a:p>
             <a:fld id="{4807185A-816E-4D07-BD68-6FA3F9B52EF9}" type="datetimeFigureOut">
               <a:rPr lang="en-AU" smtClean="0"/>
-              <a:t>17/03/2022</a:t>
+              <a:t>18/03/2022</a:t>
             </a:fld>
             <a:endParaRPr lang="en-AU"/>
           </a:p>
@@ -1026,7 +1030,7 @@
           <a:p>
             <a:fld id="{4807185A-816E-4D07-BD68-6FA3F9B52EF9}" type="datetimeFigureOut">
               <a:rPr lang="en-AU" smtClean="0"/>
-              <a:t>17/03/2022</a:t>
+              <a:t>18/03/2022</a:t>
             </a:fld>
             <a:endParaRPr lang="en-AU"/>
           </a:p>
@@ -1258,7 +1262,7 @@
           <a:p>
             <a:fld id="{4807185A-816E-4D07-BD68-6FA3F9B52EF9}" type="datetimeFigureOut">
               <a:rPr lang="en-AU" smtClean="0"/>
-              <a:t>17/03/2022</a:t>
+              <a:t>18/03/2022</a:t>
             </a:fld>
             <a:endParaRPr lang="en-AU"/>
           </a:p>
@@ -1625,7 +1629,7 @@
           <a:p>
             <a:fld id="{4807185A-816E-4D07-BD68-6FA3F9B52EF9}" type="datetimeFigureOut">
               <a:rPr lang="en-AU" smtClean="0"/>
-              <a:t>17/03/2022</a:t>
+              <a:t>18/03/2022</a:t>
             </a:fld>
             <a:endParaRPr lang="en-AU"/>
           </a:p>
@@ -1743,7 +1747,7 @@
           <a:p>
             <a:fld id="{4807185A-816E-4D07-BD68-6FA3F9B52EF9}" type="datetimeFigureOut">
               <a:rPr lang="en-AU" smtClean="0"/>
-              <a:t>17/03/2022</a:t>
+              <a:t>18/03/2022</a:t>
             </a:fld>
             <a:endParaRPr lang="en-AU"/>
           </a:p>
@@ -1838,7 +1842,7 @@
           <a:p>
             <a:fld id="{4807185A-816E-4D07-BD68-6FA3F9B52EF9}" type="datetimeFigureOut">
               <a:rPr lang="en-AU" smtClean="0"/>
-              <a:t>17/03/2022</a:t>
+              <a:t>18/03/2022</a:t>
             </a:fld>
             <a:endParaRPr lang="en-AU"/>
           </a:p>
@@ -2115,7 +2119,7 @@
           <a:p>
             <a:fld id="{4807185A-816E-4D07-BD68-6FA3F9B52EF9}" type="datetimeFigureOut">
               <a:rPr lang="en-AU" smtClean="0"/>
-              <a:t>17/03/2022</a:t>
+              <a:t>18/03/2022</a:t>
             </a:fld>
             <a:endParaRPr lang="en-AU"/>
           </a:p>
@@ -2368,7 +2372,7 @@
           <a:p>
             <a:fld id="{4807185A-816E-4D07-BD68-6FA3F9B52EF9}" type="datetimeFigureOut">
               <a:rPr lang="en-AU" smtClean="0"/>
-              <a:t>17/03/2022</a:t>
+              <a:t>18/03/2022</a:t>
             </a:fld>
             <a:endParaRPr lang="en-AU"/>
           </a:p>
@@ -2581,7 +2585,7 @@
           <a:p>
             <a:fld id="{4807185A-816E-4D07-BD68-6FA3F9B52EF9}" type="datetimeFigureOut">
               <a:rPr lang="en-AU" smtClean="0"/>
-              <a:t>17/03/2022</a:t>
+              <a:t>18/03/2022</a:t>
             </a:fld>
             <a:endParaRPr lang="en-AU"/>
           </a:p>
@@ -7068,210 +7072,6 @@
       </p:sp>
       <p:sp>
         <p:nvSpPr>
-          <p:cNvPr id="5" name="Rounded Rectangle 4"/>
-          <p:cNvSpPr/>
-          <p:nvPr/>
-        </p:nvSpPr>
-        <p:spPr>
-          <a:xfrm>
-            <a:off x="2060620" y="1887766"/>
-            <a:ext cx="2820473" cy="386366"/>
-          </a:xfrm>
-          <a:prstGeom prst="roundRect">
-            <a:avLst/>
-          </a:prstGeom>
-          <a:solidFill>
-            <a:schemeClr val="bg1">
-              <a:lumMod val="95000"/>
-            </a:schemeClr>
-          </a:solidFill>
-        </p:spPr>
-        <p:style>
-          <a:lnRef idx="2">
-            <a:schemeClr val="accent1">
-              <a:shade val="50000"/>
-            </a:schemeClr>
-          </a:lnRef>
-          <a:fillRef idx="1">
-            <a:schemeClr val="accent1"/>
-          </a:fillRef>
-          <a:effectRef idx="0">
-            <a:schemeClr val="accent1"/>
-          </a:effectRef>
-          <a:fontRef idx="minor">
-            <a:schemeClr val="lt1"/>
-          </a:fontRef>
-        </p:style>
-        <p:txBody>
-          <a:bodyPr rtlCol="0" anchor="ctr"/>
-          <a:lstStyle/>
-          <a:p>
-            <a:r>
-              <a:rPr lang="en-AU" dirty="0" smtClean="0">
-                <a:solidFill>
-                  <a:schemeClr val="bg1">
-                    <a:lumMod val="50000"/>
-                  </a:schemeClr>
-                </a:solidFill>
-              </a:rPr>
-              <a:t>you@email.com</a:t>
-            </a:r>
-            <a:endParaRPr lang="en-AU" dirty="0">
-              <a:solidFill>
-                <a:schemeClr val="bg1">
-                  <a:lumMod val="50000"/>
-                </a:schemeClr>
-              </a:solidFill>
-            </a:endParaRPr>
-          </a:p>
-        </p:txBody>
-      </p:sp>
-      <p:sp>
-        <p:nvSpPr>
-          <p:cNvPr id="6" name="TextBox 5"/>
-          <p:cNvSpPr txBox="1"/>
-          <p:nvPr/>
-        </p:nvSpPr>
-        <p:spPr>
-          <a:xfrm>
-            <a:off x="2060620" y="1610767"/>
-            <a:ext cx="604653" cy="276999"/>
-          </a:xfrm>
-          <a:prstGeom prst="rect">
-            <a:avLst/>
-          </a:prstGeom>
-          <a:noFill/>
-        </p:spPr>
-        <p:txBody>
-          <a:bodyPr wrap="none" rtlCol="0">
-            <a:spAutoFit/>
-          </a:bodyPr>
-          <a:lstStyle/>
-          <a:p>
-            <a:r>
-              <a:rPr lang="en-AU" sz="1200" dirty="0" smtClean="0">
-                <a:solidFill>
-                  <a:schemeClr val="accent5">
-                    <a:lumMod val="50000"/>
-                  </a:schemeClr>
-                </a:solidFill>
-              </a:rPr>
-              <a:t>Email: </a:t>
-            </a:r>
-            <a:endParaRPr lang="en-AU" sz="1200" dirty="0">
-              <a:solidFill>
-                <a:schemeClr val="accent5">
-                  <a:lumMod val="50000"/>
-                </a:schemeClr>
-              </a:solidFill>
-            </a:endParaRPr>
-          </a:p>
-        </p:txBody>
-      </p:sp>
-      <p:sp>
-        <p:nvSpPr>
-          <p:cNvPr id="7" name="Rounded Rectangle 6"/>
-          <p:cNvSpPr/>
-          <p:nvPr/>
-        </p:nvSpPr>
-        <p:spPr>
-          <a:xfrm>
-            <a:off x="2058472" y="2967241"/>
-            <a:ext cx="2820473" cy="386366"/>
-          </a:xfrm>
-          <a:prstGeom prst="roundRect">
-            <a:avLst/>
-          </a:prstGeom>
-          <a:solidFill>
-            <a:schemeClr val="bg1">
-              <a:lumMod val="95000"/>
-            </a:schemeClr>
-          </a:solidFill>
-        </p:spPr>
-        <p:style>
-          <a:lnRef idx="2">
-            <a:schemeClr val="accent1">
-              <a:shade val="50000"/>
-            </a:schemeClr>
-          </a:lnRef>
-          <a:fillRef idx="1">
-            <a:schemeClr val="accent1"/>
-          </a:fillRef>
-          <a:effectRef idx="0">
-            <a:schemeClr val="accent1"/>
-          </a:effectRef>
-          <a:fontRef idx="minor">
-            <a:schemeClr val="lt1"/>
-          </a:fontRef>
-        </p:style>
-        <p:txBody>
-          <a:bodyPr rtlCol="0" anchor="ctr"/>
-          <a:lstStyle/>
-          <a:p>
-            <a:r>
-              <a:rPr lang="en-AU" sz="3200" dirty="0" smtClean="0">
-                <a:solidFill>
-                  <a:schemeClr val="bg1">
-                    <a:lumMod val="50000"/>
-                  </a:schemeClr>
-                </a:solidFill>
-              </a:rPr>
-              <a:t>.....</a:t>
-            </a:r>
-            <a:endParaRPr lang="en-AU" sz="3200" dirty="0">
-              <a:solidFill>
-                <a:schemeClr val="bg1">
-                  <a:lumMod val="50000"/>
-                </a:schemeClr>
-              </a:solidFill>
-            </a:endParaRPr>
-          </a:p>
-        </p:txBody>
-      </p:sp>
-      <p:sp>
-        <p:nvSpPr>
-          <p:cNvPr id="8" name="TextBox 7"/>
-          <p:cNvSpPr txBox="1"/>
-          <p:nvPr/>
-        </p:nvSpPr>
-        <p:spPr>
-          <a:xfrm>
-            <a:off x="2044863" y="2677884"/>
-            <a:ext cx="855106" cy="276999"/>
-          </a:xfrm>
-          <a:prstGeom prst="rect">
-            <a:avLst/>
-          </a:prstGeom>
-          <a:noFill/>
-        </p:spPr>
-        <p:txBody>
-          <a:bodyPr wrap="none" rtlCol="0">
-            <a:spAutoFit/>
-          </a:bodyPr>
-          <a:lstStyle/>
-          <a:p>
-            <a:r>
-              <a:rPr lang="en-AU" sz="1200" dirty="0" smtClean="0">
-                <a:solidFill>
-                  <a:schemeClr val="accent5">
-                    <a:lumMod val="50000"/>
-                  </a:schemeClr>
-                </a:solidFill>
-              </a:rPr>
-              <a:t>Password: </a:t>
-            </a:r>
-            <a:endParaRPr lang="en-AU" sz="1200" dirty="0">
-              <a:solidFill>
-                <a:schemeClr val="accent5">
-                  <a:lumMod val="50000"/>
-                </a:schemeClr>
-              </a:solidFill>
-            </a:endParaRPr>
-          </a:p>
-        </p:txBody>
-      </p:sp>
-      <p:sp>
-        <p:nvSpPr>
           <p:cNvPr id="9" name="Rounded Rectangle 8"/>
           <p:cNvSpPr/>
           <p:nvPr/>
@@ -7324,13 +7124,73 @@
       </p:sp>
       <p:sp>
         <p:nvSpPr>
-          <p:cNvPr id="10" name="Rounded Rectangle 9"/>
+          <p:cNvPr id="17" name="Rounded Rectangle 16"/>
           <p:cNvSpPr/>
           <p:nvPr/>
         </p:nvSpPr>
         <p:spPr>
           <a:xfrm>
-            <a:off x="4424544" y="2969390"/>
+            <a:off x="2015543" y="930499"/>
+            <a:ext cx="2820473" cy="386366"/>
+          </a:xfrm>
+          <a:prstGeom prst="roundRect">
+            <a:avLst/>
+          </a:prstGeom>
+          <a:solidFill>
+            <a:schemeClr val="bg1">
+              <a:lumMod val="95000"/>
+            </a:schemeClr>
+          </a:solidFill>
+        </p:spPr>
+        <p:style>
+          <a:lnRef idx="2">
+            <a:schemeClr val="accent1">
+              <a:shade val="50000"/>
+            </a:schemeClr>
+          </a:lnRef>
+          <a:fillRef idx="1">
+            <a:schemeClr val="accent1"/>
+          </a:fillRef>
+          <a:effectRef idx="0">
+            <a:schemeClr val="accent1"/>
+          </a:effectRef>
+          <a:fontRef idx="minor">
+            <a:schemeClr val="lt1"/>
+          </a:fontRef>
+        </p:style>
+        <p:txBody>
+          <a:bodyPr rtlCol="0" anchor="ctr"/>
+          <a:lstStyle/>
+          <a:p>
+            <a:r>
+              <a:rPr lang="en-AU" dirty="0" smtClean="0">
+                <a:solidFill>
+                  <a:schemeClr val="bg1">
+                    <a:lumMod val="50000"/>
+                  </a:schemeClr>
+                </a:solidFill>
+              </a:rPr>
+              <a:t>Search a course</a:t>
+            </a:r>
+            <a:endParaRPr lang="en-AU" dirty="0">
+              <a:solidFill>
+                <a:schemeClr val="bg1">
+                  <a:lumMod val="50000"/>
+                </a:schemeClr>
+              </a:solidFill>
+            </a:endParaRPr>
+          </a:p>
+        </p:txBody>
+      </p:sp>
+      <p:sp>
+        <p:nvSpPr>
+          <p:cNvPr id="18" name="Rounded Rectangle 17"/>
+          <p:cNvSpPr/>
+          <p:nvPr/>
+        </p:nvSpPr>
+        <p:spPr>
+          <a:xfrm>
+            <a:off x="4381615" y="930499"/>
             <a:ext cx="454401" cy="386366"/>
           </a:xfrm>
           <a:prstGeom prst="roundRect">
@@ -7369,19 +7229,24 @@
       </p:sp>
       <p:sp>
         <p:nvSpPr>
-          <p:cNvPr id="11" name="Oval 10"/>
+          <p:cNvPr id="13" name="Oval 12"/>
           <p:cNvSpPr/>
           <p:nvPr/>
         </p:nvSpPr>
         <p:spPr>
           <a:xfrm>
-            <a:off x="4471907" y="3057394"/>
-            <a:ext cx="374703" cy="193183"/>
+            <a:off x="4463381" y="967367"/>
+            <a:ext cx="206545" cy="233751"/>
           </a:xfrm>
           <a:prstGeom prst="ellipse">
             <a:avLst/>
           </a:prstGeom>
-          <a:ln w="28575"/>
+          <a:noFill/>
+          <a:ln w="28575">
+            <a:solidFill>
+              <a:schemeClr val="bg1"/>
+            </a:solidFill>
+          </a:ln>
         </p:spPr>
         <p:style>
           <a:lnRef idx="2">
@@ -7408,21 +7273,66 @@
           </a:p>
         </p:txBody>
       </p:sp>
-      <p:sp>
-        <p:nvSpPr>
-          <p:cNvPr id="12" name="Oval 11"/>
+      <p:cxnSp>
+        <p:nvCxnSpPr>
+          <p:cNvPr id="15" name="Straight Connector 14"/>
+          <p:cNvCxnSpPr/>
+          <p:nvPr/>
+        </p:nvCxnSpPr>
+        <p:spPr>
+          <a:xfrm>
+            <a:off x="4655125" y="1160862"/>
+            <a:ext cx="123627" cy="141715"/>
+          </a:xfrm>
+          <a:prstGeom prst="line">
+            <a:avLst/>
+          </a:prstGeom>
+          <a:ln w="28575">
+            <a:solidFill>
+              <a:schemeClr val="bg1"/>
+            </a:solidFill>
+          </a:ln>
+        </p:spPr>
+        <p:style>
+          <a:lnRef idx="1">
+            <a:schemeClr val="accent1"/>
+          </a:lnRef>
+          <a:fillRef idx="0">
+            <a:schemeClr val="accent1"/>
+          </a:fillRef>
+          <a:effectRef idx="0">
+            <a:schemeClr val="accent1"/>
+          </a:effectRef>
+          <a:fontRef idx="minor">
+            <a:schemeClr val="tx1"/>
+          </a:fontRef>
+        </p:style>
+      </p:cxnSp>
+      <p:sp>
+        <p:nvSpPr>
+          <p:cNvPr id="22" name="Rounded Rectangle 21"/>
           <p:cNvSpPr/>
           <p:nvPr/>
         </p:nvSpPr>
         <p:spPr>
           <a:xfrm>
-            <a:off x="4560969" y="3055246"/>
-            <a:ext cx="192282" cy="193183"/>
-          </a:xfrm>
-          <a:prstGeom prst="ellipse">
-            <a:avLst/>
-          </a:prstGeom>
-          <a:ln w="28575"/>
+            <a:off x="1545465" y="5118341"/>
+            <a:ext cx="3760631" cy="743353"/>
+          </a:xfrm>
+          <a:prstGeom prst="roundRect">
+            <a:avLst>
+              <a:gd name="adj" fmla="val 1291"/>
+            </a:avLst>
+          </a:prstGeom>
+          <a:solidFill>
+            <a:schemeClr val="tx1">
+              <a:lumMod val="65000"/>
+              <a:lumOff val="35000"/>
+            </a:schemeClr>
+          </a:solidFill>
+          <a:ln w="12700">
+            <a:noFill/>
+          </a:ln>
         </p:spPr>
         <p:style>
           <a:lnRef idx="2">
@@ -7445,60 +7355,15 @@
           <a:lstStyle/>
           <a:p>
             <a:pPr algn="ctr"/>
-            <a:endParaRPr lang="en-AU"/>
-          </a:p>
-        </p:txBody>
-      </p:sp>
-      <p:sp>
-        <p:nvSpPr>
-          <p:cNvPr id="25" name="Rounded Rectangle 24"/>
-          <p:cNvSpPr/>
-          <p:nvPr/>
-        </p:nvSpPr>
-        <p:spPr>
-          <a:xfrm>
-            <a:off x="2053225" y="4008957"/>
-            <a:ext cx="2820473" cy="386366"/>
-          </a:xfrm>
-          <a:prstGeom prst="roundRect">
-            <a:avLst/>
-          </a:prstGeom>
-          <a:solidFill>
-            <a:schemeClr val="accent1">
-              <a:lumMod val="75000"/>
-            </a:schemeClr>
-          </a:solidFill>
-        </p:spPr>
-        <p:style>
-          <a:lnRef idx="2">
-            <a:schemeClr val="accent1">
-              <a:shade val="50000"/>
-            </a:schemeClr>
-          </a:lnRef>
-          <a:fillRef idx="1">
-            <a:schemeClr val="accent1"/>
-          </a:fillRef>
-          <a:effectRef idx="0">
-            <a:schemeClr val="accent1"/>
-          </a:effectRef>
-          <a:fontRef idx="minor">
-            <a:schemeClr val="lt1"/>
-          </a:fontRef>
-        </p:style>
-        <p:txBody>
-          <a:bodyPr rtlCol="0" anchor="ctr"/>
-          <a:lstStyle/>
-          <a:p>
-            <a:pPr algn="ctr"/>
-            <a:r>
-              <a:rPr lang="en-AU" sz="2000" dirty="0" smtClean="0">
+            <a:r>
+              <a:rPr lang="en-AU" sz="1200" dirty="0" smtClean="0">
                 <a:solidFill>
                   <a:schemeClr val="bg1"/>
                 </a:solidFill>
               </a:rPr>
-              <a:t>LOG IN</a:t>
-            </a:r>
-            <a:endParaRPr lang="en-AU" sz="2000" dirty="0">
+              <a:t>You have been successfully registered!</a:t>
+            </a:r>
+            <a:endParaRPr lang="en-AU" sz="1200" dirty="0">
               <a:solidFill>
                 <a:schemeClr val="bg1"/>
               </a:solidFill>
@@ -7508,14 +7373,100 @@
       </p:sp>
       <p:sp>
         <p:nvSpPr>
+          <p:cNvPr id="23" name="AutoShape 2" descr="blob:https://web.whatsapp.com/875cef06-e096-47fc-b870-98e1c00c5a9a"/>
+          <p:cNvSpPr>
+            <a:spLocks noChangeAspect="1" noChangeArrowheads="1"/>
+          </p:cNvSpPr>
+          <p:nvPr/>
+        </p:nvSpPr>
+        <p:spPr bwMode="auto">
+          <a:xfrm>
+            <a:off x="155575" y="-144463"/>
+            <a:ext cx="304800" cy="304801"/>
+          </a:xfrm>
+          <a:prstGeom prst="rect">
+            <a:avLst/>
+          </a:prstGeom>
+          <a:noFill/>
+          <a:extLst>
+            <a:ext uri="{909E8E84-426E-40DD-AFC4-6F175D3DCCD1}">
+              <a14:hiddenFill xmlns:a14="http://schemas.microsoft.com/office/drawing/2010/main">
+                <a:solidFill>
+                  <a:srgbClr val="FFFFFF"/>
+                </a:solidFill>
+              </a14:hiddenFill>
+            </a:ext>
+          </a:extLst>
+        </p:spPr>
+        <p:txBody>
+          <a:bodyPr vert="horz" wrap="square" lIns="91440" tIns="45720" rIns="91440" bIns="45720" numCol="1" anchor="t" anchorCtr="0" compatLnSpc="1">
+            <a:prstTxWarp prst="textNoShape">
+              <a:avLst/>
+            </a:prstTxWarp>
+          </a:bodyPr>
+          <a:lstStyle/>
+          <a:p>
+            <a:endParaRPr lang="en-AU"/>
+          </a:p>
+        </p:txBody>
+      </p:sp>
+      <p:sp>
+        <p:nvSpPr>
+          <p:cNvPr id="25" name="Rectangle 24"/>
+          <p:cNvSpPr/>
+          <p:nvPr/>
+        </p:nvSpPr>
+        <p:spPr>
+          <a:xfrm>
+            <a:off x="2046776" y="1399586"/>
+            <a:ext cx="2764294" cy="1020439"/>
+          </a:xfrm>
+          <a:prstGeom prst="rect">
+            <a:avLst/>
+          </a:prstGeom>
+          <a:solidFill>
+            <a:schemeClr val="bg1">
+              <a:lumMod val="95000"/>
+            </a:schemeClr>
+          </a:solidFill>
+          <a:ln>
+            <a:noFill/>
+          </a:ln>
+        </p:spPr>
+        <p:style>
+          <a:lnRef idx="2">
+            <a:schemeClr val="accent1">
+              <a:shade val="50000"/>
+            </a:schemeClr>
+          </a:lnRef>
+          <a:fillRef idx="1">
+            <a:schemeClr val="accent1"/>
+          </a:fillRef>
+          <a:effectRef idx="0">
+            <a:schemeClr val="accent1"/>
+          </a:effectRef>
+          <a:fontRef idx="minor">
+            <a:schemeClr val="lt1"/>
+          </a:fontRef>
+        </p:style>
+        <p:txBody>
+          <a:bodyPr rtlCol="0" anchor="ctr"/>
+          <a:lstStyle/>
+          <a:p>
+            <a:endParaRPr lang="en-AU" dirty="0"/>
+          </a:p>
+        </p:txBody>
+      </p:sp>
+      <p:sp>
+        <p:nvSpPr>
           <p:cNvPr id="26" name="TextBox 25"/>
           <p:cNvSpPr txBox="1"/>
           <p:nvPr/>
         </p:nvSpPr>
         <p:spPr>
           <a:xfrm>
-            <a:off x="2014274" y="2235535"/>
-            <a:ext cx="2836230" cy="276999"/>
+            <a:off x="2039687" y="1401007"/>
+            <a:ext cx="1964465" cy="338554"/>
           </a:xfrm>
           <a:prstGeom prst="rect">
             <a:avLst/>
@@ -7529,31 +7480,242 @@
           <a:lstStyle/>
           <a:p>
             <a:r>
-              <a:rPr lang="en-AU" sz="1200" dirty="0" smtClean="0">
-                <a:solidFill>
-                  <a:srgbClr val="FF0000"/>
-                </a:solidFill>
-              </a:rPr>
-              <a:t>Error messages if any </a:t>
-            </a:r>
-            <a:endParaRPr lang="en-AU" sz="1200" dirty="0">
-              <a:solidFill>
-                <a:srgbClr val="FF0000"/>
-              </a:solidFill>
-            </a:endParaRPr>
-          </a:p>
-        </p:txBody>
-      </p:sp>
-      <p:sp>
-        <p:nvSpPr>
-          <p:cNvPr id="27" name="TextBox 26"/>
+              <a:rPr lang="en-AU" sz="1600" dirty="0" smtClean="0"/>
+              <a:t>Search Filters here …</a:t>
+            </a:r>
+          </a:p>
+        </p:txBody>
+      </p:sp>
+      <p:sp>
+        <p:nvSpPr>
+          <p:cNvPr id="6" name="Isosceles Triangle 5"/>
+          <p:cNvSpPr/>
+          <p:nvPr/>
+        </p:nvSpPr>
+        <p:spPr>
+          <a:xfrm rot="16200000">
+            <a:off x="2306010" y="6038346"/>
+            <a:ext cx="219758" cy="168185"/>
+          </a:xfrm>
+          <a:prstGeom prst="triangle">
+            <a:avLst/>
+          </a:prstGeom>
+        </p:spPr>
+        <p:style>
+          <a:lnRef idx="2">
+            <a:schemeClr val="accent1">
+              <a:shade val="50000"/>
+            </a:schemeClr>
+          </a:lnRef>
+          <a:fillRef idx="1">
+            <a:schemeClr val="accent1"/>
+          </a:fillRef>
+          <a:effectRef idx="0">
+            <a:schemeClr val="accent1"/>
+          </a:effectRef>
+          <a:fontRef idx="minor">
+            <a:schemeClr val="lt1"/>
+          </a:fontRef>
+        </p:style>
+        <p:txBody>
+          <a:bodyPr rtlCol="0" anchor="ctr"/>
+          <a:lstStyle/>
+          <a:p>
+            <a:pPr algn="ctr"/>
+            <a:endParaRPr lang="en-AU"/>
+          </a:p>
+        </p:txBody>
+      </p:sp>
+      <p:sp>
+        <p:nvSpPr>
+          <p:cNvPr id="7" name="Rectangle 6"/>
+          <p:cNvSpPr/>
+          <p:nvPr/>
+        </p:nvSpPr>
+        <p:spPr>
+          <a:xfrm>
+            <a:off x="4391897" y="6003133"/>
+            <a:ext cx="205652" cy="211398"/>
+          </a:xfrm>
+          <a:prstGeom prst="rect">
+            <a:avLst/>
+          </a:prstGeom>
+        </p:spPr>
+        <p:style>
+          <a:lnRef idx="2">
+            <a:schemeClr val="accent1">
+              <a:shade val="50000"/>
+            </a:schemeClr>
+          </a:lnRef>
+          <a:fillRef idx="1">
+            <a:schemeClr val="accent1"/>
+          </a:fillRef>
+          <a:effectRef idx="0">
+            <a:schemeClr val="accent1"/>
+          </a:effectRef>
+          <a:fontRef idx="minor">
+            <a:schemeClr val="lt1"/>
+          </a:fontRef>
+        </p:style>
+        <p:txBody>
+          <a:bodyPr rtlCol="0" anchor="ctr"/>
+          <a:lstStyle/>
+          <a:p>
+            <a:pPr algn="ctr"/>
+            <a:endParaRPr lang="en-AU"/>
+          </a:p>
+        </p:txBody>
+      </p:sp>
+      <p:cxnSp>
+        <p:nvCxnSpPr>
+          <p:cNvPr id="10" name="Straight Connector 9"/>
+          <p:cNvCxnSpPr/>
+          <p:nvPr/>
+        </p:nvCxnSpPr>
+        <p:spPr>
+          <a:xfrm>
+            <a:off x="3316406" y="6016781"/>
+            <a:ext cx="218364" cy="0"/>
+          </a:xfrm>
+          <a:prstGeom prst="line">
+            <a:avLst/>
+          </a:prstGeom>
+          <a:ln w="25400"/>
+        </p:spPr>
+        <p:style>
+          <a:lnRef idx="1">
+            <a:schemeClr val="accent1"/>
+          </a:lnRef>
+          <a:fillRef idx="0">
+            <a:schemeClr val="accent1"/>
+          </a:fillRef>
+          <a:effectRef idx="0">
+            <a:schemeClr val="accent1"/>
+          </a:effectRef>
+          <a:fontRef idx="minor">
+            <a:schemeClr val="tx1"/>
+          </a:fontRef>
+        </p:style>
+      </p:cxnSp>
+      <p:cxnSp>
+        <p:nvCxnSpPr>
+          <p:cNvPr id="39" name="Straight Connector 38"/>
+          <p:cNvCxnSpPr/>
+          <p:nvPr/>
+        </p:nvCxnSpPr>
+        <p:spPr>
+          <a:xfrm>
+            <a:off x="3318680" y="6114589"/>
+            <a:ext cx="218364" cy="0"/>
+          </a:xfrm>
+          <a:prstGeom prst="line">
+            <a:avLst/>
+          </a:prstGeom>
+          <a:ln w="25400"/>
+        </p:spPr>
+        <p:style>
+          <a:lnRef idx="1">
+            <a:schemeClr val="accent1"/>
+          </a:lnRef>
+          <a:fillRef idx="0">
+            <a:schemeClr val="accent1"/>
+          </a:fillRef>
+          <a:effectRef idx="0">
+            <a:schemeClr val="accent1"/>
+          </a:effectRef>
+          <a:fontRef idx="minor">
+            <a:schemeClr val="tx1"/>
+          </a:fontRef>
+        </p:style>
+      </p:cxnSp>
+      <p:cxnSp>
+        <p:nvCxnSpPr>
+          <p:cNvPr id="41" name="Straight Connector 40"/>
+          <p:cNvCxnSpPr/>
+          <p:nvPr/>
+        </p:nvCxnSpPr>
+        <p:spPr>
+          <a:xfrm>
+            <a:off x="3320954" y="6212397"/>
+            <a:ext cx="218364" cy="0"/>
+          </a:xfrm>
+          <a:prstGeom prst="line">
+            <a:avLst/>
+          </a:prstGeom>
+          <a:ln w="25400"/>
+        </p:spPr>
+        <p:style>
+          <a:lnRef idx="1">
+            <a:schemeClr val="accent1"/>
+          </a:lnRef>
+          <a:fillRef idx="0">
+            <a:schemeClr val="accent1"/>
+          </a:fillRef>
+          <a:effectRef idx="0">
+            <a:schemeClr val="accent1"/>
+          </a:effectRef>
+          <a:fontRef idx="minor">
+            <a:schemeClr val="tx1"/>
+          </a:fontRef>
+        </p:style>
+      </p:cxnSp>
+      <p:sp>
+        <p:nvSpPr>
+          <p:cNvPr id="61" name="Rectangle 60"/>
+          <p:cNvSpPr/>
+          <p:nvPr/>
+        </p:nvSpPr>
+        <p:spPr>
+          <a:xfrm>
+            <a:off x="1748880" y="2506362"/>
+            <a:ext cx="3557216" cy="1737516"/>
+          </a:xfrm>
+          <a:prstGeom prst="rect">
+            <a:avLst/>
+          </a:prstGeom>
+          <a:solidFill>
+            <a:schemeClr val="bg1">
+              <a:lumMod val="95000"/>
+            </a:schemeClr>
+          </a:solidFill>
+          <a:ln>
+            <a:noFill/>
+          </a:ln>
+        </p:spPr>
+        <p:style>
+          <a:lnRef idx="2">
+            <a:schemeClr val="accent1">
+              <a:shade val="50000"/>
+            </a:schemeClr>
+          </a:lnRef>
+          <a:fillRef idx="1">
+            <a:schemeClr val="accent1"/>
+          </a:fillRef>
+          <a:effectRef idx="0">
+            <a:schemeClr val="accent1"/>
+          </a:effectRef>
+          <a:fontRef idx="minor">
+            <a:schemeClr val="lt1"/>
+          </a:fontRef>
+        </p:style>
+        <p:txBody>
+          <a:bodyPr rtlCol="0" anchor="ctr"/>
+          <a:lstStyle/>
+          <a:p>
+            <a:endParaRPr lang="en-AU" dirty="0"/>
+          </a:p>
+        </p:txBody>
+      </p:sp>
+      <p:sp>
+        <p:nvSpPr>
+          <p:cNvPr id="62" name="TextBox 61"/>
           <p:cNvSpPr txBox="1"/>
           <p:nvPr/>
         </p:nvSpPr>
         <p:spPr>
           <a:xfrm>
-            <a:off x="2052370" y="3327684"/>
-            <a:ext cx="2836230" cy="276999"/>
+            <a:off x="1728062" y="2536045"/>
+            <a:ext cx="1964465" cy="338554"/>
           </a:xfrm>
           <a:prstGeom prst="rect">
             <a:avLst/>
@@ -7567,31 +7729,105 @@
           <a:lstStyle/>
           <a:p>
             <a:r>
-              <a:rPr lang="en-AU" sz="1200" dirty="0" smtClean="0">
-                <a:solidFill>
-                  <a:srgbClr val="FF0000"/>
-                </a:solidFill>
-              </a:rPr>
-              <a:t>Error messages if any </a:t>
-            </a:r>
-            <a:endParaRPr lang="en-AU" sz="1200" dirty="0">
-              <a:solidFill>
-                <a:srgbClr val="FF0000"/>
-              </a:solidFill>
-            </a:endParaRPr>
-          </a:p>
-        </p:txBody>
-      </p:sp>
-      <p:sp>
-        <p:nvSpPr>
-          <p:cNvPr id="29" name="TextBox 28"/>
+              <a:rPr lang="en-AU" sz="1600" dirty="0" smtClean="0"/>
+              <a:t>Course cards here …</a:t>
+            </a:r>
+          </a:p>
+        </p:txBody>
+      </p:sp>
+      <p:cxnSp>
+        <p:nvCxnSpPr>
+          <p:cNvPr id="4" name="Straight Connector 3"/>
+          <p:cNvCxnSpPr>
+            <a:stCxn id="22" idx="3"/>
+          </p:cNvCxnSpPr>
+          <p:nvPr/>
+        </p:nvCxnSpPr>
+        <p:spPr>
+          <a:xfrm flipV="1">
+            <a:off x="5306096" y="4932608"/>
+            <a:ext cx="1674253" cy="557410"/>
+          </a:xfrm>
+          <a:prstGeom prst="line">
+            <a:avLst/>
+          </a:prstGeom>
+          <a:ln>
+            <a:solidFill>
+              <a:schemeClr val="tx1"/>
+            </a:solidFill>
+          </a:ln>
+        </p:spPr>
+        <p:style>
+          <a:lnRef idx="1">
+            <a:schemeClr val="accent1"/>
+          </a:lnRef>
+          <a:fillRef idx="0">
+            <a:schemeClr val="accent1"/>
+          </a:fillRef>
+          <a:effectRef idx="0">
+            <a:schemeClr val="accent1"/>
+          </a:effectRef>
+          <a:fontRef idx="minor">
+            <a:schemeClr val="tx1"/>
+          </a:fontRef>
+        </p:style>
+      </p:cxnSp>
+      <p:sp>
+        <p:nvSpPr>
+          <p:cNvPr id="54" name="Rectangle 53"/>
+          <p:cNvSpPr/>
+          <p:nvPr/>
+        </p:nvSpPr>
+        <p:spPr>
+          <a:xfrm>
+            <a:off x="6943236" y="4586497"/>
+            <a:ext cx="1968943" cy="853942"/>
+          </a:xfrm>
+          <a:prstGeom prst="rect">
+            <a:avLst/>
+          </a:prstGeom>
+          <a:solidFill>
+            <a:schemeClr val="bg2"/>
+          </a:solidFill>
+          <a:ln>
+            <a:noFill/>
+          </a:ln>
+        </p:spPr>
+        <p:style>
+          <a:lnRef idx="2">
+            <a:schemeClr val="accent1">
+              <a:shade val="50000"/>
+            </a:schemeClr>
+          </a:lnRef>
+          <a:fillRef idx="1">
+            <a:schemeClr val="accent1"/>
+          </a:fillRef>
+          <a:effectRef idx="0">
+            <a:schemeClr val="accent1"/>
+          </a:effectRef>
+          <a:fontRef idx="minor">
+            <a:schemeClr val="lt1"/>
+          </a:fontRef>
+        </p:style>
+        <p:txBody>
+          <a:bodyPr rtlCol="0" anchor="ctr"/>
+          <a:lstStyle/>
+          <a:p>
+            <a:pPr algn="ctr"/>
+            <a:endParaRPr lang="en-AU" dirty="0"/>
+          </a:p>
+        </p:txBody>
+      </p:sp>
+      <p:sp>
+        <p:nvSpPr>
+          <p:cNvPr id="55" name="TextBox 54"/>
           <p:cNvSpPr txBox="1"/>
           <p:nvPr/>
         </p:nvSpPr>
         <p:spPr>
           <a:xfrm>
-            <a:off x="2060620" y="4777832"/>
-            <a:ext cx="2827980" cy="338554"/>
+            <a:off x="6888643" y="4609442"/>
+            <a:ext cx="3852337" cy="830997"/>
           </a:xfrm>
           <a:prstGeom prst="rect">
             <a:avLst/>
@@ -7604,222 +7840,40 @@
           </a:bodyPr>
           <a:lstStyle/>
           <a:p>
-            <a:pPr algn="ctr"/>
-            <a:r>
-              <a:rPr lang="en-AU" sz="1600" dirty="0" smtClean="0">
-                <a:solidFill>
-                  <a:schemeClr val="accent5">
-                    <a:lumMod val="50000"/>
-                  </a:schemeClr>
-                </a:solidFill>
-              </a:rPr>
-              <a:t>Not yet registered? </a:t>
-            </a:r>
-            <a:r>
-              <a:rPr lang="en-AU" sz="1600" u="sng" dirty="0" smtClean="0">
-                <a:solidFill>
-                  <a:srgbClr val="00B0F0"/>
-                </a:solidFill>
-              </a:rPr>
-              <a:t>Sign up</a:t>
-            </a:r>
-            <a:r>
-              <a:rPr lang="en-AU" sz="1600" dirty="0" smtClean="0">
-                <a:solidFill>
-                  <a:schemeClr val="accent5">
-                    <a:lumMod val="50000"/>
-                  </a:schemeClr>
-                </a:solidFill>
-              </a:rPr>
-              <a:t> </a:t>
-            </a:r>
-            <a:endParaRPr lang="en-AU" sz="1600" dirty="0">
-              <a:solidFill>
-                <a:schemeClr val="accent5">
-                  <a:lumMod val="50000"/>
-                </a:schemeClr>
-              </a:solidFill>
-            </a:endParaRPr>
-          </a:p>
-        </p:txBody>
-      </p:sp>
-      <p:sp>
-        <p:nvSpPr>
-          <p:cNvPr id="15" name="Isosceles Triangle 14"/>
-          <p:cNvSpPr/>
-          <p:nvPr/>
-        </p:nvSpPr>
-        <p:spPr>
-          <a:xfrm rot="16200000">
-            <a:off x="2306010" y="6038346"/>
-            <a:ext cx="219758" cy="168185"/>
-          </a:xfrm>
-          <a:prstGeom prst="triangle">
-            <a:avLst/>
-          </a:prstGeom>
-        </p:spPr>
-        <p:style>
-          <a:lnRef idx="2">
-            <a:schemeClr val="accent1">
-              <a:shade val="50000"/>
-            </a:schemeClr>
-          </a:lnRef>
-          <a:fillRef idx="1">
-            <a:schemeClr val="accent1"/>
-          </a:fillRef>
-          <a:effectRef idx="0">
-            <a:schemeClr val="accent1"/>
-          </a:effectRef>
-          <a:fontRef idx="minor">
-            <a:schemeClr val="lt1"/>
-          </a:fontRef>
-        </p:style>
-        <p:txBody>
-          <a:bodyPr rtlCol="0" anchor="ctr"/>
-          <a:lstStyle/>
-          <a:p>
-            <a:pPr algn="ctr"/>
-            <a:endParaRPr lang="en-AU"/>
-          </a:p>
-        </p:txBody>
-      </p:sp>
-      <p:sp>
-        <p:nvSpPr>
-          <p:cNvPr id="16" name="Rectangle 15"/>
-          <p:cNvSpPr/>
-          <p:nvPr/>
-        </p:nvSpPr>
-        <p:spPr>
-          <a:xfrm>
-            <a:off x="4391897" y="6003133"/>
-            <a:ext cx="205652" cy="211398"/>
-          </a:xfrm>
-          <a:prstGeom prst="rect">
-            <a:avLst/>
-          </a:prstGeom>
-        </p:spPr>
-        <p:style>
-          <a:lnRef idx="2">
-            <a:schemeClr val="accent1">
-              <a:shade val="50000"/>
-            </a:schemeClr>
-          </a:lnRef>
-          <a:fillRef idx="1">
-            <a:schemeClr val="accent1"/>
-          </a:fillRef>
-          <a:effectRef idx="0">
-            <a:schemeClr val="accent1"/>
-          </a:effectRef>
-          <a:fontRef idx="minor">
-            <a:schemeClr val="lt1"/>
-          </a:fontRef>
-        </p:style>
-        <p:txBody>
-          <a:bodyPr rtlCol="0" anchor="ctr"/>
-          <a:lstStyle/>
-          <a:p>
-            <a:pPr algn="ctr"/>
-            <a:endParaRPr lang="en-AU"/>
-          </a:p>
-        </p:txBody>
-      </p:sp>
-      <p:cxnSp>
-        <p:nvCxnSpPr>
-          <p:cNvPr id="17" name="Straight Connector 16"/>
-          <p:cNvCxnSpPr/>
-          <p:nvPr/>
-        </p:nvCxnSpPr>
-        <p:spPr>
-          <a:xfrm>
-            <a:off x="3316406" y="6016781"/>
-            <a:ext cx="218364" cy="0"/>
-          </a:xfrm>
-          <a:prstGeom prst="line">
-            <a:avLst/>
-          </a:prstGeom>
-          <a:ln w="25400"/>
-        </p:spPr>
-        <p:style>
-          <a:lnRef idx="1">
-            <a:schemeClr val="accent1"/>
-          </a:lnRef>
-          <a:fillRef idx="0">
-            <a:schemeClr val="accent1"/>
-          </a:fillRef>
-          <a:effectRef idx="0">
-            <a:schemeClr val="accent1"/>
-          </a:effectRef>
-          <a:fontRef idx="minor">
-            <a:schemeClr val="tx1"/>
-          </a:fontRef>
-        </p:style>
-      </p:cxnSp>
-      <p:cxnSp>
-        <p:nvCxnSpPr>
-          <p:cNvPr id="18" name="Straight Connector 17"/>
-          <p:cNvCxnSpPr/>
-          <p:nvPr/>
-        </p:nvCxnSpPr>
-        <p:spPr>
-          <a:xfrm>
-            <a:off x="3318680" y="6114589"/>
-            <a:ext cx="218364" cy="0"/>
-          </a:xfrm>
-          <a:prstGeom prst="line">
-            <a:avLst/>
-          </a:prstGeom>
-          <a:ln w="25400"/>
-        </p:spPr>
-        <p:style>
-          <a:lnRef idx="1">
-            <a:schemeClr val="accent1"/>
-          </a:lnRef>
-          <a:fillRef idx="0">
-            <a:schemeClr val="accent1"/>
-          </a:fillRef>
-          <a:effectRef idx="0">
-            <a:schemeClr val="accent1"/>
-          </a:effectRef>
-          <a:fontRef idx="minor">
-            <a:schemeClr val="tx1"/>
-          </a:fontRef>
-        </p:style>
-      </p:cxnSp>
-      <p:cxnSp>
-        <p:nvCxnSpPr>
-          <p:cNvPr id="19" name="Straight Connector 18"/>
-          <p:cNvCxnSpPr/>
-          <p:nvPr/>
-        </p:nvCxnSpPr>
-        <p:spPr>
-          <a:xfrm>
-            <a:off x="3320954" y="6212397"/>
-            <a:ext cx="218364" cy="0"/>
-          </a:xfrm>
-          <a:prstGeom prst="line">
-            <a:avLst/>
-          </a:prstGeom>
-          <a:ln w="25400"/>
-        </p:spPr>
-        <p:style>
-          <a:lnRef idx="1">
-            <a:schemeClr val="accent1"/>
-          </a:lnRef>
-          <a:fillRef idx="0">
-            <a:schemeClr val="accent1"/>
-          </a:fillRef>
-          <a:effectRef idx="0">
-            <a:schemeClr val="accent1"/>
-          </a:effectRef>
-          <a:fontRef idx="minor">
-            <a:schemeClr val="tx1"/>
-          </a:fontRef>
-        </p:style>
-      </p:cxnSp>
+            <a:r>
+              <a:rPr lang="en-AU" sz="1200" b="1" dirty="0" smtClean="0"/>
+              <a:t>Toast Message on Main Page:</a:t>
+            </a:r>
+          </a:p>
+          <a:p>
+            <a:r>
+              <a:rPr lang="en-AU" sz="1200" dirty="0"/>
+              <a:t>U</a:t>
+            </a:r>
+            <a:r>
+              <a:rPr lang="en-AU" sz="1200" dirty="0" smtClean="0"/>
+              <a:t>pon successful registration</a:t>
+            </a:r>
+          </a:p>
+          <a:p>
+            <a:r>
+              <a:rPr lang="en-AU" sz="1200" dirty="0" smtClean="0"/>
+              <a:t>Covers Main Menu</a:t>
+            </a:r>
+          </a:p>
+          <a:p>
+            <a:r>
+              <a:rPr lang="en-AU" sz="1200" dirty="0" smtClean="0"/>
+              <a:t>Stays for 10 seconds</a:t>
+            </a:r>
+            <a:endParaRPr lang="en-AU" sz="1200" dirty="0" smtClean="0"/>
+          </a:p>
+        </p:txBody>
+      </p:sp>
     </p:spTree>
     <p:extLst>
       <p:ext uri="{BB962C8B-B14F-4D97-AF65-F5344CB8AC3E}">
-        <p14:creationId xmlns:p14="http://schemas.microsoft.com/office/powerpoint/2010/main" val="3305605349"/>
+        <p14:creationId xmlns:p14="http://schemas.microsoft.com/office/powerpoint/2010/main" val="3284834354"/>
       </p:ext>
     </p:extLst>
   </p:cSld>
@@ -7892,6 +7946,210 @@
       </p:sp>
       <p:sp>
         <p:nvSpPr>
+          <p:cNvPr id="5" name="Rounded Rectangle 4"/>
+          <p:cNvSpPr/>
+          <p:nvPr/>
+        </p:nvSpPr>
+        <p:spPr>
+          <a:xfrm>
+            <a:off x="2060620" y="1887766"/>
+            <a:ext cx="2820473" cy="386366"/>
+          </a:xfrm>
+          <a:prstGeom prst="roundRect">
+            <a:avLst/>
+          </a:prstGeom>
+          <a:solidFill>
+            <a:schemeClr val="bg1">
+              <a:lumMod val="95000"/>
+            </a:schemeClr>
+          </a:solidFill>
+        </p:spPr>
+        <p:style>
+          <a:lnRef idx="2">
+            <a:schemeClr val="accent1">
+              <a:shade val="50000"/>
+            </a:schemeClr>
+          </a:lnRef>
+          <a:fillRef idx="1">
+            <a:schemeClr val="accent1"/>
+          </a:fillRef>
+          <a:effectRef idx="0">
+            <a:schemeClr val="accent1"/>
+          </a:effectRef>
+          <a:fontRef idx="minor">
+            <a:schemeClr val="lt1"/>
+          </a:fontRef>
+        </p:style>
+        <p:txBody>
+          <a:bodyPr rtlCol="0" anchor="ctr"/>
+          <a:lstStyle/>
+          <a:p>
+            <a:r>
+              <a:rPr lang="en-AU" dirty="0" smtClean="0">
+                <a:solidFill>
+                  <a:schemeClr val="bg1">
+                    <a:lumMod val="50000"/>
+                  </a:schemeClr>
+                </a:solidFill>
+              </a:rPr>
+              <a:t>you@email.com</a:t>
+            </a:r>
+            <a:endParaRPr lang="en-AU" dirty="0">
+              <a:solidFill>
+                <a:schemeClr val="bg1">
+                  <a:lumMod val="50000"/>
+                </a:schemeClr>
+              </a:solidFill>
+            </a:endParaRPr>
+          </a:p>
+        </p:txBody>
+      </p:sp>
+      <p:sp>
+        <p:nvSpPr>
+          <p:cNvPr id="6" name="TextBox 5"/>
+          <p:cNvSpPr txBox="1"/>
+          <p:nvPr/>
+        </p:nvSpPr>
+        <p:spPr>
+          <a:xfrm>
+            <a:off x="2060620" y="1610767"/>
+            <a:ext cx="604653" cy="276999"/>
+          </a:xfrm>
+          <a:prstGeom prst="rect">
+            <a:avLst/>
+          </a:prstGeom>
+          <a:noFill/>
+        </p:spPr>
+        <p:txBody>
+          <a:bodyPr wrap="none" rtlCol="0">
+            <a:spAutoFit/>
+          </a:bodyPr>
+          <a:lstStyle/>
+          <a:p>
+            <a:r>
+              <a:rPr lang="en-AU" sz="1200" dirty="0" smtClean="0">
+                <a:solidFill>
+                  <a:schemeClr val="accent5">
+                    <a:lumMod val="50000"/>
+                  </a:schemeClr>
+                </a:solidFill>
+              </a:rPr>
+              <a:t>Email: </a:t>
+            </a:r>
+            <a:endParaRPr lang="en-AU" sz="1200" dirty="0">
+              <a:solidFill>
+                <a:schemeClr val="accent5">
+                  <a:lumMod val="50000"/>
+                </a:schemeClr>
+              </a:solidFill>
+            </a:endParaRPr>
+          </a:p>
+        </p:txBody>
+      </p:sp>
+      <p:sp>
+        <p:nvSpPr>
+          <p:cNvPr id="7" name="Rounded Rectangle 6"/>
+          <p:cNvSpPr/>
+          <p:nvPr/>
+        </p:nvSpPr>
+        <p:spPr>
+          <a:xfrm>
+            <a:off x="2058472" y="2967241"/>
+            <a:ext cx="2820473" cy="386366"/>
+          </a:xfrm>
+          <a:prstGeom prst="roundRect">
+            <a:avLst/>
+          </a:prstGeom>
+          <a:solidFill>
+            <a:schemeClr val="bg1">
+              <a:lumMod val="95000"/>
+            </a:schemeClr>
+          </a:solidFill>
+        </p:spPr>
+        <p:style>
+          <a:lnRef idx="2">
+            <a:schemeClr val="accent1">
+              <a:shade val="50000"/>
+            </a:schemeClr>
+          </a:lnRef>
+          <a:fillRef idx="1">
+            <a:schemeClr val="accent1"/>
+          </a:fillRef>
+          <a:effectRef idx="0">
+            <a:schemeClr val="accent1"/>
+          </a:effectRef>
+          <a:fontRef idx="minor">
+            <a:schemeClr val="lt1"/>
+          </a:fontRef>
+        </p:style>
+        <p:txBody>
+          <a:bodyPr rtlCol="0" anchor="ctr"/>
+          <a:lstStyle/>
+          <a:p>
+            <a:r>
+              <a:rPr lang="en-AU" sz="3200" dirty="0" smtClean="0">
+                <a:solidFill>
+                  <a:schemeClr val="bg1">
+                    <a:lumMod val="50000"/>
+                  </a:schemeClr>
+                </a:solidFill>
+              </a:rPr>
+              <a:t>.....</a:t>
+            </a:r>
+            <a:endParaRPr lang="en-AU" sz="3200" dirty="0">
+              <a:solidFill>
+                <a:schemeClr val="bg1">
+                  <a:lumMod val="50000"/>
+                </a:schemeClr>
+              </a:solidFill>
+            </a:endParaRPr>
+          </a:p>
+        </p:txBody>
+      </p:sp>
+      <p:sp>
+        <p:nvSpPr>
+          <p:cNvPr id="8" name="TextBox 7"/>
+          <p:cNvSpPr txBox="1"/>
+          <p:nvPr/>
+        </p:nvSpPr>
+        <p:spPr>
+          <a:xfrm>
+            <a:off x="2044863" y="2677884"/>
+            <a:ext cx="855106" cy="276999"/>
+          </a:xfrm>
+          <a:prstGeom prst="rect">
+            <a:avLst/>
+          </a:prstGeom>
+          <a:noFill/>
+        </p:spPr>
+        <p:txBody>
+          <a:bodyPr wrap="none" rtlCol="0">
+            <a:spAutoFit/>
+          </a:bodyPr>
+          <a:lstStyle/>
+          <a:p>
+            <a:r>
+              <a:rPr lang="en-AU" sz="1200" dirty="0" smtClean="0">
+                <a:solidFill>
+                  <a:schemeClr val="accent5">
+                    <a:lumMod val="50000"/>
+                  </a:schemeClr>
+                </a:solidFill>
+              </a:rPr>
+              <a:t>Password: </a:t>
+            </a:r>
+            <a:endParaRPr lang="en-AU" sz="1200" dirty="0">
+              <a:solidFill>
+                <a:schemeClr val="accent5">
+                  <a:lumMod val="50000"/>
+                </a:schemeClr>
+              </a:solidFill>
+            </a:endParaRPr>
+          </a:p>
+        </p:txBody>
+      </p:sp>
+      <p:sp>
+        <p:nvSpPr>
           <p:cNvPr id="9" name="Rounded Rectangle 8"/>
           <p:cNvSpPr/>
           <p:nvPr/>
@@ -7944,21 +8202,21 @@
       </p:sp>
       <p:sp>
         <p:nvSpPr>
-          <p:cNvPr id="17" name="Rounded Rectangle 16"/>
+          <p:cNvPr id="10" name="Rounded Rectangle 9"/>
           <p:cNvSpPr/>
           <p:nvPr/>
         </p:nvSpPr>
         <p:spPr>
           <a:xfrm>
-            <a:off x="2015543" y="930499"/>
-            <a:ext cx="2820473" cy="386366"/>
+            <a:off x="4424544" y="2969390"/>
+            <a:ext cx="454401" cy="386366"/>
           </a:xfrm>
           <a:prstGeom prst="roundRect">
             <a:avLst/>
           </a:prstGeom>
           <a:solidFill>
             <a:schemeClr val="bg1">
-              <a:lumMod val="95000"/>
+              <a:lumMod val="85000"/>
             </a:schemeClr>
           </a:solidFill>
         </p:spPr>
@@ -7982,45 +8240,26 @@
           <a:bodyPr rtlCol="0" anchor="ctr"/>
           <a:lstStyle/>
           <a:p>
-            <a:r>
-              <a:rPr lang="en-AU" dirty="0" smtClean="0">
-                <a:solidFill>
-                  <a:schemeClr val="bg1">
-                    <a:lumMod val="50000"/>
-                  </a:schemeClr>
-                </a:solidFill>
-              </a:rPr>
-              <a:t>Search a course</a:t>
-            </a:r>
-            <a:endParaRPr lang="en-AU" dirty="0">
-              <a:solidFill>
-                <a:schemeClr val="bg1">
-                  <a:lumMod val="50000"/>
-                </a:schemeClr>
-              </a:solidFill>
-            </a:endParaRPr>
-          </a:p>
-        </p:txBody>
-      </p:sp>
-      <p:sp>
-        <p:nvSpPr>
-          <p:cNvPr id="18" name="Rounded Rectangle 17"/>
+            <a:pPr algn="ctr"/>
+            <a:endParaRPr lang="en-AU" dirty="0"/>
+          </a:p>
+        </p:txBody>
+      </p:sp>
+      <p:sp>
+        <p:nvSpPr>
+          <p:cNvPr id="11" name="Oval 10"/>
           <p:cNvSpPr/>
           <p:nvPr/>
         </p:nvSpPr>
         <p:spPr>
           <a:xfrm>
-            <a:off x="4381615" y="930499"/>
-            <a:ext cx="454401" cy="386366"/>
-          </a:xfrm>
-          <a:prstGeom prst="roundRect">
-            <a:avLst/>
-          </a:prstGeom>
-          <a:solidFill>
-            <a:schemeClr val="bg1">
-              <a:lumMod val="85000"/>
-            </a:schemeClr>
-          </a:solidFill>
+            <a:off x="4471907" y="3057394"/>
+            <a:ext cx="374703" cy="193183"/>
+          </a:xfrm>
+          <a:prstGeom prst="ellipse">
+            <a:avLst/>
+          </a:prstGeom>
+          <a:ln w="28575"/>
         </p:spPr>
         <p:style>
           <a:lnRef idx="2">
@@ -8043,30 +8282,25 @@
           <a:lstStyle/>
           <a:p>
             <a:pPr algn="ctr"/>
-            <a:endParaRPr lang="en-AU" dirty="0"/>
-          </a:p>
-        </p:txBody>
-      </p:sp>
-      <p:sp>
-        <p:nvSpPr>
-          <p:cNvPr id="13" name="Oval 12"/>
+            <a:endParaRPr lang="en-AU"/>
+          </a:p>
+        </p:txBody>
+      </p:sp>
+      <p:sp>
+        <p:nvSpPr>
+          <p:cNvPr id="12" name="Oval 11"/>
           <p:cNvSpPr/>
           <p:nvPr/>
         </p:nvSpPr>
         <p:spPr>
           <a:xfrm>
-            <a:off x="4463381" y="967367"/>
-            <a:ext cx="206545" cy="233751"/>
+            <a:off x="4560969" y="3055246"/>
+            <a:ext cx="192282" cy="193183"/>
           </a:xfrm>
           <a:prstGeom prst="ellipse">
             <a:avLst/>
           </a:prstGeom>
-          <a:noFill/>
-          <a:ln w="28575">
-            <a:solidFill>
-              <a:schemeClr val="bg1"/>
-            </a:solidFill>
-          </a:ln>
+          <a:ln w="28575"/>
         </p:spPr>
         <p:style>
           <a:lnRef idx="2">
@@ -8093,65 +8327,25 @@
           </a:p>
         </p:txBody>
       </p:sp>
-      <p:cxnSp>
-        <p:nvCxnSpPr>
-          <p:cNvPr id="15" name="Straight Connector 14"/>
-          <p:cNvCxnSpPr/>
-          <p:nvPr/>
-        </p:nvCxnSpPr>
-        <p:spPr>
-          <a:xfrm>
-            <a:off x="4655125" y="1160862"/>
-            <a:ext cx="123627" cy="141715"/>
-          </a:xfrm>
-          <a:prstGeom prst="line">
-            <a:avLst/>
-          </a:prstGeom>
-          <a:ln w="28575">
-            <a:solidFill>
-              <a:schemeClr val="bg1"/>
-            </a:solidFill>
-          </a:ln>
-        </p:spPr>
-        <p:style>
-          <a:lnRef idx="1">
-            <a:schemeClr val="accent1"/>
-          </a:lnRef>
-          <a:fillRef idx="0">
-            <a:schemeClr val="accent1"/>
-          </a:fillRef>
-          <a:effectRef idx="0">
-            <a:schemeClr val="accent1"/>
-          </a:effectRef>
-          <a:fontRef idx="minor">
-            <a:schemeClr val="tx1"/>
-          </a:fontRef>
-        </p:style>
-      </p:cxnSp>
-      <p:sp>
-        <p:nvSpPr>
-          <p:cNvPr id="22" name="Rounded Rectangle 21"/>
+      <p:sp>
+        <p:nvSpPr>
+          <p:cNvPr id="25" name="Rounded Rectangle 24"/>
           <p:cNvSpPr/>
           <p:nvPr/>
         </p:nvSpPr>
         <p:spPr>
           <a:xfrm>
-            <a:off x="1545465" y="5118341"/>
-            <a:ext cx="3760631" cy="743353"/>
+            <a:off x="2053225" y="4008957"/>
+            <a:ext cx="2820473" cy="386366"/>
           </a:xfrm>
           <a:prstGeom prst="roundRect">
-            <a:avLst>
-              <a:gd name="adj" fmla="val 1291"/>
-            </a:avLst>
+            <a:avLst/>
           </a:prstGeom>
           <a:solidFill>
-            <a:schemeClr val="bg1">
-              <a:lumMod val="95000"/>
+            <a:schemeClr val="accent1">
+              <a:lumMod val="75000"/>
             </a:schemeClr>
           </a:solidFill>
-          <a:ln w="12700">
-            <a:noFill/>
-          </a:ln>
         </p:spPr>
         <p:style>
           <a:lnRef idx="2">
@@ -8173,11 +8367,18 @@
           <a:bodyPr rtlCol="0" anchor="ctr"/>
           <a:lstStyle/>
           <a:p>
-            <a:endParaRPr lang="en-AU" sz="3200" dirty="0">
+            <a:pPr algn="ctr"/>
+            <a:r>
+              <a:rPr lang="en-AU" sz="2000" dirty="0" smtClean="0">
+                <a:solidFill>
+                  <a:schemeClr val="bg1"/>
+                </a:solidFill>
+              </a:rPr>
+              <a:t>LOG IN</a:t>
+            </a:r>
+            <a:endParaRPr lang="en-AU" sz="2000" dirty="0">
               <a:solidFill>
-                <a:schemeClr val="bg1">
-                  <a:lumMod val="50000"/>
-                </a:schemeClr>
+                <a:schemeClr val="bg1"/>
               </a:solidFill>
             </a:endParaRPr>
           </a:p>
@@ -8185,778 +8386,14 @@
       </p:sp>
       <p:sp>
         <p:nvSpPr>
-          <p:cNvPr id="16" name="Oval 15"/>
-          <p:cNvSpPr/>
-          <p:nvPr/>
-        </p:nvSpPr>
-        <p:spPr>
-          <a:xfrm>
-            <a:off x="4561544" y="5167366"/>
-            <a:ext cx="439040" cy="460840"/>
-          </a:xfrm>
-          <a:prstGeom prst="ellipse">
-            <a:avLst/>
-          </a:prstGeom>
-          <a:ln>
-            <a:solidFill>
-              <a:schemeClr val="accent5">
-                <a:lumMod val="75000"/>
-              </a:schemeClr>
-            </a:solidFill>
-          </a:ln>
-        </p:spPr>
-        <p:style>
-          <a:lnRef idx="2">
-            <a:schemeClr val="accent1">
-              <a:shade val="50000"/>
-            </a:schemeClr>
-          </a:lnRef>
-          <a:fillRef idx="1">
-            <a:schemeClr val="accent1"/>
-          </a:fillRef>
-          <a:effectRef idx="0">
-            <a:schemeClr val="accent1"/>
-          </a:effectRef>
-          <a:fontRef idx="minor">
-            <a:schemeClr val="lt1"/>
-          </a:fontRef>
-        </p:style>
-        <p:txBody>
-          <a:bodyPr rtlCol="0" anchor="ctr"/>
-          <a:lstStyle/>
-          <a:p>
-            <a:pPr algn="ctr"/>
-            <a:endParaRPr lang="en-AU"/>
-          </a:p>
-        </p:txBody>
-      </p:sp>
-      <p:sp>
-        <p:nvSpPr>
-          <p:cNvPr id="21" name="TextBox 20"/>
-          <p:cNvSpPr txBox="1"/>
-          <p:nvPr/>
-        </p:nvSpPr>
-        <p:spPr>
-          <a:xfrm>
-            <a:off x="4498413" y="5594423"/>
-            <a:ext cx="590931" cy="276999"/>
-          </a:xfrm>
-          <a:prstGeom prst="rect">
-            <a:avLst/>
-          </a:prstGeom>
-          <a:noFill/>
-          <a:ln>
-            <a:noFill/>
-          </a:ln>
-        </p:spPr>
-        <p:txBody>
-          <a:bodyPr wrap="none" rtlCol="0">
-            <a:spAutoFit/>
-          </a:bodyPr>
-          <a:lstStyle/>
-          <a:p>
-            <a:r>
-              <a:rPr lang="en-AU" sz="1200" dirty="0" smtClean="0">
-                <a:solidFill>
-                  <a:schemeClr val="accent1">
-                    <a:lumMod val="50000"/>
-                  </a:schemeClr>
-                </a:solidFill>
-              </a:rPr>
-              <a:t>Profile</a:t>
-            </a:r>
-            <a:endParaRPr lang="en-AU" sz="1200" dirty="0">
-              <a:solidFill>
-                <a:schemeClr val="accent1">
-                  <a:lumMod val="50000"/>
-                </a:schemeClr>
-              </a:solidFill>
-            </a:endParaRPr>
-          </a:p>
-        </p:txBody>
-      </p:sp>
-      <p:sp>
-        <p:nvSpPr>
-          <p:cNvPr id="32" name="Oval 31"/>
-          <p:cNvSpPr/>
-          <p:nvPr/>
-        </p:nvSpPr>
-        <p:spPr>
-          <a:xfrm>
-            <a:off x="1920381" y="5139086"/>
-            <a:ext cx="531238" cy="557616"/>
-          </a:xfrm>
-          <a:prstGeom prst="ellipse">
-            <a:avLst/>
-          </a:prstGeom>
-          <a:solidFill>
-            <a:schemeClr val="bg1"/>
-          </a:solidFill>
-          <a:ln>
-            <a:solidFill>
-              <a:schemeClr val="accent5">
-                <a:lumMod val="75000"/>
-              </a:schemeClr>
-            </a:solidFill>
-          </a:ln>
-        </p:spPr>
-        <p:style>
-          <a:lnRef idx="2">
-            <a:schemeClr val="accent1">
-              <a:shade val="50000"/>
-            </a:schemeClr>
-          </a:lnRef>
-          <a:fillRef idx="1">
-            <a:schemeClr val="accent1"/>
-          </a:fillRef>
-          <a:effectRef idx="0">
-            <a:schemeClr val="accent1"/>
-          </a:effectRef>
-          <a:fontRef idx="minor">
-            <a:schemeClr val="lt1"/>
-          </a:fontRef>
-        </p:style>
-        <p:txBody>
-          <a:bodyPr rtlCol="0" anchor="ctr"/>
-          <a:lstStyle/>
-          <a:p>
-            <a:pPr algn="ctr"/>
-            <a:endParaRPr lang="en-AU"/>
-          </a:p>
-        </p:txBody>
-      </p:sp>
-      <p:sp>
-        <p:nvSpPr>
-          <p:cNvPr id="34" name="TextBox 33"/>
-          <p:cNvSpPr txBox="1"/>
-          <p:nvPr/>
-        </p:nvSpPr>
-        <p:spPr>
-          <a:xfrm>
-            <a:off x="1762464" y="5610202"/>
-            <a:ext cx="838435" cy="307777"/>
-          </a:xfrm>
-          <a:prstGeom prst="rect">
-            <a:avLst/>
-          </a:prstGeom>
-          <a:noFill/>
-          <a:ln>
-            <a:noFill/>
-          </a:ln>
-        </p:spPr>
-        <p:txBody>
-          <a:bodyPr wrap="none" rtlCol="0">
-            <a:spAutoFit/>
-          </a:bodyPr>
-          <a:lstStyle/>
-          <a:p>
-            <a:pPr algn="ctr"/>
-            <a:r>
-              <a:rPr lang="en-AU" sz="1400" dirty="0" smtClean="0">
-                <a:solidFill>
-                  <a:schemeClr val="accent1">
-                    <a:lumMod val="50000"/>
-                  </a:schemeClr>
-                </a:solidFill>
-              </a:rPr>
-              <a:t>Featured</a:t>
-            </a:r>
-            <a:endParaRPr lang="en-AU" sz="1400" dirty="0">
-              <a:solidFill>
-                <a:schemeClr val="accent1">
-                  <a:lumMod val="50000"/>
-                </a:schemeClr>
-              </a:solidFill>
-            </a:endParaRPr>
-          </a:p>
-        </p:txBody>
-      </p:sp>
-      <p:sp>
-        <p:nvSpPr>
-          <p:cNvPr id="23" name="AutoShape 2" descr="blob:https://web.whatsapp.com/875cef06-e096-47fc-b870-98e1c00c5a9a"/>
-          <p:cNvSpPr>
-            <a:spLocks noChangeAspect="1" noChangeArrowheads="1"/>
-          </p:cNvSpPr>
-          <p:nvPr/>
-        </p:nvSpPr>
-        <p:spPr bwMode="auto">
-          <a:xfrm>
-            <a:off x="155575" y="-144463"/>
-            <a:ext cx="304800" cy="304801"/>
-          </a:xfrm>
-          <a:prstGeom prst="rect">
-            <a:avLst/>
-          </a:prstGeom>
-          <a:noFill/>
-          <a:extLst>
-            <a:ext uri="{909E8E84-426E-40DD-AFC4-6F175D3DCCD1}">
-              <a14:hiddenFill xmlns:a14="http://schemas.microsoft.com/office/drawing/2010/main">
-                <a:solidFill>
-                  <a:srgbClr val="FFFFFF"/>
-                </a:solidFill>
-              </a14:hiddenFill>
-            </a:ext>
-          </a:extLst>
-        </p:spPr>
-        <p:txBody>
-          <a:bodyPr vert="horz" wrap="square" lIns="91440" tIns="45720" rIns="91440" bIns="45720" numCol="1" anchor="t" anchorCtr="0" compatLnSpc="1">
-            <a:prstTxWarp prst="textNoShape">
-              <a:avLst/>
-            </a:prstTxWarp>
-          </a:bodyPr>
-          <a:lstStyle/>
-          <a:p>
-            <a:endParaRPr lang="en-AU"/>
-          </a:p>
-        </p:txBody>
-      </p:sp>
-      <p:sp>
-        <p:nvSpPr>
-          <p:cNvPr id="36" name="5-Point Star 35"/>
-          <p:cNvSpPr/>
-          <p:nvPr/>
-        </p:nvSpPr>
-        <p:spPr>
-          <a:xfrm>
-            <a:off x="1995535" y="5223408"/>
-            <a:ext cx="392792" cy="360341"/>
-          </a:xfrm>
-          <a:prstGeom prst="star5">
-            <a:avLst/>
-          </a:prstGeom>
-          <a:solidFill>
-            <a:schemeClr val="accent5">
-              <a:lumMod val="75000"/>
-            </a:schemeClr>
-          </a:solidFill>
-          <a:ln w="25400">
-            <a:solidFill>
-              <a:schemeClr val="accent5">
-                <a:lumMod val="75000"/>
-              </a:schemeClr>
-            </a:solidFill>
-          </a:ln>
-        </p:spPr>
-        <p:style>
-          <a:lnRef idx="2">
-            <a:schemeClr val="accent1">
-              <a:shade val="50000"/>
-            </a:schemeClr>
-          </a:lnRef>
-          <a:fillRef idx="1">
-            <a:schemeClr val="accent1"/>
-          </a:fillRef>
-          <a:effectRef idx="0">
-            <a:schemeClr val="accent1"/>
-          </a:effectRef>
-          <a:fontRef idx="minor">
-            <a:schemeClr val="lt1"/>
-          </a:fontRef>
-        </p:style>
-        <p:txBody>
-          <a:bodyPr rtlCol="0" anchor="ctr"/>
-          <a:lstStyle/>
-          <a:p>
-            <a:pPr algn="ctr"/>
-            <a:endParaRPr lang="en-AU"/>
-          </a:p>
-        </p:txBody>
-      </p:sp>
-      <p:sp>
-        <p:nvSpPr>
-          <p:cNvPr id="37" name="Oval 36"/>
-          <p:cNvSpPr/>
-          <p:nvPr/>
-        </p:nvSpPr>
-        <p:spPr>
-          <a:xfrm>
-            <a:off x="2861105" y="5176362"/>
-            <a:ext cx="399127" cy="418945"/>
-          </a:xfrm>
-          <a:prstGeom prst="ellipse">
-            <a:avLst/>
-          </a:prstGeom>
-          <a:ln>
-            <a:solidFill>
-              <a:schemeClr val="accent5">
-                <a:lumMod val="75000"/>
-              </a:schemeClr>
-            </a:solidFill>
-          </a:ln>
-        </p:spPr>
-        <p:style>
-          <a:lnRef idx="2">
-            <a:schemeClr val="accent1">
-              <a:shade val="50000"/>
-            </a:schemeClr>
-          </a:lnRef>
-          <a:fillRef idx="1">
-            <a:schemeClr val="accent1"/>
-          </a:fillRef>
-          <a:effectRef idx="0">
-            <a:schemeClr val="accent1"/>
-          </a:effectRef>
-          <a:fontRef idx="minor">
-            <a:schemeClr val="lt1"/>
-          </a:fontRef>
-        </p:style>
-        <p:txBody>
-          <a:bodyPr rtlCol="0" anchor="ctr"/>
-          <a:lstStyle/>
-          <a:p>
-            <a:pPr algn="ctr"/>
-            <a:endParaRPr lang="en-AU"/>
-          </a:p>
-        </p:txBody>
-      </p:sp>
-      <p:sp>
-        <p:nvSpPr>
-          <p:cNvPr id="38" name="TextBox 37"/>
-          <p:cNvSpPr txBox="1"/>
-          <p:nvPr/>
-        </p:nvSpPr>
-        <p:spPr>
-          <a:xfrm>
-            <a:off x="2716354" y="5579931"/>
-            <a:ext cx="679994" cy="276999"/>
-          </a:xfrm>
-          <a:prstGeom prst="rect">
-            <a:avLst/>
-          </a:prstGeom>
-          <a:noFill/>
-          <a:ln>
-            <a:noFill/>
-          </a:ln>
-        </p:spPr>
-        <p:txBody>
-          <a:bodyPr wrap="none" rtlCol="0">
-            <a:spAutoFit/>
-          </a:bodyPr>
-          <a:lstStyle/>
-          <a:p>
-            <a:pPr algn="ctr"/>
-            <a:r>
-              <a:rPr lang="en-AU" sz="1200" dirty="0" smtClean="0">
-                <a:solidFill>
-                  <a:schemeClr val="accent1">
-                    <a:lumMod val="50000"/>
-                  </a:schemeClr>
-                </a:solidFill>
-              </a:rPr>
-              <a:t>My Cart</a:t>
-            </a:r>
-            <a:endParaRPr lang="en-AU" sz="1200" dirty="0">
-              <a:solidFill>
-                <a:schemeClr val="accent1">
-                  <a:lumMod val="50000"/>
-                </a:schemeClr>
-              </a:solidFill>
-            </a:endParaRPr>
-          </a:p>
-        </p:txBody>
-      </p:sp>
-      <p:sp>
-        <p:nvSpPr>
-          <p:cNvPr id="40" name="Trapezoid 39"/>
-          <p:cNvSpPr/>
-          <p:nvPr/>
-        </p:nvSpPr>
-        <p:spPr>
-          <a:xfrm flipV="1">
-            <a:off x="2935765" y="5317081"/>
-            <a:ext cx="214312" cy="107344"/>
-          </a:xfrm>
-          <a:prstGeom prst="trapezoid">
-            <a:avLst/>
-          </a:prstGeom>
-          <a:noFill/>
-          <a:ln w="25400">
-            <a:solidFill>
-              <a:schemeClr val="accent5">
-                <a:lumMod val="75000"/>
-              </a:schemeClr>
-            </a:solidFill>
-          </a:ln>
-        </p:spPr>
-        <p:style>
-          <a:lnRef idx="2">
-            <a:schemeClr val="accent1">
-              <a:shade val="50000"/>
-            </a:schemeClr>
-          </a:lnRef>
-          <a:fillRef idx="1">
-            <a:schemeClr val="accent1"/>
-          </a:fillRef>
-          <a:effectRef idx="0">
-            <a:schemeClr val="accent1"/>
-          </a:effectRef>
-          <a:fontRef idx="minor">
-            <a:schemeClr val="lt1"/>
-          </a:fontRef>
-        </p:style>
-        <p:txBody>
-          <a:bodyPr rtlCol="0" anchor="ctr"/>
-          <a:lstStyle/>
-          <a:p>
-            <a:pPr algn="ctr"/>
-            <a:endParaRPr lang="en-AU"/>
-          </a:p>
-        </p:txBody>
-      </p:sp>
-      <p:cxnSp>
-        <p:nvCxnSpPr>
-          <p:cNvPr id="42" name="Straight Connector 41"/>
-          <p:cNvCxnSpPr/>
-          <p:nvPr/>
-        </p:nvCxnSpPr>
-        <p:spPr>
-          <a:xfrm flipV="1">
-            <a:off x="3150077" y="5291412"/>
-            <a:ext cx="62141" cy="35020"/>
-          </a:xfrm>
-          <a:prstGeom prst="line">
-            <a:avLst/>
-          </a:prstGeom>
-          <a:noFill/>
-          <a:ln w="25400">
-            <a:solidFill>
-              <a:schemeClr val="accent5">
-                <a:lumMod val="75000"/>
-              </a:schemeClr>
-            </a:solidFill>
-          </a:ln>
-        </p:spPr>
-        <p:style>
-          <a:lnRef idx="2">
-            <a:schemeClr val="accent1">
-              <a:shade val="50000"/>
-            </a:schemeClr>
-          </a:lnRef>
-          <a:fillRef idx="1">
-            <a:schemeClr val="accent1"/>
-          </a:fillRef>
-          <a:effectRef idx="0">
-            <a:schemeClr val="accent1"/>
-          </a:effectRef>
-          <a:fontRef idx="minor">
-            <a:schemeClr val="lt1"/>
-          </a:fontRef>
-        </p:style>
-      </p:cxnSp>
-      <p:sp>
-        <p:nvSpPr>
-          <p:cNvPr id="44" name="Oval 43"/>
-          <p:cNvSpPr/>
-          <p:nvPr/>
-        </p:nvSpPr>
-        <p:spPr>
-          <a:xfrm>
-            <a:off x="2967515" y="5423141"/>
-            <a:ext cx="55562" cy="66675"/>
-          </a:xfrm>
-          <a:prstGeom prst="ellipse">
-            <a:avLst/>
-          </a:prstGeom>
-          <a:noFill/>
-          <a:ln w="25400">
-            <a:solidFill>
-              <a:schemeClr val="accent5">
-                <a:lumMod val="75000"/>
-              </a:schemeClr>
-            </a:solidFill>
-          </a:ln>
-        </p:spPr>
-        <p:style>
-          <a:lnRef idx="2">
-            <a:schemeClr val="accent1">
-              <a:shade val="50000"/>
-            </a:schemeClr>
-          </a:lnRef>
-          <a:fillRef idx="1">
-            <a:schemeClr val="accent1"/>
-          </a:fillRef>
-          <a:effectRef idx="0">
-            <a:schemeClr val="accent1"/>
-          </a:effectRef>
-          <a:fontRef idx="minor">
-            <a:schemeClr val="lt1"/>
-          </a:fontRef>
-        </p:style>
-        <p:txBody>
-          <a:bodyPr rtlCol="0" anchor="ctr"/>
-          <a:lstStyle/>
-          <a:p>
-            <a:pPr algn="ctr"/>
-            <a:endParaRPr lang="en-AU"/>
-          </a:p>
-        </p:txBody>
-      </p:sp>
-      <p:sp>
-        <p:nvSpPr>
-          <p:cNvPr id="45" name="Oval 44"/>
-          <p:cNvSpPr/>
-          <p:nvPr/>
-        </p:nvSpPr>
-        <p:spPr>
-          <a:xfrm>
-            <a:off x="3075465" y="5423141"/>
-            <a:ext cx="55562" cy="66675"/>
-          </a:xfrm>
-          <a:prstGeom prst="ellipse">
-            <a:avLst/>
-          </a:prstGeom>
-          <a:noFill/>
-          <a:ln w="25400">
-            <a:solidFill>
-              <a:schemeClr val="accent5">
-                <a:lumMod val="75000"/>
-              </a:schemeClr>
-            </a:solidFill>
-          </a:ln>
-        </p:spPr>
-        <p:style>
-          <a:lnRef idx="2">
-            <a:schemeClr val="accent1">
-              <a:shade val="50000"/>
-            </a:schemeClr>
-          </a:lnRef>
-          <a:fillRef idx="1">
-            <a:schemeClr val="accent1"/>
-          </a:fillRef>
-          <a:effectRef idx="0">
-            <a:schemeClr val="accent1"/>
-          </a:effectRef>
-          <a:fontRef idx="minor">
-            <a:schemeClr val="lt1"/>
-          </a:fontRef>
-        </p:style>
-        <p:txBody>
-          <a:bodyPr rtlCol="0" anchor="ctr"/>
-          <a:lstStyle/>
-          <a:p>
-            <a:pPr algn="ctr"/>
-            <a:endParaRPr lang="en-AU"/>
-          </a:p>
-        </p:txBody>
-      </p:sp>
-      <p:cxnSp>
-        <p:nvCxnSpPr>
-          <p:cNvPr id="47" name="Straight Connector 46"/>
-          <p:cNvCxnSpPr>
-            <a:stCxn id="40" idx="1"/>
-            <a:endCxn id="40" idx="3"/>
-          </p:cNvCxnSpPr>
-          <p:nvPr/>
-        </p:nvCxnSpPr>
-        <p:spPr>
-          <a:xfrm>
-            <a:off x="2949183" y="5370753"/>
-            <a:ext cx="187476" cy="0"/>
-          </a:xfrm>
-          <a:prstGeom prst="line">
-            <a:avLst/>
-          </a:prstGeom>
-          <a:noFill/>
-          <a:ln w="25400">
-            <a:solidFill>
-              <a:schemeClr val="accent5">
-                <a:lumMod val="75000"/>
-              </a:schemeClr>
-            </a:solidFill>
-          </a:ln>
-        </p:spPr>
-        <p:style>
-          <a:lnRef idx="2">
-            <a:schemeClr val="accent1">
-              <a:shade val="50000"/>
-            </a:schemeClr>
-          </a:lnRef>
-          <a:fillRef idx="1">
-            <a:schemeClr val="accent1"/>
-          </a:fillRef>
-          <a:effectRef idx="0">
-            <a:schemeClr val="accent1"/>
-          </a:effectRef>
-          <a:fontRef idx="minor">
-            <a:schemeClr val="lt1"/>
-          </a:fontRef>
-        </p:style>
-      </p:cxnSp>
-      <p:cxnSp>
-        <p:nvCxnSpPr>
-          <p:cNvPr id="48" name="Straight Connector 47"/>
-          <p:cNvCxnSpPr>
-            <a:stCxn id="40" idx="2"/>
-            <a:endCxn id="40" idx="0"/>
-          </p:cNvCxnSpPr>
-          <p:nvPr/>
-        </p:nvCxnSpPr>
-        <p:spPr>
-          <a:xfrm>
-            <a:off x="3042921" y="5317081"/>
-            <a:ext cx="0" cy="107344"/>
-          </a:xfrm>
-          <a:prstGeom prst="line">
-            <a:avLst/>
-          </a:prstGeom>
-          <a:noFill/>
-          <a:ln w="25400">
-            <a:solidFill>
-              <a:schemeClr val="accent5">
-                <a:lumMod val="75000"/>
-              </a:schemeClr>
-            </a:solidFill>
-          </a:ln>
-        </p:spPr>
-        <p:style>
-          <a:lnRef idx="2">
-            <a:schemeClr val="accent1">
-              <a:shade val="50000"/>
-            </a:schemeClr>
-          </a:lnRef>
-          <a:fillRef idx="1">
-            <a:schemeClr val="accent1"/>
-          </a:fillRef>
-          <a:effectRef idx="0">
-            <a:schemeClr val="accent1"/>
-          </a:effectRef>
-          <a:fontRef idx="minor">
-            <a:schemeClr val="lt1"/>
-          </a:fontRef>
-        </p:style>
-      </p:cxnSp>
-      <p:sp>
-        <p:nvSpPr>
-          <p:cNvPr id="25" name="Rectangle 24"/>
-          <p:cNvSpPr/>
-          <p:nvPr/>
-        </p:nvSpPr>
-        <p:spPr>
-          <a:xfrm>
-            <a:off x="2046776" y="1399586"/>
-            <a:ext cx="2764294" cy="1020439"/>
-          </a:xfrm>
-          <a:prstGeom prst="rect">
-            <a:avLst/>
-          </a:prstGeom>
-          <a:solidFill>
-            <a:schemeClr val="bg1">
-              <a:lumMod val="95000"/>
-            </a:schemeClr>
-          </a:solidFill>
-          <a:ln>
-            <a:noFill/>
-          </a:ln>
-        </p:spPr>
-        <p:style>
-          <a:lnRef idx="2">
-            <a:schemeClr val="accent1">
-              <a:shade val="50000"/>
-            </a:schemeClr>
-          </a:lnRef>
-          <a:fillRef idx="1">
-            <a:schemeClr val="accent1"/>
-          </a:fillRef>
-          <a:effectRef idx="0">
-            <a:schemeClr val="accent1"/>
-          </a:effectRef>
-          <a:fontRef idx="minor">
-            <a:schemeClr val="lt1"/>
-          </a:fontRef>
-        </p:style>
-        <p:txBody>
-          <a:bodyPr rtlCol="0" anchor="ctr"/>
-          <a:lstStyle/>
-          <a:p>
-            <a:endParaRPr lang="en-AU" dirty="0"/>
-          </a:p>
-        </p:txBody>
-      </p:sp>
-      <p:sp>
-        <p:nvSpPr>
           <p:cNvPr id="26" name="TextBox 25"/>
           <p:cNvSpPr txBox="1"/>
           <p:nvPr/>
         </p:nvSpPr>
         <p:spPr>
           <a:xfrm>
-            <a:off x="2039687" y="1401007"/>
-            <a:ext cx="1964465" cy="338554"/>
-          </a:xfrm>
-          <a:prstGeom prst="rect">
-            <a:avLst/>
-          </a:prstGeom>
-          <a:noFill/>
-        </p:spPr>
-        <p:txBody>
-          <a:bodyPr wrap="square" rtlCol="0">
-            <a:spAutoFit/>
-          </a:bodyPr>
-          <a:lstStyle/>
-          <a:p>
-            <a:r>
-              <a:rPr lang="en-AU" sz="1600" dirty="0" smtClean="0"/>
-              <a:t>Search Filters here …</a:t>
-            </a:r>
-          </a:p>
-        </p:txBody>
-      </p:sp>
-      <p:sp>
-        <p:nvSpPr>
-          <p:cNvPr id="27" name="Rectangle 26"/>
-          <p:cNvSpPr/>
-          <p:nvPr/>
-        </p:nvSpPr>
-        <p:spPr>
-          <a:xfrm>
-            <a:off x="7061980" y="160338"/>
-            <a:ext cx="1768121" cy="1534816"/>
-          </a:xfrm>
-          <a:prstGeom prst="rect">
-            <a:avLst/>
-          </a:prstGeom>
-          <a:solidFill>
-            <a:schemeClr val="bg2"/>
-          </a:solidFill>
-          <a:ln>
-            <a:noFill/>
-          </a:ln>
-        </p:spPr>
-        <p:style>
-          <a:lnRef idx="2">
-            <a:schemeClr val="accent1">
-              <a:shade val="50000"/>
-            </a:schemeClr>
-          </a:lnRef>
-          <a:fillRef idx="1">
-            <a:schemeClr val="accent1"/>
-          </a:fillRef>
-          <a:effectRef idx="0">
-            <a:schemeClr val="accent1"/>
-          </a:effectRef>
-          <a:fontRef idx="minor">
-            <a:schemeClr val="lt1"/>
-          </a:fontRef>
-        </p:style>
-        <p:txBody>
-          <a:bodyPr rtlCol="0" anchor="ctr"/>
-          <a:lstStyle/>
-          <a:p>
-            <a:pPr algn="ctr"/>
-            <a:endParaRPr lang="en-AU" dirty="0"/>
-          </a:p>
-        </p:txBody>
-      </p:sp>
-      <p:sp>
-        <p:nvSpPr>
-          <p:cNvPr id="28" name="TextBox 27"/>
-          <p:cNvSpPr txBox="1"/>
-          <p:nvPr/>
-        </p:nvSpPr>
-        <p:spPr>
-          <a:xfrm>
-            <a:off x="7019777" y="125494"/>
-            <a:ext cx="1933156" cy="1569660"/>
+            <a:off x="2014274" y="2235535"/>
+            <a:ext cx="2836230" cy="276999"/>
           </a:xfrm>
           <a:prstGeom prst="rect">
             <a:avLst/>
@@ -8975,500 +8412,108 @@
                   <a:srgbClr val="FF0000"/>
                 </a:solidFill>
               </a:rPr>
-              <a:t>DN Work on these filters:</a:t>
-            </a:r>
-          </a:p>
-          <a:p>
-            <a:pPr marL="228600" indent="-228600">
-              <a:buFont typeface="+mj-lt"/>
-              <a:buAutoNum type="arabicPeriod"/>
-            </a:pPr>
+              <a:t>Error messages if any </a:t>
+            </a:r>
+            <a:endParaRPr lang="en-AU" sz="1200" dirty="0">
+              <a:solidFill>
+                <a:srgbClr val="FF0000"/>
+              </a:solidFill>
+            </a:endParaRPr>
+          </a:p>
+        </p:txBody>
+      </p:sp>
+      <p:sp>
+        <p:nvSpPr>
+          <p:cNvPr id="27" name="TextBox 26"/>
+          <p:cNvSpPr txBox="1"/>
+          <p:nvPr/>
+        </p:nvSpPr>
+        <p:spPr>
+          <a:xfrm>
+            <a:off x="2052370" y="3327684"/>
+            <a:ext cx="2836230" cy="276999"/>
+          </a:xfrm>
+          <a:prstGeom prst="rect">
+            <a:avLst/>
+          </a:prstGeom>
+          <a:noFill/>
+        </p:spPr>
+        <p:txBody>
+          <a:bodyPr wrap="square" rtlCol="0">
+            <a:spAutoFit/>
+          </a:bodyPr>
+          <a:lstStyle/>
+          <a:p>
             <a:r>
               <a:rPr lang="en-AU" sz="1200" dirty="0" smtClean="0">
                 <a:solidFill>
                   <a:srgbClr val="FF0000"/>
                 </a:solidFill>
               </a:rPr>
-              <a:t>Subject</a:t>
-            </a:r>
-          </a:p>
-          <a:p>
-            <a:pPr marL="228600" indent="-228600">
-              <a:buFont typeface="+mj-lt"/>
-              <a:buAutoNum type="arabicPeriod"/>
-            </a:pPr>
-            <a:r>
-              <a:rPr lang="en-AU" sz="1200" dirty="0" smtClean="0">
-                <a:solidFill>
-                  <a:srgbClr val="FF0000"/>
-                </a:solidFill>
-              </a:rPr>
-              <a:t>Class</a:t>
-            </a:r>
-          </a:p>
-          <a:p>
-            <a:pPr marL="228600" indent="-228600">
-              <a:buFont typeface="+mj-lt"/>
-              <a:buAutoNum type="arabicPeriod"/>
-            </a:pPr>
-            <a:r>
-              <a:rPr lang="en-AU" sz="1200" dirty="0" smtClean="0">
-                <a:solidFill>
-                  <a:srgbClr val="FF0000"/>
-                </a:solidFill>
-              </a:rPr>
-              <a:t>Board</a:t>
-            </a:r>
-          </a:p>
-          <a:p>
-            <a:pPr marL="228600" indent="-228600">
-              <a:buFont typeface="+mj-lt"/>
-              <a:buAutoNum type="arabicPeriod"/>
-            </a:pPr>
-            <a:r>
-              <a:rPr lang="en-AU" sz="1200" dirty="0" smtClean="0">
-                <a:solidFill>
-                  <a:srgbClr val="FF0000"/>
-                </a:solidFill>
-              </a:rPr>
-              <a:t>Teacher Name</a:t>
-            </a:r>
-          </a:p>
-          <a:p>
-            <a:pPr marL="228600" indent="-228600">
-              <a:buFont typeface="+mj-lt"/>
-              <a:buAutoNum type="arabicPeriod"/>
-            </a:pPr>
-            <a:r>
-              <a:rPr lang="en-AU" sz="1200" dirty="0" smtClean="0">
-                <a:solidFill>
-                  <a:srgbClr val="FF0000"/>
-                </a:solidFill>
-              </a:rPr>
-              <a:t>Language</a:t>
-            </a:r>
-          </a:p>
-          <a:p>
-            <a:pPr marL="228600" indent="-228600">
-              <a:buFont typeface="+mj-lt"/>
-              <a:buAutoNum type="arabicPeriod"/>
-            </a:pPr>
-            <a:r>
-              <a:rPr lang="en-AU" sz="1200" dirty="0" smtClean="0">
-                <a:solidFill>
-                  <a:srgbClr val="FF0000"/>
-                </a:solidFill>
-              </a:rPr>
-              <a:t>Price Range (Make it scale, NOT dropdown)</a:t>
-            </a:r>
-          </a:p>
-        </p:txBody>
-      </p:sp>
-      <p:cxnSp>
-        <p:nvCxnSpPr>
-          <p:cNvPr id="29" name="Straight Connector 28"/>
-          <p:cNvCxnSpPr>
-            <a:endCxn id="28" idx="1"/>
-          </p:cNvCxnSpPr>
-          <p:nvPr/>
-        </p:nvCxnSpPr>
-        <p:spPr>
-          <a:xfrm flipV="1">
-            <a:off x="4778754" y="910324"/>
-            <a:ext cx="2241023" cy="604585"/>
-          </a:xfrm>
-          <a:prstGeom prst="line">
-            <a:avLst/>
-          </a:prstGeom>
-          <a:ln>
-            <a:solidFill>
-              <a:srgbClr val="FF0000"/>
-            </a:solidFill>
-          </a:ln>
-        </p:spPr>
-        <p:style>
-          <a:lnRef idx="1">
-            <a:schemeClr val="accent1"/>
-          </a:lnRef>
-          <a:fillRef idx="0">
-            <a:schemeClr val="accent1"/>
-          </a:fillRef>
-          <a:effectRef idx="0">
-            <a:schemeClr val="accent1"/>
-          </a:effectRef>
-          <a:fontRef idx="minor">
-            <a:schemeClr val="tx1"/>
-          </a:fontRef>
-        </p:style>
-      </p:cxnSp>
-      <p:sp>
-        <p:nvSpPr>
-          <p:cNvPr id="6" name="Isosceles Triangle 5"/>
-          <p:cNvSpPr/>
-          <p:nvPr/>
-        </p:nvSpPr>
-        <p:spPr>
-          <a:xfrm rot="16200000">
-            <a:off x="2306010" y="6038346"/>
-            <a:ext cx="219758" cy="168185"/>
-          </a:xfrm>
-          <a:prstGeom prst="triangle">
-            <a:avLst/>
-          </a:prstGeom>
-        </p:spPr>
-        <p:style>
-          <a:lnRef idx="2">
-            <a:schemeClr val="accent1">
-              <a:shade val="50000"/>
-            </a:schemeClr>
-          </a:lnRef>
-          <a:fillRef idx="1">
-            <a:schemeClr val="accent1"/>
-          </a:fillRef>
-          <a:effectRef idx="0">
-            <a:schemeClr val="accent1"/>
-          </a:effectRef>
-          <a:fontRef idx="minor">
-            <a:schemeClr val="lt1"/>
-          </a:fontRef>
-        </p:style>
-        <p:txBody>
-          <a:bodyPr rtlCol="0" anchor="ctr"/>
-          <a:lstStyle/>
-          <a:p>
-            <a:pPr algn="ctr"/>
-            <a:endParaRPr lang="en-AU"/>
-          </a:p>
-        </p:txBody>
-      </p:sp>
-      <p:sp>
-        <p:nvSpPr>
-          <p:cNvPr id="7" name="Rectangle 6"/>
-          <p:cNvSpPr/>
-          <p:nvPr/>
-        </p:nvSpPr>
-        <p:spPr>
-          <a:xfrm>
-            <a:off x="4391897" y="6003133"/>
-            <a:ext cx="205652" cy="211398"/>
+              <a:t>Error messages if any </a:t>
+            </a:r>
+            <a:endParaRPr lang="en-AU" sz="1200" dirty="0">
+              <a:solidFill>
+                <a:srgbClr val="FF0000"/>
+              </a:solidFill>
+            </a:endParaRPr>
+          </a:p>
+        </p:txBody>
+      </p:sp>
+      <p:sp>
+        <p:nvSpPr>
+          <p:cNvPr id="29" name="TextBox 28"/>
+          <p:cNvSpPr txBox="1"/>
+          <p:nvPr/>
+        </p:nvSpPr>
+        <p:spPr>
+          <a:xfrm>
+            <a:off x="2060620" y="4777832"/>
+            <a:ext cx="2827980" cy="338554"/>
           </a:xfrm>
           <a:prstGeom prst="rect">
             <a:avLst/>
           </a:prstGeom>
-        </p:spPr>
-        <p:style>
-          <a:lnRef idx="2">
-            <a:schemeClr val="accent1">
-              <a:shade val="50000"/>
-            </a:schemeClr>
-          </a:lnRef>
-          <a:fillRef idx="1">
-            <a:schemeClr val="accent1"/>
-          </a:fillRef>
-          <a:effectRef idx="0">
-            <a:schemeClr val="accent1"/>
-          </a:effectRef>
-          <a:fontRef idx="minor">
-            <a:schemeClr val="lt1"/>
-          </a:fontRef>
-        </p:style>
-        <p:txBody>
-          <a:bodyPr rtlCol="0" anchor="ctr"/>
-          <a:lstStyle/>
-          <a:p>
-            <a:pPr algn="ctr"/>
-            <a:endParaRPr lang="en-AU"/>
-          </a:p>
-        </p:txBody>
-      </p:sp>
-      <p:cxnSp>
-        <p:nvCxnSpPr>
-          <p:cNvPr id="10" name="Straight Connector 9"/>
-          <p:cNvCxnSpPr/>
-          <p:nvPr/>
-        </p:nvCxnSpPr>
-        <p:spPr>
-          <a:xfrm>
-            <a:off x="3316406" y="6016781"/>
-            <a:ext cx="218364" cy="0"/>
-          </a:xfrm>
-          <a:prstGeom prst="line">
-            <a:avLst/>
-          </a:prstGeom>
-          <a:ln w="25400"/>
-        </p:spPr>
-        <p:style>
-          <a:lnRef idx="1">
-            <a:schemeClr val="accent1"/>
-          </a:lnRef>
-          <a:fillRef idx="0">
-            <a:schemeClr val="accent1"/>
-          </a:fillRef>
-          <a:effectRef idx="0">
-            <a:schemeClr val="accent1"/>
-          </a:effectRef>
-          <a:fontRef idx="minor">
-            <a:schemeClr val="tx1"/>
-          </a:fontRef>
-        </p:style>
-      </p:cxnSp>
-      <p:cxnSp>
-        <p:nvCxnSpPr>
-          <p:cNvPr id="39" name="Straight Connector 38"/>
-          <p:cNvCxnSpPr/>
-          <p:nvPr/>
-        </p:nvCxnSpPr>
-        <p:spPr>
-          <a:xfrm>
-            <a:off x="3318680" y="6114589"/>
-            <a:ext cx="218364" cy="0"/>
-          </a:xfrm>
-          <a:prstGeom prst="line">
-            <a:avLst/>
-          </a:prstGeom>
-          <a:ln w="25400"/>
-        </p:spPr>
-        <p:style>
-          <a:lnRef idx="1">
-            <a:schemeClr val="accent1"/>
-          </a:lnRef>
-          <a:fillRef idx="0">
-            <a:schemeClr val="accent1"/>
-          </a:fillRef>
-          <a:effectRef idx="0">
-            <a:schemeClr val="accent1"/>
-          </a:effectRef>
-          <a:fontRef idx="minor">
-            <a:schemeClr val="tx1"/>
-          </a:fontRef>
-        </p:style>
-      </p:cxnSp>
-      <p:cxnSp>
-        <p:nvCxnSpPr>
-          <p:cNvPr id="41" name="Straight Connector 40"/>
-          <p:cNvCxnSpPr/>
-          <p:nvPr/>
-        </p:nvCxnSpPr>
-        <p:spPr>
-          <a:xfrm>
-            <a:off x="3320954" y="6212397"/>
-            <a:ext cx="218364" cy="0"/>
-          </a:xfrm>
-          <a:prstGeom prst="line">
-            <a:avLst/>
-          </a:prstGeom>
-          <a:ln w="25400"/>
-        </p:spPr>
-        <p:style>
-          <a:lnRef idx="1">
-            <a:schemeClr val="accent1"/>
-          </a:lnRef>
-          <a:fillRef idx="0">
-            <a:schemeClr val="accent1"/>
-          </a:fillRef>
-          <a:effectRef idx="0">
-            <a:schemeClr val="accent1"/>
-          </a:effectRef>
-          <a:fontRef idx="minor">
-            <a:schemeClr val="tx1"/>
-          </a:fontRef>
-        </p:style>
-      </p:cxnSp>
-      <p:sp>
-        <p:nvSpPr>
-          <p:cNvPr id="43" name="Oval 42"/>
-          <p:cNvSpPr/>
-          <p:nvPr/>
-        </p:nvSpPr>
-        <p:spPr>
-          <a:xfrm>
-            <a:off x="4607193" y="5360946"/>
-            <a:ext cx="334322" cy="203404"/>
-          </a:xfrm>
-          <a:prstGeom prst="ellipse">
-            <a:avLst/>
-          </a:prstGeom>
-          <a:solidFill>
-            <a:schemeClr val="accent5">
-              <a:lumMod val="75000"/>
-            </a:schemeClr>
-          </a:solidFill>
-          <a:ln w="25400">
-            <a:solidFill>
-              <a:schemeClr val="accent5">
-                <a:lumMod val="75000"/>
-              </a:schemeClr>
-            </a:solidFill>
-          </a:ln>
-        </p:spPr>
-        <p:style>
-          <a:lnRef idx="2">
-            <a:schemeClr val="accent1">
-              <a:shade val="50000"/>
-            </a:schemeClr>
-          </a:lnRef>
-          <a:fillRef idx="1">
-            <a:schemeClr val="accent1"/>
-          </a:fillRef>
-          <a:effectRef idx="0">
-            <a:schemeClr val="accent1"/>
-          </a:effectRef>
-          <a:fontRef idx="minor">
-            <a:schemeClr val="lt1"/>
-          </a:fontRef>
-        </p:style>
-        <p:txBody>
-          <a:bodyPr rtlCol="0" anchor="ctr"/>
-          <a:lstStyle/>
-          <a:p>
-            <a:pPr algn="ctr"/>
-            <a:endParaRPr lang="en-AU"/>
-          </a:p>
-        </p:txBody>
-      </p:sp>
-      <p:sp>
-        <p:nvSpPr>
-          <p:cNvPr id="19" name="Oval 18"/>
-          <p:cNvSpPr/>
-          <p:nvPr/>
-        </p:nvSpPr>
-        <p:spPr>
-          <a:xfrm>
-            <a:off x="4681936" y="5228133"/>
-            <a:ext cx="207586" cy="246118"/>
-          </a:xfrm>
-          <a:prstGeom prst="ellipse">
-            <a:avLst/>
-          </a:prstGeom>
-          <a:ln w="25400">
-            <a:solidFill>
-              <a:schemeClr val="accent5">
-                <a:lumMod val="75000"/>
-              </a:schemeClr>
-            </a:solidFill>
-          </a:ln>
-        </p:spPr>
-        <p:style>
-          <a:lnRef idx="2">
-            <a:schemeClr val="accent1">
-              <a:shade val="50000"/>
-            </a:schemeClr>
-          </a:lnRef>
-          <a:fillRef idx="1">
-            <a:schemeClr val="accent1"/>
-          </a:fillRef>
-          <a:effectRef idx="0">
-            <a:schemeClr val="accent1"/>
-          </a:effectRef>
-          <a:fontRef idx="minor">
-            <a:schemeClr val="lt1"/>
-          </a:fontRef>
-        </p:style>
-        <p:txBody>
-          <a:bodyPr rtlCol="0" anchor="ctr"/>
-          <a:lstStyle/>
-          <a:p>
-            <a:pPr algn="ctr"/>
-            <a:endParaRPr lang="en-AU"/>
-          </a:p>
-        </p:txBody>
-      </p:sp>
-      <p:sp>
-        <p:nvSpPr>
-          <p:cNvPr id="46" name="Oval 45"/>
-          <p:cNvSpPr/>
-          <p:nvPr/>
-        </p:nvSpPr>
-        <p:spPr>
-          <a:xfrm>
-            <a:off x="3723193" y="5178634"/>
-            <a:ext cx="399127" cy="418945"/>
-          </a:xfrm>
-          <a:prstGeom prst="ellipse">
-            <a:avLst/>
-          </a:prstGeom>
-          <a:ln>
-            <a:solidFill>
-              <a:schemeClr val="accent5">
-                <a:lumMod val="75000"/>
-              </a:schemeClr>
-            </a:solidFill>
-          </a:ln>
-        </p:spPr>
-        <p:style>
-          <a:lnRef idx="2">
-            <a:schemeClr val="accent1">
-              <a:shade val="50000"/>
-            </a:schemeClr>
-          </a:lnRef>
-          <a:fillRef idx="1">
-            <a:schemeClr val="accent1"/>
-          </a:fillRef>
-          <a:effectRef idx="0">
-            <a:schemeClr val="accent1"/>
-          </a:effectRef>
-          <a:fontRef idx="minor">
-            <a:schemeClr val="lt1"/>
-          </a:fontRef>
-        </p:style>
-        <p:txBody>
-          <a:bodyPr rtlCol="0" anchor="ctr"/>
-          <a:lstStyle/>
-          <a:p>
-            <a:pPr algn="ctr"/>
-            <a:endParaRPr lang="en-AU"/>
-          </a:p>
-        </p:txBody>
-      </p:sp>
-      <p:sp>
-        <p:nvSpPr>
-          <p:cNvPr id="49" name="TextBox 48"/>
-          <p:cNvSpPr txBox="1"/>
-          <p:nvPr/>
-        </p:nvSpPr>
-        <p:spPr>
-          <a:xfrm>
-            <a:off x="3480659" y="5582203"/>
-            <a:ext cx="875561" cy="276999"/>
-          </a:xfrm>
-          <a:prstGeom prst="rect">
-            <a:avLst/>
-          </a:prstGeom>
           <a:noFill/>
-          <a:ln>
-            <a:noFill/>
-          </a:ln>
-        </p:spPr>
-        <p:txBody>
-          <a:bodyPr wrap="none" rtlCol="0">
+        </p:spPr>
+        <p:txBody>
+          <a:bodyPr wrap="square" rtlCol="0">
             <a:spAutoFit/>
           </a:bodyPr>
           <a:lstStyle/>
           <a:p>
             <a:pPr algn="ctr"/>
             <a:r>
-              <a:rPr lang="en-AU" sz="1200" dirty="0" smtClean="0">
+              <a:rPr lang="en-AU" sz="1600" dirty="0" smtClean="0">
                 <a:solidFill>
-                  <a:schemeClr val="accent1">
+                  <a:schemeClr val="accent5">
                     <a:lumMod val="50000"/>
                   </a:schemeClr>
                 </a:solidFill>
               </a:rPr>
-              <a:t>My </a:t>
-            </a:r>
-            <a:r>
-              <a:rPr lang="en-AU" sz="1200" dirty="0" smtClean="0">
+              <a:t>Not yet registered? </a:t>
+            </a:r>
+            <a:r>
+              <a:rPr lang="en-AU" sz="1600" u="sng" dirty="0" smtClean="0">
                 <a:solidFill>
-                  <a:schemeClr val="accent1">
+                  <a:srgbClr val="00B0F0"/>
+                </a:solidFill>
+              </a:rPr>
+              <a:t>Sign up</a:t>
+            </a:r>
+            <a:r>
+              <a:rPr lang="en-AU" sz="1600" dirty="0" smtClean="0">
+                <a:solidFill>
+                  <a:schemeClr val="accent5">
                     <a:lumMod val="50000"/>
                   </a:schemeClr>
                 </a:solidFill>
               </a:rPr>
-              <a:t>Studies</a:t>
-            </a:r>
-            <a:endParaRPr lang="en-AU" sz="1200" dirty="0">
+              <a:t> </a:t>
+            </a:r>
+            <a:endParaRPr lang="en-AU" sz="1600" dirty="0">
               <a:solidFill>
-                <a:schemeClr val="accent1">
+                <a:schemeClr val="accent5">
                   <a:lumMod val="50000"/>
                 </a:schemeClr>
               </a:solidFill>
@@ -9478,30 +8523,18 @@
       </p:sp>
       <p:sp>
         <p:nvSpPr>
-          <p:cNvPr id="11" name="Trapezoid 10"/>
+          <p:cNvPr id="15" name="Isosceles Triangle 14"/>
           <p:cNvSpPr/>
           <p:nvPr/>
         </p:nvSpPr>
         <p:spPr>
-          <a:xfrm rot="5400000">
-            <a:off x="3735894" y="5334807"/>
-            <a:ext cx="239172" cy="125785"/>
-          </a:xfrm>
-          <a:prstGeom prst="trapezoid">
-            <a:avLst>
-              <a:gd name="adj" fmla="val 22857"/>
-            </a:avLst>
-          </a:prstGeom>
-          <a:solidFill>
-            <a:schemeClr val="accent1"/>
-          </a:solidFill>
-          <a:ln w="25400">
-            <a:solidFill>
-              <a:schemeClr val="accent5">
-                <a:lumMod val="75000"/>
-              </a:schemeClr>
-            </a:solidFill>
-          </a:ln>
+          <a:xfrm rot="16200000">
+            <a:off x="2306010" y="6038346"/>
+            <a:ext cx="219758" cy="168185"/>
+          </a:xfrm>
+          <a:prstGeom prst="triangle">
+            <a:avLst/>
+          </a:prstGeom>
         </p:spPr>
         <p:style>
           <a:lnRef idx="2">
@@ -9530,30 +8563,18 @@
       </p:sp>
       <p:sp>
         <p:nvSpPr>
-          <p:cNvPr id="56" name="Trapezoid 55"/>
+          <p:cNvPr id="16" name="Rectangle 15"/>
           <p:cNvSpPr/>
           <p:nvPr/>
         </p:nvSpPr>
         <p:spPr>
-          <a:xfrm rot="16200000">
-            <a:off x="3872367" y="5334806"/>
-            <a:ext cx="239172" cy="125785"/>
-          </a:xfrm>
-          <a:prstGeom prst="trapezoid">
-            <a:avLst>
-              <a:gd name="adj" fmla="val 22857"/>
-            </a:avLst>
-          </a:prstGeom>
-          <a:solidFill>
-            <a:schemeClr val="accent1"/>
-          </a:solidFill>
-          <a:ln w="25400">
-            <a:solidFill>
-              <a:schemeClr val="accent5">
-                <a:lumMod val="75000"/>
-              </a:schemeClr>
-            </a:solidFill>
-          </a:ln>
+          <a:xfrm>
+            <a:off x="4391897" y="6003133"/>
+            <a:ext cx="205652" cy="211398"/>
+          </a:xfrm>
+          <a:prstGeom prst="rect">
+            <a:avLst/>
+          </a:prstGeom>
         </p:spPr>
         <p:style>
           <a:lnRef idx="2">
@@ -9580,326 +8601,21 @@
           </a:p>
         </p:txBody>
       </p:sp>
-      <p:sp>
-        <p:nvSpPr>
-          <p:cNvPr id="59" name="Rectangle 58"/>
-          <p:cNvSpPr/>
-          <p:nvPr/>
-        </p:nvSpPr>
-        <p:spPr>
-          <a:xfrm>
-            <a:off x="40945" y="3581222"/>
-            <a:ext cx="1270262" cy="1235588"/>
-          </a:xfrm>
-          <a:prstGeom prst="rect">
-            <a:avLst/>
-          </a:prstGeom>
-          <a:solidFill>
-            <a:schemeClr val="bg2"/>
-          </a:solidFill>
-          <a:ln>
-            <a:noFill/>
-          </a:ln>
-        </p:spPr>
-        <p:style>
-          <a:lnRef idx="2">
-            <a:schemeClr val="accent1">
-              <a:shade val="50000"/>
-            </a:schemeClr>
-          </a:lnRef>
-          <a:fillRef idx="1">
-            <a:schemeClr val="accent1"/>
-          </a:fillRef>
-          <a:effectRef idx="0">
-            <a:schemeClr val="accent1"/>
-          </a:effectRef>
-          <a:fontRef idx="minor">
-            <a:schemeClr val="lt1"/>
-          </a:fontRef>
-        </p:style>
-        <p:txBody>
-          <a:bodyPr rtlCol="0" anchor="ctr"/>
-          <a:lstStyle/>
-          <a:p>
-            <a:pPr algn="ctr"/>
-            <a:endParaRPr lang="en-AU" dirty="0"/>
-          </a:p>
-        </p:txBody>
-      </p:sp>
-      <p:sp>
-        <p:nvSpPr>
-          <p:cNvPr id="58" name="TextBox 57"/>
-          <p:cNvSpPr txBox="1"/>
-          <p:nvPr/>
-        </p:nvSpPr>
-        <p:spPr>
-          <a:xfrm>
-            <a:off x="63474" y="3581222"/>
-            <a:ext cx="1364862" cy="1200329"/>
-          </a:xfrm>
-          <a:prstGeom prst="rect">
-            <a:avLst/>
-          </a:prstGeom>
-          <a:noFill/>
-        </p:spPr>
-        <p:txBody>
-          <a:bodyPr wrap="square" rtlCol="0">
-            <a:spAutoFit/>
-          </a:bodyPr>
-          <a:lstStyle/>
-          <a:p>
-            <a:r>
-              <a:rPr lang="en-AU" sz="1200" dirty="0" err="1" smtClean="0"/>
-              <a:t>BGColor</a:t>
-            </a:r>
-            <a:r>
-              <a:rPr lang="en-AU" sz="1200" dirty="0" smtClean="0"/>
-              <a:t>: #</a:t>
-            </a:r>
-            <a:r>
-              <a:rPr lang="en-AU" sz="1200" dirty="0" err="1" smtClean="0"/>
-              <a:t>eee</a:t>
-            </a:r>
-            <a:endParaRPr lang="en-AU" sz="1200" dirty="0" smtClean="0"/>
-          </a:p>
-          <a:p>
-            <a:r>
-              <a:rPr lang="en-AU" sz="1200" dirty="0" smtClean="0"/>
-              <a:t>Height: 100</a:t>
-            </a:r>
-          </a:p>
-          <a:p>
-            <a:r>
-              <a:rPr lang="en-AU" sz="1200" dirty="0" smtClean="0"/>
-              <a:t>Width: 100%</a:t>
-            </a:r>
-          </a:p>
-          <a:p>
-            <a:r>
-              <a:rPr lang="en-AU" sz="1200" dirty="0" err="1" smtClean="0"/>
-              <a:t>MarginTopBtm</a:t>
-            </a:r>
-            <a:r>
-              <a:rPr lang="en-AU" sz="1200" dirty="0" smtClean="0"/>
-              <a:t>: 15</a:t>
-            </a:r>
-          </a:p>
-          <a:p>
-            <a:r>
-              <a:rPr lang="en-AU" sz="1200" dirty="0" err="1"/>
-              <a:t>Shaddow</a:t>
-            </a:r>
-            <a:r>
-              <a:rPr lang="en-AU" sz="1200" dirty="0"/>
-              <a:t>: #</a:t>
-            </a:r>
-            <a:r>
-              <a:rPr lang="en-AU" sz="1200" dirty="0" err="1"/>
-              <a:t>aaa</a:t>
-            </a:r>
-            <a:endParaRPr lang="en-AU" sz="1200" dirty="0"/>
-          </a:p>
-          <a:p>
-            <a:r>
-              <a:rPr lang="en-AU" sz="1200" dirty="0"/>
-              <a:t>     3px, </a:t>
-            </a:r>
-            <a:r>
-              <a:rPr lang="en-AU" sz="1200" dirty="0" err="1" smtClean="0"/>
-              <a:t>btm</a:t>
-            </a:r>
-            <a:endParaRPr lang="en-AU" sz="1200" dirty="0"/>
-          </a:p>
-        </p:txBody>
-      </p:sp>
-      <p:sp>
-        <p:nvSpPr>
-          <p:cNvPr id="60" name="Rectangle 59"/>
-          <p:cNvSpPr/>
-          <p:nvPr/>
-        </p:nvSpPr>
-        <p:spPr>
-          <a:xfrm>
-            <a:off x="7303845" y="3597142"/>
-            <a:ext cx="1007642" cy="646736"/>
-          </a:xfrm>
-          <a:prstGeom prst="rect">
-            <a:avLst/>
-          </a:prstGeom>
-          <a:solidFill>
-            <a:schemeClr val="bg2"/>
-          </a:solidFill>
-          <a:ln>
-            <a:noFill/>
-          </a:ln>
-        </p:spPr>
-        <p:style>
-          <a:lnRef idx="2">
-            <a:schemeClr val="accent1">
-              <a:shade val="50000"/>
-            </a:schemeClr>
-          </a:lnRef>
-          <a:fillRef idx="1">
-            <a:schemeClr val="accent1"/>
-          </a:fillRef>
-          <a:effectRef idx="0">
-            <a:schemeClr val="accent1"/>
-          </a:effectRef>
-          <a:fontRef idx="minor">
-            <a:schemeClr val="lt1"/>
-          </a:fontRef>
-        </p:style>
-        <p:txBody>
-          <a:bodyPr rtlCol="0" anchor="ctr"/>
-          <a:lstStyle/>
-          <a:p>
-            <a:pPr algn="ctr"/>
-            <a:endParaRPr lang="en-AU" dirty="0"/>
-          </a:p>
-        </p:txBody>
-      </p:sp>
-      <p:sp>
-        <p:nvSpPr>
-          <p:cNvPr id="61" name="Rectangle 60"/>
-          <p:cNvSpPr/>
-          <p:nvPr/>
-        </p:nvSpPr>
-        <p:spPr>
-          <a:xfrm>
-            <a:off x="1748880" y="2506362"/>
-            <a:ext cx="3557216" cy="1737516"/>
-          </a:xfrm>
-          <a:prstGeom prst="rect">
-            <a:avLst/>
-          </a:prstGeom>
-          <a:solidFill>
-            <a:schemeClr val="bg1">
-              <a:lumMod val="95000"/>
-            </a:schemeClr>
-          </a:solidFill>
-          <a:ln>
-            <a:noFill/>
-          </a:ln>
-        </p:spPr>
-        <p:style>
-          <a:lnRef idx="2">
-            <a:schemeClr val="accent1">
-              <a:shade val="50000"/>
-            </a:schemeClr>
-          </a:lnRef>
-          <a:fillRef idx="1">
-            <a:schemeClr val="accent1"/>
-          </a:fillRef>
-          <a:effectRef idx="0">
-            <a:schemeClr val="accent1"/>
-          </a:effectRef>
-          <a:fontRef idx="minor">
-            <a:schemeClr val="lt1"/>
-          </a:fontRef>
-        </p:style>
-        <p:txBody>
-          <a:bodyPr rtlCol="0" anchor="ctr"/>
-          <a:lstStyle/>
-          <a:p>
-            <a:endParaRPr lang="en-AU" dirty="0"/>
-          </a:p>
-        </p:txBody>
-      </p:sp>
-      <p:sp>
-        <p:nvSpPr>
-          <p:cNvPr id="62" name="TextBox 61"/>
-          <p:cNvSpPr txBox="1"/>
-          <p:nvPr/>
-        </p:nvSpPr>
-        <p:spPr>
-          <a:xfrm>
-            <a:off x="1728062" y="2536045"/>
-            <a:ext cx="1964465" cy="338554"/>
-          </a:xfrm>
-          <a:prstGeom prst="rect">
-            <a:avLst/>
-          </a:prstGeom>
-          <a:noFill/>
-        </p:spPr>
-        <p:txBody>
-          <a:bodyPr wrap="square" rtlCol="0">
-            <a:spAutoFit/>
-          </a:bodyPr>
-          <a:lstStyle/>
-          <a:p>
-            <a:r>
-              <a:rPr lang="en-AU" sz="1600" dirty="0" smtClean="0"/>
-              <a:t>Course cards here …</a:t>
-            </a:r>
-          </a:p>
-        </p:txBody>
-      </p:sp>
-      <p:sp>
-        <p:nvSpPr>
-          <p:cNvPr id="63" name="Rectangle 62"/>
-          <p:cNvSpPr/>
-          <p:nvPr/>
-        </p:nvSpPr>
-        <p:spPr>
-          <a:xfrm>
-            <a:off x="1545464" y="4353200"/>
-            <a:ext cx="3760631" cy="684972"/>
-          </a:xfrm>
-          <a:prstGeom prst="rect">
-            <a:avLst/>
-          </a:prstGeom>
-          <a:solidFill>
-            <a:schemeClr val="bg1">
-              <a:lumMod val="95000"/>
-            </a:schemeClr>
-          </a:solidFill>
-          <a:ln>
-            <a:noFill/>
-          </a:ln>
-        </p:spPr>
-        <p:style>
-          <a:lnRef idx="2">
-            <a:schemeClr val="accent1">
-              <a:shade val="50000"/>
-            </a:schemeClr>
-          </a:lnRef>
-          <a:fillRef idx="1">
-            <a:schemeClr val="accent1"/>
-          </a:fillRef>
-          <a:effectRef idx="0">
-            <a:schemeClr val="accent1"/>
-          </a:effectRef>
-          <a:fontRef idx="minor">
-            <a:schemeClr val="lt1"/>
-          </a:fontRef>
-        </p:style>
-        <p:txBody>
-          <a:bodyPr rtlCol="0" anchor="ctr"/>
-          <a:lstStyle/>
-          <a:p>
-            <a:endParaRPr lang="en-AU" dirty="0"/>
-          </a:p>
-        </p:txBody>
-      </p:sp>
       <p:cxnSp>
         <p:nvCxnSpPr>
-          <p:cNvPr id="57" name="Straight Connector 56"/>
+          <p:cNvPr id="17" name="Straight Connector 16"/>
           <p:cNvCxnSpPr/>
           <p:nvPr/>
         </p:nvCxnSpPr>
         <p:spPr>
-          <a:xfrm flipH="1" flipV="1">
-            <a:off x="1311208" y="4781551"/>
-            <a:ext cx="234256" cy="575756"/>
+          <a:xfrm>
+            <a:off x="3316406" y="6016781"/>
+            <a:ext cx="218364" cy="0"/>
           </a:xfrm>
           <a:prstGeom prst="line">
             <a:avLst/>
           </a:prstGeom>
-          <a:ln>
-            <a:solidFill>
-              <a:schemeClr val="tx1"/>
-            </a:solidFill>
-          </a:ln>
+          <a:ln w="25400"/>
         </p:spPr>
         <p:style>
           <a:lnRef idx="1">
@@ -9916,57 +8632,21 @@
           </a:fontRef>
         </p:style>
       </p:cxnSp>
-      <p:sp>
-        <p:nvSpPr>
-          <p:cNvPr id="64" name="TextBox 63"/>
-          <p:cNvSpPr txBox="1"/>
-          <p:nvPr/>
-        </p:nvSpPr>
-        <p:spPr>
-          <a:xfrm>
-            <a:off x="1593857" y="4353475"/>
-            <a:ext cx="3242159" cy="338554"/>
-          </a:xfrm>
-          <a:prstGeom prst="rect">
-            <a:avLst/>
-          </a:prstGeom>
-          <a:noFill/>
-        </p:spPr>
-        <p:txBody>
-          <a:bodyPr wrap="square" rtlCol="0">
-            <a:spAutoFit/>
-          </a:bodyPr>
-          <a:lstStyle/>
-          <a:p>
-            <a:r>
-              <a:rPr lang="en-AU" sz="1600" dirty="0" smtClean="0"/>
-              <a:t>Last Studied Clouse, Chapter here …</a:t>
-            </a:r>
-          </a:p>
-        </p:txBody>
-      </p:sp>
       <p:cxnSp>
         <p:nvCxnSpPr>
-          <p:cNvPr id="65" name="Straight Connector 64"/>
-          <p:cNvCxnSpPr>
-            <a:stCxn id="32" idx="7"/>
-            <a:endCxn id="60" idx="1"/>
-          </p:cNvCxnSpPr>
+          <p:cNvPr id="18" name="Straight Connector 17"/>
+          <p:cNvCxnSpPr/>
           <p:nvPr/>
         </p:nvCxnSpPr>
         <p:spPr>
-          <a:xfrm flipV="1">
-            <a:off x="2373821" y="3920510"/>
-            <a:ext cx="4930024" cy="1300237"/>
+          <a:xfrm>
+            <a:off x="3318680" y="6114589"/>
+            <a:ext cx="218364" cy="0"/>
           </a:xfrm>
           <a:prstGeom prst="line">
             <a:avLst/>
           </a:prstGeom>
-          <a:ln>
-            <a:solidFill>
-              <a:schemeClr val="tx1"/>
-            </a:solidFill>
-          </a:ln>
+          <a:ln w="25400"/>
         </p:spPr>
         <p:style>
           <a:lnRef idx="1">
@@ -9983,157 +8663,21 @@
           </a:fontRef>
         </p:style>
       </p:cxnSp>
-      <p:sp>
-        <p:nvSpPr>
-          <p:cNvPr id="66" name="TextBox 65"/>
-          <p:cNvSpPr txBox="1"/>
-          <p:nvPr/>
-        </p:nvSpPr>
-        <p:spPr>
-          <a:xfrm>
-            <a:off x="7249252" y="3620087"/>
-            <a:ext cx="1130472" cy="646331"/>
-          </a:xfrm>
-          <a:prstGeom prst="rect">
-            <a:avLst/>
-          </a:prstGeom>
-          <a:noFill/>
-        </p:spPr>
-        <p:txBody>
-          <a:bodyPr wrap="square" rtlCol="0">
-            <a:spAutoFit/>
-          </a:bodyPr>
-          <a:lstStyle/>
-          <a:p>
-            <a:r>
-              <a:rPr lang="en-AU" sz="1200" b="1" dirty="0" smtClean="0"/>
-              <a:t>Clicked Icon:</a:t>
-            </a:r>
-          </a:p>
-          <a:p>
-            <a:r>
-              <a:rPr lang="en-AU" sz="1200" dirty="0" err="1" smtClean="0"/>
-              <a:t>FontSize</a:t>
-            </a:r>
-            <a:r>
-              <a:rPr lang="en-AU" sz="1200" dirty="0" smtClean="0"/>
-              <a:t>: 14</a:t>
-            </a:r>
-          </a:p>
-          <a:p>
-            <a:r>
-              <a:rPr lang="en-AU" sz="1200" dirty="0" smtClean="0"/>
-              <a:t>Image changed</a:t>
-            </a:r>
-          </a:p>
-        </p:txBody>
-      </p:sp>
-      <p:sp>
-        <p:nvSpPr>
-          <p:cNvPr id="69" name="Rectangle 68"/>
-          <p:cNvSpPr/>
-          <p:nvPr/>
-        </p:nvSpPr>
-        <p:spPr>
-          <a:xfrm>
-            <a:off x="7278823" y="4377341"/>
-            <a:ext cx="1155493" cy="524482"/>
-          </a:xfrm>
-          <a:prstGeom prst="rect">
-            <a:avLst/>
-          </a:prstGeom>
-          <a:solidFill>
-            <a:schemeClr val="bg2"/>
-          </a:solidFill>
-          <a:ln>
-            <a:noFill/>
-          </a:ln>
-        </p:spPr>
-        <p:style>
-          <a:lnRef idx="2">
-            <a:schemeClr val="accent1">
-              <a:shade val="50000"/>
-            </a:schemeClr>
-          </a:lnRef>
-          <a:fillRef idx="1">
-            <a:schemeClr val="accent1"/>
-          </a:fillRef>
-          <a:effectRef idx="0">
-            <a:schemeClr val="accent1"/>
-          </a:effectRef>
-          <a:fontRef idx="minor">
-            <a:schemeClr val="lt1"/>
-          </a:fontRef>
-        </p:style>
-        <p:txBody>
-          <a:bodyPr rtlCol="0" anchor="ctr"/>
-          <a:lstStyle/>
-          <a:p>
-            <a:pPr algn="ctr"/>
-            <a:endParaRPr lang="en-AU" dirty="0"/>
-          </a:p>
-        </p:txBody>
-      </p:sp>
-      <p:sp>
-        <p:nvSpPr>
-          <p:cNvPr id="70" name="TextBox 69"/>
-          <p:cNvSpPr txBox="1"/>
-          <p:nvPr/>
-        </p:nvSpPr>
-        <p:spPr>
-          <a:xfrm>
-            <a:off x="7265178" y="4400286"/>
-            <a:ext cx="1346562" cy="461665"/>
-          </a:xfrm>
-          <a:prstGeom prst="rect">
-            <a:avLst/>
-          </a:prstGeom>
-          <a:noFill/>
-        </p:spPr>
-        <p:txBody>
-          <a:bodyPr wrap="square" rtlCol="0">
-            <a:spAutoFit/>
-          </a:bodyPr>
-          <a:lstStyle/>
-          <a:p>
-            <a:r>
-              <a:rPr lang="en-AU" sz="1200" b="1" dirty="0" smtClean="0"/>
-              <a:t>Unclicked Icon:</a:t>
-            </a:r>
-          </a:p>
-          <a:p>
-            <a:r>
-              <a:rPr lang="en-AU" sz="1200" dirty="0" err="1" smtClean="0"/>
-              <a:t>FontSize</a:t>
-            </a:r>
-            <a:r>
-              <a:rPr lang="en-AU" sz="1200" dirty="0" smtClean="0"/>
-              <a:t>: 12</a:t>
-            </a:r>
-          </a:p>
-        </p:txBody>
-      </p:sp>
       <p:cxnSp>
         <p:nvCxnSpPr>
-          <p:cNvPr id="71" name="Straight Connector 70"/>
-          <p:cNvCxnSpPr>
-            <a:endCxn id="70" idx="1"/>
-          </p:cNvCxnSpPr>
+          <p:cNvPr id="19" name="Straight Connector 18"/>
+          <p:cNvCxnSpPr/>
           <p:nvPr/>
         </p:nvCxnSpPr>
         <p:spPr>
-          <a:xfrm flipV="1">
-            <a:off x="4964949" y="4631119"/>
-            <a:ext cx="2300229" cy="646993"/>
+          <a:xfrm>
+            <a:off x="3320954" y="6212397"/>
+            <a:ext cx="218364" cy="0"/>
           </a:xfrm>
           <a:prstGeom prst="line">
             <a:avLst/>
           </a:prstGeom>
-          <a:ln>
-            <a:solidFill>
-              <a:schemeClr val="tx1"/>
-            </a:solidFill>
-          </a:ln>
+          <a:ln w="25400"/>
         </p:spPr>
         <p:style>
           <a:lnRef idx="1">
@@ -10153,7 +8697,7 @@
     </p:spTree>
     <p:extLst>
       <p:ext uri="{BB962C8B-B14F-4D97-AF65-F5344CB8AC3E}">
-        <p14:creationId xmlns:p14="http://schemas.microsoft.com/office/powerpoint/2010/main" val="2946379917"/>
+        <p14:creationId xmlns:p14="http://schemas.microsoft.com/office/powerpoint/2010/main" val="3305605349"/>
       </p:ext>
     </p:extLst>
   </p:cSld>
@@ -10182,147 +8726,6 @@
       </p:grpSpPr>
       <p:sp>
         <p:nvSpPr>
-          <p:cNvPr id="158" name="Rectangle 157"/>
-          <p:cNvSpPr/>
-          <p:nvPr/>
-        </p:nvSpPr>
-        <p:spPr>
-          <a:xfrm>
-            <a:off x="2046776" y="1399586"/>
-            <a:ext cx="2764294" cy="1020439"/>
-          </a:xfrm>
-          <a:prstGeom prst="rect">
-            <a:avLst/>
-          </a:prstGeom>
-          <a:solidFill>
-            <a:schemeClr val="bg1">
-              <a:lumMod val="95000"/>
-            </a:schemeClr>
-          </a:solidFill>
-          <a:ln>
-            <a:noFill/>
-          </a:ln>
-        </p:spPr>
-        <p:style>
-          <a:lnRef idx="2">
-            <a:schemeClr val="accent1">
-              <a:shade val="50000"/>
-            </a:schemeClr>
-          </a:lnRef>
-          <a:fillRef idx="1">
-            <a:schemeClr val="accent1"/>
-          </a:fillRef>
-          <a:effectRef idx="0">
-            <a:schemeClr val="accent1"/>
-          </a:effectRef>
-          <a:fontRef idx="minor">
-            <a:schemeClr val="lt1"/>
-          </a:fontRef>
-        </p:style>
-        <p:txBody>
-          <a:bodyPr rtlCol="0" anchor="ctr"/>
-          <a:lstStyle/>
-          <a:p>
-            <a:endParaRPr lang="en-AU" dirty="0"/>
-          </a:p>
-        </p:txBody>
-      </p:sp>
-      <p:sp>
-        <p:nvSpPr>
-          <p:cNvPr id="115" name="Rectangle 114"/>
-          <p:cNvSpPr/>
-          <p:nvPr/>
-        </p:nvSpPr>
-        <p:spPr>
-          <a:xfrm>
-            <a:off x="8242540" y="4927677"/>
-            <a:ext cx="1114687" cy="966378"/>
-          </a:xfrm>
-          <a:prstGeom prst="rect">
-            <a:avLst/>
-          </a:prstGeom>
-          <a:solidFill>
-            <a:schemeClr val="bg2"/>
-          </a:solidFill>
-          <a:ln>
-            <a:noFill/>
-          </a:ln>
-        </p:spPr>
-        <p:style>
-          <a:lnRef idx="2">
-            <a:schemeClr val="accent1">
-              <a:shade val="50000"/>
-            </a:schemeClr>
-          </a:lnRef>
-          <a:fillRef idx="1">
-            <a:schemeClr val="accent1"/>
-          </a:fillRef>
-          <a:effectRef idx="0">
-            <a:schemeClr val="accent1"/>
-          </a:effectRef>
-          <a:fontRef idx="minor">
-            <a:schemeClr val="lt1"/>
-          </a:fontRef>
-        </p:style>
-        <p:txBody>
-          <a:bodyPr rtlCol="0" anchor="ctr"/>
-          <a:lstStyle/>
-          <a:p>
-            <a:pPr algn="ctr"/>
-            <a:endParaRPr lang="en-AU" dirty="0"/>
-          </a:p>
-        </p:txBody>
-      </p:sp>
-      <p:sp>
-        <p:nvSpPr>
-          <p:cNvPr id="39" name="Rectangle 38"/>
-          <p:cNvSpPr/>
-          <p:nvPr/>
-        </p:nvSpPr>
-        <p:spPr>
-          <a:xfrm>
-            <a:off x="4919213" y="2543676"/>
-            <a:ext cx="1484504" cy="2140866"/>
-          </a:xfrm>
-          <a:prstGeom prst="rect">
-            <a:avLst/>
-          </a:prstGeom>
-          <a:solidFill>
-            <a:schemeClr val="bg1">
-              <a:lumMod val="95000"/>
-            </a:schemeClr>
-          </a:solidFill>
-          <a:ln>
-            <a:noFill/>
-          </a:ln>
-        </p:spPr>
-        <p:style>
-          <a:lnRef idx="2">
-            <a:schemeClr val="accent1">
-              <a:shade val="50000"/>
-            </a:schemeClr>
-          </a:lnRef>
-          <a:fillRef idx="1">
-            <a:schemeClr val="accent1"/>
-          </a:fillRef>
-          <a:effectRef idx="0">
-            <a:schemeClr val="accent1"/>
-          </a:effectRef>
-          <a:fontRef idx="minor">
-            <a:schemeClr val="lt1"/>
-          </a:fontRef>
-        </p:style>
-        <p:txBody>
-          <a:bodyPr rtlCol="0" anchor="ctr"/>
-          <a:lstStyle/>
-          <a:p>
-            <a:pPr algn="ctr"/>
-            <a:endParaRPr lang="en-AU"/>
-          </a:p>
-        </p:txBody>
-      </p:sp>
-      <p:sp>
-        <p:nvSpPr>
           <p:cNvPr id="3" name="Rounded Rectangle 2"/>
           <p:cNvSpPr/>
           <p:nvPr/>
@@ -10330,7 +8733,7 @@
         <p:spPr>
           <a:xfrm>
             <a:off x="1545465" y="425003"/>
-            <a:ext cx="3760631" cy="6200880"/>
+            <a:ext cx="3760631" cy="5911403"/>
           </a:xfrm>
           <a:prstGeom prst="roundRect">
             <a:avLst>
@@ -10603,6 +9006,249 @@
           </a:fontRef>
         </p:style>
       </p:cxnSp>
+      <p:sp>
+        <p:nvSpPr>
+          <p:cNvPr id="22" name="Rounded Rectangle 21"/>
+          <p:cNvSpPr/>
+          <p:nvPr/>
+        </p:nvSpPr>
+        <p:spPr>
+          <a:xfrm>
+            <a:off x="1545465" y="5118341"/>
+            <a:ext cx="3760631" cy="743353"/>
+          </a:xfrm>
+          <a:prstGeom prst="roundRect">
+            <a:avLst>
+              <a:gd name="adj" fmla="val 1291"/>
+            </a:avLst>
+          </a:prstGeom>
+          <a:solidFill>
+            <a:schemeClr val="bg1">
+              <a:lumMod val="95000"/>
+            </a:schemeClr>
+          </a:solidFill>
+          <a:ln w="12700">
+            <a:noFill/>
+          </a:ln>
+        </p:spPr>
+        <p:style>
+          <a:lnRef idx="2">
+            <a:schemeClr val="accent1">
+              <a:shade val="50000"/>
+            </a:schemeClr>
+          </a:lnRef>
+          <a:fillRef idx="1">
+            <a:schemeClr val="accent1"/>
+          </a:fillRef>
+          <a:effectRef idx="0">
+            <a:schemeClr val="accent1"/>
+          </a:effectRef>
+          <a:fontRef idx="minor">
+            <a:schemeClr val="lt1"/>
+          </a:fontRef>
+        </p:style>
+        <p:txBody>
+          <a:bodyPr rtlCol="0" anchor="ctr"/>
+          <a:lstStyle/>
+          <a:p>
+            <a:endParaRPr lang="en-AU" sz="3200" dirty="0">
+              <a:solidFill>
+                <a:schemeClr val="bg1">
+                  <a:lumMod val="50000"/>
+                </a:schemeClr>
+              </a:solidFill>
+            </a:endParaRPr>
+          </a:p>
+        </p:txBody>
+      </p:sp>
+      <p:sp>
+        <p:nvSpPr>
+          <p:cNvPr id="16" name="Oval 15"/>
+          <p:cNvSpPr/>
+          <p:nvPr/>
+        </p:nvSpPr>
+        <p:spPr>
+          <a:xfrm>
+            <a:off x="4561544" y="5167366"/>
+            <a:ext cx="439040" cy="460840"/>
+          </a:xfrm>
+          <a:prstGeom prst="ellipse">
+            <a:avLst/>
+          </a:prstGeom>
+          <a:ln>
+            <a:solidFill>
+              <a:schemeClr val="accent5">
+                <a:lumMod val="75000"/>
+              </a:schemeClr>
+            </a:solidFill>
+          </a:ln>
+        </p:spPr>
+        <p:style>
+          <a:lnRef idx="2">
+            <a:schemeClr val="accent1">
+              <a:shade val="50000"/>
+            </a:schemeClr>
+          </a:lnRef>
+          <a:fillRef idx="1">
+            <a:schemeClr val="accent1"/>
+          </a:fillRef>
+          <a:effectRef idx="0">
+            <a:schemeClr val="accent1"/>
+          </a:effectRef>
+          <a:fontRef idx="minor">
+            <a:schemeClr val="lt1"/>
+          </a:fontRef>
+        </p:style>
+        <p:txBody>
+          <a:bodyPr rtlCol="0" anchor="ctr"/>
+          <a:lstStyle/>
+          <a:p>
+            <a:pPr algn="ctr"/>
+            <a:endParaRPr lang="en-AU"/>
+          </a:p>
+        </p:txBody>
+      </p:sp>
+      <p:sp>
+        <p:nvSpPr>
+          <p:cNvPr id="21" name="TextBox 20"/>
+          <p:cNvSpPr txBox="1"/>
+          <p:nvPr/>
+        </p:nvSpPr>
+        <p:spPr>
+          <a:xfrm>
+            <a:off x="4405894" y="5579931"/>
+            <a:ext cx="826573" cy="276999"/>
+          </a:xfrm>
+          <a:prstGeom prst="rect">
+            <a:avLst/>
+          </a:prstGeom>
+          <a:noFill/>
+          <a:ln>
+            <a:noFill/>
+          </a:ln>
+        </p:spPr>
+        <p:txBody>
+          <a:bodyPr wrap="none" rtlCol="0">
+            <a:spAutoFit/>
+          </a:bodyPr>
+          <a:lstStyle/>
+          <a:p>
+            <a:r>
+              <a:rPr lang="en-AU" sz="1200" dirty="0" smtClean="0">
+                <a:solidFill>
+                  <a:schemeClr val="accent1">
+                    <a:lumMod val="50000"/>
+                  </a:schemeClr>
+                </a:solidFill>
+              </a:rPr>
+              <a:t>My Profile</a:t>
+            </a:r>
+            <a:endParaRPr lang="en-AU" sz="1200" dirty="0">
+              <a:solidFill>
+                <a:schemeClr val="accent1">
+                  <a:lumMod val="50000"/>
+                </a:schemeClr>
+              </a:solidFill>
+            </a:endParaRPr>
+          </a:p>
+        </p:txBody>
+      </p:sp>
+      <p:sp>
+        <p:nvSpPr>
+          <p:cNvPr id="32" name="Oval 31"/>
+          <p:cNvSpPr/>
+          <p:nvPr/>
+        </p:nvSpPr>
+        <p:spPr>
+          <a:xfrm>
+            <a:off x="1920381" y="5139086"/>
+            <a:ext cx="531238" cy="557616"/>
+          </a:xfrm>
+          <a:prstGeom prst="ellipse">
+            <a:avLst/>
+          </a:prstGeom>
+          <a:solidFill>
+            <a:schemeClr val="bg1"/>
+          </a:solidFill>
+          <a:ln>
+            <a:solidFill>
+              <a:schemeClr val="accent5">
+                <a:lumMod val="75000"/>
+              </a:schemeClr>
+            </a:solidFill>
+          </a:ln>
+        </p:spPr>
+        <p:style>
+          <a:lnRef idx="2">
+            <a:schemeClr val="accent1">
+              <a:shade val="50000"/>
+            </a:schemeClr>
+          </a:lnRef>
+          <a:fillRef idx="1">
+            <a:schemeClr val="accent1"/>
+          </a:fillRef>
+          <a:effectRef idx="0">
+            <a:schemeClr val="accent1"/>
+          </a:effectRef>
+          <a:fontRef idx="minor">
+            <a:schemeClr val="lt1"/>
+          </a:fontRef>
+        </p:style>
+        <p:txBody>
+          <a:bodyPr rtlCol="0" anchor="ctr"/>
+          <a:lstStyle/>
+          <a:p>
+            <a:pPr algn="ctr"/>
+            <a:endParaRPr lang="en-AU"/>
+          </a:p>
+        </p:txBody>
+      </p:sp>
+      <p:sp>
+        <p:nvSpPr>
+          <p:cNvPr id="34" name="TextBox 33"/>
+          <p:cNvSpPr txBox="1"/>
+          <p:nvPr/>
+        </p:nvSpPr>
+        <p:spPr>
+          <a:xfrm>
+            <a:off x="1762464" y="5610202"/>
+            <a:ext cx="838435" cy="307777"/>
+          </a:xfrm>
+          <a:prstGeom prst="rect">
+            <a:avLst/>
+          </a:prstGeom>
+          <a:noFill/>
+          <a:ln>
+            <a:noFill/>
+          </a:ln>
+        </p:spPr>
+        <p:txBody>
+          <a:bodyPr wrap="none" rtlCol="0">
+            <a:spAutoFit/>
+          </a:bodyPr>
+          <a:lstStyle/>
+          <a:p>
+            <a:pPr algn="ctr"/>
+            <a:r>
+              <a:rPr lang="en-AU" sz="1400" dirty="0" smtClean="0">
+                <a:solidFill>
+                  <a:schemeClr val="accent1">
+                    <a:lumMod val="50000"/>
+                  </a:schemeClr>
+                </a:solidFill>
+              </a:rPr>
+              <a:t>Featured</a:t>
+            </a:r>
+            <a:endParaRPr lang="en-AU" sz="1400" dirty="0">
+              <a:solidFill>
+                <a:schemeClr val="accent1">
+                  <a:lumMod val="50000"/>
+                </a:schemeClr>
+              </a:solidFill>
+            </a:endParaRPr>
+          </a:p>
+        </p:txBody>
+      </p:sp>
       <p:sp>
         <p:nvSpPr>
           <p:cNvPr id="23" name="AutoShape 2" descr="blob:https://web.whatsapp.com/875cef06-e096-47fc-b870-98e1c00c5a9a"/>
@@ -10644,6 +9290,2255 @@
       </p:sp>
       <p:sp>
         <p:nvSpPr>
+          <p:cNvPr id="36" name="5-Point Star 35"/>
+          <p:cNvSpPr/>
+          <p:nvPr/>
+        </p:nvSpPr>
+        <p:spPr>
+          <a:xfrm>
+            <a:off x="1995535" y="5223408"/>
+            <a:ext cx="392792" cy="360341"/>
+          </a:xfrm>
+          <a:prstGeom prst="star5">
+            <a:avLst/>
+          </a:prstGeom>
+          <a:solidFill>
+            <a:schemeClr val="accent5">
+              <a:lumMod val="75000"/>
+            </a:schemeClr>
+          </a:solidFill>
+          <a:ln w="25400">
+            <a:solidFill>
+              <a:schemeClr val="accent5">
+                <a:lumMod val="75000"/>
+              </a:schemeClr>
+            </a:solidFill>
+          </a:ln>
+        </p:spPr>
+        <p:style>
+          <a:lnRef idx="2">
+            <a:schemeClr val="accent1">
+              <a:shade val="50000"/>
+            </a:schemeClr>
+          </a:lnRef>
+          <a:fillRef idx="1">
+            <a:schemeClr val="accent1"/>
+          </a:fillRef>
+          <a:effectRef idx="0">
+            <a:schemeClr val="accent1"/>
+          </a:effectRef>
+          <a:fontRef idx="minor">
+            <a:schemeClr val="lt1"/>
+          </a:fontRef>
+        </p:style>
+        <p:txBody>
+          <a:bodyPr rtlCol="0" anchor="ctr"/>
+          <a:lstStyle/>
+          <a:p>
+            <a:pPr algn="ctr"/>
+            <a:endParaRPr lang="en-AU"/>
+          </a:p>
+        </p:txBody>
+      </p:sp>
+      <p:sp>
+        <p:nvSpPr>
+          <p:cNvPr id="37" name="Oval 36"/>
+          <p:cNvSpPr/>
+          <p:nvPr/>
+        </p:nvSpPr>
+        <p:spPr>
+          <a:xfrm>
+            <a:off x="2861105" y="5176362"/>
+            <a:ext cx="399127" cy="418945"/>
+          </a:xfrm>
+          <a:prstGeom prst="ellipse">
+            <a:avLst/>
+          </a:prstGeom>
+          <a:ln>
+            <a:solidFill>
+              <a:schemeClr val="accent5">
+                <a:lumMod val="75000"/>
+              </a:schemeClr>
+            </a:solidFill>
+          </a:ln>
+        </p:spPr>
+        <p:style>
+          <a:lnRef idx="2">
+            <a:schemeClr val="accent1">
+              <a:shade val="50000"/>
+            </a:schemeClr>
+          </a:lnRef>
+          <a:fillRef idx="1">
+            <a:schemeClr val="accent1"/>
+          </a:fillRef>
+          <a:effectRef idx="0">
+            <a:schemeClr val="accent1"/>
+          </a:effectRef>
+          <a:fontRef idx="minor">
+            <a:schemeClr val="lt1"/>
+          </a:fontRef>
+        </p:style>
+        <p:txBody>
+          <a:bodyPr rtlCol="0" anchor="ctr"/>
+          <a:lstStyle/>
+          <a:p>
+            <a:pPr algn="ctr"/>
+            <a:endParaRPr lang="en-AU"/>
+          </a:p>
+        </p:txBody>
+      </p:sp>
+      <p:sp>
+        <p:nvSpPr>
+          <p:cNvPr id="38" name="TextBox 37"/>
+          <p:cNvSpPr txBox="1"/>
+          <p:nvPr/>
+        </p:nvSpPr>
+        <p:spPr>
+          <a:xfrm>
+            <a:off x="2716354" y="5579931"/>
+            <a:ext cx="679994" cy="276999"/>
+          </a:xfrm>
+          <a:prstGeom prst="rect">
+            <a:avLst/>
+          </a:prstGeom>
+          <a:noFill/>
+          <a:ln>
+            <a:noFill/>
+          </a:ln>
+        </p:spPr>
+        <p:txBody>
+          <a:bodyPr wrap="none" rtlCol="0">
+            <a:spAutoFit/>
+          </a:bodyPr>
+          <a:lstStyle/>
+          <a:p>
+            <a:pPr algn="ctr"/>
+            <a:r>
+              <a:rPr lang="en-AU" sz="1200" dirty="0" smtClean="0">
+                <a:solidFill>
+                  <a:schemeClr val="accent1">
+                    <a:lumMod val="50000"/>
+                  </a:schemeClr>
+                </a:solidFill>
+              </a:rPr>
+              <a:t>My Cart</a:t>
+            </a:r>
+            <a:endParaRPr lang="en-AU" sz="1200" dirty="0">
+              <a:solidFill>
+                <a:schemeClr val="accent1">
+                  <a:lumMod val="50000"/>
+                </a:schemeClr>
+              </a:solidFill>
+            </a:endParaRPr>
+          </a:p>
+        </p:txBody>
+      </p:sp>
+      <p:sp>
+        <p:nvSpPr>
+          <p:cNvPr id="40" name="Trapezoid 39"/>
+          <p:cNvSpPr/>
+          <p:nvPr/>
+        </p:nvSpPr>
+        <p:spPr>
+          <a:xfrm flipV="1">
+            <a:off x="2935765" y="5317081"/>
+            <a:ext cx="214312" cy="107344"/>
+          </a:xfrm>
+          <a:prstGeom prst="trapezoid">
+            <a:avLst/>
+          </a:prstGeom>
+          <a:noFill/>
+          <a:ln w="25400">
+            <a:solidFill>
+              <a:schemeClr val="accent5">
+                <a:lumMod val="75000"/>
+              </a:schemeClr>
+            </a:solidFill>
+          </a:ln>
+        </p:spPr>
+        <p:style>
+          <a:lnRef idx="2">
+            <a:schemeClr val="accent1">
+              <a:shade val="50000"/>
+            </a:schemeClr>
+          </a:lnRef>
+          <a:fillRef idx="1">
+            <a:schemeClr val="accent1"/>
+          </a:fillRef>
+          <a:effectRef idx="0">
+            <a:schemeClr val="accent1"/>
+          </a:effectRef>
+          <a:fontRef idx="minor">
+            <a:schemeClr val="lt1"/>
+          </a:fontRef>
+        </p:style>
+        <p:txBody>
+          <a:bodyPr rtlCol="0" anchor="ctr"/>
+          <a:lstStyle/>
+          <a:p>
+            <a:pPr algn="ctr"/>
+            <a:endParaRPr lang="en-AU"/>
+          </a:p>
+        </p:txBody>
+      </p:sp>
+      <p:cxnSp>
+        <p:nvCxnSpPr>
+          <p:cNvPr id="42" name="Straight Connector 41"/>
+          <p:cNvCxnSpPr/>
+          <p:nvPr/>
+        </p:nvCxnSpPr>
+        <p:spPr>
+          <a:xfrm flipV="1">
+            <a:off x="3150077" y="5291412"/>
+            <a:ext cx="62141" cy="35020"/>
+          </a:xfrm>
+          <a:prstGeom prst="line">
+            <a:avLst/>
+          </a:prstGeom>
+          <a:noFill/>
+          <a:ln w="25400">
+            <a:solidFill>
+              <a:schemeClr val="accent5">
+                <a:lumMod val="75000"/>
+              </a:schemeClr>
+            </a:solidFill>
+          </a:ln>
+        </p:spPr>
+        <p:style>
+          <a:lnRef idx="2">
+            <a:schemeClr val="accent1">
+              <a:shade val="50000"/>
+            </a:schemeClr>
+          </a:lnRef>
+          <a:fillRef idx="1">
+            <a:schemeClr val="accent1"/>
+          </a:fillRef>
+          <a:effectRef idx="0">
+            <a:schemeClr val="accent1"/>
+          </a:effectRef>
+          <a:fontRef idx="minor">
+            <a:schemeClr val="lt1"/>
+          </a:fontRef>
+        </p:style>
+      </p:cxnSp>
+      <p:sp>
+        <p:nvSpPr>
+          <p:cNvPr id="44" name="Oval 43"/>
+          <p:cNvSpPr/>
+          <p:nvPr/>
+        </p:nvSpPr>
+        <p:spPr>
+          <a:xfrm>
+            <a:off x="2967515" y="5423141"/>
+            <a:ext cx="55562" cy="66675"/>
+          </a:xfrm>
+          <a:prstGeom prst="ellipse">
+            <a:avLst/>
+          </a:prstGeom>
+          <a:noFill/>
+          <a:ln w="25400">
+            <a:solidFill>
+              <a:schemeClr val="accent5">
+                <a:lumMod val="75000"/>
+              </a:schemeClr>
+            </a:solidFill>
+          </a:ln>
+        </p:spPr>
+        <p:style>
+          <a:lnRef idx="2">
+            <a:schemeClr val="accent1">
+              <a:shade val="50000"/>
+            </a:schemeClr>
+          </a:lnRef>
+          <a:fillRef idx="1">
+            <a:schemeClr val="accent1"/>
+          </a:fillRef>
+          <a:effectRef idx="0">
+            <a:schemeClr val="accent1"/>
+          </a:effectRef>
+          <a:fontRef idx="minor">
+            <a:schemeClr val="lt1"/>
+          </a:fontRef>
+        </p:style>
+        <p:txBody>
+          <a:bodyPr rtlCol="0" anchor="ctr"/>
+          <a:lstStyle/>
+          <a:p>
+            <a:pPr algn="ctr"/>
+            <a:endParaRPr lang="en-AU"/>
+          </a:p>
+        </p:txBody>
+      </p:sp>
+      <p:sp>
+        <p:nvSpPr>
+          <p:cNvPr id="45" name="Oval 44"/>
+          <p:cNvSpPr/>
+          <p:nvPr/>
+        </p:nvSpPr>
+        <p:spPr>
+          <a:xfrm>
+            <a:off x="3075465" y="5423141"/>
+            <a:ext cx="55562" cy="66675"/>
+          </a:xfrm>
+          <a:prstGeom prst="ellipse">
+            <a:avLst/>
+          </a:prstGeom>
+          <a:noFill/>
+          <a:ln w="25400">
+            <a:solidFill>
+              <a:schemeClr val="accent5">
+                <a:lumMod val="75000"/>
+              </a:schemeClr>
+            </a:solidFill>
+          </a:ln>
+        </p:spPr>
+        <p:style>
+          <a:lnRef idx="2">
+            <a:schemeClr val="accent1">
+              <a:shade val="50000"/>
+            </a:schemeClr>
+          </a:lnRef>
+          <a:fillRef idx="1">
+            <a:schemeClr val="accent1"/>
+          </a:fillRef>
+          <a:effectRef idx="0">
+            <a:schemeClr val="accent1"/>
+          </a:effectRef>
+          <a:fontRef idx="minor">
+            <a:schemeClr val="lt1"/>
+          </a:fontRef>
+        </p:style>
+        <p:txBody>
+          <a:bodyPr rtlCol="0" anchor="ctr"/>
+          <a:lstStyle/>
+          <a:p>
+            <a:pPr algn="ctr"/>
+            <a:endParaRPr lang="en-AU"/>
+          </a:p>
+        </p:txBody>
+      </p:sp>
+      <p:cxnSp>
+        <p:nvCxnSpPr>
+          <p:cNvPr id="47" name="Straight Connector 46"/>
+          <p:cNvCxnSpPr>
+            <a:stCxn id="40" idx="1"/>
+            <a:endCxn id="40" idx="3"/>
+          </p:cNvCxnSpPr>
+          <p:nvPr/>
+        </p:nvCxnSpPr>
+        <p:spPr>
+          <a:xfrm>
+            <a:off x="2949183" y="5370753"/>
+            <a:ext cx="187476" cy="0"/>
+          </a:xfrm>
+          <a:prstGeom prst="line">
+            <a:avLst/>
+          </a:prstGeom>
+          <a:noFill/>
+          <a:ln w="25400">
+            <a:solidFill>
+              <a:schemeClr val="accent5">
+                <a:lumMod val="75000"/>
+              </a:schemeClr>
+            </a:solidFill>
+          </a:ln>
+        </p:spPr>
+        <p:style>
+          <a:lnRef idx="2">
+            <a:schemeClr val="accent1">
+              <a:shade val="50000"/>
+            </a:schemeClr>
+          </a:lnRef>
+          <a:fillRef idx="1">
+            <a:schemeClr val="accent1"/>
+          </a:fillRef>
+          <a:effectRef idx="0">
+            <a:schemeClr val="accent1"/>
+          </a:effectRef>
+          <a:fontRef idx="minor">
+            <a:schemeClr val="lt1"/>
+          </a:fontRef>
+        </p:style>
+      </p:cxnSp>
+      <p:cxnSp>
+        <p:nvCxnSpPr>
+          <p:cNvPr id="48" name="Straight Connector 47"/>
+          <p:cNvCxnSpPr>
+            <a:stCxn id="40" idx="2"/>
+            <a:endCxn id="40" idx="0"/>
+          </p:cNvCxnSpPr>
+          <p:nvPr/>
+        </p:nvCxnSpPr>
+        <p:spPr>
+          <a:xfrm>
+            <a:off x="3042921" y="5317081"/>
+            <a:ext cx="0" cy="107344"/>
+          </a:xfrm>
+          <a:prstGeom prst="line">
+            <a:avLst/>
+          </a:prstGeom>
+          <a:noFill/>
+          <a:ln w="25400">
+            <a:solidFill>
+              <a:schemeClr val="accent5">
+                <a:lumMod val="75000"/>
+              </a:schemeClr>
+            </a:solidFill>
+          </a:ln>
+        </p:spPr>
+        <p:style>
+          <a:lnRef idx="2">
+            <a:schemeClr val="accent1">
+              <a:shade val="50000"/>
+            </a:schemeClr>
+          </a:lnRef>
+          <a:fillRef idx="1">
+            <a:schemeClr val="accent1"/>
+          </a:fillRef>
+          <a:effectRef idx="0">
+            <a:schemeClr val="accent1"/>
+          </a:effectRef>
+          <a:fontRef idx="minor">
+            <a:schemeClr val="lt1"/>
+          </a:fontRef>
+        </p:style>
+      </p:cxnSp>
+      <p:sp>
+        <p:nvSpPr>
+          <p:cNvPr id="25" name="Rectangle 24"/>
+          <p:cNvSpPr/>
+          <p:nvPr/>
+        </p:nvSpPr>
+        <p:spPr>
+          <a:xfrm>
+            <a:off x="2046776" y="1399586"/>
+            <a:ext cx="2764294" cy="1020439"/>
+          </a:xfrm>
+          <a:prstGeom prst="rect">
+            <a:avLst/>
+          </a:prstGeom>
+          <a:solidFill>
+            <a:schemeClr val="bg1">
+              <a:lumMod val="95000"/>
+            </a:schemeClr>
+          </a:solidFill>
+          <a:ln>
+            <a:noFill/>
+          </a:ln>
+        </p:spPr>
+        <p:style>
+          <a:lnRef idx="2">
+            <a:schemeClr val="accent1">
+              <a:shade val="50000"/>
+            </a:schemeClr>
+          </a:lnRef>
+          <a:fillRef idx="1">
+            <a:schemeClr val="accent1"/>
+          </a:fillRef>
+          <a:effectRef idx="0">
+            <a:schemeClr val="accent1"/>
+          </a:effectRef>
+          <a:fontRef idx="minor">
+            <a:schemeClr val="lt1"/>
+          </a:fontRef>
+        </p:style>
+        <p:txBody>
+          <a:bodyPr rtlCol="0" anchor="ctr"/>
+          <a:lstStyle/>
+          <a:p>
+            <a:endParaRPr lang="en-AU" dirty="0"/>
+          </a:p>
+        </p:txBody>
+      </p:sp>
+      <p:sp>
+        <p:nvSpPr>
+          <p:cNvPr id="26" name="TextBox 25"/>
+          <p:cNvSpPr txBox="1"/>
+          <p:nvPr/>
+        </p:nvSpPr>
+        <p:spPr>
+          <a:xfrm>
+            <a:off x="2039687" y="1401007"/>
+            <a:ext cx="1964465" cy="338554"/>
+          </a:xfrm>
+          <a:prstGeom prst="rect">
+            <a:avLst/>
+          </a:prstGeom>
+          <a:noFill/>
+        </p:spPr>
+        <p:txBody>
+          <a:bodyPr wrap="square" rtlCol="0">
+            <a:spAutoFit/>
+          </a:bodyPr>
+          <a:lstStyle/>
+          <a:p>
+            <a:r>
+              <a:rPr lang="en-AU" sz="1600" dirty="0" smtClean="0"/>
+              <a:t>Search Filters here …</a:t>
+            </a:r>
+          </a:p>
+        </p:txBody>
+      </p:sp>
+      <p:sp>
+        <p:nvSpPr>
+          <p:cNvPr id="27" name="Rectangle 26"/>
+          <p:cNvSpPr/>
+          <p:nvPr/>
+        </p:nvSpPr>
+        <p:spPr>
+          <a:xfrm>
+            <a:off x="7061980" y="160338"/>
+            <a:ext cx="1768121" cy="1534816"/>
+          </a:xfrm>
+          <a:prstGeom prst="rect">
+            <a:avLst/>
+          </a:prstGeom>
+          <a:solidFill>
+            <a:schemeClr val="bg2"/>
+          </a:solidFill>
+          <a:ln>
+            <a:noFill/>
+          </a:ln>
+        </p:spPr>
+        <p:style>
+          <a:lnRef idx="2">
+            <a:schemeClr val="accent1">
+              <a:shade val="50000"/>
+            </a:schemeClr>
+          </a:lnRef>
+          <a:fillRef idx="1">
+            <a:schemeClr val="accent1"/>
+          </a:fillRef>
+          <a:effectRef idx="0">
+            <a:schemeClr val="accent1"/>
+          </a:effectRef>
+          <a:fontRef idx="minor">
+            <a:schemeClr val="lt1"/>
+          </a:fontRef>
+        </p:style>
+        <p:txBody>
+          <a:bodyPr rtlCol="0" anchor="ctr"/>
+          <a:lstStyle/>
+          <a:p>
+            <a:pPr algn="ctr"/>
+            <a:endParaRPr lang="en-AU" dirty="0"/>
+          </a:p>
+        </p:txBody>
+      </p:sp>
+      <p:sp>
+        <p:nvSpPr>
+          <p:cNvPr id="28" name="TextBox 27"/>
+          <p:cNvSpPr txBox="1"/>
+          <p:nvPr/>
+        </p:nvSpPr>
+        <p:spPr>
+          <a:xfrm>
+            <a:off x="7019777" y="125494"/>
+            <a:ext cx="1933156" cy="1754326"/>
+          </a:xfrm>
+          <a:prstGeom prst="rect">
+            <a:avLst/>
+          </a:prstGeom>
+          <a:noFill/>
+        </p:spPr>
+        <p:txBody>
+          <a:bodyPr wrap="square" rtlCol="0">
+            <a:spAutoFit/>
+          </a:bodyPr>
+          <a:lstStyle/>
+          <a:p>
+            <a:r>
+              <a:rPr lang="en-AU" sz="1200" dirty="0" smtClean="0">
+                <a:solidFill>
+                  <a:srgbClr val="FF0000"/>
+                </a:solidFill>
+              </a:rPr>
+              <a:t>DN Work on these filters:</a:t>
+            </a:r>
+          </a:p>
+          <a:p>
+            <a:pPr marL="228600" indent="-228600">
+              <a:buFont typeface="+mj-lt"/>
+              <a:buAutoNum type="arabicPeriod"/>
+            </a:pPr>
+            <a:r>
+              <a:rPr lang="en-AU" sz="1200" dirty="0" smtClean="0">
+                <a:solidFill>
+                  <a:srgbClr val="FF0000"/>
+                </a:solidFill>
+              </a:rPr>
+              <a:t>Subject</a:t>
+            </a:r>
+          </a:p>
+          <a:p>
+            <a:pPr marL="228600" indent="-228600">
+              <a:buFont typeface="+mj-lt"/>
+              <a:buAutoNum type="arabicPeriod"/>
+            </a:pPr>
+            <a:r>
+              <a:rPr lang="en-AU" sz="1200" dirty="0" smtClean="0">
+                <a:solidFill>
+                  <a:srgbClr val="FF0000"/>
+                </a:solidFill>
+              </a:rPr>
+              <a:t>Class</a:t>
+            </a:r>
+          </a:p>
+          <a:p>
+            <a:pPr marL="228600" indent="-228600">
+              <a:buFont typeface="+mj-lt"/>
+              <a:buAutoNum type="arabicPeriod"/>
+            </a:pPr>
+            <a:r>
+              <a:rPr lang="en-AU" sz="1200" dirty="0" smtClean="0">
+                <a:solidFill>
+                  <a:srgbClr val="FF0000"/>
+                </a:solidFill>
+              </a:rPr>
+              <a:t>Board</a:t>
+            </a:r>
+          </a:p>
+          <a:p>
+            <a:pPr marL="228600" indent="-228600">
+              <a:buFont typeface="+mj-lt"/>
+              <a:buAutoNum type="arabicPeriod"/>
+            </a:pPr>
+            <a:r>
+              <a:rPr lang="en-AU" sz="1200" dirty="0" smtClean="0">
+                <a:solidFill>
+                  <a:srgbClr val="FF0000"/>
+                </a:solidFill>
+              </a:rPr>
+              <a:t>Teacher Name</a:t>
+            </a:r>
+          </a:p>
+          <a:p>
+            <a:pPr marL="228600" indent="-228600">
+              <a:buFont typeface="+mj-lt"/>
+              <a:buAutoNum type="arabicPeriod"/>
+            </a:pPr>
+            <a:r>
+              <a:rPr lang="en-AU" sz="1200" dirty="0" smtClean="0">
+                <a:solidFill>
+                  <a:srgbClr val="FF0000"/>
+                </a:solidFill>
+              </a:rPr>
+              <a:t>Language</a:t>
+            </a:r>
+          </a:p>
+          <a:p>
+            <a:pPr marL="228600" indent="-228600">
+              <a:buFont typeface="+mj-lt"/>
+              <a:buAutoNum type="arabicPeriod"/>
+            </a:pPr>
+            <a:r>
+              <a:rPr lang="en-AU" sz="1200" dirty="0" smtClean="0">
+                <a:solidFill>
+                  <a:srgbClr val="FF0000"/>
+                </a:solidFill>
+              </a:rPr>
+              <a:t>Price Range </a:t>
+            </a:r>
+            <a:r>
+              <a:rPr lang="en-AU" sz="1200" dirty="0" smtClean="0">
+                <a:solidFill>
+                  <a:srgbClr val="FF0000"/>
+                </a:solidFill>
+              </a:rPr>
+              <a:t>(Scale)</a:t>
+            </a:r>
+          </a:p>
+          <a:p>
+            <a:pPr marL="228600" indent="-228600">
+              <a:buFont typeface="+mj-lt"/>
+              <a:buAutoNum type="arabicPeriod"/>
+            </a:pPr>
+            <a:r>
+              <a:rPr lang="en-AU" sz="1200" dirty="0" smtClean="0">
+                <a:solidFill>
+                  <a:srgbClr val="FF0000"/>
+                </a:solidFill>
+              </a:rPr>
+              <a:t>Average Exam Score of previous students</a:t>
+            </a:r>
+            <a:endParaRPr lang="en-AU" sz="1200" dirty="0" smtClean="0">
+              <a:solidFill>
+                <a:srgbClr val="FF0000"/>
+              </a:solidFill>
+            </a:endParaRPr>
+          </a:p>
+        </p:txBody>
+      </p:sp>
+      <p:cxnSp>
+        <p:nvCxnSpPr>
+          <p:cNvPr id="29" name="Straight Connector 28"/>
+          <p:cNvCxnSpPr>
+            <a:endCxn id="28" idx="1"/>
+          </p:cNvCxnSpPr>
+          <p:nvPr/>
+        </p:nvCxnSpPr>
+        <p:spPr>
+          <a:xfrm flipV="1">
+            <a:off x="4778754" y="1002657"/>
+            <a:ext cx="2241023" cy="512253"/>
+          </a:xfrm>
+          <a:prstGeom prst="line">
+            <a:avLst/>
+          </a:prstGeom>
+          <a:ln>
+            <a:solidFill>
+              <a:srgbClr val="FF0000"/>
+            </a:solidFill>
+          </a:ln>
+        </p:spPr>
+        <p:style>
+          <a:lnRef idx="1">
+            <a:schemeClr val="accent1"/>
+          </a:lnRef>
+          <a:fillRef idx="0">
+            <a:schemeClr val="accent1"/>
+          </a:fillRef>
+          <a:effectRef idx="0">
+            <a:schemeClr val="accent1"/>
+          </a:effectRef>
+          <a:fontRef idx="minor">
+            <a:schemeClr val="tx1"/>
+          </a:fontRef>
+        </p:style>
+      </p:cxnSp>
+      <p:sp>
+        <p:nvSpPr>
+          <p:cNvPr id="6" name="Isosceles Triangle 5"/>
+          <p:cNvSpPr/>
+          <p:nvPr/>
+        </p:nvSpPr>
+        <p:spPr>
+          <a:xfrm rot="16200000">
+            <a:off x="2306010" y="6038346"/>
+            <a:ext cx="219758" cy="168185"/>
+          </a:xfrm>
+          <a:prstGeom prst="triangle">
+            <a:avLst/>
+          </a:prstGeom>
+        </p:spPr>
+        <p:style>
+          <a:lnRef idx="2">
+            <a:schemeClr val="accent1">
+              <a:shade val="50000"/>
+            </a:schemeClr>
+          </a:lnRef>
+          <a:fillRef idx="1">
+            <a:schemeClr val="accent1"/>
+          </a:fillRef>
+          <a:effectRef idx="0">
+            <a:schemeClr val="accent1"/>
+          </a:effectRef>
+          <a:fontRef idx="minor">
+            <a:schemeClr val="lt1"/>
+          </a:fontRef>
+        </p:style>
+        <p:txBody>
+          <a:bodyPr rtlCol="0" anchor="ctr"/>
+          <a:lstStyle/>
+          <a:p>
+            <a:pPr algn="ctr"/>
+            <a:endParaRPr lang="en-AU"/>
+          </a:p>
+        </p:txBody>
+      </p:sp>
+      <p:sp>
+        <p:nvSpPr>
+          <p:cNvPr id="7" name="Rectangle 6"/>
+          <p:cNvSpPr/>
+          <p:nvPr/>
+        </p:nvSpPr>
+        <p:spPr>
+          <a:xfrm>
+            <a:off x="4391897" y="6003133"/>
+            <a:ext cx="205652" cy="211398"/>
+          </a:xfrm>
+          <a:prstGeom prst="rect">
+            <a:avLst/>
+          </a:prstGeom>
+        </p:spPr>
+        <p:style>
+          <a:lnRef idx="2">
+            <a:schemeClr val="accent1">
+              <a:shade val="50000"/>
+            </a:schemeClr>
+          </a:lnRef>
+          <a:fillRef idx="1">
+            <a:schemeClr val="accent1"/>
+          </a:fillRef>
+          <a:effectRef idx="0">
+            <a:schemeClr val="accent1"/>
+          </a:effectRef>
+          <a:fontRef idx="minor">
+            <a:schemeClr val="lt1"/>
+          </a:fontRef>
+        </p:style>
+        <p:txBody>
+          <a:bodyPr rtlCol="0" anchor="ctr"/>
+          <a:lstStyle/>
+          <a:p>
+            <a:pPr algn="ctr"/>
+            <a:endParaRPr lang="en-AU"/>
+          </a:p>
+        </p:txBody>
+      </p:sp>
+      <p:cxnSp>
+        <p:nvCxnSpPr>
+          <p:cNvPr id="10" name="Straight Connector 9"/>
+          <p:cNvCxnSpPr/>
+          <p:nvPr/>
+        </p:nvCxnSpPr>
+        <p:spPr>
+          <a:xfrm>
+            <a:off x="3316406" y="6016781"/>
+            <a:ext cx="218364" cy="0"/>
+          </a:xfrm>
+          <a:prstGeom prst="line">
+            <a:avLst/>
+          </a:prstGeom>
+          <a:ln w="25400"/>
+        </p:spPr>
+        <p:style>
+          <a:lnRef idx="1">
+            <a:schemeClr val="accent1"/>
+          </a:lnRef>
+          <a:fillRef idx="0">
+            <a:schemeClr val="accent1"/>
+          </a:fillRef>
+          <a:effectRef idx="0">
+            <a:schemeClr val="accent1"/>
+          </a:effectRef>
+          <a:fontRef idx="minor">
+            <a:schemeClr val="tx1"/>
+          </a:fontRef>
+        </p:style>
+      </p:cxnSp>
+      <p:cxnSp>
+        <p:nvCxnSpPr>
+          <p:cNvPr id="39" name="Straight Connector 38"/>
+          <p:cNvCxnSpPr/>
+          <p:nvPr/>
+        </p:nvCxnSpPr>
+        <p:spPr>
+          <a:xfrm>
+            <a:off x="3318680" y="6114589"/>
+            <a:ext cx="218364" cy="0"/>
+          </a:xfrm>
+          <a:prstGeom prst="line">
+            <a:avLst/>
+          </a:prstGeom>
+          <a:ln w="25400"/>
+        </p:spPr>
+        <p:style>
+          <a:lnRef idx="1">
+            <a:schemeClr val="accent1"/>
+          </a:lnRef>
+          <a:fillRef idx="0">
+            <a:schemeClr val="accent1"/>
+          </a:fillRef>
+          <a:effectRef idx="0">
+            <a:schemeClr val="accent1"/>
+          </a:effectRef>
+          <a:fontRef idx="minor">
+            <a:schemeClr val="tx1"/>
+          </a:fontRef>
+        </p:style>
+      </p:cxnSp>
+      <p:cxnSp>
+        <p:nvCxnSpPr>
+          <p:cNvPr id="41" name="Straight Connector 40"/>
+          <p:cNvCxnSpPr/>
+          <p:nvPr/>
+        </p:nvCxnSpPr>
+        <p:spPr>
+          <a:xfrm>
+            <a:off x="3320954" y="6212397"/>
+            <a:ext cx="218364" cy="0"/>
+          </a:xfrm>
+          <a:prstGeom prst="line">
+            <a:avLst/>
+          </a:prstGeom>
+          <a:ln w="25400"/>
+        </p:spPr>
+        <p:style>
+          <a:lnRef idx="1">
+            <a:schemeClr val="accent1"/>
+          </a:lnRef>
+          <a:fillRef idx="0">
+            <a:schemeClr val="accent1"/>
+          </a:fillRef>
+          <a:effectRef idx="0">
+            <a:schemeClr val="accent1"/>
+          </a:effectRef>
+          <a:fontRef idx="minor">
+            <a:schemeClr val="tx1"/>
+          </a:fontRef>
+        </p:style>
+      </p:cxnSp>
+      <p:sp>
+        <p:nvSpPr>
+          <p:cNvPr id="43" name="Oval 42"/>
+          <p:cNvSpPr/>
+          <p:nvPr/>
+        </p:nvSpPr>
+        <p:spPr>
+          <a:xfrm>
+            <a:off x="4607193" y="5360946"/>
+            <a:ext cx="334322" cy="203404"/>
+          </a:xfrm>
+          <a:prstGeom prst="ellipse">
+            <a:avLst/>
+          </a:prstGeom>
+          <a:solidFill>
+            <a:schemeClr val="accent5">
+              <a:lumMod val="75000"/>
+            </a:schemeClr>
+          </a:solidFill>
+          <a:ln w="25400">
+            <a:solidFill>
+              <a:schemeClr val="accent5">
+                <a:lumMod val="75000"/>
+              </a:schemeClr>
+            </a:solidFill>
+          </a:ln>
+        </p:spPr>
+        <p:style>
+          <a:lnRef idx="2">
+            <a:schemeClr val="accent1">
+              <a:shade val="50000"/>
+            </a:schemeClr>
+          </a:lnRef>
+          <a:fillRef idx="1">
+            <a:schemeClr val="accent1"/>
+          </a:fillRef>
+          <a:effectRef idx="0">
+            <a:schemeClr val="accent1"/>
+          </a:effectRef>
+          <a:fontRef idx="minor">
+            <a:schemeClr val="lt1"/>
+          </a:fontRef>
+        </p:style>
+        <p:txBody>
+          <a:bodyPr rtlCol="0" anchor="ctr"/>
+          <a:lstStyle/>
+          <a:p>
+            <a:pPr algn="ctr"/>
+            <a:endParaRPr lang="en-AU"/>
+          </a:p>
+        </p:txBody>
+      </p:sp>
+      <p:sp>
+        <p:nvSpPr>
+          <p:cNvPr id="19" name="Oval 18"/>
+          <p:cNvSpPr/>
+          <p:nvPr/>
+        </p:nvSpPr>
+        <p:spPr>
+          <a:xfrm>
+            <a:off x="4681936" y="5228133"/>
+            <a:ext cx="207586" cy="246118"/>
+          </a:xfrm>
+          <a:prstGeom prst="ellipse">
+            <a:avLst/>
+          </a:prstGeom>
+          <a:ln w="25400">
+            <a:solidFill>
+              <a:schemeClr val="accent5">
+                <a:lumMod val="75000"/>
+              </a:schemeClr>
+            </a:solidFill>
+          </a:ln>
+        </p:spPr>
+        <p:style>
+          <a:lnRef idx="2">
+            <a:schemeClr val="accent1">
+              <a:shade val="50000"/>
+            </a:schemeClr>
+          </a:lnRef>
+          <a:fillRef idx="1">
+            <a:schemeClr val="accent1"/>
+          </a:fillRef>
+          <a:effectRef idx="0">
+            <a:schemeClr val="accent1"/>
+          </a:effectRef>
+          <a:fontRef idx="minor">
+            <a:schemeClr val="lt1"/>
+          </a:fontRef>
+        </p:style>
+        <p:txBody>
+          <a:bodyPr rtlCol="0" anchor="ctr"/>
+          <a:lstStyle/>
+          <a:p>
+            <a:pPr algn="ctr"/>
+            <a:endParaRPr lang="en-AU"/>
+          </a:p>
+        </p:txBody>
+      </p:sp>
+      <p:sp>
+        <p:nvSpPr>
+          <p:cNvPr id="46" name="Oval 45"/>
+          <p:cNvSpPr/>
+          <p:nvPr/>
+        </p:nvSpPr>
+        <p:spPr>
+          <a:xfrm>
+            <a:off x="3723193" y="5178634"/>
+            <a:ext cx="399127" cy="418945"/>
+          </a:xfrm>
+          <a:prstGeom prst="ellipse">
+            <a:avLst/>
+          </a:prstGeom>
+          <a:ln>
+            <a:solidFill>
+              <a:schemeClr val="accent5">
+                <a:lumMod val="75000"/>
+              </a:schemeClr>
+            </a:solidFill>
+          </a:ln>
+        </p:spPr>
+        <p:style>
+          <a:lnRef idx="2">
+            <a:schemeClr val="accent1">
+              <a:shade val="50000"/>
+            </a:schemeClr>
+          </a:lnRef>
+          <a:fillRef idx="1">
+            <a:schemeClr val="accent1"/>
+          </a:fillRef>
+          <a:effectRef idx="0">
+            <a:schemeClr val="accent1"/>
+          </a:effectRef>
+          <a:fontRef idx="minor">
+            <a:schemeClr val="lt1"/>
+          </a:fontRef>
+        </p:style>
+        <p:txBody>
+          <a:bodyPr rtlCol="0" anchor="ctr"/>
+          <a:lstStyle/>
+          <a:p>
+            <a:pPr algn="ctr"/>
+            <a:endParaRPr lang="en-AU"/>
+          </a:p>
+        </p:txBody>
+      </p:sp>
+      <p:sp>
+        <p:nvSpPr>
+          <p:cNvPr id="49" name="TextBox 48"/>
+          <p:cNvSpPr txBox="1"/>
+          <p:nvPr/>
+        </p:nvSpPr>
+        <p:spPr>
+          <a:xfrm>
+            <a:off x="3480659" y="5582203"/>
+            <a:ext cx="875561" cy="276999"/>
+          </a:xfrm>
+          <a:prstGeom prst="rect">
+            <a:avLst/>
+          </a:prstGeom>
+          <a:noFill/>
+          <a:ln>
+            <a:noFill/>
+          </a:ln>
+        </p:spPr>
+        <p:txBody>
+          <a:bodyPr wrap="none" rtlCol="0">
+            <a:spAutoFit/>
+          </a:bodyPr>
+          <a:lstStyle/>
+          <a:p>
+            <a:pPr algn="ctr"/>
+            <a:r>
+              <a:rPr lang="en-AU" sz="1200" dirty="0" smtClean="0">
+                <a:solidFill>
+                  <a:schemeClr val="accent1">
+                    <a:lumMod val="50000"/>
+                  </a:schemeClr>
+                </a:solidFill>
+              </a:rPr>
+              <a:t>My Studies</a:t>
+            </a:r>
+            <a:endParaRPr lang="en-AU" sz="1200" dirty="0">
+              <a:solidFill>
+                <a:schemeClr val="accent1">
+                  <a:lumMod val="50000"/>
+                </a:schemeClr>
+              </a:solidFill>
+            </a:endParaRPr>
+          </a:p>
+        </p:txBody>
+      </p:sp>
+      <p:sp>
+        <p:nvSpPr>
+          <p:cNvPr id="11" name="Trapezoid 10"/>
+          <p:cNvSpPr/>
+          <p:nvPr/>
+        </p:nvSpPr>
+        <p:spPr>
+          <a:xfrm rot="5400000">
+            <a:off x="3735894" y="5334807"/>
+            <a:ext cx="239172" cy="125785"/>
+          </a:xfrm>
+          <a:prstGeom prst="trapezoid">
+            <a:avLst>
+              <a:gd name="adj" fmla="val 22857"/>
+            </a:avLst>
+          </a:prstGeom>
+          <a:solidFill>
+            <a:schemeClr val="accent1"/>
+          </a:solidFill>
+          <a:ln w="25400">
+            <a:solidFill>
+              <a:schemeClr val="accent5">
+                <a:lumMod val="75000"/>
+              </a:schemeClr>
+            </a:solidFill>
+          </a:ln>
+        </p:spPr>
+        <p:style>
+          <a:lnRef idx="2">
+            <a:schemeClr val="accent1">
+              <a:shade val="50000"/>
+            </a:schemeClr>
+          </a:lnRef>
+          <a:fillRef idx="1">
+            <a:schemeClr val="accent1"/>
+          </a:fillRef>
+          <a:effectRef idx="0">
+            <a:schemeClr val="accent1"/>
+          </a:effectRef>
+          <a:fontRef idx="minor">
+            <a:schemeClr val="lt1"/>
+          </a:fontRef>
+        </p:style>
+        <p:txBody>
+          <a:bodyPr rtlCol="0" anchor="ctr"/>
+          <a:lstStyle/>
+          <a:p>
+            <a:pPr algn="ctr"/>
+            <a:endParaRPr lang="en-AU"/>
+          </a:p>
+        </p:txBody>
+      </p:sp>
+      <p:sp>
+        <p:nvSpPr>
+          <p:cNvPr id="56" name="Trapezoid 55"/>
+          <p:cNvSpPr/>
+          <p:nvPr/>
+        </p:nvSpPr>
+        <p:spPr>
+          <a:xfrm rot="16200000">
+            <a:off x="3872367" y="5334806"/>
+            <a:ext cx="239172" cy="125785"/>
+          </a:xfrm>
+          <a:prstGeom prst="trapezoid">
+            <a:avLst>
+              <a:gd name="adj" fmla="val 22857"/>
+            </a:avLst>
+          </a:prstGeom>
+          <a:solidFill>
+            <a:schemeClr val="accent1"/>
+          </a:solidFill>
+          <a:ln w="25400">
+            <a:solidFill>
+              <a:schemeClr val="accent5">
+                <a:lumMod val="75000"/>
+              </a:schemeClr>
+            </a:solidFill>
+          </a:ln>
+        </p:spPr>
+        <p:style>
+          <a:lnRef idx="2">
+            <a:schemeClr val="accent1">
+              <a:shade val="50000"/>
+            </a:schemeClr>
+          </a:lnRef>
+          <a:fillRef idx="1">
+            <a:schemeClr val="accent1"/>
+          </a:fillRef>
+          <a:effectRef idx="0">
+            <a:schemeClr val="accent1"/>
+          </a:effectRef>
+          <a:fontRef idx="minor">
+            <a:schemeClr val="lt1"/>
+          </a:fontRef>
+        </p:style>
+        <p:txBody>
+          <a:bodyPr rtlCol="0" anchor="ctr"/>
+          <a:lstStyle/>
+          <a:p>
+            <a:pPr algn="ctr"/>
+            <a:endParaRPr lang="en-AU"/>
+          </a:p>
+        </p:txBody>
+      </p:sp>
+      <p:sp>
+        <p:nvSpPr>
+          <p:cNvPr id="59" name="Rectangle 58"/>
+          <p:cNvSpPr/>
+          <p:nvPr/>
+        </p:nvSpPr>
+        <p:spPr>
+          <a:xfrm>
+            <a:off x="40945" y="3581222"/>
+            <a:ext cx="1270262" cy="1235588"/>
+          </a:xfrm>
+          <a:prstGeom prst="rect">
+            <a:avLst/>
+          </a:prstGeom>
+          <a:solidFill>
+            <a:schemeClr val="bg2"/>
+          </a:solidFill>
+          <a:ln>
+            <a:noFill/>
+          </a:ln>
+        </p:spPr>
+        <p:style>
+          <a:lnRef idx="2">
+            <a:schemeClr val="accent1">
+              <a:shade val="50000"/>
+            </a:schemeClr>
+          </a:lnRef>
+          <a:fillRef idx="1">
+            <a:schemeClr val="accent1"/>
+          </a:fillRef>
+          <a:effectRef idx="0">
+            <a:schemeClr val="accent1"/>
+          </a:effectRef>
+          <a:fontRef idx="minor">
+            <a:schemeClr val="lt1"/>
+          </a:fontRef>
+        </p:style>
+        <p:txBody>
+          <a:bodyPr rtlCol="0" anchor="ctr"/>
+          <a:lstStyle/>
+          <a:p>
+            <a:pPr algn="ctr"/>
+            <a:endParaRPr lang="en-AU" dirty="0"/>
+          </a:p>
+        </p:txBody>
+      </p:sp>
+      <p:sp>
+        <p:nvSpPr>
+          <p:cNvPr id="58" name="TextBox 57"/>
+          <p:cNvSpPr txBox="1"/>
+          <p:nvPr/>
+        </p:nvSpPr>
+        <p:spPr>
+          <a:xfrm>
+            <a:off x="63474" y="3581222"/>
+            <a:ext cx="1364862" cy="1200329"/>
+          </a:xfrm>
+          <a:prstGeom prst="rect">
+            <a:avLst/>
+          </a:prstGeom>
+          <a:noFill/>
+        </p:spPr>
+        <p:txBody>
+          <a:bodyPr wrap="square" rtlCol="0">
+            <a:spAutoFit/>
+          </a:bodyPr>
+          <a:lstStyle/>
+          <a:p>
+            <a:r>
+              <a:rPr lang="en-AU" sz="1200" dirty="0" err="1" smtClean="0"/>
+              <a:t>BGColor</a:t>
+            </a:r>
+            <a:r>
+              <a:rPr lang="en-AU" sz="1200" dirty="0" smtClean="0"/>
+              <a:t>: #</a:t>
+            </a:r>
+            <a:r>
+              <a:rPr lang="en-AU" sz="1200" dirty="0" err="1" smtClean="0"/>
+              <a:t>eee</a:t>
+            </a:r>
+            <a:endParaRPr lang="en-AU" sz="1200" dirty="0" smtClean="0"/>
+          </a:p>
+          <a:p>
+            <a:r>
+              <a:rPr lang="en-AU" sz="1200" dirty="0" smtClean="0"/>
+              <a:t>Height: 100</a:t>
+            </a:r>
+          </a:p>
+          <a:p>
+            <a:r>
+              <a:rPr lang="en-AU" sz="1200" dirty="0" smtClean="0"/>
+              <a:t>Width: 100%</a:t>
+            </a:r>
+          </a:p>
+          <a:p>
+            <a:r>
+              <a:rPr lang="en-AU" sz="1200" dirty="0" err="1" smtClean="0"/>
+              <a:t>MarginTopBtm</a:t>
+            </a:r>
+            <a:r>
+              <a:rPr lang="en-AU" sz="1200" dirty="0" smtClean="0"/>
+              <a:t>: 15</a:t>
+            </a:r>
+          </a:p>
+          <a:p>
+            <a:r>
+              <a:rPr lang="en-AU" sz="1200" dirty="0" err="1"/>
+              <a:t>Shaddow</a:t>
+            </a:r>
+            <a:r>
+              <a:rPr lang="en-AU" sz="1200" dirty="0"/>
+              <a:t>: #</a:t>
+            </a:r>
+            <a:r>
+              <a:rPr lang="en-AU" sz="1200" dirty="0" err="1"/>
+              <a:t>aaa</a:t>
+            </a:r>
+            <a:endParaRPr lang="en-AU" sz="1200" dirty="0"/>
+          </a:p>
+          <a:p>
+            <a:r>
+              <a:rPr lang="en-AU" sz="1200" dirty="0"/>
+              <a:t>     3px, </a:t>
+            </a:r>
+            <a:r>
+              <a:rPr lang="en-AU" sz="1200" dirty="0" err="1" smtClean="0"/>
+              <a:t>btm</a:t>
+            </a:r>
+            <a:endParaRPr lang="en-AU" sz="1200" dirty="0"/>
+          </a:p>
+        </p:txBody>
+      </p:sp>
+      <p:sp>
+        <p:nvSpPr>
+          <p:cNvPr id="60" name="Rectangle 59"/>
+          <p:cNvSpPr/>
+          <p:nvPr/>
+        </p:nvSpPr>
+        <p:spPr>
+          <a:xfrm>
+            <a:off x="7303845" y="3597142"/>
+            <a:ext cx="1007642" cy="646736"/>
+          </a:xfrm>
+          <a:prstGeom prst="rect">
+            <a:avLst/>
+          </a:prstGeom>
+          <a:solidFill>
+            <a:schemeClr val="bg2"/>
+          </a:solidFill>
+          <a:ln>
+            <a:noFill/>
+          </a:ln>
+        </p:spPr>
+        <p:style>
+          <a:lnRef idx="2">
+            <a:schemeClr val="accent1">
+              <a:shade val="50000"/>
+            </a:schemeClr>
+          </a:lnRef>
+          <a:fillRef idx="1">
+            <a:schemeClr val="accent1"/>
+          </a:fillRef>
+          <a:effectRef idx="0">
+            <a:schemeClr val="accent1"/>
+          </a:effectRef>
+          <a:fontRef idx="minor">
+            <a:schemeClr val="lt1"/>
+          </a:fontRef>
+        </p:style>
+        <p:txBody>
+          <a:bodyPr rtlCol="0" anchor="ctr"/>
+          <a:lstStyle/>
+          <a:p>
+            <a:pPr algn="ctr"/>
+            <a:endParaRPr lang="en-AU" dirty="0"/>
+          </a:p>
+        </p:txBody>
+      </p:sp>
+      <p:sp>
+        <p:nvSpPr>
+          <p:cNvPr id="61" name="Rectangle 60"/>
+          <p:cNvSpPr/>
+          <p:nvPr/>
+        </p:nvSpPr>
+        <p:spPr>
+          <a:xfrm>
+            <a:off x="1748880" y="2506362"/>
+            <a:ext cx="3557216" cy="1737516"/>
+          </a:xfrm>
+          <a:prstGeom prst="rect">
+            <a:avLst/>
+          </a:prstGeom>
+          <a:solidFill>
+            <a:schemeClr val="bg1">
+              <a:lumMod val="95000"/>
+            </a:schemeClr>
+          </a:solidFill>
+          <a:ln>
+            <a:noFill/>
+          </a:ln>
+        </p:spPr>
+        <p:style>
+          <a:lnRef idx="2">
+            <a:schemeClr val="accent1">
+              <a:shade val="50000"/>
+            </a:schemeClr>
+          </a:lnRef>
+          <a:fillRef idx="1">
+            <a:schemeClr val="accent1"/>
+          </a:fillRef>
+          <a:effectRef idx="0">
+            <a:schemeClr val="accent1"/>
+          </a:effectRef>
+          <a:fontRef idx="minor">
+            <a:schemeClr val="lt1"/>
+          </a:fontRef>
+        </p:style>
+        <p:txBody>
+          <a:bodyPr rtlCol="0" anchor="ctr"/>
+          <a:lstStyle/>
+          <a:p>
+            <a:endParaRPr lang="en-AU" dirty="0"/>
+          </a:p>
+        </p:txBody>
+      </p:sp>
+      <p:sp>
+        <p:nvSpPr>
+          <p:cNvPr id="62" name="TextBox 61"/>
+          <p:cNvSpPr txBox="1"/>
+          <p:nvPr/>
+        </p:nvSpPr>
+        <p:spPr>
+          <a:xfrm>
+            <a:off x="1728062" y="2536045"/>
+            <a:ext cx="1964465" cy="338554"/>
+          </a:xfrm>
+          <a:prstGeom prst="rect">
+            <a:avLst/>
+          </a:prstGeom>
+          <a:noFill/>
+        </p:spPr>
+        <p:txBody>
+          <a:bodyPr wrap="square" rtlCol="0">
+            <a:spAutoFit/>
+          </a:bodyPr>
+          <a:lstStyle/>
+          <a:p>
+            <a:r>
+              <a:rPr lang="en-AU" sz="1600" dirty="0" smtClean="0"/>
+              <a:t>Course cards here …</a:t>
+            </a:r>
+          </a:p>
+        </p:txBody>
+      </p:sp>
+      <p:sp>
+        <p:nvSpPr>
+          <p:cNvPr id="63" name="Rectangle 62"/>
+          <p:cNvSpPr/>
+          <p:nvPr/>
+        </p:nvSpPr>
+        <p:spPr>
+          <a:xfrm>
+            <a:off x="1545464" y="4353200"/>
+            <a:ext cx="3760631" cy="684972"/>
+          </a:xfrm>
+          <a:prstGeom prst="rect">
+            <a:avLst/>
+          </a:prstGeom>
+          <a:solidFill>
+            <a:schemeClr val="bg1">
+              <a:lumMod val="95000"/>
+            </a:schemeClr>
+          </a:solidFill>
+          <a:ln>
+            <a:noFill/>
+          </a:ln>
+        </p:spPr>
+        <p:style>
+          <a:lnRef idx="2">
+            <a:schemeClr val="accent1">
+              <a:shade val="50000"/>
+            </a:schemeClr>
+          </a:lnRef>
+          <a:fillRef idx="1">
+            <a:schemeClr val="accent1"/>
+          </a:fillRef>
+          <a:effectRef idx="0">
+            <a:schemeClr val="accent1"/>
+          </a:effectRef>
+          <a:fontRef idx="minor">
+            <a:schemeClr val="lt1"/>
+          </a:fontRef>
+        </p:style>
+        <p:txBody>
+          <a:bodyPr rtlCol="0" anchor="ctr"/>
+          <a:lstStyle/>
+          <a:p>
+            <a:endParaRPr lang="en-AU" dirty="0"/>
+          </a:p>
+        </p:txBody>
+      </p:sp>
+      <p:cxnSp>
+        <p:nvCxnSpPr>
+          <p:cNvPr id="57" name="Straight Connector 56"/>
+          <p:cNvCxnSpPr/>
+          <p:nvPr/>
+        </p:nvCxnSpPr>
+        <p:spPr>
+          <a:xfrm flipH="1" flipV="1">
+            <a:off x="1311208" y="4781551"/>
+            <a:ext cx="234256" cy="575756"/>
+          </a:xfrm>
+          <a:prstGeom prst="line">
+            <a:avLst/>
+          </a:prstGeom>
+          <a:ln>
+            <a:solidFill>
+              <a:schemeClr val="tx1"/>
+            </a:solidFill>
+          </a:ln>
+        </p:spPr>
+        <p:style>
+          <a:lnRef idx="1">
+            <a:schemeClr val="accent1"/>
+          </a:lnRef>
+          <a:fillRef idx="0">
+            <a:schemeClr val="accent1"/>
+          </a:fillRef>
+          <a:effectRef idx="0">
+            <a:schemeClr val="accent1"/>
+          </a:effectRef>
+          <a:fontRef idx="minor">
+            <a:schemeClr val="tx1"/>
+          </a:fontRef>
+        </p:style>
+      </p:cxnSp>
+      <p:sp>
+        <p:nvSpPr>
+          <p:cNvPr id="64" name="TextBox 63"/>
+          <p:cNvSpPr txBox="1"/>
+          <p:nvPr/>
+        </p:nvSpPr>
+        <p:spPr>
+          <a:xfrm>
+            <a:off x="1593857" y="4353475"/>
+            <a:ext cx="3242159" cy="338554"/>
+          </a:xfrm>
+          <a:prstGeom prst="rect">
+            <a:avLst/>
+          </a:prstGeom>
+          <a:noFill/>
+        </p:spPr>
+        <p:txBody>
+          <a:bodyPr wrap="square" rtlCol="0">
+            <a:spAutoFit/>
+          </a:bodyPr>
+          <a:lstStyle/>
+          <a:p>
+            <a:r>
+              <a:rPr lang="en-AU" sz="1600" dirty="0" smtClean="0"/>
+              <a:t>Last Studied Clouse, Chapter here …</a:t>
+            </a:r>
+          </a:p>
+        </p:txBody>
+      </p:sp>
+      <p:cxnSp>
+        <p:nvCxnSpPr>
+          <p:cNvPr id="65" name="Straight Connector 64"/>
+          <p:cNvCxnSpPr>
+            <a:stCxn id="32" idx="7"/>
+            <a:endCxn id="60" idx="1"/>
+          </p:cNvCxnSpPr>
+          <p:nvPr/>
+        </p:nvCxnSpPr>
+        <p:spPr>
+          <a:xfrm flipV="1">
+            <a:off x="2373821" y="3920510"/>
+            <a:ext cx="4930024" cy="1300237"/>
+          </a:xfrm>
+          <a:prstGeom prst="line">
+            <a:avLst/>
+          </a:prstGeom>
+          <a:ln>
+            <a:solidFill>
+              <a:schemeClr val="tx1"/>
+            </a:solidFill>
+          </a:ln>
+        </p:spPr>
+        <p:style>
+          <a:lnRef idx="1">
+            <a:schemeClr val="accent1"/>
+          </a:lnRef>
+          <a:fillRef idx="0">
+            <a:schemeClr val="accent1"/>
+          </a:fillRef>
+          <a:effectRef idx="0">
+            <a:schemeClr val="accent1"/>
+          </a:effectRef>
+          <a:fontRef idx="minor">
+            <a:schemeClr val="tx1"/>
+          </a:fontRef>
+        </p:style>
+      </p:cxnSp>
+      <p:sp>
+        <p:nvSpPr>
+          <p:cNvPr id="66" name="TextBox 65"/>
+          <p:cNvSpPr txBox="1"/>
+          <p:nvPr/>
+        </p:nvSpPr>
+        <p:spPr>
+          <a:xfrm>
+            <a:off x="7249252" y="3620087"/>
+            <a:ext cx="1130472" cy="646331"/>
+          </a:xfrm>
+          <a:prstGeom prst="rect">
+            <a:avLst/>
+          </a:prstGeom>
+          <a:noFill/>
+        </p:spPr>
+        <p:txBody>
+          <a:bodyPr wrap="square" rtlCol="0">
+            <a:spAutoFit/>
+          </a:bodyPr>
+          <a:lstStyle/>
+          <a:p>
+            <a:r>
+              <a:rPr lang="en-AU" sz="1200" b="1" dirty="0" smtClean="0"/>
+              <a:t>Clicked Icon:</a:t>
+            </a:r>
+          </a:p>
+          <a:p>
+            <a:r>
+              <a:rPr lang="en-AU" sz="1200" dirty="0" err="1" smtClean="0"/>
+              <a:t>FontSize</a:t>
+            </a:r>
+            <a:r>
+              <a:rPr lang="en-AU" sz="1200" dirty="0" smtClean="0"/>
+              <a:t>: 14</a:t>
+            </a:r>
+          </a:p>
+          <a:p>
+            <a:r>
+              <a:rPr lang="en-AU" sz="1200" dirty="0" smtClean="0"/>
+              <a:t>Image changed</a:t>
+            </a:r>
+          </a:p>
+        </p:txBody>
+      </p:sp>
+      <p:sp>
+        <p:nvSpPr>
+          <p:cNvPr id="69" name="Rectangle 68"/>
+          <p:cNvSpPr/>
+          <p:nvPr/>
+        </p:nvSpPr>
+        <p:spPr>
+          <a:xfrm>
+            <a:off x="7278823" y="4377341"/>
+            <a:ext cx="1155493" cy="524482"/>
+          </a:xfrm>
+          <a:prstGeom prst="rect">
+            <a:avLst/>
+          </a:prstGeom>
+          <a:solidFill>
+            <a:schemeClr val="bg2"/>
+          </a:solidFill>
+          <a:ln>
+            <a:noFill/>
+          </a:ln>
+        </p:spPr>
+        <p:style>
+          <a:lnRef idx="2">
+            <a:schemeClr val="accent1">
+              <a:shade val="50000"/>
+            </a:schemeClr>
+          </a:lnRef>
+          <a:fillRef idx="1">
+            <a:schemeClr val="accent1"/>
+          </a:fillRef>
+          <a:effectRef idx="0">
+            <a:schemeClr val="accent1"/>
+          </a:effectRef>
+          <a:fontRef idx="minor">
+            <a:schemeClr val="lt1"/>
+          </a:fontRef>
+        </p:style>
+        <p:txBody>
+          <a:bodyPr rtlCol="0" anchor="ctr"/>
+          <a:lstStyle/>
+          <a:p>
+            <a:pPr algn="ctr"/>
+            <a:endParaRPr lang="en-AU" dirty="0"/>
+          </a:p>
+        </p:txBody>
+      </p:sp>
+      <p:sp>
+        <p:nvSpPr>
+          <p:cNvPr id="70" name="TextBox 69"/>
+          <p:cNvSpPr txBox="1"/>
+          <p:nvPr/>
+        </p:nvSpPr>
+        <p:spPr>
+          <a:xfrm>
+            <a:off x="7265178" y="4400286"/>
+            <a:ext cx="1346562" cy="461665"/>
+          </a:xfrm>
+          <a:prstGeom prst="rect">
+            <a:avLst/>
+          </a:prstGeom>
+          <a:noFill/>
+        </p:spPr>
+        <p:txBody>
+          <a:bodyPr wrap="square" rtlCol="0">
+            <a:spAutoFit/>
+          </a:bodyPr>
+          <a:lstStyle/>
+          <a:p>
+            <a:r>
+              <a:rPr lang="en-AU" sz="1200" b="1" dirty="0" smtClean="0"/>
+              <a:t>Unclicked Icon:</a:t>
+            </a:r>
+          </a:p>
+          <a:p>
+            <a:r>
+              <a:rPr lang="en-AU" sz="1200" dirty="0" err="1" smtClean="0"/>
+              <a:t>FontSize</a:t>
+            </a:r>
+            <a:r>
+              <a:rPr lang="en-AU" sz="1200" dirty="0" smtClean="0"/>
+              <a:t>: 12</a:t>
+            </a:r>
+          </a:p>
+        </p:txBody>
+      </p:sp>
+      <p:cxnSp>
+        <p:nvCxnSpPr>
+          <p:cNvPr id="71" name="Straight Connector 70"/>
+          <p:cNvCxnSpPr>
+            <a:endCxn id="70" idx="1"/>
+          </p:cNvCxnSpPr>
+          <p:nvPr/>
+        </p:nvCxnSpPr>
+        <p:spPr>
+          <a:xfrm flipV="1">
+            <a:off x="4964949" y="4631119"/>
+            <a:ext cx="2300229" cy="646993"/>
+          </a:xfrm>
+          <a:prstGeom prst="line">
+            <a:avLst/>
+          </a:prstGeom>
+          <a:ln>
+            <a:solidFill>
+              <a:schemeClr val="tx1"/>
+            </a:solidFill>
+          </a:ln>
+        </p:spPr>
+        <p:style>
+          <a:lnRef idx="1">
+            <a:schemeClr val="accent1"/>
+          </a:lnRef>
+          <a:fillRef idx="0">
+            <a:schemeClr val="accent1"/>
+          </a:fillRef>
+          <a:effectRef idx="0">
+            <a:schemeClr val="accent1"/>
+          </a:effectRef>
+          <a:fontRef idx="minor">
+            <a:schemeClr val="tx1"/>
+          </a:fontRef>
+        </p:style>
+      </p:cxnSp>
+    </p:spTree>
+    <p:extLst>
+      <p:ext uri="{BB962C8B-B14F-4D97-AF65-F5344CB8AC3E}">
+        <p14:creationId xmlns:p14="http://schemas.microsoft.com/office/powerpoint/2010/main" val="2946379917"/>
+      </p:ext>
+    </p:extLst>
+  </p:cSld>
+  <p:clrMapOvr>
+    <a:masterClrMapping/>
+  </p:clrMapOvr>
+</p:sld>
+</file>
+
+<file path=ppt/slides/slide6.xml><?xml version="1.0" encoding="utf-8"?>
+<p:sld xmlns:a="http://schemas.openxmlformats.org/drawingml/2006/main" xmlns:r="http://schemas.openxmlformats.org/officeDocument/2006/relationships" xmlns:p="http://schemas.openxmlformats.org/presentationml/2006/main">
+  <p:cSld>
+    <p:spTree>
+      <p:nvGrpSpPr>
+        <p:cNvPr id="1" name=""/>
+        <p:cNvGrpSpPr/>
+        <p:nvPr/>
+      </p:nvGrpSpPr>
+      <p:grpSpPr>
+        <a:xfrm>
+          <a:off x="0" y="0"/>
+          <a:ext cx="0" cy="0"/>
+          <a:chOff x="0" y="0"/>
+          <a:chExt cx="0" cy="0"/>
+        </a:xfrm>
+      </p:grpSpPr>
+      <p:sp>
+        <p:nvSpPr>
+          <p:cNvPr id="158" name="Rectangle 157"/>
+          <p:cNvSpPr/>
+          <p:nvPr/>
+        </p:nvSpPr>
+        <p:spPr>
+          <a:xfrm>
+            <a:off x="2046776" y="1399586"/>
+            <a:ext cx="2764294" cy="1020439"/>
+          </a:xfrm>
+          <a:prstGeom prst="rect">
+            <a:avLst/>
+          </a:prstGeom>
+          <a:solidFill>
+            <a:schemeClr val="bg1">
+              <a:lumMod val="95000"/>
+            </a:schemeClr>
+          </a:solidFill>
+          <a:ln>
+            <a:noFill/>
+          </a:ln>
+        </p:spPr>
+        <p:style>
+          <a:lnRef idx="2">
+            <a:schemeClr val="accent1">
+              <a:shade val="50000"/>
+            </a:schemeClr>
+          </a:lnRef>
+          <a:fillRef idx="1">
+            <a:schemeClr val="accent1"/>
+          </a:fillRef>
+          <a:effectRef idx="0">
+            <a:schemeClr val="accent1"/>
+          </a:effectRef>
+          <a:fontRef idx="minor">
+            <a:schemeClr val="lt1"/>
+          </a:fontRef>
+        </p:style>
+        <p:txBody>
+          <a:bodyPr rtlCol="0" anchor="ctr"/>
+          <a:lstStyle/>
+          <a:p>
+            <a:endParaRPr lang="en-AU" dirty="0"/>
+          </a:p>
+        </p:txBody>
+      </p:sp>
+      <p:sp>
+        <p:nvSpPr>
+          <p:cNvPr id="115" name="Rectangle 114"/>
+          <p:cNvSpPr/>
+          <p:nvPr/>
+        </p:nvSpPr>
+        <p:spPr>
+          <a:xfrm>
+            <a:off x="8242540" y="4927677"/>
+            <a:ext cx="1114687" cy="966378"/>
+          </a:xfrm>
+          <a:prstGeom prst="rect">
+            <a:avLst/>
+          </a:prstGeom>
+          <a:solidFill>
+            <a:schemeClr val="bg2"/>
+          </a:solidFill>
+          <a:ln>
+            <a:noFill/>
+          </a:ln>
+        </p:spPr>
+        <p:style>
+          <a:lnRef idx="2">
+            <a:schemeClr val="accent1">
+              <a:shade val="50000"/>
+            </a:schemeClr>
+          </a:lnRef>
+          <a:fillRef idx="1">
+            <a:schemeClr val="accent1"/>
+          </a:fillRef>
+          <a:effectRef idx="0">
+            <a:schemeClr val="accent1"/>
+          </a:effectRef>
+          <a:fontRef idx="minor">
+            <a:schemeClr val="lt1"/>
+          </a:fontRef>
+        </p:style>
+        <p:txBody>
+          <a:bodyPr rtlCol="0" anchor="ctr"/>
+          <a:lstStyle/>
+          <a:p>
+            <a:pPr algn="ctr"/>
+            <a:endParaRPr lang="en-AU" dirty="0"/>
+          </a:p>
+        </p:txBody>
+      </p:sp>
+      <p:sp>
+        <p:nvSpPr>
+          <p:cNvPr id="39" name="Rectangle 38"/>
+          <p:cNvSpPr/>
+          <p:nvPr/>
+        </p:nvSpPr>
+        <p:spPr>
+          <a:xfrm>
+            <a:off x="4919213" y="2543676"/>
+            <a:ext cx="1484504" cy="2140866"/>
+          </a:xfrm>
+          <a:prstGeom prst="rect">
+            <a:avLst/>
+          </a:prstGeom>
+          <a:solidFill>
+            <a:schemeClr val="bg1">
+              <a:lumMod val="95000"/>
+            </a:schemeClr>
+          </a:solidFill>
+          <a:ln>
+            <a:noFill/>
+          </a:ln>
+        </p:spPr>
+        <p:style>
+          <a:lnRef idx="2">
+            <a:schemeClr val="accent1">
+              <a:shade val="50000"/>
+            </a:schemeClr>
+          </a:lnRef>
+          <a:fillRef idx="1">
+            <a:schemeClr val="accent1"/>
+          </a:fillRef>
+          <a:effectRef idx="0">
+            <a:schemeClr val="accent1"/>
+          </a:effectRef>
+          <a:fontRef idx="minor">
+            <a:schemeClr val="lt1"/>
+          </a:fontRef>
+        </p:style>
+        <p:txBody>
+          <a:bodyPr rtlCol="0" anchor="ctr"/>
+          <a:lstStyle/>
+          <a:p>
+            <a:pPr algn="ctr"/>
+            <a:endParaRPr lang="en-AU"/>
+          </a:p>
+        </p:txBody>
+      </p:sp>
+      <p:sp>
+        <p:nvSpPr>
+          <p:cNvPr id="3" name="Rounded Rectangle 2"/>
+          <p:cNvSpPr/>
+          <p:nvPr/>
+        </p:nvSpPr>
+        <p:spPr>
+          <a:xfrm>
+            <a:off x="1545465" y="425003"/>
+            <a:ext cx="3760631" cy="6200880"/>
+          </a:xfrm>
+          <a:prstGeom prst="roundRect">
+            <a:avLst>
+              <a:gd name="adj" fmla="val 4318"/>
+            </a:avLst>
+          </a:prstGeom>
+          <a:noFill/>
+          <a:ln w="28575"/>
+        </p:spPr>
+        <p:style>
+          <a:lnRef idx="2">
+            <a:schemeClr val="accent1">
+              <a:shade val="50000"/>
+            </a:schemeClr>
+          </a:lnRef>
+          <a:fillRef idx="1">
+            <a:schemeClr val="accent1"/>
+          </a:fillRef>
+          <a:effectRef idx="0">
+            <a:schemeClr val="accent1"/>
+          </a:effectRef>
+          <a:fontRef idx="minor">
+            <a:schemeClr val="lt1"/>
+          </a:fontRef>
+        </p:style>
+        <p:txBody>
+          <a:bodyPr rtlCol="0" anchor="ctr"/>
+          <a:lstStyle/>
+          <a:p>
+            <a:pPr algn="ctr"/>
+            <a:endParaRPr lang="en-AU"/>
+          </a:p>
+        </p:txBody>
+      </p:sp>
+      <p:sp>
+        <p:nvSpPr>
+          <p:cNvPr id="9" name="Rounded Rectangle 8"/>
+          <p:cNvSpPr/>
+          <p:nvPr/>
+        </p:nvSpPr>
+        <p:spPr>
+          <a:xfrm>
+            <a:off x="2694574" y="414744"/>
+            <a:ext cx="1548267" cy="225702"/>
+          </a:xfrm>
+          <a:prstGeom prst="roundRect">
+            <a:avLst/>
+          </a:prstGeom>
+          <a:solidFill>
+            <a:schemeClr val="accent1">
+              <a:lumMod val="50000"/>
+            </a:schemeClr>
+          </a:solidFill>
+          <a:ln>
+            <a:solidFill>
+              <a:schemeClr val="accent1">
+                <a:lumMod val="50000"/>
+              </a:schemeClr>
+            </a:solidFill>
+          </a:ln>
+        </p:spPr>
+        <p:style>
+          <a:lnRef idx="2">
+            <a:schemeClr val="accent1">
+              <a:shade val="50000"/>
+            </a:schemeClr>
+          </a:lnRef>
+          <a:fillRef idx="1">
+            <a:schemeClr val="accent1"/>
+          </a:fillRef>
+          <a:effectRef idx="0">
+            <a:schemeClr val="accent1"/>
+          </a:effectRef>
+          <a:fontRef idx="minor">
+            <a:schemeClr val="lt1"/>
+          </a:fontRef>
+        </p:style>
+        <p:txBody>
+          <a:bodyPr rtlCol="0" anchor="ctr"/>
+          <a:lstStyle/>
+          <a:p>
+            <a:pPr algn="ctr"/>
+            <a:endParaRPr lang="en-AU"/>
+          </a:p>
+        </p:txBody>
+      </p:sp>
+      <p:sp>
+        <p:nvSpPr>
+          <p:cNvPr id="17" name="Rounded Rectangle 16"/>
+          <p:cNvSpPr/>
+          <p:nvPr/>
+        </p:nvSpPr>
+        <p:spPr>
+          <a:xfrm>
+            <a:off x="2015543" y="930499"/>
+            <a:ext cx="2820473" cy="386366"/>
+          </a:xfrm>
+          <a:prstGeom prst="roundRect">
+            <a:avLst/>
+          </a:prstGeom>
+          <a:solidFill>
+            <a:schemeClr val="bg1">
+              <a:lumMod val="95000"/>
+            </a:schemeClr>
+          </a:solidFill>
+        </p:spPr>
+        <p:style>
+          <a:lnRef idx="2">
+            <a:schemeClr val="accent1">
+              <a:shade val="50000"/>
+            </a:schemeClr>
+          </a:lnRef>
+          <a:fillRef idx="1">
+            <a:schemeClr val="accent1"/>
+          </a:fillRef>
+          <a:effectRef idx="0">
+            <a:schemeClr val="accent1"/>
+          </a:effectRef>
+          <a:fontRef idx="minor">
+            <a:schemeClr val="lt1"/>
+          </a:fontRef>
+        </p:style>
+        <p:txBody>
+          <a:bodyPr rtlCol="0" anchor="ctr"/>
+          <a:lstStyle/>
+          <a:p>
+            <a:r>
+              <a:rPr lang="en-AU" dirty="0" smtClean="0">
+                <a:solidFill>
+                  <a:schemeClr val="bg1">
+                    <a:lumMod val="50000"/>
+                  </a:schemeClr>
+                </a:solidFill>
+              </a:rPr>
+              <a:t>Search a course</a:t>
+            </a:r>
+            <a:endParaRPr lang="en-AU" dirty="0">
+              <a:solidFill>
+                <a:schemeClr val="bg1">
+                  <a:lumMod val="50000"/>
+                </a:schemeClr>
+              </a:solidFill>
+            </a:endParaRPr>
+          </a:p>
+        </p:txBody>
+      </p:sp>
+      <p:sp>
+        <p:nvSpPr>
+          <p:cNvPr id="18" name="Rounded Rectangle 17"/>
+          <p:cNvSpPr/>
+          <p:nvPr/>
+        </p:nvSpPr>
+        <p:spPr>
+          <a:xfrm>
+            <a:off x="4381615" y="930499"/>
+            <a:ext cx="454401" cy="386366"/>
+          </a:xfrm>
+          <a:prstGeom prst="roundRect">
+            <a:avLst/>
+          </a:prstGeom>
+          <a:solidFill>
+            <a:schemeClr val="bg1">
+              <a:lumMod val="85000"/>
+            </a:schemeClr>
+          </a:solidFill>
+        </p:spPr>
+        <p:style>
+          <a:lnRef idx="2">
+            <a:schemeClr val="accent1">
+              <a:shade val="50000"/>
+            </a:schemeClr>
+          </a:lnRef>
+          <a:fillRef idx="1">
+            <a:schemeClr val="accent1"/>
+          </a:fillRef>
+          <a:effectRef idx="0">
+            <a:schemeClr val="accent1"/>
+          </a:effectRef>
+          <a:fontRef idx="minor">
+            <a:schemeClr val="lt1"/>
+          </a:fontRef>
+        </p:style>
+        <p:txBody>
+          <a:bodyPr rtlCol="0" anchor="ctr"/>
+          <a:lstStyle/>
+          <a:p>
+            <a:pPr algn="ctr"/>
+            <a:endParaRPr lang="en-AU" dirty="0"/>
+          </a:p>
+        </p:txBody>
+      </p:sp>
+      <p:sp>
+        <p:nvSpPr>
+          <p:cNvPr id="13" name="Oval 12"/>
+          <p:cNvSpPr/>
+          <p:nvPr/>
+        </p:nvSpPr>
+        <p:spPr>
+          <a:xfrm>
+            <a:off x="4463381" y="967367"/>
+            <a:ext cx="206545" cy="233751"/>
+          </a:xfrm>
+          <a:prstGeom prst="ellipse">
+            <a:avLst/>
+          </a:prstGeom>
+          <a:noFill/>
+          <a:ln w="28575">
+            <a:solidFill>
+              <a:schemeClr val="bg1"/>
+            </a:solidFill>
+          </a:ln>
+        </p:spPr>
+        <p:style>
+          <a:lnRef idx="2">
+            <a:schemeClr val="accent1">
+              <a:shade val="50000"/>
+            </a:schemeClr>
+          </a:lnRef>
+          <a:fillRef idx="1">
+            <a:schemeClr val="accent1"/>
+          </a:fillRef>
+          <a:effectRef idx="0">
+            <a:schemeClr val="accent1"/>
+          </a:effectRef>
+          <a:fontRef idx="minor">
+            <a:schemeClr val="lt1"/>
+          </a:fontRef>
+        </p:style>
+        <p:txBody>
+          <a:bodyPr rtlCol="0" anchor="ctr"/>
+          <a:lstStyle/>
+          <a:p>
+            <a:pPr algn="ctr"/>
+            <a:endParaRPr lang="en-AU"/>
+          </a:p>
+        </p:txBody>
+      </p:sp>
+      <p:cxnSp>
+        <p:nvCxnSpPr>
+          <p:cNvPr id="15" name="Straight Connector 14"/>
+          <p:cNvCxnSpPr/>
+          <p:nvPr/>
+        </p:nvCxnSpPr>
+        <p:spPr>
+          <a:xfrm>
+            <a:off x="4655125" y="1160862"/>
+            <a:ext cx="123627" cy="141715"/>
+          </a:xfrm>
+          <a:prstGeom prst="line">
+            <a:avLst/>
+          </a:prstGeom>
+          <a:ln w="28575">
+            <a:solidFill>
+              <a:schemeClr val="bg1"/>
+            </a:solidFill>
+          </a:ln>
+        </p:spPr>
+        <p:style>
+          <a:lnRef idx="1">
+            <a:schemeClr val="accent1"/>
+          </a:lnRef>
+          <a:fillRef idx="0">
+            <a:schemeClr val="accent1"/>
+          </a:fillRef>
+          <a:effectRef idx="0">
+            <a:schemeClr val="accent1"/>
+          </a:effectRef>
+          <a:fontRef idx="minor">
+            <a:schemeClr val="tx1"/>
+          </a:fontRef>
+        </p:style>
+      </p:cxnSp>
+      <p:sp>
+        <p:nvSpPr>
+          <p:cNvPr id="23" name="AutoShape 2" descr="blob:https://web.whatsapp.com/875cef06-e096-47fc-b870-98e1c00c5a9a"/>
+          <p:cNvSpPr>
+            <a:spLocks noChangeAspect="1" noChangeArrowheads="1"/>
+          </p:cNvSpPr>
+          <p:nvPr/>
+        </p:nvSpPr>
+        <p:spPr bwMode="auto">
+          <a:xfrm>
+            <a:off x="155575" y="-144463"/>
+            <a:ext cx="304800" cy="304801"/>
+          </a:xfrm>
+          <a:prstGeom prst="rect">
+            <a:avLst/>
+          </a:prstGeom>
+          <a:noFill/>
+          <a:extLst>
+            <a:ext uri="{909E8E84-426E-40DD-AFC4-6F175D3DCCD1}">
+              <a14:hiddenFill xmlns:a14="http://schemas.microsoft.com/office/drawing/2010/main">
+                <a:solidFill>
+                  <a:srgbClr val="FFFFFF"/>
+                </a:solidFill>
+              </a14:hiddenFill>
+            </a:ext>
+          </a:extLst>
+        </p:spPr>
+        <p:txBody>
+          <a:bodyPr vert="horz" wrap="square" lIns="91440" tIns="45720" rIns="91440" bIns="45720" numCol="1" anchor="t" anchorCtr="0" compatLnSpc="1">
+            <a:prstTxWarp prst="textNoShape">
+              <a:avLst/>
+            </a:prstTxWarp>
+          </a:bodyPr>
+          <a:lstStyle/>
+          <a:p>
+            <a:endParaRPr lang="en-AU"/>
+          </a:p>
+        </p:txBody>
+      </p:sp>
+      <p:sp>
+        <p:nvSpPr>
           <p:cNvPr id="2" name="Rectangle 1"/>
           <p:cNvSpPr/>
           <p:nvPr/>
@@ -11621,7 +12516,27 @@
                   </a:schemeClr>
                 </a:solidFill>
               </a:rPr>
-              <a:t>Language</a:t>
+              <a:t>Language | </a:t>
+            </a:r>
+            <a:r>
+              <a:rPr lang="en-AU" sz="1100" dirty="0" err="1" smtClean="0">
+                <a:solidFill>
+                  <a:schemeClr val="accent5">
+                    <a:lumMod val="75000"/>
+                  </a:schemeClr>
+                </a:solidFill>
+              </a:rPr>
+              <a:t>Avg</a:t>
+            </a:r>
+            <a:r>
+              <a:rPr lang="en-AU" sz="1100" dirty="0" smtClean="0">
+                <a:solidFill>
+                  <a:schemeClr val="accent5">
+                    <a:lumMod val="75000"/>
+                  </a:schemeClr>
+                </a:solidFill>
+              </a:rPr>
+              <a:t> Score 95%</a:t>
             </a:r>
             <a:endParaRPr lang="en-AU" sz="1100" dirty="0">
               <a:solidFill>
@@ -14418,51 +15333,6 @@
       </p:sp>
       <p:sp>
         <p:nvSpPr>
-          <p:cNvPr id="172" name="TextBox 171"/>
-          <p:cNvSpPr txBox="1"/>
-          <p:nvPr/>
-        </p:nvSpPr>
-        <p:spPr>
-          <a:xfrm>
-            <a:off x="4498413" y="5990204"/>
-            <a:ext cx="590931" cy="276999"/>
-          </a:xfrm>
-          <a:prstGeom prst="rect">
-            <a:avLst/>
-          </a:prstGeom>
-          <a:noFill/>
-          <a:ln>
-            <a:noFill/>
-          </a:ln>
-        </p:spPr>
-        <p:txBody>
-          <a:bodyPr wrap="none" rtlCol="0">
-            <a:spAutoFit/>
-          </a:bodyPr>
-          <a:lstStyle/>
-          <a:p>
-            <a:r>
-              <a:rPr lang="en-AU" sz="1200" dirty="0" smtClean="0">
-                <a:solidFill>
-                  <a:schemeClr val="accent1">
-                    <a:lumMod val="50000"/>
-                  </a:schemeClr>
-                </a:solidFill>
-              </a:rPr>
-              <a:t>Profile</a:t>
-            </a:r>
-            <a:endParaRPr lang="en-AU" sz="1200" dirty="0">
-              <a:solidFill>
-                <a:schemeClr val="accent1">
-                  <a:lumMod val="50000"/>
-                </a:schemeClr>
-              </a:solidFill>
-            </a:endParaRPr>
-          </a:p>
-        </p:txBody>
-      </p:sp>
-      <p:sp>
-        <p:nvSpPr>
           <p:cNvPr id="173" name="Oval 172"/>
           <p:cNvSpPr/>
           <p:nvPr/>
@@ -15152,17 +16022,7 @@
                   </a:schemeClr>
                 </a:solidFill>
               </a:rPr>
-              <a:t>My </a:t>
-            </a:r>
-            <a:r>
-              <a:rPr lang="en-AU" sz="1200" dirty="0" smtClean="0">
-                <a:solidFill>
-                  <a:schemeClr val="accent1">
-                    <a:lumMod val="50000"/>
-                  </a:schemeClr>
-                </a:solidFill>
-              </a:rPr>
-              <a:t>Studies</a:t>
+              <a:t>My Studies</a:t>
             </a:r>
             <a:endParaRPr lang="en-AU" sz="1200" dirty="0">
               <a:solidFill>
@@ -15278,10 +16138,1754 @@
           </a:p>
         </p:txBody>
       </p:sp>
+      <p:sp>
+        <p:nvSpPr>
+          <p:cNvPr id="117" name="TextBox 116"/>
+          <p:cNvSpPr txBox="1"/>
+          <p:nvPr/>
+        </p:nvSpPr>
+        <p:spPr>
+          <a:xfrm>
+            <a:off x="4405894" y="5992058"/>
+            <a:ext cx="826573" cy="276999"/>
+          </a:xfrm>
+          <a:prstGeom prst="rect">
+            <a:avLst/>
+          </a:prstGeom>
+          <a:noFill/>
+          <a:ln>
+            <a:noFill/>
+          </a:ln>
+        </p:spPr>
+        <p:txBody>
+          <a:bodyPr wrap="none" rtlCol="0">
+            <a:spAutoFit/>
+          </a:bodyPr>
+          <a:lstStyle/>
+          <a:p>
+            <a:r>
+              <a:rPr lang="en-AU" sz="1200" dirty="0" smtClean="0">
+                <a:solidFill>
+                  <a:schemeClr val="accent1">
+                    <a:lumMod val="50000"/>
+                  </a:schemeClr>
+                </a:solidFill>
+              </a:rPr>
+              <a:t>My Profile</a:t>
+            </a:r>
+            <a:endParaRPr lang="en-AU" sz="1200" dirty="0">
+              <a:solidFill>
+                <a:schemeClr val="accent1">
+                  <a:lumMod val="50000"/>
+                </a:schemeClr>
+              </a:solidFill>
+            </a:endParaRPr>
+          </a:p>
+        </p:txBody>
+      </p:sp>
     </p:spTree>
     <p:extLst>
       <p:ext uri="{BB962C8B-B14F-4D97-AF65-F5344CB8AC3E}">
         <p14:creationId xmlns:p14="http://schemas.microsoft.com/office/powerpoint/2010/main" val="1159041380"/>
+      </p:ext>
+    </p:extLst>
+  </p:cSld>
+  <p:clrMapOvr>
+    <a:masterClrMapping/>
+  </p:clrMapOvr>
+</p:sld>
+</file>
+
+<file path=ppt/slides/slide7.xml><?xml version="1.0" encoding="utf-8"?>
+<p:sld xmlns:a="http://schemas.openxmlformats.org/drawingml/2006/main" xmlns:r="http://schemas.openxmlformats.org/officeDocument/2006/relationships" xmlns:p="http://schemas.openxmlformats.org/presentationml/2006/main">
+  <p:cSld>
+    <p:spTree>
+      <p:nvGrpSpPr>
+        <p:cNvPr id="1" name=""/>
+        <p:cNvGrpSpPr/>
+        <p:nvPr/>
+      </p:nvGrpSpPr>
+      <p:grpSpPr>
+        <a:xfrm>
+          <a:off x="0" y="0"/>
+          <a:ext cx="0" cy="0"/>
+          <a:chOff x="0" y="0"/>
+          <a:chExt cx="0" cy="0"/>
+        </a:xfrm>
+      </p:grpSpPr>
+      <p:sp>
+        <p:nvSpPr>
+          <p:cNvPr id="5" name="Rectangle 4"/>
+          <p:cNvSpPr/>
+          <p:nvPr/>
+        </p:nvSpPr>
+        <p:spPr>
+          <a:xfrm>
+            <a:off x="1545465" y="668156"/>
+            <a:ext cx="3760631" cy="431699"/>
+          </a:xfrm>
+          <a:prstGeom prst="rect">
+            <a:avLst/>
+          </a:prstGeom>
+          <a:solidFill>
+            <a:schemeClr val="bg1">
+              <a:lumMod val="95000"/>
+            </a:schemeClr>
+          </a:solidFill>
+          <a:ln>
+            <a:noFill/>
+          </a:ln>
+        </p:spPr>
+        <p:style>
+          <a:lnRef idx="2">
+            <a:schemeClr val="accent1">
+              <a:shade val="50000"/>
+            </a:schemeClr>
+          </a:lnRef>
+          <a:fillRef idx="1">
+            <a:schemeClr val="accent1"/>
+          </a:fillRef>
+          <a:effectRef idx="0">
+            <a:schemeClr val="accent1"/>
+          </a:effectRef>
+          <a:fontRef idx="minor">
+            <a:schemeClr val="lt1"/>
+          </a:fontRef>
+        </p:style>
+        <p:txBody>
+          <a:bodyPr rtlCol="0" anchor="ctr"/>
+          <a:lstStyle/>
+          <a:p>
+            <a:pPr algn="ctr"/>
+            <a:endParaRPr lang="en-AU"/>
+          </a:p>
+        </p:txBody>
+      </p:sp>
+      <p:sp>
+        <p:nvSpPr>
+          <p:cNvPr id="3" name="Rounded Rectangle 2"/>
+          <p:cNvSpPr/>
+          <p:nvPr/>
+        </p:nvSpPr>
+        <p:spPr>
+          <a:xfrm>
+            <a:off x="1545465" y="425003"/>
+            <a:ext cx="3760631" cy="5911403"/>
+          </a:xfrm>
+          <a:prstGeom prst="roundRect">
+            <a:avLst>
+              <a:gd name="adj" fmla="val 4318"/>
+            </a:avLst>
+          </a:prstGeom>
+          <a:noFill/>
+          <a:ln w="28575"/>
+        </p:spPr>
+        <p:style>
+          <a:lnRef idx="2">
+            <a:schemeClr val="accent1">
+              <a:shade val="50000"/>
+            </a:schemeClr>
+          </a:lnRef>
+          <a:fillRef idx="1">
+            <a:schemeClr val="accent1"/>
+          </a:fillRef>
+          <a:effectRef idx="0">
+            <a:schemeClr val="accent1"/>
+          </a:effectRef>
+          <a:fontRef idx="minor">
+            <a:schemeClr val="lt1"/>
+          </a:fontRef>
+        </p:style>
+        <p:txBody>
+          <a:bodyPr rtlCol="0" anchor="ctr"/>
+          <a:lstStyle/>
+          <a:p>
+            <a:pPr algn="ctr"/>
+            <a:endParaRPr lang="en-AU"/>
+          </a:p>
+        </p:txBody>
+      </p:sp>
+      <p:sp>
+        <p:nvSpPr>
+          <p:cNvPr id="9" name="Rounded Rectangle 8"/>
+          <p:cNvSpPr/>
+          <p:nvPr/>
+        </p:nvSpPr>
+        <p:spPr>
+          <a:xfrm>
+            <a:off x="2694574" y="414744"/>
+            <a:ext cx="1548267" cy="225702"/>
+          </a:xfrm>
+          <a:prstGeom prst="roundRect">
+            <a:avLst/>
+          </a:prstGeom>
+          <a:solidFill>
+            <a:schemeClr val="accent1">
+              <a:lumMod val="50000"/>
+            </a:schemeClr>
+          </a:solidFill>
+          <a:ln>
+            <a:solidFill>
+              <a:schemeClr val="accent1">
+                <a:lumMod val="50000"/>
+              </a:schemeClr>
+            </a:solidFill>
+          </a:ln>
+        </p:spPr>
+        <p:style>
+          <a:lnRef idx="2">
+            <a:schemeClr val="accent1">
+              <a:shade val="50000"/>
+            </a:schemeClr>
+          </a:lnRef>
+          <a:fillRef idx="1">
+            <a:schemeClr val="accent1"/>
+          </a:fillRef>
+          <a:effectRef idx="0">
+            <a:schemeClr val="accent1"/>
+          </a:effectRef>
+          <a:fontRef idx="minor">
+            <a:schemeClr val="lt1"/>
+          </a:fontRef>
+        </p:style>
+        <p:txBody>
+          <a:bodyPr rtlCol="0" anchor="ctr"/>
+          <a:lstStyle/>
+          <a:p>
+            <a:pPr algn="ctr"/>
+            <a:endParaRPr lang="en-AU"/>
+          </a:p>
+        </p:txBody>
+      </p:sp>
+      <p:sp>
+        <p:nvSpPr>
+          <p:cNvPr id="23" name="AutoShape 2" descr="blob:https://web.whatsapp.com/875cef06-e096-47fc-b870-98e1c00c5a9a"/>
+          <p:cNvSpPr>
+            <a:spLocks noChangeAspect="1" noChangeArrowheads="1"/>
+          </p:cNvSpPr>
+          <p:nvPr/>
+        </p:nvSpPr>
+        <p:spPr bwMode="auto">
+          <a:xfrm>
+            <a:off x="155575" y="-144463"/>
+            <a:ext cx="304800" cy="304801"/>
+          </a:xfrm>
+          <a:prstGeom prst="rect">
+            <a:avLst/>
+          </a:prstGeom>
+          <a:noFill/>
+          <a:extLst>
+            <a:ext uri="{909E8E84-426E-40DD-AFC4-6F175D3DCCD1}">
+              <a14:hiddenFill xmlns:a14="http://schemas.microsoft.com/office/drawing/2010/main">
+                <a:solidFill>
+                  <a:srgbClr val="FFFFFF"/>
+                </a:solidFill>
+              </a14:hiddenFill>
+            </a:ext>
+          </a:extLst>
+        </p:spPr>
+        <p:txBody>
+          <a:bodyPr vert="horz" wrap="square" lIns="91440" tIns="45720" rIns="91440" bIns="45720" numCol="1" anchor="t" anchorCtr="0" compatLnSpc="1">
+            <a:prstTxWarp prst="textNoShape">
+              <a:avLst/>
+            </a:prstTxWarp>
+          </a:bodyPr>
+          <a:lstStyle/>
+          <a:p>
+            <a:endParaRPr lang="en-AU"/>
+          </a:p>
+        </p:txBody>
+      </p:sp>
+      <p:sp>
+        <p:nvSpPr>
+          <p:cNvPr id="6" name="Isosceles Triangle 5"/>
+          <p:cNvSpPr/>
+          <p:nvPr/>
+        </p:nvSpPr>
+        <p:spPr>
+          <a:xfrm rot="16200000">
+            <a:off x="2306010" y="6038346"/>
+            <a:ext cx="219758" cy="168185"/>
+          </a:xfrm>
+          <a:prstGeom prst="triangle">
+            <a:avLst/>
+          </a:prstGeom>
+        </p:spPr>
+        <p:style>
+          <a:lnRef idx="2">
+            <a:schemeClr val="accent1">
+              <a:shade val="50000"/>
+            </a:schemeClr>
+          </a:lnRef>
+          <a:fillRef idx="1">
+            <a:schemeClr val="accent1"/>
+          </a:fillRef>
+          <a:effectRef idx="0">
+            <a:schemeClr val="accent1"/>
+          </a:effectRef>
+          <a:fontRef idx="minor">
+            <a:schemeClr val="lt1"/>
+          </a:fontRef>
+        </p:style>
+        <p:txBody>
+          <a:bodyPr rtlCol="0" anchor="ctr"/>
+          <a:lstStyle/>
+          <a:p>
+            <a:pPr algn="ctr"/>
+            <a:endParaRPr lang="en-AU"/>
+          </a:p>
+        </p:txBody>
+      </p:sp>
+      <p:sp>
+        <p:nvSpPr>
+          <p:cNvPr id="7" name="Rectangle 6"/>
+          <p:cNvSpPr/>
+          <p:nvPr/>
+        </p:nvSpPr>
+        <p:spPr>
+          <a:xfrm>
+            <a:off x="4391897" y="6003133"/>
+            <a:ext cx="205652" cy="211398"/>
+          </a:xfrm>
+          <a:prstGeom prst="rect">
+            <a:avLst/>
+          </a:prstGeom>
+        </p:spPr>
+        <p:style>
+          <a:lnRef idx="2">
+            <a:schemeClr val="accent1">
+              <a:shade val="50000"/>
+            </a:schemeClr>
+          </a:lnRef>
+          <a:fillRef idx="1">
+            <a:schemeClr val="accent1"/>
+          </a:fillRef>
+          <a:effectRef idx="0">
+            <a:schemeClr val="accent1"/>
+          </a:effectRef>
+          <a:fontRef idx="minor">
+            <a:schemeClr val="lt1"/>
+          </a:fontRef>
+        </p:style>
+        <p:txBody>
+          <a:bodyPr rtlCol="0" anchor="ctr"/>
+          <a:lstStyle/>
+          <a:p>
+            <a:pPr algn="ctr"/>
+            <a:endParaRPr lang="en-AU"/>
+          </a:p>
+        </p:txBody>
+      </p:sp>
+      <p:cxnSp>
+        <p:nvCxnSpPr>
+          <p:cNvPr id="10" name="Straight Connector 9"/>
+          <p:cNvCxnSpPr/>
+          <p:nvPr/>
+        </p:nvCxnSpPr>
+        <p:spPr>
+          <a:xfrm>
+            <a:off x="3316406" y="6016781"/>
+            <a:ext cx="218364" cy="0"/>
+          </a:xfrm>
+          <a:prstGeom prst="line">
+            <a:avLst/>
+          </a:prstGeom>
+          <a:ln w="25400"/>
+        </p:spPr>
+        <p:style>
+          <a:lnRef idx="1">
+            <a:schemeClr val="accent1"/>
+          </a:lnRef>
+          <a:fillRef idx="0">
+            <a:schemeClr val="accent1"/>
+          </a:fillRef>
+          <a:effectRef idx="0">
+            <a:schemeClr val="accent1"/>
+          </a:effectRef>
+          <a:fontRef idx="minor">
+            <a:schemeClr val="tx1"/>
+          </a:fontRef>
+        </p:style>
+      </p:cxnSp>
+      <p:cxnSp>
+        <p:nvCxnSpPr>
+          <p:cNvPr id="39" name="Straight Connector 38"/>
+          <p:cNvCxnSpPr/>
+          <p:nvPr/>
+        </p:nvCxnSpPr>
+        <p:spPr>
+          <a:xfrm>
+            <a:off x="3318680" y="6114589"/>
+            <a:ext cx="218364" cy="0"/>
+          </a:xfrm>
+          <a:prstGeom prst="line">
+            <a:avLst/>
+          </a:prstGeom>
+          <a:ln w="25400"/>
+        </p:spPr>
+        <p:style>
+          <a:lnRef idx="1">
+            <a:schemeClr val="accent1"/>
+          </a:lnRef>
+          <a:fillRef idx="0">
+            <a:schemeClr val="accent1"/>
+          </a:fillRef>
+          <a:effectRef idx="0">
+            <a:schemeClr val="accent1"/>
+          </a:effectRef>
+          <a:fontRef idx="minor">
+            <a:schemeClr val="tx1"/>
+          </a:fontRef>
+        </p:style>
+      </p:cxnSp>
+      <p:cxnSp>
+        <p:nvCxnSpPr>
+          <p:cNvPr id="41" name="Straight Connector 40"/>
+          <p:cNvCxnSpPr/>
+          <p:nvPr/>
+        </p:nvCxnSpPr>
+        <p:spPr>
+          <a:xfrm>
+            <a:off x="3320954" y="6212397"/>
+            <a:ext cx="218364" cy="0"/>
+          </a:xfrm>
+          <a:prstGeom prst="line">
+            <a:avLst/>
+          </a:prstGeom>
+          <a:ln w="25400"/>
+        </p:spPr>
+        <p:style>
+          <a:lnRef idx="1">
+            <a:schemeClr val="accent1"/>
+          </a:lnRef>
+          <a:fillRef idx="0">
+            <a:schemeClr val="accent1"/>
+          </a:fillRef>
+          <a:effectRef idx="0">
+            <a:schemeClr val="accent1"/>
+          </a:effectRef>
+          <a:fontRef idx="minor">
+            <a:schemeClr val="tx1"/>
+          </a:fontRef>
+        </p:style>
+      </p:cxnSp>
+      <p:cxnSp>
+        <p:nvCxnSpPr>
+          <p:cNvPr id="4" name="Straight Arrow Connector 3"/>
+          <p:cNvCxnSpPr/>
+          <p:nvPr/>
+        </p:nvCxnSpPr>
+        <p:spPr>
+          <a:xfrm flipH="1">
+            <a:off x="1752112" y="876692"/>
+            <a:ext cx="269286" cy="0"/>
+          </a:xfrm>
+          <a:prstGeom prst="straightConnector1">
+            <a:avLst/>
+          </a:prstGeom>
+          <a:ln w="25400">
+            <a:solidFill>
+              <a:schemeClr val="accent5">
+                <a:lumMod val="75000"/>
+              </a:schemeClr>
+            </a:solidFill>
+            <a:miter lim="800000"/>
+            <a:tailEnd type="arrow"/>
+          </a:ln>
+        </p:spPr>
+        <p:style>
+          <a:lnRef idx="1">
+            <a:schemeClr val="accent1"/>
+          </a:lnRef>
+          <a:fillRef idx="0">
+            <a:schemeClr val="accent1"/>
+          </a:fillRef>
+          <a:effectRef idx="0">
+            <a:schemeClr val="accent1"/>
+          </a:effectRef>
+          <a:fontRef idx="minor">
+            <a:schemeClr val="tx1"/>
+          </a:fontRef>
+        </p:style>
+      </p:cxnSp>
+      <p:sp>
+        <p:nvSpPr>
+          <p:cNvPr id="55" name="TextBox 54"/>
+          <p:cNvSpPr txBox="1"/>
+          <p:nvPr/>
+        </p:nvSpPr>
+        <p:spPr>
+          <a:xfrm>
+            <a:off x="2124085" y="722803"/>
+            <a:ext cx="1065741" cy="307777"/>
+          </a:xfrm>
+          <a:prstGeom prst="rect">
+            <a:avLst/>
+          </a:prstGeom>
+          <a:noFill/>
+        </p:spPr>
+        <p:txBody>
+          <a:bodyPr wrap="none" rtlCol="0">
+            <a:spAutoFit/>
+          </a:bodyPr>
+          <a:lstStyle/>
+          <a:p>
+            <a:r>
+              <a:rPr lang="en-AU" sz="1400" b="1" dirty="0" smtClean="0">
+                <a:solidFill>
+                  <a:schemeClr val="accent5">
+                    <a:lumMod val="75000"/>
+                  </a:schemeClr>
+                </a:solidFill>
+              </a:rPr>
+              <a:t>Course </a:t>
+            </a:r>
+            <a:r>
+              <a:rPr lang="en-AU" sz="1400" b="1" dirty="0" smtClean="0">
+                <a:solidFill>
+                  <a:schemeClr val="accent5">
+                    <a:lumMod val="75000"/>
+                  </a:schemeClr>
+                </a:solidFill>
+              </a:rPr>
+              <a:t>Title</a:t>
+            </a:r>
+            <a:endParaRPr lang="en-AU" sz="1400" b="1" dirty="0">
+              <a:solidFill>
+                <a:schemeClr val="accent5">
+                  <a:lumMod val="75000"/>
+                </a:schemeClr>
+              </a:solidFill>
+            </a:endParaRPr>
+          </a:p>
+        </p:txBody>
+      </p:sp>
+      <p:pic>
+        <p:nvPicPr>
+          <p:cNvPr id="67" name="Picture 4" descr="Geography Books 2021: Physical &amp; Human Geography - Leverage Edu"/>
+          <p:cNvPicPr>
+            <a:picLocks noChangeAspect="1" noChangeArrowheads="1"/>
+          </p:cNvPicPr>
+          <p:nvPr/>
+        </p:nvPicPr>
+        <p:blipFill>
+          <a:blip r:embed="rId2" cstate="print">
+            <a:extLst>
+              <a:ext uri="{28A0092B-C50C-407E-A947-70E740481C1C}">
+                <a14:useLocalDpi xmlns:a14="http://schemas.microsoft.com/office/drawing/2010/main" val="0"/>
+              </a:ext>
+            </a:extLst>
+          </a:blip>
+          <a:srcRect/>
+          <a:stretch>
+            <a:fillRect/>
+          </a:stretch>
+        </p:blipFill>
+        <p:spPr bwMode="auto">
+          <a:xfrm>
+            <a:off x="1695743" y="1460796"/>
+            <a:ext cx="3472001" cy="1567276"/>
+          </a:xfrm>
+          <a:prstGeom prst="rect">
+            <a:avLst/>
+          </a:prstGeom>
+          <a:noFill/>
+          <a:extLst>
+            <a:ext uri="{909E8E84-426E-40DD-AFC4-6F175D3DCCD1}">
+              <a14:hiddenFill xmlns:a14="http://schemas.microsoft.com/office/drawing/2010/main">
+                <a:solidFill>
+                  <a:srgbClr val="FFFFFF"/>
+                </a:solidFill>
+              </a14:hiddenFill>
+            </a:ext>
+          </a:extLst>
+        </p:spPr>
+      </p:pic>
+      <p:sp>
+        <p:nvSpPr>
+          <p:cNvPr id="68" name="TextBox 67"/>
+          <p:cNvSpPr txBox="1"/>
+          <p:nvPr/>
+        </p:nvSpPr>
+        <p:spPr>
+          <a:xfrm>
+            <a:off x="2871753" y="1707538"/>
+            <a:ext cx="1345240" cy="1569660"/>
+          </a:xfrm>
+          <a:prstGeom prst="rect">
+            <a:avLst/>
+          </a:prstGeom>
+          <a:noFill/>
+        </p:spPr>
+        <p:txBody>
+          <a:bodyPr wrap="none" rtlCol="0">
+            <a:spAutoFit/>
+          </a:bodyPr>
+          <a:lstStyle/>
+          <a:p>
+            <a:r>
+              <a:rPr lang="en-AU" sz="9600" dirty="0" smtClean="0">
+                <a:solidFill>
+                  <a:schemeClr val="accent1"/>
+                </a:solidFill>
+              </a:rPr>
+              <a:t>.</a:t>
+            </a:r>
+            <a:r>
+              <a:rPr lang="en-AU" sz="9600" dirty="0" smtClean="0">
+                <a:solidFill>
+                  <a:schemeClr val="accent1">
+                    <a:lumMod val="20000"/>
+                    <a:lumOff val="80000"/>
+                  </a:schemeClr>
+                </a:solidFill>
+              </a:rPr>
+              <a:t>…</a:t>
+            </a:r>
+            <a:endParaRPr lang="en-AU" sz="9600" dirty="0">
+              <a:solidFill>
+                <a:schemeClr val="accent1">
+                  <a:lumMod val="20000"/>
+                  <a:lumOff val="80000"/>
+                </a:schemeClr>
+              </a:solidFill>
+            </a:endParaRPr>
+          </a:p>
+        </p:txBody>
+      </p:sp>
+      <p:sp>
+        <p:nvSpPr>
+          <p:cNvPr id="8" name="Rectangle 7"/>
+          <p:cNvSpPr/>
+          <p:nvPr/>
+        </p:nvSpPr>
+        <p:spPr>
+          <a:xfrm>
+            <a:off x="5339478" y="1460796"/>
+            <a:ext cx="3472001" cy="1567276"/>
+          </a:xfrm>
+          <a:prstGeom prst="rect">
+            <a:avLst/>
+          </a:prstGeom>
+          <a:solidFill>
+            <a:schemeClr val="bg2"/>
+          </a:solidFill>
+          <a:ln>
+            <a:solidFill>
+              <a:schemeClr val="bg2"/>
+            </a:solidFill>
+          </a:ln>
+        </p:spPr>
+        <p:style>
+          <a:lnRef idx="2">
+            <a:schemeClr val="accent1">
+              <a:shade val="50000"/>
+            </a:schemeClr>
+          </a:lnRef>
+          <a:fillRef idx="1">
+            <a:schemeClr val="accent1"/>
+          </a:fillRef>
+          <a:effectRef idx="0">
+            <a:schemeClr val="accent1"/>
+          </a:effectRef>
+          <a:fontRef idx="minor">
+            <a:schemeClr val="lt1"/>
+          </a:fontRef>
+        </p:style>
+        <p:txBody>
+          <a:bodyPr rtlCol="0" anchor="ctr"/>
+          <a:lstStyle/>
+          <a:p>
+            <a:pPr algn="ctr"/>
+            <a:endParaRPr lang="en-AU"/>
+          </a:p>
+        </p:txBody>
+      </p:sp>
+      <p:sp>
+        <p:nvSpPr>
+          <p:cNvPr id="73" name="Rectangle 72"/>
+          <p:cNvSpPr/>
+          <p:nvPr/>
+        </p:nvSpPr>
+        <p:spPr>
+          <a:xfrm>
+            <a:off x="9066541" y="1460796"/>
+            <a:ext cx="2903779" cy="1567276"/>
+          </a:xfrm>
+          <a:prstGeom prst="rect">
+            <a:avLst/>
+          </a:prstGeom>
+          <a:solidFill>
+            <a:schemeClr val="bg2"/>
+          </a:solidFill>
+          <a:ln>
+            <a:solidFill>
+              <a:schemeClr val="bg2"/>
+            </a:solidFill>
+          </a:ln>
+        </p:spPr>
+        <p:style>
+          <a:lnRef idx="2">
+            <a:schemeClr val="accent1">
+              <a:shade val="50000"/>
+            </a:schemeClr>
+          </a:lnRef>
+          <a:fillRef idx="1">
+            <a:schemeClr val="accent1"/>
+          </a:fillRef>
+          <a:effectRef idx="0">
+            <a:schemeClr val="accent1"/>
+          </a:effectRef>
+          <a:fontRef idx="minor">
+            <a:schemeClr val="lt1"/>
+          </a:fontRef>
+        </p:style>
+        <p:txBody>
+          <a:bodyPr rtlCol="0" anchor="ctr"/>
+          <a:lstStyle/>
+          <a:p>
+            <a:pPr algn="ctr"/>
+            <a:endParaRPr lang="en-AU"/>
+          </a:p>
+        </p:txBody>
+      </p:sp>
+      <p:sp>
+        <p:nvSpPr>
+          <p:cNvPr id="14" name="Rounded Rectangle 13"/>
+          <p:cNvSpPr/>
+          <p:nvPr/>
+        </p:nvSpPr>
+        <p:spPr>
+          <a:xfrm>
+            <a:off x="1666884" y="3139623"/>
+            <a:ext cx="3500859" cy="608665"/>
+          </a:xfrm>
+          <a:prstGeom prst="roundRect">
+            <a:avLst>
+              <a:gd name="adj" fmla="val 7576"/>
+            </a:avLst>
+          </a:prstGeom>
+        </p:spPr>
+        <p:style>
+          <a:lnRef idx="2">
+            <a:schemeClr val="accent1">
+              <a:shade val="50000"/>
+            </a:schemeClr>
+          </a:lnRef>
+          <a:fillRef idx="1">
+            <a:schemeClr val="accent1"/>
+          </a:fillRef>
+          <a:effectRef idx="0">
+            <a:schemeClr val="accent1"/>
+          </a:effectRef>
+          <a:fontRef idx="minor">
+            <a:schemeClr val="lt1"/>
+          </a:fontRef>
+        </p:style>
+        <p:txBody>
+          <a:bodyPr rtlCol="0" anchor="ctr"/>
+          <a:lstStyle/>
+          <a:p>
+            <a:pPr algn="ctr"/>
+            <a:r>
+              <a:rPr lang="en-AU" dirty="0" smtClean="0"/>
+              <a:t>BUY NOW</a:t>
+            </a:r>
+          </a:p>
+        </p:txBody>
+      </p:sp>
+      <p:sp>
+        <p:nvSpPr>
+          <p:cNvPr id="20" name="Oval 19"/>
+          <p:cNvSpPr/>
+          <p:nvPr/>
+        </p:nvSpPr>
+        <p:spPr>
+          <a:xfrm>
+            <a:off x="3144765" y="1939634"/>
+            <a:ext cx="647883" cy="609600"/>
+          </a:xfrm>
+          <a:prstGeom prst="ellipse">
+            <a:avLst/>
+          </a:prstGeom>
+          <a:solidFill>
+            <a:schemeClr val="accent1">
+              <a:alpha val="75000"/>
+            </a:schemeClr>
+          </a:solidFill>
+          <a:ln>
+            <a:noFill/>
+          </a:ln>
+        </p:spPr>
+        <p:style>
+          <a:lnRef idx="2">
+            <a:schemeClr val="accent1">
+              <a:shade val="50000"/>
+            </a:schemeClr>
+          </a:lnRef>
+          <a:fillRef idx="1">
+            <a:schemeClr val="accent1"/>
+          </a:fillRef>
+          <a:effectRef idx="0">
+            <a:schemeClr val="accent1"/>
+          </a:effectRef>
+          <a:fontRef idx="minor">
+            <a:schemeClr val="lt1"/>
+          </a:fontRef>
+        </p:style>
+        <p:txBody>
+          <a:bodyPr rtlCol="0" anchor="ctr"/>
+          <a:lstStyle/>
+          <a:p>
+            <a:pPr algn="ctr"/>
+            <a:endParaRPr lang="en-AU"/>
+          </a:p>
+        </p:txBody>
+      </p:sp>
+      <p:sp>
+        <p:nvSpPr>
+          <p:cNvPr id="24" name="Isosceles Triangle 23"/>
+          <p:cNvSpPr/>
+          <p:nvPr/>
+        </p:nvSpPr>
+        <p:spPr>
+          <a:xfrm rot="5400000">
+            <a:off x="3330842" y="2077608"/>
+            <a:ext cx="375792" cy="333141"/>
+          </a:xfrm>
+          <a:prstGeom prst="triangle">
+            <a:avLst/>
+          </a:prstGeom>
+          <a:solidFill>
+            <a:schemeClr val="bg1"/>
+          </a:solidFill>
+          <a:ln>
+            <a:noFill/>
+          </a:ln>
+        </p:spPr>
+        <p:style>
+          <a:lnRef idx="2">
+            <a:schemeClr val="accent1">
+              <a:shade val="50000"/>
+            </a:schemeClr>
+          </a:lnRef>
+          <a:fillRef idx="1">
+            <a:schemeClr val="accent1"/>
+          </a:fillRef>
+          <a:effectRef idx="0">
+            <a:schemeClr val="accent1"/>
+          </a:effectRef>
+          <a:fontRef idx="minor">
+            <a:schemeClr val="lt1"/>
+          </a:fontRef>
+        </p:style>
+        <p:txBody>
+          <a:bodyPr rtlCol="0" anchor="ctr"/>
+          <a:lstStyle/>
+          <a:p>
+            <a:pPr algn="ctr"/>
+            <a:endParaRPr lang="en-AU"/>
+          </a:p>
+        </p:txBody>
+      </p:sp>
+      <p:sp>
+        <p:nvSpPr>
+          <p:cNvPr id="74" name="TextBox 73"/>
+          <p:cNvSpPr txBox="1"/>
+          <p:nvPr/>
+        </p:nvSpPr>
+        <p:spPr>
+          <a:xfrm>
+            <a:off x="2913795" y="1124588"/>
+            <a:ext cx="1122038" cy="307777"/>
+          </a:xfrm>
+          <a:prstGeom prst="rect">
+            <a:avLst/>
+          </a:prstGeom>
+          <a:noFill/>
+        </p:spPr>
+        <p:txBody>
+          <a:bodyPr wrap="none" rtlCol="0">
+            <a:spAutoFit/>
+          </a:bodyPr>
+          <a:lstStyle/>
+          <a:p>
+            <a:pPr algn="ctr"/>
+            <a:r>
+              <a:rPr lang="en-AU" sz="1400" b="1" dirty="0" smtClean="0">
+                <a:solidFill>
+                  <a:schemeClr val="accent5">
+                    <a:lumMod val="75000"/>
+                  </a:schemeClr>
+                </a:solidFill>
+              </a:rPr>
+              <a:t>Free Lessons</a:t>
+            </a:r>
+            <a:endParaRPr lang="en-AU" sz="1400" b="1" dirty="0">
+              <a:solidFill>
+                <a:schemeClr val="accent5">
+                  <a:lumMod val="75000"/>
+                </a:schemeClr>
+              </a:solidFill>
+            </a:endParaRPr>
+          </a:p>
+        </p:txBody>
+      </p:sp>
+      <p:sp>
+        <p:nvSpPr>
+          <p:cNvPr id="30" name="TextBox 29"/>
+          <p:cNvSpPr txBox="1"/>
+          <p:nvPr/>
+        </p:nvSpPr>
+        <p:spPr>
+          <a:xfrm>
+            <a:off x="1695743" y="1603450"/>
+            <a:ext cx="3507692" cy="1107996"/>
+          </a:xfrm>
+          <a:prstGeom prst="rect">
+            <a:avLst/>
+          </a:prstGeom>
+          <a:noFill/>
+        </p:spPr>
+        <p:txBody>
+          <a:bodyPr wrap="none" rtlCol="0">
+            <a:spAutoFit/>
+          </a:bodyPr>
+          <a:lstStyle/>
+          <a:p>
+            <a:pPr algn="ctr"/>
+            <a:r>
+              <a:rPr lang="en-AU" sz="6600" b="1" dirty="0" smtClean="0">
+                <a:solidFill>
+                  <a:schemeClr val="bg1"/>
+                </a:solidFill>
+              </a:rPr>
+              <a:t>&lt;             &gt;</a:t>
+            </a:r>
+            <a:endParaRPr lang="en-AU" sz="6600" b="1" dirty="0">
+              <a:solidFill>
+                <a:schemeClr val="bg1"/>
+              </a:solidFill>
+            </a:endParaRPr>
+          </a:p>
+        </p:txBody>
+      </p:sp>
+      <p:sp>
+        <p:nvSpPr>
+          <p:cNvPr id="31" name="TextBox 30"/>
+          <p:cNvSpPr txBox="1"/>
+          <p:nvPr/>
+        </p:nvSpPr>
+        <p:spPr>
+          <a:xfrm>
+            <a:off x="1777145" y="4845850"/>
+            <a:ext cx="1927387" cy="646331"/>
+          </a:xfrm>
+          <a:prstGeom prst="rect">
+            <a:avLst/>
+          </a:prstGeom>
+          <a:noFill/>
+        </p:spPr>
+        <p:txBody>
+          <a:bodyPr wrap="none" rtlCol="0">
+            <a:spAutoFit/>
+          </a:bodyPr>
+          <a:lstStyle/>
+          <a:p>
+            <a:r>
+              <a:rPr lang="en-AU" dirty="0" smtClean="0"/>
+              <a:t>Teacher’s notes</a:t>
+            </a:r>
+          </a:p>
+          <a:p>
+            <a:r>
+              <a:rPr lang="en-AU" dirty="0" smtClean="0"/>
+              <a:t>Students’ </a:t>
+            </a:r>
+            <a:r>
+              <a:rPr lang="en-AU" dirty="0" err="1" smtClean="0"/>
+              <a:t>coments</a:t>
+            </a:r>
+            <a:endParaRPr lang="en-AU" dirty="0"/>
+          </a:p>
+        </p:txBody>
+      </p:sp>
+      <p:sp>
+        <p:nvSpPr>
+          <p:cNvPr id="76" name="TextBox 75"/>
+          <p:cNvSpPr txBox="1"/>
+          <p:nvPr/>
+        </p:nvSpPr>
+        <p:spPr>
+          <a:xfrm>
+            <a:off x="3712367" y="4420091"/>
+            <a:ext cx="1018227" cy="261610"/>
+          </a:xfrm>
+          <a:prstGeom prst="rect">
+            <a:avLst/>
+          </a:prstGeom>
+          <a:noFill/>
+        </p:spPr>
+        <p:txBody>
+          <a:bodyPr wrap="none" rtlCol="0">
+            <a:spAutoFit/>
+          </a:bodyPr>
+          <a:lstStyle/>
+          <a:p>
+            <a:r>
+              <a:rPr lang="en-AU" sz="1100" dirty="0" smtClean="0">
+                <a:solidFill>
+                  <a:schemeClr val="accent5">
+                    <a:lumMod val="60000"/>
+                    <a:lumOff val="40000"/>
+                  </a:schemeClr>
+                </a:solidFill>
+              </a:rPr>
+              <a:t>Teacher Name</a:t>
+            </a:r>
+            <a:endParaRPr lang="en-AU" sz="1100" dirty="0">
+              <a:solidFill>
+                <a:schemeClr val="accent5">
+                  <a:lumMod val="60000"/>
+                  <a:lumOff val="40000"/>
+                </a:schemeClr>
+              </a:solidFill>
+            </a:endParaRPr>
+          </a:p>
+        </p:txBody>
+      </p:sp>
+      <p:sp>
+        <p:nvSpPr>
+          <p:cNvPr id="77" name="5-Point Star 76"/>
+          <p:cNvSpPr/>
+          <p:nvPr/>
+        </p:nvSpPr>
+        <p:spPr>
+          <a:xfrm>
+            <a:off x="3762059" y="5010888"/>
+            <a:ext cx="103791" cy="108205"/>
+          </a:xfrm>
+          <a:prstGeom prst="star5">
+            <a:avLst/>
+          </a:prstGeom>
+          <a:solidFill>
+            <a:srgbClr val="FF0000"/>
+          </a:solidFill>
+          <a:ln>
+            <a:noFill/>
+          </a:ln>
+        </p:spPr>
+        <p:style>
+          <a:lnRef idx="2">
+            <a:schemeClr val="accent1">
+              <a:shade val="50000"/>
+            </a:schemeClr>
+          </a:lnRef>
+          <a:fillRef idx="1">
+            <a:schemeClr val="accent1"/>
+          </a:fillRef>
+          <a:effectRef idx="0">
+            <a:schemeClr val="accent1"/>
+          </a:effectRef>
+          <a:fontRef idx="minor">
+            <a:schemeClr val="lt1"/>
+          </a:fontRef>
+        </p:style>
+        <p:txBody>
+          <a:bodyPr rtlCol="0" anchor="ctr"/>
+          <a:lstStyle/>
+          <a:p>
+            <a:pPr algn="ctr"/>
+            <a:endParaRPr lang="en-AU"/>
+          </a:p>
+        </p:txBody>
+      </p:sp>
+      <p:sp>
+        <p:nvSpPr>
+          <p:cNvPr id="78" name="5-Point Star 77"/>
+          <p:cNvSpPr/>
+          <p:nvPr/>
+        </p:nvSpPr>
+        <p:spPr>
+          <a:xfrm>
+            <a:off x="3869579" y="5011820"/>
+            <a:ext cx="103791" cy="108205"/>
+          </a:xfrm>
+          <a:prstGeom prst="star5">
+            <a:avLst/>
+          </a:prstGeom>
+          <a:solidFill>
+            <a:srgbClr val="FF0000"/>
+          </a:solidFill>
+          <a:ln>
+            <a:noFill/>
+          </a:ln>
+        </p:spPr>
+        <p:style>
+          <a:lnRef idx="2">
+            <a:schemeClr val="accent1">
+              <a:shade val="50000"/>
+            </a:schemeClr>
+          </a:lnRef>
+          <a:fillRef idx="1">
+            <a:schemeClr val="accent1"/>
+          </a:fillRef>
+          <a:effectRef idx="0">
+            <a:schemeClr val="accent1"/>
+          </a:effectRef>
+          <a:fontRef idx="minor">
+            <a:schemeClr val="lt1"/>
+          </a:fontRef>
+        </p:style>
+        <p:txBody>
+          <a:bodyPr rtlCol="0" anchor="ctr"/>
+          <a:lstStyle/>
+          <a:p>
+            <a:pPr algn="ctr"/>
+            <a:endParaRPr lang="en-AU"/>
+          </a:p>
+        </p:txBody>
+      </p:sp>
+      <p:sp>
+        <p:nvSpPr>
+          <p:cNvPr id="79" name="5-Point Star 78"/>
+          <p:cNvSpPr/>
+          <p:nvPr/>
+        </p:nvSpPr>
+        <p:spPr>
+          <a:xfrm>
+            <a:off x="3970556" y="5011822"/>
+            <a:ext cx="103791" cy="108205"/>
+          </a:xfrm>
+          <a:prstGeom prst="star5">
+            <a:avLst/>
+          </a:prstGeom>
+          <a:solidFill>
+            <a:srgbClr val="FF0000"/>
+          </a:solidFill>
+          <a:ln>
+            <a:noFill/>
+          </a:ln>
+        </p:spPr>
+        <p:style>
+          <a:lnRef idx="2">
+            <a:schemeClr val="accent1">
+              <a:shade val="50000"/>
+            </a:schemeClr>
+          </a:lnRef>
+          <a:fillRef idx="1">
+            <a:schemeClr val="accent1"/>
+          </a:fillRef>
+          <a:effectRef idx="0">
+            <a:schemeClr val="accent1"/>
+          </a:effectRef>
+          <a:fontRef idx="minor">
+            <a:schemeClr val="lt1"/>
+          </a:fontRef>
+        </p:style>
+        <p:txBody>
+          <a:bodyPr rtlCol="0" anchor="ctr"/>
+          <a:lstStyle/>
+          <a:p>
+            <a:pPr algn="ctr"/>
+            <a:endParaRPr lang="en-AU"/>
+          </a:p>
+        </p:txBody>
+      </p:sp>
+      <p:sp>
+        <p:nvSpPr>
+          <p:cNvPr id="80" name="5-Point Star 79"/>
+          <p:cNvSpPr/>
+          <p:nvPr/>
+        </p:nvSpPr>
+        <p:spPr>
+          <a:xfrm>
+            <a:off x="4071574" y="5012062"/>
+            <a:ext cx="94355" cy="98368"/>
+          </a:xfrm>
+          <a:prstGeom prst="star5">
+            <a:avLst/>
+          </a:prstGeom>
+          <a:noFill/>
+          <a:ln w="3175">
+            <a:solidFill>
+              <a:srgbClr val="FF0000"/>
+            </a:solidFill>
+          </a:ln>
+        </p:spPr>
+        <p:style>
+          <a:lnRef idx="2">
+            <a:schemeClr val="accent1">
+              <a:shade val="50000"/>
+            </a:schemeClr>
+          </a:lnRef>
+          <a:fillRef idx="1">
+            <a:schemeClr val="accent1"/>
+          </a:fillRef>
+          <a:effectRef idx="0">
+            <a:schemeClr val="accent1"/>
+          </a:effectRef>
+          <a:fontRef idx="minor">
+            <a:schemeClr val="lt1"/>
+          </a:fontRef>
+        </p:style>
+        <p:txBody>
+          <a:bodyPr rtlCol="0" anchor="ctr"/>
+          <a:lstStyle/>
+          <a:p>
+            <a:pPr algn="ctr"/>
+            <a:endParaRPr lang="en-AU"/>
+          </a:p>
+        </p:txBody>
+      </p:sp>
+      <p:sp>
+        <p:nvSpPr>
+          <p:cNvPr id="81" name="5-Point Star 80"/>
+          <p:cNvSpPr/>
+          <p:nvPr/>
+        </p:nvSpPr>
+        <p:spPr>
+          <a:xfrm>
+            <a:off x="4173484" y="5012998"/>
+            <a:ext cx="94355" cy="98368"/>
+          </a:xfrm>
+          <a:prstGeom prst="star5">
+            <a:avLst/>
+          </a:prstGeom>
+          <a:noFill/>
+          <a:ln w="3175">
+            <a:solidFill>
+              <a:srgbClr val="FF0000"/>
+            </a:solidFill>
+          </a:ln>
+        </p:spPr>
+        <p:style>
+          <a:lnRef idx="2">
+            <a:schemeClr val="accent1">
+              <a:shade val="50000"/>
+            </a:schemeClr>
+          </a:lnRef>
+          <a:fillRef idx="1">
+            <a:schemeClr val="accent1"/>
+          </a:fillRef>
+          <a:effectRef idx="0">
+            <a:schemeClr val="accent1"/>
+          </a:effectRef>
+          <a:fontRef idx="minor">
+            <a:schemeClr val="lt1"/>
+          </a:fontRef>
+        </p:style>
+        <p:txBody>
+          <a:bodyPr rtlCol="0" anchor="ctr"/>
+          <a:lstStyle/>
+          <a:p>
+            <a:pPr algn="ctr"/>
+            <a:endParaRPr lang="en-AU"/>
+          </a:p>
+        </p:txBody>
+      </p:sp>
+      <p:sp>
+        <p:nvSpPr>
+          <p:cNvPr id="82" name="Freeform 81"/>
+          <p:cNvSpPr/>
+          <p:nvPr/>
+        </p:nvSpPr>
+        <p:spPr>
+          <a:xfrm>
+            <a:off x="4067146" y="5010857"/>
+            <a:ext cx="70264" cy="108205"/>
+          </a:xfrm>
+          <a:custGeom>
+            <a:avLst/>
+            <a:gdLst>
+              <a:gd name="connsiteX0" fmla="*/ 51896 w 70264"/>
+              <a:gd name="connsiteY0" fmla="*/ 0 h 108205"/>
+              <a:gd name="connsiteX1" fmla="*/ 64146 w 70264"/>
+              <a:gd name="connsiteY1" fmla="*/ 41331 h 108205"/>
+              <a:gd name="connsiteX2" fmla="*/ 70264 w 70264"/>
+              <a:gd name="connsiteY2" fmla="*/ 41331 h 108205"/>
+              <a:gd name="connsiteX3" fmla="*/ 70264 w 70264"/>
+              <a:gd name="connsiteY3" fmla="*/ 97290 h 108205"/>
+              <a:gd name="connsiteX4" fmla="*/ 51896 w 70264"/>
+              <a:gd name="connsiteY4" fmla="*/ 82661 h 108205"/>
+              <a:gd name="connsiteX5" fmla="*/ 19822 w 70264"/>
+              <a:gd name="connsiteY5" fmla="*/ 108205 h 108205"/>
+              <a:gd name="connsiteX6" fmla="*/ 32074 w 70264"/>
+              <a:gd name="connsiteY6" fmla="*/ 66874 h 108205"/>
+              <a:gd name="connsiteX7" fmla="*/ 0 w 70264"/>
+              <a:gd name="connsiteY7" fmla="*/ 41331 h 108205"/>
+              <a:gd name="connsiteX8" fmla="*/ 39645 w 70264"/>
+              <a:gd name="connsiteY8" fmla="*/ 41331 h 108205"/>
+            </a:gdLst>
+            <a:ahLst/>
+            <a:cxnLst>
+              <a:cxn ang="0">
+                <a:pos x="connsiteX0" y="connsiteY0"/>
+              </a:cxn>
+              <a:cxn ang="0">
+                <a:pos x="connsiteX1" y="connsiteY1"/>
+              </a:cxn>
+              <a:cxn ang="0">
+                <a:pos x="connsiteX2" y="connsiteY2"/>
+              </a:cxn>
+              <a:cxn ang="0">
+                <a:pos x="connsiteX3" y="connsiteY3"/>
+              </a:cxn>
+              <a:cxn ang="0">
+                <a:pos x="connsiteX4" y="connsiteY4"/>
+              </a:cxn>
+              <a:cxn ang="0">
+                <a:pos x="connsiteX5" y="connsiteY5"/>
+              </a:cxn>
+              <a:cxn ang="0">
+                <a:pos x="connsiteX6" y="connsiteY6"/>
+              </a:cxn>
+              <a:cxn ang="0">
+                <a:pos x="connsiteX7" y="connsiteY7"/>
+              </a:cxn>
+              <a:cxn ang="0">
+                <a:pos x="connsiteX8" y="connsiteY8"/>
+              </a:cxn>
+            </a:cxnLst>
+            <a:rect l="l" t="t" r="r" b="b"/>
+            <a:pathLst>
+              <a:path w="70264" h="108205">
+                <a:moveTo>
+                  <a:pt x="51896" y="0"/>
+                </a:moveTo>
+                <a:lnTo>
+                  <a:pt x="64146" y="41331"/>
+                </a:lnTo>
+                <a:lnTo>
+                  <a:pt x="70264" y="41331"/>
+                </a:lnTo>
+                <a:lnTo>
+                  <a:pt x="70264" y="97290"/>
+                </a:lnTo>
+                <a:lnTo>
+                  <a:pt x="51896" y="82661"/>
+                </a:lnTo>
+                <a:lnTo>
+                  <a:pt x="19822" y="108205"/>
+                </a:lnTo>
+                <a:lnTo>
+                  <a:pt x="32074" y="66874"/>
+                </a:lnTo>
+                <a:lnTo>
+                  <a:pt x="0" y="41331"/>
+                </a:lnTo>
+                <a:lnTo>
+                  <a:pt x="39645" y="41331"/>
+                </a:lnTo>
+                <a:close/>
+              </a:path>
+            </a:pathLst>
+          </a:custGeom>
+          <a:solidFill>
+            <a:srgbClr val="FF0000"/>
+          </a:solidFill>
+          <a:ln>
+            <a:noFill/>
+          </a:ln>
+        </p:spPr>
+        <p:style>
+          <a:lnRef idx="2">
+            <a:schemeClr val="accent1">
+              <a:shade val="50000"/>
+            </a:schemeClr>
+          </a:lnRef>
+          <a:fillRef idx="1">
+            <a:schemeClr val="accent1"/>
+          </a:fillRef>
+          <a:effectRef idx="0">
+            <a:schemeClr val="accent1"/>
+          </a:effectRef>
+          <a:fontRef idx="minor">
+            <a:schemeClr val="lt1"/>
+          </a:fontRef>
+        </p:style>
+        <p:txBody>
+          <a:bodyPr rtlCol="0" anchor="ctr"/>
+          <a:lstStyle/>
+          <a:p>
+            <a:pPr algn="ctr"/>
+            <a:endParaRPr lang="en-AU"/>
+          </a:p>
+        </p:txBody>
+      </p:sp>
+      <p:sp>
+        <p:nvSpPr>
+          <p:cNvPr id="83" name="TextBox 82"/>
+          <p:cNvSpPr txBox="1"/>
+          <p:nvPr/>
+        </p:nvSpPr>
+        <p:spPr>
+          <a:xfrm>
+            <a:off x="4233515" y="4930441"/>
+            <a:ext cx="575799" cy="261610"/>
+          </a:xfrm>
+          <a:prstGeom prst="rect">
+            <a:avLst/>
+          </a:prstGeom>
+          <a:noFill/>
+        </p:spPr>
+        <p:txBody>
+          <a:bodyPr wrap="none" rtlCol="0">
+            <a:spAutoFit/>
+          </a:bodyPr>
+          <a:lstStyle/>
+          <a:p>
+            <a:r>
+              <a:rPr lang="en-AU" sz="1100" dirty="0" smtClean="0">
+                <a:solidFill>
+                  <a:schemeClr val="accent5">
+                    <a:lumMod val="60000"/>
+                    <a:lumOff val="40000"/>
+                  </a:schemeClr>
+                </a:solidFill>
+              </a:rPr>
+              <a:t>(#sold)</a:t>
+            </a:r>
+            <a:endParaRPr lang="en-AU" sz="1100" dirty="0">
+              <a:solidFill>
+                <a:schemeClr val="accent5">
+                  <a:lumMod val="60000"/>
+                  <a:lumOff val="40000"/>
+                </a:schemeClr>
+              </a:solidFill>
+            </a:endParaRPr>
+          </a:p>
+        </p:txBody>
+      </p:sp>
+      <p:sp>
+        <p:nvSpPr>
+          <p:cNvPr id="84" name="10-Point Star 83"/>
+          <p:cNvSpPr/>
+          <p:nvPr/>
+        </p:nvSpPr>
+        <p:spPr>
+          <a:xfrm>
+            <a:off x="1671044" y="3139623"/>
+            <a:ext cx="1200709" cy="608665"/>
+          </a:xfrm>
+          <a:prstGeom prst="star10">
+            <a:avLst>
+              <a:gd name="adj" fmla="val 36796"/>
+              <a:gd name="hf" fmla="val 105146"/>
+            </a:avLst>
+          </a:prstGeom>
+          <a:solidFill>
+            <a:srgbClr val="92D050"/>
+          </a:solidFill>
+          <a:ln>
+            <a:noFill/>
+          </a:ln>
+        </p:spPr>
+        <p:style>
+          <a:lnRef idx="2">
+            <a:schemeClr val="accent1">
+              <a:shade val="50000"/>
+            </a:schemeClr>
+          </a:lnRef>
+          <a:fillRef idx="1">
+            <a:schemeClr val="accent1"/>
+          </a:fillRef>
+          <a:effectRef idx="0">
+            <a:schemeClr val="accent1"/>
+          </a:effectRef>
+          <a:fontRef idx="minor">
+            <a:schemeClr val="lt1"/>
+          </a:fontRef>
+        </p:style>
+        <p:txBody>
+          <a:bodyPr rtlCol="0" anchor="ctr"/>
+          <a:lstStyle/>
+          <a:p>
+            <a:pPr algn="ctr"/>
+            <a:r>
+              <a:rPr lang="en-AU" sz="800" strike="sngStrike" dirty="0">
+                <a:solidFill>
+                  <a:schemeClr val="bg1"/>
+                </a:solidFill>
+              </a:rPr>
+              <a:t>₹15000</a:t>
+            </a:r>
+            <a:endParaRPr lang="en-AU" sz="800" dirty="0">
+              <a:solidFill>
+                <a:schemeClr val="bg1"/>
+              </a:solidFill>
+            </a:endParaRPr>
+          </a:p>
+          <a:p>
+            <a:pPr algn="ctr"/>
+            <a:r>
+              <a:rPr lang="en-AU" sz="800" b="1" dirty="0">
+                <a:solidFill>
+                  <a:schemeClr val="bg1"/>
+                </a:solidFill>
+              </a:rPr>
+              <a:t>67% </a:t>
+            </a:r>
+            <a:r>
+              <a:rPr lang="en-AU" sz="800" b="1" dirty="0" smtClean="0">
+                <a:solidFill>
+                  <a:schemeClr val="bg1"/>
+                </a:solidFill>
+              </a:rPr>
+              <a:t>Off</a:t>
+            </a:r>
+            <a:endParaRPr lang="en-AU" sz="800" b="1" dirty="0" smtClean="0"/>
+          </a:p>
+          <a:p>
+            <a:pPr algn="ctr"/>
+            <a:r>
+              <a:rPr lang="en-AU" sz="1200" b="1" dirty="0" smtClean="0"/>
+              <a:t>₹</a:t>
+            </a:r>
+            <a:r>
+              <a:rPr lang="en-AU" sz="1200" b="1" dirty="0" smtClean="0"/>
+              <a:t>5000/-</a:t>
+            </a:r>
+            <a:endParaRPr lang="en-AU" sz="1200" b="1" dirty="0"/>
+          </a:p>
+        </p:txBody>
+      </p:sp>
+      <p:sp>
+        <p:nvSpPr>
+          <p:cNvPr id="87" name="Rectangle 86"/>
+          <p:cNvSpPr/>
+          <p:nvPr/>
+        </p:nvSpPr>
+        <p:spPr>
+          <a:xfrm>
+            <a:off x="3737974" y="5485415"/>
+            <a:ext cx="1483252" cy="216085"/>
+          </a:xfrm>
+          <a:prstGeom prst="rect">
+            <a:avLst/>
+          </a:prstGeom>
+          <a:solidFill>
+            <a:schemeClr val="accent4">
+              <a:lumMod val="40000"/>
+              <a:lumOff val="60000"/>
+            </a:schemeClr>
+          </a:solidFill>
+          <a:ln>
+            <a:noFill/>
+          </a:ln>
+        </p:spPr>
+        <p:style>
+          <a:lnRef idx="2">
+            <a:schemeClr val="accent1">
+              <a:shade val="50000"/>
+            </a:schemeClr>
+          </a:lnRef>
+          <a:fillRef idx="1">
+            <a:schemeClr val="accent1"/>
+          </a:fillRef>
+          <a:effectRef idx="0">
+            <a:schemeClr val="accent1"/>
+          </a:effectRef>
+          <a:fontRef idx="minor">
+            <a:schemeClr val="lt1"/>
+          </a:fontRef>
+        </p:style>
+        <p:txBody>
+          <a:bodyPr rtlCol="0" anchor="ctr"/>
+          <a:lstStyle/>
+          <a:p>
+            <a:pPr algn="ctr"/>
+            <a:r>
+              <a:rPr lang="en-AU" b="1" dirty="0" smtClean="0">
+                <a:solidFill>
+                  <a:schemeClr val="accent5">
+                    <a:lumMod val="75000"/>
+                  </a:schemeClr>
+                </a:solidFill>
+              </a:rPr>
+              <a:t>Bestseller</a:t>
+            </a:r>
+            <a:endParaRPr lang="en-AU" b="1" dirty="0">
+              <a:solidFill>
+                <a:schemeClr val="accent5">
+                  <a:lumMod val="75000"/>
+                </a:schemeClr>
+              </a:solidFill>
+            </a:endParaRPr>
+          </a:p>
+        </p:txBody>
+      </p:sp>
+      <p:sp>
+        <p:nvSpPr>
+          <p:cNvPr id="88" name="10-Point Star 87"/>
+          <p:cNvSpPr/>
+          <p:nvPr/>
+        </p:nvSpPr>
+        <p:spPr>
+          <a:xfrm>
+            <a:off x="3967034" y="3139623"/>
+            <a:ext cx="1200709" cy="608665"/>
+          </a:xfrm>
+          <a:prstGeom prst="star10">
+            <a:avLst>
+              <a:gd name="adj" fmla="val 36796"/>
+              <a:gd name="hf" fmla="val 105146"/>
+            </a:avLst>
+          </a:prstGeom>
+          <a:solidFill>
+            <a:srgbClr val="92D050"/>
+          </a:solidFill>
+          <a:ln>
+            <a:noFill/>
+          </a:ln>
+        </p:spPr>
+        <p:style>
+          <a:lnRef idx="2">
+            <a:schemeClr val="accent1">
+              <a:shade val="50000"/>
+            </a:schemeClr>
+          </a:lnRef>
+          <a:fillRef idx="1">
+            <a:schemeClr val="accent1"/>
+          </a:fillRef>
+          <a:effectRef idx="0">
+            <a:schemeClr val="accent1"/>
+          </a:effectRef>
+          <a:fontRef idx="minor">
+            <a:schemeClr val="lt1"/>
+          </a:fontRef>
+        </p:style>
+        <p:txBody>
+          <a:bodyPr rtlCol="0" anchor="ctr"/>
+          <a:lstStyle/>
+          <a:p>
+            <a:pPr algn="ctr"/>
+            <a:r>
+              <a:rPr lang="en-AU" sz="800" strike="sngStrike" dirty="0">
+                <a:solidFill>
+                  <a:schemeClr val="bg1"/>
+                </a:solidFill>
+              </a:rPr>
+              <a:t>₹15000</a:t>
+            </a:r>
+            <a:endParaRPr lang="en-AU" sz="800" dirty="0">
+              <a:solidFill>
+                <a:schemeClr val="bg1"/>
+              </a:solidFill>
+            </a:endParaRPr>
+          </a:p>
+          <a:p>
+            <a:pPr algn="ctr"/>
+            <a:r>
+              <a:rPr lang="en-AU" sz="800" b="1" dirty="0">
+                <a:solidFill>
+                  <a:schemeClr val="bg1"/>
+                </a:solidFill>
+              </a:rPr>
+              <a:t>67% </a:t>
+            </a:r>
+            <a:r>
+              <a:rPr lang="en-AU" sz="800" b="1" dirty="0" smtClean="0">
+                <a:solidFill>
+                  <a:schemeClr val="bg1"/>
+                </a:solidFill>
+              </a:rPr>
+              <a:t>Off</a:t>
+            </a:r>
+            <a:endParaRPr lang="en-AU" sz="800" b="1" dirty="0" smtClean="0"/>
+          </a:p>
+          <a:p>
+            <a:pPr algn="ctr"/>
+            <a:r>
+              <a:rPr lang="en-AU" sz="1200" b="1" dirty="0" smtClean="0"/>
+              <a:t>₹</a:t>
+            </a:r>
+            <a:r>
+              <a:rPr lang="en-AU" sz="1200" b="1" dirty="0" smtClean="0"/>
+              <a:t>5000/-</a:t>
+            </a:r>
+            <a:endParaRPr lang="en-AU" sz="1200" b="1" dirty="0"/>
+          </a:p>
+        </p:txBody>
+      </p:sp>
+      <p:sp>
+        <p:nvSpPr>
+          <p:cNvPr id="89" name="TextBox 88"/>
+          <p:cNvSpPr txBox="1"/>
+          <p:nvPr/>
+        </p:nvSpPr>
+        <p:spPr>
+          <a:xfrm>
+            <a:off x="1666884" y="3859839"/>
+            <a:ext cx="1952050" cy="430887"/>
+          </a:xfrm>
+          <a:prstGeom prst="rect">
+            <a:avLst/>
+          </a:prstGeom>
+          <a:noFill/>
+        </p:spPr>
+        <p:txBody>
+          <a:bodyPr wrap="square" rtlCol="0">
+            <a:spAutoFit/>
+          </a:bodyPr>
+          <a:lstStyle/>
+          <a:p>
+            <a:r>
+              <a:rPr lang="en-AU" sz="1100" dirty="0" smtClean="0">
+                <a:solidFill>
+                  <a:schemeClr val="accent5">
+                    <a:lumMod val="75000"/>
+                  </a:schemeClr>
+                </a:solidFill>
+              </a:rPr>
+              <a:t>Class N | Subject | Board </a:t>
+            </a:r>
+          </a:p>
+          <a:p>
+            <a:r>
+              <a:rPr lang="en-AU" sz="1100" dirty="0" smtClean="0">
+                <a:solidFill>
+                  <a:schemeClr val="accent5">
+                    <a:lumMod val="75000"/>
+                  </a:schemeClr>
+                </a:solidFill>
+              </a:rPr>
+              <a:t>Language | </a:t>
+            </a:r>
+            <a:r>
+              <a:rPr lang="en-AU" sz="1100" dirty="0" err="1" smtClean="0">
+                <a:solidFill>
+                  <a:schemeClr val="accent5">
+                    <a:lumMod val="75000"/>
+                  </a:schemeClr>
+                </a:solidFill>
+              </a:rPr>
+              <a:t>Avg</a:t>
+            </a:r>
+            <a:r>
+              <a:rPr lang="en-AU" sz="1100" dirty="0" smtClean="0">
+                <a:solidFill>
+                  <a:schemeClr val="accent5">
+                    <a:lumMod val="75000"/>
+                  </a:schemeClr>
+                </a:solidFill>
+              </a:rPr>
+              <a:t> Score 95%</a:t>
+            </a:r>
+            <a:endParaRPr lang="en-AU" sz="1100" dirty="0">
+              <a:solidFill>
+                <a:schemeClr val="accent5">
+                  <a:lumMod val="75000"/>
+                </a:schemeClr>
+              </a:solidFill>
+            </a:endParaRPr>
+          </a:p>
+        </p:txBody>
+      </p:sp>
+    </p:spTree>
+    <p:extLst>
+      <p:ext uri="{BB962C8B-B14F-4D97-AF65-F5344CB8AC3E}">
+        <p14:creationId xmlns:p14="http://schemas.microsoft.com/office/powerpoint/2010/main" val="837703069"/>
       </p:ext>
     </p:extLst>
   </p:cSld>

--- a/ITProjectManagement/BA/SpecsWireframes/MVP/wireframe.pptx
+++ b/ITProjectManagement/BA/SpecsWireframes/MVP/wireframe.pptx
@@ -12,6 +12,7 @@
     <p:sldId id="259" r:id="rId6"/>
     <p:sldId id="260" r:id="rId7"/>
     <p:sldId id="262" r:id="rId8"/>
+    <p:sldId id="263" r:id="rId9"/>
   </p:sldIdLst>
   <p:sldSz cx="12192000" cy="6858000"/>
   <p:notesSz cx="6858000" cy="9144000"/>
@@ -122,6 +123,7 @@
             <p14:sldId id="259"/>
             <p14:sldId id="260"/>
             <p14:sldId id="262"/>
+            <p14:sldId id="263"/>
           </p14:sldIdLst>
         </p14:section>
       </p14:sectionLst>
@@ -5788,6 +5790,463 @@
           </a:p>
         </p:txBody>
       </p:sp>
+      <p:sp>
+        <p:nvSpPr>
+          <p:cNvPr id="17" name="TextBox 16"/>
+          <p:cNvSpPr txBox="1"/>
+          <p:nvPr/>
+        </p:nvSpPr>
+        <p:spPr>
+          <a:xfrm>
+            <a:off x="6366687" y="403538"/>
+            <a:ext cx="4627421" cy="461665"/>
+          </a:xfrm>
+          <a:prstGeom prst="rect">
+            <a:avLst/>
+          </a:prstGeom>
+          <a:noFill/>
+        </p:spPr>
+        <p:txBody>
+          <a:bodyPr wrap="none" rtlCol="0">
+            <a:spAutoFit/>
+          </a:bodyPr>
+          <a:lstStyle/>
+          <a:p>
+            <a:r>
+              <a:rPr lang="en-AU" sz="2400" b="1" dirty="0" smtClean="0"/>
+              <a:t>Catchline: </a:t>
+            </a:r>
+            <a:r>
+              <a:rPr lang="en-AU" dirty="0"/>
+              <a:t> </a:t>
+            </a:r>
+            <a:r>
+              <a:rPr lang="en-AU" dirty="0" smtClean="0"/>
+              <a:t>     </a:t>
+            </a:r>
+            <a:r>
+              <a:rPr lang="en-AU" dirty="0" smtClean="0"/>
+              <a:t>grade </a:t>
+            </a:r>
+            <a:r>
+              <a:rPr lang="en-AU" dirty="0"/>
+              <a:t>education in your </a:t>
+            </a:r>
+            <a:r>
+              <a:rPr lang="en-AU" dirty="0" smtClean="0"/>
+              <a:t>grip!</a:t>
+            </a:r>
+            <a:endParaRPr lang="en-AU" dirty="0" smtClean="0"/>
+          </a:p>
+        </p:txBody>
+      </p:sp>
+      <p:sp>
+        <p:nvSpPr>
+          <p:cNvPr id="18" name="Freeform 17"/>
+          <p:cNvSpPr/>
+          <p:nvPr/>
+        </p:nvSpPr>
+        <p:spPr>
+          <a:xfrm>
+            <a:off x="7762522" y="495736"/>
+            <a:ext cx="265348" cy="291882"/>
+          </a:xfrm>
+          <a:custGeom>
+            <a:avLst/>
+            <a:gdLst>
+              <a:gd name="connsiteX0" fmla="*/ 1080000 w 2160000"/>
+              <a:gd name="connsiteY0" fmla="*/ 0 h 2160000"/>
+              <a:gd name="connsiteX1" fmla="*/ 2154424 w 2160000"/>
+              <a:gd name="connsiteY1" fmla="*/ 969576 h 2160000"/>
+              <a:gd name="connsiteX2" fmla="*/ 2157027 w 2160000"/>
+              <a:gd name="connsiteY2" fmla="*/ 1021127 h 2160000"/>
+              <a:gd name="connsiteX3" fmla="*/ 2159999 w 2160000"/>
+              <a:gd name="connsiteY3" fmla="*/ 1021127 h 2160000"/>
+              <a:gd name="connsiteX4" fmla="*/ 2159999 w 2160000"/>
+              <a:gd name="connsiteY4" fmla="*/ 1079980 h 2160000"/>
+              <a:gd name="connsiteX5" fmla="*/ 2160000 w 2160000"/>
+              <a:gd name="connsiteY5" fmla="*/ 1080000 h 2160000"/>
+              <a:gd name="connsiteX6" fmla="*/ 2159999 w 2160000"/>
+              <a:gd name="connsiteY6" fmla="*/ 1080021 h 2160000"/>
+              <a:gd name="connsiteX7" fmla="*/ 2159999 w 2160000"/>
+              <a:gd name="connsiteY7" fmla="*/ 1716639 h 2160000"/>
+              <a:gd name="connsiteX8" fmla="*/ 2157838 w 2160000"/>
+              <a:gd name="connsiteY8" fmla="*/ 1716639 h 2160000"/>
+              <a:gd name="connsiteX9" fmla="*/ 2160000 w 2160000"/>
+              <a:gd name="connsiteY9" fmla="*/ 1738544 h 2160000"/>
+              <a:gd name="connsiteX10" fmla="*/ 1891921 w 2160000"/>
+              <a:gd name="connsiteY10" fmla="*/ 2012333 h 2160000"/>
+              <a:gd name="connsiteX11" fmla="*/ 1623842 w 2160000"/>
+              <a:gd name="connsiteY11" fmla="*/ 1738544 h 2160000"/>
+              <a:gd name="connsiteX12" fmla="*/ 1626005 w 2160000"/>
+              <a:gd name="connsiteY12" fmla="*/ 1716639 h 2160000"/>
+              <a:gd name="connsiteX13" fmla="*/ 1620298 w 2160000"/>
+              <a:gd name="connsiteY13" fmla="*/ 1716639 h 2160000"/>
+              <a:gd name="connsiteX14" fmla="*/ 1620298 w 2160000"/>
+              <a:gd name="connsiteY14" fmla="*/ 1090950 h 2160000"/>
+              <a:gd name="connsiteX15" fmla="*/ 1618898 w 2160000"/>
+              <a:gd name="connsiteY15" fmla="*/ 1090937 h 2160000"/>
+              <a:gd name="connsiteX16" fmla="*/ 1620000 w 2160000"/>
+              <a:gd name="connsiteY16" fmla="*/ 1080000 h 2160000"/>
+              <a:gd name="connsiteX17" fmla="*/ 1080000 w 2160000"/>
+              <a:gd name="connsiteY17" fmla="*/ 540000 h 2160000"/>
+              <a:gd name="connsiteX18" fmla="*/ 540000 w 2160000"/>
+              <a:gd name="connsiteY18" fmla="*/ 1080000 h 2160000"/>
+              <a:gd name="connsiteX19" fmla="*/ 1080000 w 2160000"/>
+              <a:gd name="connsiteY19" fmla="*/ 1620000 h 2160000"/>
+              <a:gd name="connsiteX20" fmla="*/ 1172144 w 2160000"/>
+              <a:gd name="connsiteY20" fmla="*/ 1610711 h 2160000"/>
+              <a:gd name="connsiteX21" fmla="*/ 1192722 w 2160000"/>
+              <a:gd name="connsiteY21" fmla="*/ 1599542 h 2160000"/>
+              <a:gd name="connsiteX22" fmla="*/ 1205334 w 2160000"/>
+              <a:gd name="connsiteY22" fmla="*/ 1595627 h 2160000"/>
+              <a:gd name="connsiteX23" fmla="*/ 1218649 w 2160000"/>
+              <a:gd name="connsiteY23" fmla="*/ 1594482 h 2160000"/>
+              <a:gd name="connsiteX24" fmla="*/ 1273176 w 2160000"/>
+              <a:gd name="connsiteY24" fmla="*/ 1581875 h 2160000"/>
+              <a:gd name="connsiteX25" fmla="*/ 1277433 w 2160000"/>
+              <a:gd name="connsiteY25" fmla="*/ 1580379 h 2160000"/>
+              <a:gd name="connsiteX26" fmla="*/ 1297818 w 2160000"/>
+              <a:gd name="connsiteY26" fmla="*/ 1578324 h 2160000"/>
+              <a:gd name="connsiteX27" fmla="*/ 1567818 w 2160000"/>
+              <a:gd name="connsiteY27" fmla="*/ 1848324 h 2160000"/>
+              <a:gd name="connsiteX28" fmla="*/ 1469563 w 2160000"/>
+              <a:gd name="connsiteY28" fmla="*/ 2056669 h 2160000"/>
+              <a:gd name="connsiteX29" fmla="*/ 1412948 w 2160000"/>
+              <a:gd name="connsiteY29" fmla="*/ 2091019 h 2160000"/>
+              <a:gd name="connsiteX30" fmla="*/ 1398272 w 2160000"/>
+              <a:gd name="connsiteY30" fmla="*/ 2101498 h 2160000"/>
+              <a:gd name="connsiteX31" fmla="*/ 1374464 w 2160000"/>
+              <a:gd name="connsiteY31" fmla="*/ 2110955 h 2160000"/>
+              <a:gd name="connsiteX32" fmla="*/ 1376211 w 2160000"/>
+              <a:gd name="connsiteY32" fmla="*/ 2117860 h 2160000"/>
+              <a:gd name="connsiteX33" fmla="*/ 1321962 w 2160000"/>
+              <a:gd name="connsiteY33" fmla="*/ 2131809 h 2160000"/>
+              <a:gd name="connsiteX34" fmla="*/ 1306247 w 2160000"/>
+              <a:gd name="connsiteY34" fmla="*/ 2138051 h 2160000"/>
+              <a:gd name="connsiteX35" fmla="*/ 1267530 w 2160000"/>
+              <a:gd name="connsiteY35" fmla="*/ 2142656 h 2160000"/>
+              <a:gd name="connsiteX36" fmla="*/ 1190424 w 2160000"/>
+              <a:gd name="connsiteY36" fmla="*/ 2154424 h 2160000"/>
+              <a:gd name="connsiteX37" fmla="*/ 1080000 w 2160000"/>
+              <a:gd name="connsiteY37" fmla="*/ 2160000 h 2160000"/>
+              <a:gd name="connsiteX38" fmla="*/ 0 w 2160000"/>
+              <a:gd name="connsiteY38" fmla="*/ 1080000 h 2160000"/>
+              <a:gd name="connsiteX39" fmla="*/ 1080000 w 2160000"/>
+              <a:gd name="connsiteY39" fmla="*/ 0 h 2160000"/>
+            </a:gdLst>
+            <a:ahLst/>
+            <a:cxnLst>
+              <a:cxn ang="0">
+                <a:pos x="connsiteX0" y="connsiteY0"/>
+              </a:cxn>
+              <a:cxn ang="0">
+                <a:pos x="connsiteX1" y="connsiteY1"/>
+              </a:cxn>
+              <a:cxn ang="0">
+                <a:pos x="connsiteX2" y="connsiteY2"/>
+              </a:cxn>
+              <a:cxn ang="0">
+                <a:pos x="connsiteX3" y="connsiteY3"/>
+              </a:cxn>
+              <a:cxn ang="0">
+                <a:pos x="connsiteX4" y="connsiteY4"/>
+              </a:cxn>
+              <a:cxn ang="0">
+                <a:pos x="connsiteX5" y="connsiteY5"/>
+              </a:cxn>
+              <a:cxn ang="0">
+                <a:pos x="connsiteX6" y="connsiteY6"/>
+              </a:cxn>
+              <a:cxn ang="0">
+                <a:pos x="connsiteX7" y="connsiteY7"/>
+              </a:cxn>
+              <a:cxn ang="0">
+                <a:pos x="connsiteX8" y="connsiteY8"/>
+              </a:cxn>
+              <a:cxn ang="0">
+                <a:pos x="connsiteX9" y="connsiteY9"/>
+              </a:cxn>
+              <a:cxn ang="0">
+                <a:pos x="connsiteX10" y="connsiteY10"/>
+              </a:cxn>
+              <a:cxn ang="0">
+                <a:pos x="connsiteX11" y="connsiteY11"/>
+              </a:cxn>
+              <a:cxn ang="0">
+                <a:pos x="connsiteX12" y="connsiteY12"/>
+              </a:cxn>
+              <a:cxn ang="0">
+                <a:pos x="connsiteX13" y="connsiteY13"/>
+              </a:cxn>
+              <a:cxn ang="0">
+                <a:pos x="connsiteX14" y="connsiteY14"/>
+              </a:cxn>
+              <a:cxn ang="0">
+                <a:pos x="connsiteX15" y="connsiteY15"/>
+              </a:cxn>
+              <a:cxn ang="0">
+                <a:pos x="connsiteX16" y="connsiteY16"/>
+              </a:cxn>
+              <a:cxn ang="0">
+                <a:pos x="connsiteX17" y="connsiteY17"/>
+              </a:cxn>
+              <a:cxn ang="0">
+                <a:pos x="connsiteX18" y="connsiteY18"/>
+              </a:cxn>
+              <a:cxn ang="0">
+                <a:pos x="connsiteX19" y="connsiteY19"/>
+              </a:cxn>
+              <a:cxn ang="0">
+                <a:pos x="connsiteX20" y="connsiteY20"/>
+              </a:cxn>
+              <a:cxn ang="0">
+                <a:pos x="connsiteX21" y="connsiteY21"/>
+              </a:cxn>
+              <a:cxn ang="0">
+                <a:pos x="connsiteX22" y="connsiteY22"/>
+              </a:cxn>
+              <a:cxn ang="0">
+                <a:pos x="connsiteX23" y="connsiteY23"/>
+              </a:cxn>
+              <a:cxn ang="0">
+                <a:pos x="connsiteX24" y="connsiteY24"/>
+              </a:cxn>
+              <a:cxn ang="0">
+                <a:pos x="connsiteX25" y="connsiteY25"/>
+              </a:cxn>
+              <a:cxn ang="0">
+                <a:pos x="connsiteX26" y="connsiteY26"/>
+              </a:cxn>
+              <a:cxn ang="0">
+                <a:pos x="connsiteX27" y="connsiteY27"/>
+              </a:cxn>
+              <a:cxn ang="0">
+                <a:pos x="connsiteX28" y="connsiteY28"/>
+              </a:cxn>
+              <a:cxn ang="0">
+                <a:pos x="connsiteX29" y="connsiteY29"/>
+              </a:cxn>
+              <a:cxn ang="0">
+                <a:pos x="connsiteX30" y="connsiteY30"/>
+              </a:cxn>
+              <a:cxn ang="0">
+                <a:pos x="connsiteX31" y="connsiteY31"/>
+              </a:cxn>
+              <a:cxn ang="0">
+                <a:pos x="connsiteX32" y="connsiteY32"/>
+              </a:cxn>
+              <a:cxn ang="0">
+                <a:pos x="connsiteX33" y="connsiteY33"/>
+              </a:cxn>
+              <a:cxn ang="0">
+                <a:pos x="connsiteX34" y="connsiteY34"/>
+              </a:cxn>
+              <a:cxn ang="0">
+                <a:pos x="connsiteX35" y="connsiteY35"/>
+              </a:cxn>
+              <a:cxn ang="0">
+                <a:pos x="connsiteX36" y="connsiteY36"/>
+              </a:cxn>
+              <a:cxn ang="0">
+                <a:pos x="connsiteX37" y="connsiteY37"/>
+              </a:cxn>
+              <a:cxn ang="0">
+                <a:pos x="connsiteX38" y="connsiteY38"/>
+              </a:cxn>
+              <a:cxn ang="0">
+                <a:pos x="connsiteX39" y="connsiteY39"/>
+              </a:cxn>
+            </a:cxnLst>
+            <a:rect l="l" t="t" r="r" b="b"/>
+            <a:pathLst>
+              <a:path w="2160000" h="2160000">
+                <a:moveTo>
+                  <a:pt x="1080000" y="0"/>
+                </a:moveTo>
+                <a:cubicBezTo>
+                  <a:pt x="1639189" y="0"/>
+                  <a:pt x="2099117" y="424979"/>
+                  <a:pt x="2154424" y="969576"/>
+                </a:cubicBezTo>
+                <a:lnTo>
+                  <a:pt x="2157027" y="1021127"/>
+                </a:lnTo>
+                <a:lnTo>
+                  <a:pt x="2159999" y="1021127"/>
+                </a:lnTo>
+                <a:lnTo>
+                  <a:pt x="2159999" y="1079980"/>
+                </a:lnTo>
+                <a:lnTo>
+                  <a:pt x="2160000" y="1080000"/>
+                </a:lnTo>
+                <a:lnTo>
+                  <a:pt x="2159999" y="1080021"/>
+                </a:lnTo>
+                <a:lnTo>
+                  <a:pt x="2159999" y="1716639"/>
+                </a:lnTo>
+                <a:lnTo>
+                  <a:pt x="2157838" y="1716639"/>
+                </a:lnTo>
+                <a:lnTo>
+                  <a:pt x="2160000" y="1738544"/>
+                </a:lnTo>
+                <a:cubicBezTo>
+                  <a:pt x="2160000" y="1889753"/>
+                  <a:pt x="2039977" y="2012333"/>
+                  <a:pt x="1891921" y="2012333"/>
+                </a:cubicBezTo>
+                <a:cubicBezTo>
+                  <a:pt x="1743865" y="2012333"/>
+                  <a:pt x="1623842" y="1889753"/>
+                  <a:pt x="1623842" y="1738544"/>
+                </a:cubicBezTo>
+                <a:lnTo>
+                  <a:pt x="1626005" y="1716639"/>
+                </a:lnTo>
+                <a:lnTo>
+                  <a:pt x="1620298" y="1716639"/>
+                </a:lnTo>
+                <a:lnTo>
+                  <a:pt x="1620298" y="1090950"/>
+                </a:lnTo>
+                <a:lnTo>
+                  <a:pt x="1618898" y="1090937"/>
+                </a:lnTo>
+                <a:lnTo>
+                  <a:pt x="1620000" y="1080000"/>
+                </a:lnTo>
+                <a:cubicBezTo>
+                  <a:pt x="1620000" y="781766"/>
+                  <a:pt x="1378234" y="540000"/>
+                  <a:pt x="1080000" y="540000"/>
+                </a:cubicBezTo>
+                <a:cubicBezTo>
+                  <a:pt x="781766" y="540000"/>
+                  <a:pt x="540000" y="781766"/>
+                  <a:pt x="540000" y="1080000"/>
+                </a:cubicBezTo>
+                <a:cubicBezTo>
+                  <a:pt x="540000" y="1378234"/>
+                  <a:pt x="781766" y="1620000"/>
+                  <a:pt x="1080000" y="1620000"/>
+                </a:cubicBezTo>
+                <a:lnTo>
+                  <a:pt x="1172144" y="1610711"/>
+                </a:lnTo>
+                <a:lnTo>
+                  <a:pt x="1192722" y="1599542"/>
+                </a:lnTo>
+                <a:lnTo>
+                  <a:pt x="1205334" y="1595627"/>
+                </a:lnTo>
+                <a:lnTo>
+                  <a:pt x="1218649" y="1594482"/>
+                </a:lnTo>
+                <a:cubicBezTo>
+                  <a:pt x="1237851" y="1591023"/>
+                  <a:pt x="1256099" y="1586790"/>
+                  <a:pt x="1273176" y="1581875"/>
+                </a:cubicBezTo>
+                <a:lnTo>
+                  <a:pt x="1277433" y="1580379"/>
+                </a:lnTo>
+                <a:lnTo>
+                  <a:pt x="1297818" y="1578324"/>
+                </a:lnTo>
+                <a:cubicBezTo>
+                  <a:pt x="1446935" y="1578324"/>
+                  <a:pt x="1567818" y="1699207"/>
+                  <a:pt x="1567818" y="1848324"/>
+                </a:cubicBezTo>
+                <a:cubicBezTo>
+                  <a:pt x="1567818" y="1932202"/>
+                  <a:pt x="1529570" y="2007147"/>
+                  <a:pt x="1469563" y="2056669"/>
+                </a:cubicBezTo>
+                <a:lnTo>
+                  <a:pt x="1412948" y="2091019"/>
+                </a:lnTo>
+                <a:lnTo>
+                  <a:pt x="1398272" y="2101498"/>
+                </a:lnTo>
+                <a:lnTo>
+                  <a:pt x="1374464" y="2110955"/>
+                </a:lnTo>
+                <a:lnTo>
+                  <a:pt x="1376211" y="2117860"/>
+                </a:lnTo>
+                <a:lnTo>
+                  <a:pt x="1321962" y="2131809"/>
+                </a:lnTo>
+                <a:lnTo>
+                  <a:pt x="1306247" y="2138051"/>
+                </a:lnTo>
+                <a:lnTo>
+                  <a:pt x="1267530" y="2142656"/>
+                </a:lnTo>
+                <a:lnTo>
+                  <a:pt x="1190424" y="2154424"/>
+                </a:lnTo>
+                <a:cubicBezTo>
+                  <a:pt x="1154118" y="2158111"/>
+                  <a:pt x="1117280" y="2160000"/>
+                  <a:pt x="1080000" y="2160000"/>
+                </a:cubicBezTo>
+                <a:cubicBezTo>
+                  <a:pt x="483532" y="2160000"/>
+                  <a:pt x="0" y="1676468"/>
+                  <a:pt x="0" y="1080000"/>
+                </a:cubicBezTo>
+                <a:cubicBezTo>
+                  <a:pt x="0" y="483532"/>
+                  <a:pt x="483532" y="0"/>
+                  <a:pt x="1080000" y="0"/>
+                </a:cubicBezTo>
+                <a:close/>
+              </a:path>
+            </a:pathLst>
+          </a:custGeom>
+          <a:solidFill>
+            <a:schemeClr val="accent5">
+              <a:lumMod val="75000"/>
+            </a:schemeClr>
+          </a:solidFill>
+          <a:ln>
+            <a:solidFill>
+              <a:schemeClr val="accent5">
+                <a:lumMod val="75000"/>
+              </a:schemeClr>
+            </a:solidFill>
+          </a:ln>
+        </p:spPr>
+        <p:style>
+          <a:lnRef idx="2">
+            <a:schemeClr val="accent1">
+              <a:shade val="50000"/>
+            </a:schemeClr>
+          </a:lnRef>
+          <a:fillRef idx="1">
+            <a:schemeClr val="accent1"/>
+          </a:fillRef>
+          <a:effectRef idx="0">
+            <a:schemeClr val="accent1"/>
+          </a:effectRef>
+          <a:fontRef idx="minor">
+            <a:schemeClr val="lt1"/>
+          </a:fontRef>
+        </p:style>
+        <p:txBody>
+          <a:bodyPr rtlCol="0" anchor="ctr"/>
+          <a:lstStyle/>
+          <a:p>
+            <a:pPr algn="ctr"/>
+            <a:endParaRPr lang="en-AU"/>
+          </a:p>
+        </p:txBody>
+      </p:sp>
     </p:spTree>
     <p:extLst>
       <p:ext uri="{BB962C8B-B14F-4D97-AF65-F5344CB8AC3E}">
@@ -5843,6 +6302,13 @@
           </a:prstGeom>
           <a:noFill/>
           <a:ln w="28575"/>
+          <a:effectLst>
+            <a:outerShdw blurRad="63500" sx="102000" sy="102000" algn="ctr" rotWithShape="0">
+              <a:prstClr val="black">
+                <a:alpha val="40000"/>
+              </a:prstClr>
+            </a:outerShdw>
+          </a:effectLst>
         </p:spPr>
         <p:style>
           <a:lnRef idx="2">
@@ -6989,6 +7455,44 @@
           </a:fontRef>
         </p:style>
       </p:cxnSp>
+      <p:sp>
+        <p:nvSpPr>
+          <p:cNvPr id="34" name="TextBox 33"/>
+          <p:cNvSpPr txBox="1"/>
+          <p:nvPr/>
+        </p:nvSpPr>
+        <p:spPr>
+          <a:xfrm>
+            <a:off x="5530012" y="-1594"/>
+            <a:ext cx="6642781" cy="369332"/>
+          </a:xfrm>
+          <a:prstGeom prst="rect">
+            <a:avLst/>
+          </a:prstGeom>
+          <a:noFill/>
+        </p:spPr>
+        <p:txBody>
+          <a:bodyPr wrap="none" rtlCol="0">
+            <a:spAutoFit/>
+          </a:bodyPr>
+          <a:lstStyle/>
+          <a:p>
+            <a:r>
+              <a:rPr lang="en-AU" b="1" u="sng" dirty="0" smtClean="0"/>
+              <a:t>Registration Screen:</a:t>
+            </a:r>
+            <a:r>
+              <a:rPr lang="en-AU" b="1" dirty="0" smtClean="0"/>
+              <a:t> </a:t>
+            </a:r>
+            <a:r>
+              <a:rPr lang="en-AU" dirty="0" smtClean="0"/>
+              <a:t>On tapping Anodiam icon, new user comes here</a:t>
+            </a:r>
+            <a:endParaRPr lang="en-AU" b="1" u="sng" dirty="0" smtClean="0"/>
+          </a:p>
+        </p:txBody>
+      </p:sp>
     </p:spTree>
     <p:extLst>
       <p:ext uri="{BB962C8B-B14F-4D97-AF65-F5344CB8AC3E}">
@@ -7028,6 +7532,116 @@
       </p:grpSpPr>
       <p:sp>
         <p:nvSpPr>
+          <p:cNvPr id="22" name="Rounded Rectangle 21"/>
+          <p:cNvSpPr/>
+          <p:nvPr/>
+        </p:nvSpPr>
+        <p:spPr>
+          <a:xfrm>
+            <a:off x="1545465" y="5118341"/>
+            <a:ext cx="3760631" cy="743353"/>
+          </a:xfrm>
+          <a:prstGeom prst="roundRect">
+            <a:avLst>
+              <a:gd name="adj" fmla="val 1291"/>
+            </a:avLst>
+          </a:prstGeom>
+          <a:solidFill>
+            <a:schemeClr val="tx1">
+              <a:lumMod val="65000"/>
+              <a:lumOff val="35000"/>
+            </a:schemeClr>
+          </a:solidFill>
+          <a:ln w="12700">
+            <a:noFill/>
+          </a:ln>
+        </p:spPr>
+        <p:style>
+          <a:lnRef idx="2">
+            <a:schemeClr val="accent1">
+              <a:shade val="50000"/>
+            </a:schemeClr>
+          </a:lnRef>
+          <a:fillRef idx="1">
+            <a:schemeClr val="accent1"/>
+          </a:fillRef>
+          <a:effectRef idx="0">
+            <a:schemeClr val="accent1"/>
+          </a:effectRef>
+          <a:fontRef idx="minor">
+            <a:schemeClr val="lt1"/>
+          </a:fontRef>
+        </p:style>
+        <p:txBody>
+          <a:bodyPr rtlCol="0" anchor="ctr"/>
+          <a:lstStyle/>
+          <a:p>
+            <a:pPr algn="ctr"/>
+            <a:r>
+              <a:rPr lang="en-AU" sz="1200" dirty="0" smtClean="0">
+                <a:solidFill>
+                  <a:schemeClr val="bg1"/>
+                </a:solidFill>
+              </a:rPr>
+              <a:t>You have been successfully registered!</a:t>
+            </a:r>
+            <a:endParaRPr lang="en-AU" sz="1200" dirty="0">
+              <a:solidFill>
+                <a:schemeClr val="bg1"/>
+              </a:solidFill>
+            </a:endParaRPr>
+          </a:p>
+        </p:txBody>
+      </p:sp>
+      <p:sp>
+        <p:nvSpPr>
+          <p:cNvPr id="61" name="Rectangle 60"/>
+          <p:cNvSpPr/>
+          <p:nvPr/>
+        </p:nvSpPr>
+        <p:spPr>
+          <a:xfrm>
+            <a:off x="1748880" y="2506362"/>
+            <a:ext cx="3557216" cy="1737516"/>
+          </a:xfrm>
+          <a:prstGeom prst="rect">
+            <a:avLst/>
+          </a:prstGeom>
+          <a:solidFill>
+            <a:schemeClr val="bg1">
+              <a:lumMod val="95000"/>
+            </a:schemeClr>
+          </a:solidFill>
+          <a:ln>
+            <a:noFill/>
+          </a:ln>
+        </p:spPr>
+        <p:style>
+          <a:lnRef idx="2">
+            <a:schemeClr val="accent1">
+              <a:shade val="50000"/>
+            </a:schemeClr>
+          </a:lnRef>
+          <a:fillRef idx="1">
+            <a:schemeClr val="accent1"/>
+          </a:fillRef>
+          <a:effectRef idx="0">
+            <a:schemeClr val="accent1"/>
+          </a:effectRef>
+          <a:fontRef idx="minor">
+            <a:schemeClr val="lt1"/>
+          </a:fontRef>
+        </p:style>
+        <p:txBody>
+          <a:bodyPr rtlCol="0" anchor="ctr"/>
+          <a:lstStyle/>
+          <a:p>
+            <a:endParaRPr lang="en-AU" dirty="0"/>
+          </a:p>
+        </p:txBody>
+      </p:sp>
+      <p:sp>
+        <p:nvSpPr>
           <p:cNvPr id="3" name="Rounded Rectangle 2"/>
           <p:cNvSpPr/>
           <p:nvPr/>
@@ -7044,6 +7658,13 @@
           </a:prstGeom>
           <a:noFill/>
           <a:ln w="28575"/>
+          <a:effectLst>
+            <a:outerShdw blurRad="63500" sx="102000" sy="102000" algn="ctr" rotWithShape="0">
+              <a:prstClr val="black">
+                <a:alpha val="40000"/>
+              </a:prstClr>
+            </a:outerShdw>
+          </a:effectLst>
         </p:spPr>
         <p:style>
           <a:lnRef idx="2">
@@ -7308,69 +7929,6 @@
           </a:fontRef>
         </p:style>
       </p:cxnSp>
-      <p:sp>
-        <p:nvSpPr>
-          <p:cNvPr id="22" name="Rounded Rectangle 21"/>
-          <p:cNvSpPr/>
-          <p:nvPr/>
-        </p:nvSpPr>
-        <p:spPr>
-          <a:xfrm>
-            <a:off x="1545465" y="5118341"/>
-            <a:ext cx="3760631" cy="743353"/>
-          </a:xfrm>
-          <a:prstGeom prst="roundRect">
-            <a:avLst>
-              <a:gd name="adj" fmla="val 1291"/>
-            </a:avLst>
-          </a:prstGeom>
-          <a:solidFill>
-            <a:schemeClr val="tx1">
-              <a:lumMod val="65000"/>
-              <a:lumOff val="35000"/>
-            </a:schemeClr>
-          </a:solidFill>
-          <a:ln w="12700">
-            <a:noFill/>
-          </a:ln>
-        </p:spPr>
-        <p:style>
-          <a:lnRef idx="2">
-            <a:schemeClr val="accent1">
-              <a:shade val="50000"/>
-            </a:schemeClr>
-          </a:lnRef>
-          <a:fillRef idx="1">
-            <a:schemeClr val="accent1"/>
-          </a:fillRef>
-          <a:effectRef idx="0">
-            <a:schemeClr val="accent1"/>
-          </a:effectRef>
-          <a:fontRef idx="minor">
-            <a:schemeClr val="lt1"/>
-          </a:fontRef>
-        </p:style>
-        <p:txBody>
-          <a:bodyPr rtlCol="0" anchor="ctr"/>
-          <a:lstStyle/>
-          <a:p>
-            <a:pPr algn="ctr"/>
-            <a:r>
-              <a:rPr lang="en-AU" sz="1200" dirty="0" smtClean="0">
-                <a:solidFill>
-                  <a:schemeClr val="bg1"/>
-                </a:solidFill>
-              </a:rPr>
-              <a:t>You have been successfully registered!</a:t>
-            </a:r>
-            <a:endParaRPr lang="en-AU" sz="1200" dirty="0">
-              <a:solidFill>
-                <a:schemeClr val="bg1"/>
-              </a:solidFill>
-            </a:endParaRPr>
-          </a:p>
-        </p:txBody>
-      </p:sp>
       <p:sp>
         <p:nvSpPr>
           <p:cNvPr id="23" name="AutoShape 2" descr="blob:https://web.whatsapp.com/875cef06-e096-47fc-b870-98e1c00c5a9a"/>
@@ -7661,53 +8219,6 @@
       </p:cxnSp>
       <p:sp>
         <p:nvSpPr>
-          <p:cNvPr id="61" name="Rectangle 60"/>
-          <p:cNvSpPr/>
-          <p:nvPr/>
-        </p:nvSpPr>
-        <p:spPr>
-          <a:xfrm>
-            <a:off x="1748880" y="2506362"/>
-            <a:ext cx="3557216" cy="1737516"/>
-          </a:xfrm>
-          <a:prstGeom prst="rect">
-            <a:avLst/>
-          </a:prstGeom>
-          <a:solidFill>
-            <a:schemeClr val="bg1">
-              <a:lumMod val="95000"/>
-            </a:schemeClr>
-          </a:solidFill>
-          <a:ln>
-            <a:noFill/>
-          </a:ln>
-        </p:spPr>
-        <p:style>
-          <a:lnRef idx="2">
-            <a:schemeClr val="accent1">
-              <a:shade val="50000"/>
-            </a:schemeClr>
-          </a:lnRef>
-          <a:fillRef idx="1">
-            <a:schemeClr val="accent1"/>
-          </a:fillRef>
-          <a:effectRef idx="0">
-            <a:schemeClr val="accent1"/>
-          </a:effectRef>
-          <a:fontRef idx="minor">
-            <a:schemeClr val="lt1"/>
-          </a:fontRef>
-        </p:style>
-        <p:txBody>
-          <a:bodyPr rtlCol="0" anchor="ctr"/>
-          <a:lstStyle/>
-          <a:p>
-            <a:endParaRPr lang="en-AU" dirty="0"/>
-          </a:p>
-        </p:txBody>
-      </p:sp>
-      <p:sp>
-        <p:nvSpPr>
           <p:cNvPr id="62" name="TextBox 61"/>
           <p:cNvSpPr txBox="1"/>
           <p:nvPr/>
@@ -7866,7 +8377,44 @@
               <a:rPr lang="en-AU" sz="1200" dirty="0" smtClean="0"/>
               <a:t>Stays for 10 seconds</a:t>
             </a:r>
-            <a:endParaRPr lang="en-AU" sz="1200" dirty="0" smtClean="0"/>
+          </a:p>
+        </p:txBody>
+      </p:sp>
+      <p:sp>
+        <p:nvSpPr>
+          <p:cNvPr id="24" name="TextBox 23"/>
+          <p:cNvSpPr txBox="1"/>
+          <p:nvPr/>
+        </p:nvSpPr>
+        <p:spPr>
+          <a:xfrm>
+            <a:off x="5530012" y="-1594"/>
+            <a:ext cx="4026167" cy="369332"/>
+          </a:xfrm>
+          <a:prstGeom prst="rect">
+            <a:avLst/>
+          </a:prstGeom>
+          <a:noFill/>
+        </p:spPr>
+        <p:txBody>
+          <a:bodyPr wrap="none" rtlCol="0">
+            <a:spAutoFit/>
+          </a:bodyPr>
+          <a:lstStyle/>
+          <a:p>
+            <a:r>
+              <a:rPr lang="en-AU" b="1" u="sng" dirty="0" smtClean="0"/>
+              <a:t>Home Screen:</a:t>
+            </a:r>
+            <a:r>
+              <a:rPr lang="en-AU" b="1" dirty="0" smtClean="0"/>
+              <a:t> </a:t>
+            </a:r>
+            <a:r>
+              <a:rPr lang="en-AU" dirty="0" smtClean="0"/>
+              <a:t>logged in user comes here</a:t>
+            </a:r>
+            <a:endParaRPr lang="en-AU" b="1" u="sng" dirty="0" smtClean="0"/>
           </a:p>
         </p:txBody>
       </p:sp>
@@ -7918,6 +8466,13 @@
           </a:prstGeom>
           <a:noFill/>
           <a:ln w="28575"/>
+          <a:effectLst>
+            <a:outerShdw blurRad="63500" sx="102000" sy="102000" algn="ctr" rotWithShape="0">
+              <a:prstClr val="black">
+                <a:alpha val="40000"/>
+              </a:prstClr>
+            </a:outerShdw>
+          </a:effectLst>
         </p:spPr>
         <p:style>
           <a:lnRef idx="2">
@@ -8694,6 +9249,44 @@
           </a:fontRef>
         </p:style>
       </p:cxnSp>
+      <p:sp>
+        <p:nvSpPr>
+          <p:cNvPr id="20" name="TextBox 19"/>
+          <p:cNvSpPr txBox="1"/>
+          <p:nvPr/>
+        </p:nvSpPr>
+        <p:spPr>
+          <a:xfrm>
+            <a:off x="5530012" y="-1594"/>
+            <a:ext cx="5098768" cy="369332"/>
+          </a:xfrm>
+          <a:prstGeom prst="rect">
+            <a:avLst/>
+          </a:prstGeom>
+          <a:noFill/>
+        </p:spPr>
+        <p:txBody>
+          <a:bodyPr wrap="none" rtlCol="0">
+            <a:spAutoFit/>
+          </a:bodyPr>
+          <a:lstStyle/>
+          <a:p>
+            <a:r>
+              <a:rPr lang="en-AU" b="1" u="sng" dirty="0" smtClean="0"/>
+              <a:t>Login Screen:</a:t>
+            </a:r>
+            <a:r>
+              <a:rPr lang="en-AU" b="1" dirty="0" smtClean="0"/>
+              <a:t> </a:t>
+            </a:r>
+            <a:r>
+              <a:rPr lang="en-AU" dirty="0" smtClean="0"/>
+              <a:t>On tapping login link, user comes here</a:t>
+            </a:r>
+            <a:endParaRPr lang="en-AU" b="1" u="sng" dirty="0" smtClean="0"/>
+          </a:p>
+        </p:txBody>
+      </p:sp>
     </p:spTree>
     <p:extLst>
       <p:ext uri="{BB962C8B-B14F-4D97-AF65-F5344CB8AC3E}">
@@ -8726,6 +9319,155 @@
       </p:grpSpPr>
       <p:sp>
         <p:nvSpPr>
+          <p:cNvPr id="22" name="Rounded Rectangle 21"/>
+          <p:cNvSpPr/>
+          <p:nvPr/>
+        </p:nvSpPr>
+        <p:spPr>
+          <a:xfrm>
+            <a:off x="1545465" y="5118341"/>
+            <a:ext cx="3760631" cy="743353"/>
+          </a:xfrm>
+          <a:prstGeom prst="roundRect">
+            <a:avLst>
+              <a:gd name="adj" fmla="val 1291"/>
+            </a:avLst>
+          </a:prstGeom>
+          <a:solidFill>
+            <a:schemeClr val="bg1">
+              <a:lumMod val="95000"/>
+            </a:schemeClr>
+          </a:solidFill>
+          <a:ln w="12700">
+            <a:noFill/>
+          </a:ln>
+        </p:spPr>
+        <p:style>
+          <a:lnRef idx="2">
+            <a:schemeClr val="accent1">
+              <a:shade val="50000"/>
+            </a:schemeClr>
+          </a:lnRef>
+          <a:fillRef idx="1">
+            <a:schemeClr val="accent1"/>
+          </a:fillRef>
+          <a:effectRef idx="0">
+            <a:schemeClr val="accent1"/>
+          </a:effectRef>
+          <a:fontRef idx="minor">
+            <a:schemeClr val="lt1"/>
+          </a:fontRef>
+        </p:style>
+        <p:txBody>
+          <a:bodyPr rtlCol="0" anchor="ctr"/>
+          <a:lstStyle/>
+          <a:p>
+            <a:endParaRPr lang="en-AU" sz="3200" dirty="0">
+              <a:solidFill>
+                <a:schemeClr val="bg1">
+                  <a:lumMod val="50000"/>
+                </a:schemeClr>
+              </a:solidFill>
+            </a:endParaRPr>
+          </a:p>
+        </p:txBody>
+      </p:sp>
+      <p:sp>
+        <p:nvSpPr>
+          <p:cNvPr id="63" name="Rectangle 62"/>
+          <p:cNvSpPr/>
+          <p:nvPr/>
+        </p:nvSpPr>
+        <p:spPr>
+          <a:xfrm>
+            <a:off x="1545464" y="4353200"/>
+            <a:ext cx="3760631" cy="684972"/>
+          </a:xfrm>
+          <a:prstGeom prst="rect">
+            <a:avLst/>
+          </a:prstGeom>
+          <a:solidFill>
+            <a:schemeClr val="bg1">
+              <a:lumMod val="95000"/>
+            </a:schemeClr>
+          </a:solidFill>
+          <a:ln>
+            <a:noFill/>
+          </a:ln>
+        </p:spPr>
+        <p:style>
+          <a:lnRef idx="2">
+            <a:schemeClr val="accent1">
+              <a:shade val="50000"/>
+            </a:schemeClr>
+          </a:lnRef>
+          <a:fillRef idx="1">
+            <a:schemeClr val="accent1"/>
+          </a:fillRef>
+          <a:effectRef idx="0">
+            <a:schemeClr val="accent1"/>
+          </a:effectRef>
+          <a:fontRef idx="minor">
+            <a:schemeClr val="lt1"/>
+          </a:fontRef>
+        </p:style>
+        <p:txBody>
+          <a:bodyPr rtlCol="0" anchor="ctr"/>
+          <a:lstStyle/>
+          <a:p>
+            <a:endParaRPr lang="en-AU" dirty="0"/>
+          </a:p>
+        </p:txBody>
+      </p:sp>
+      <p:sp>
+        <p:nvSpPr>
+          <p:cNvPr id="61" name="Rectangle 60"/>
+          <p:cNvSpPr/>
+          <p:nvPr/>
+        </p:nvSpPr>
+        <p:spPr>
+          <a:xfrm>
+            <a:off x="1748880" y="2506362"/>
+            <a:ext cx="3557216" cy="1737516"/>
+          </a:xfrm>
+          <a:prstGeom prst="rect">
+            <a:avLst/>
+          </a:prstGeom>
+          <a:solidFill>
+            <a:schemeClr val="bg1">
+              <a:lumMod val="95000"/>
+            </a:schemeClr>
+          </a:solidFill>
+          <a:ln>
+            <a:noFill/>
+          </a:ln>
+        </p:spPr>
+        <p:style>
+          <a:lnRef idx="2">
+            <a:schemeClr val="accent1">
+              <a:shade val="50000"/>
+            </a:schemeClr>
+          </a:lnRef>
+          <a:fillRef idx="1">
+            <a:schemeClr val="accent1"/>
+          </a:fillRef>
+          <a:effectRef idx="0">
+            <a:schemeClr val="accent1"/>
+          </a:effectRef>
+          <a:fontRef idx="minor">
+            <a:schemeClr val="lt1"/>
+          </a:fontRef>
+        </p:style>
+        <p:txBody>
+          <a:bodyPr rtlCol="0" anchor="ctr"/>
+          <a:lstStyle/>
+          <a:p>
+            <a:endParaRPr lang="en-AU" dirty="0"/>
+          </a:p>
+        </p:txBody>
+      </p:sp>
+      <p:sp>
+        <p:nvSpPr>
           <p:cNvPr id="3" name="Rounded Rectangle 2"/>
           <p:cNvSpPr/>
           <p:nvPr/>
@@ -8742,6 +9484,13 @@
           </a:prstGeom>
           <a:noFill/>
           <a:ln w="28575"/>
+          <a:effectLst>
+            <a:outerShdw blurRad="63500" sx="102000" sy="102000" algn="ctr" rotWithShape="0">
+              <a:prstClr val="black">
+                <a:alpha val="40000"/>
+              </a:prstClr>
+            </a:outerShdw>
+          </a:effectLst>
         </p:spPr>
         <p:style>
           <a:lnRef idx="2">
@@ -9006,61 +9755,6 @@
           </a:fontRef>
         </p:style>
       </p:cxnSp>
-      <p:sp>
-        <p:nvSpPr>
-          <p:cNvPr id="22" name="Rounded Rectangle 21"/>
-          <p:cNvSpPr/>
-          <p:nvPr/>
-        </p:nvSpPr>
-        <p:spPr>
-          <a:xfrm>
-            <a:off x="1545465" y="5118341"/>
-            <a:ext cx="3760631" cy="743353"/>
-          </a:xfrm>
-          <a:prstGeom prst="roundRect">
-            <a:avLst>
-              <a:gd name="adj" fmla="val 1291"/>
-            </a:avLst>
-          </a:prstGeom>
-          <a:solidFill>
-            <a:schemeClr val="bg1">
-              <a:lumMod val="95000"/>
-            </a:schemeClr>
-          </a:solidFill>
-          <a:ln w="12700">
-            <a:noFill/>
-          </a:ln>
-        </p:spPr>
-        <p:style>
-          <a:lnRef idx="2">
-            <a:schemeClr val="accent1">
-              <a:shade val="50000"/>
-            </a:schemeClr>
-          </a:lnRef>
-          <a:fillRef idx="1">
-            <a:schemeClr val="accent1"/>
-          </a:fillRef>
-          <a:effectRef idx="0">
-            <a:schemeClr val="accent1"/>
-          </a:effectRef>
-          <a:fontRef idx="minor">
-            <a:schemeClr val="lt1"/>
-          </a:fontRef>
-        </p:style>
-        <p:txBody>
-          <a:bodyPr rtlCol="0" anchor="ctr"/>
-          <a:lstStyle/>
-          <a:p>
-            <a:endParaRPr lang="en-AU" sz="3200" dirty="0">
-              <a:solidFill>
-                <a:schemeClr val="bg1">
-                  <a:lumMod val="50000"/>
-                </a:schemeClr>
-              </a:solidFill>
-            </a:endParaRPr>
-          </a:p>
-        </p:txBody>
-      </p:sp>
       <p:sp>
         <p:nvSpPr>
           <p:cNvPr id="16" name="Oval 15"/>
@@ -9787,8 +10481,8 @@
         </p:nvSpPr>
         <p:spPr>
           <a:xfrm>
-            <a:off x="7061980" y="160338"/>
-            <a:ext cx="1768121" cy="1534816"/>
+            <a:off x="7061980" y="725046"/>
+            <a:ext cx="1768121" cy="1688298"/>
           </a:xfrm>
           <a:prstGeom prst="rect">
             <a:avLst/>
@@ -9833,7 +10527,7 @@
         </p:nvSpPr>
         <p:spPr>
           <a:xfrm>
-            <a:off x="7019777" y="125494"/>
+            <a:off x="7019777" y="685054"/>
             <a:ext cx="1933156" cy="1754326"/>
           </a:xfrm>
           <a:prstGeom prst="rect">
@@ -9937,15 +10631,7 @@
                   <a:srgbClr val="FF0000"/>
                 </a:solidFill>
               </a:rPr>
-              <a:t>Price Range </a:t>
-            </a:r>
-            <a:r>
-              <a:rPr lang="en-AU" sz="1200" dirty="0" smtClean="0">
-                <a:solidFill>
-                  <a:srgbClr val="FF0000"/>
-                </a:solidFill>
-              </a:rPr>
-              <a:t>(Scale)</a:t>
+              <a:t>Price Range (Scale)</a:t>
             </a:r>
           </a:p>
           <a:p>
@@ -9961,11 +10647,6 @@
               </a:rPr>
               <a:t>Average Exam Score of previous students</a:t>
             </a:r>
-            <a:endParaRPr lang="en-AU" sz="1200" dirty="0" smtClean="0">
-              <a:solidFill>
-                <a:srgbClr val="FF0000"/>
-              </a:solidFill>
-            </a:endParaRPr>
           </a:p>
         </p:txBody>
       </p:sp>
@@ -9979,7 +10660,7 @@
         </p:nvCxnSpPr>
         <p:spPr>
           <a:xfrm flipV="1">
-            <a:off x="4778754" y="1002657"/>
+            <a:off x="4778754" y="1562217"/>
             <a:ext cx="2241023" cy="512253"/>
           </a:xfrm>
           <a:prstGeom prst="line">
@@ -10655,53 +11336,6 @@
       </p:sp>
       <p:sp>
         <p:nvSpPr>
-          <p:cNvPr id="61" name="Rectangle 60"/>
-          <p:cNvSpPr/>
-          <p:nvPr/>
-        </p:nvSpPr>
-        <p:spPr>
-          <a:xfrm>
-            <a:off x="1748880" y="2506362"/>
-            <a:ext cx="3557216" cy="1737516"/>
-          </a:xfrm>
-          <a:prstGeom prst="rect">
-            <a:avLst/>
-          </a:prstGeom>
-          <a:solidFill>
-            <a:schemeClr val="bg1">
-              <a:lumMod val="95000"/>
-            </a:schemeClr>
-          </a:solidFill>
-          <a:ln>
-            <a:noFill/>
-          </a:ln>
-        </p:spPr>
-        <p:style>
-          <a:lnRef idx="2">
-            <a:schemeClr val="accent1">
-              <a:shade val="50000"/>
-            </a:schemeClr>
-          </a:lnRef>
-          <a:fillRef idx="1">
-            <a:schemeClr val="accent1"/>
-          </a:fillRef>
-          <a:effectRef idx="0">
-            <a:schemeClr val="accent1"/>
-          </a:effectRef>
-          <a:fontRef idx="minor">
-            <a:schemeClr val="lt1"/>
-          </a:fontRef>
-        </p:style>
-        <p:txBody>
-          <a:bodyPr rtlCol="0" anchor="ctr"/>
-          <a:lstStyle/>
-          <a:p>
-            <a:endParaRPr lang="en-AU" dirty="0"/>
-          </a:p>
-        </p:txBody>
-      </p:sp>
-      <p:sp>
-        <p:nvSpPr>
           <p:cNvPr id="62" name="TextBox 61"/>
           <p:cNvSpPr txBox="1"/>
           <p:nvPr/>
@@ -10726,53 +11360,6 @@
               <a:rPr lang="en-AU" sz="1600" dirty="0" smtClean="0"/>
               <a:t>Course cards here …</a:t>
             </a:r>
-          </a:p>
-        </p:txBody>
-      </p:sp>
-      <p:sp>
-        <p:nvSpPr>
-          <p:cNvPr id="63" name="Rectangle 62"/>
-          <p:cNvSpPr/>
-          <p:nvPr/>
-        </p:nvSpPr>
-        <p:spPr>
-          <a:xfrm>
-            <a:off x="1545464" y="4353200"/>
-            <a:ext cx="3760631" cy="684972"/>
-          </a:xfrm>
-          <a:prstGeom prst="rect">
-            <a:avLst/>
-          </a:prstGeom>
-          <a:solidFill>
-            <a:schemeClr val="bg1">
-              <a:lumMod val="95000"/>
-            </a:schemeClr>
-          </a:solidFill>
-          <a:ln>
-            <a:noFill/>
-          </a:ln>
-        </p:spPr>
-        <p:style>
-          <a:lnRef idx="2">
-            <a:schemeClr val="accent1">
-              <a:shade val="50000"/>
-            </a:schemeClr>
-          </a:lnRef>
-          <a:fillRef idx="1">
-            <a:schemeClr val="accent1"/>
-          </a:fillRef>
-          <a:effectRef idx="0">
-            <a:schemeClr val="accent1"/>
-          </a:effectRef>
-          <a:fontRef idx="minor">
-            <a:schemeClr val="lt1"/>
-          </a:fontRef>
-        </p:style>
-        <p:txBody>
-          <a:bodyPr rtlCol="0" anchor="ctr"/>
-          <a:lstStyle/>
-          <a:p>
-            <a:endParaRPr lang="en-AU" dirty="0"/>
           </a:p>
         </p:txBody>
       </p:sp>
@@ -11045,6 +11632,99 @@
           </a:fontRef>
         </p:style>
       </p:cxnSp>
+      <p:sp>
+        <p:nvSpPr>
+          <p:cNvPr id="52" name="TextBox 51"/>
+          <p:cNvSpPr txBox="1"/>
+          <p:nvPr/>
+        </p:nvSpPr>
+        <p:spPr>
+          <a:xfrm>
+            <a:off x="5305268" y="5603541"/>
+            <a:ext cx="1096262" cy="276999"/>
+          </a:xfrm>
+          <a:prstGeom prst="rect">
+            <a:avLst/>
+          </a:prstGeom>
+          <a:noFill/>
+          <a:ln>
+            <a:noFill/>
+          </a:ln>
+        </p:spPr>
+        <p:txBody>
+          <a:bodyPr wrap="none" rtlCol="0">
+            <a:spAutoFit/>
+          </a:bodyPr>
+          <a:lstStyle/>
+          <a:p>
+            <a:r>
+              <a:rPr lang="en-AU" sz="1200" dirty="0" smtClean="0">
+                <a:solidFill>
+                  <a:schemeClr val="accent1">
+                    <a:lumMod val="50000"/>
+                  </a:schemeClr>
+                </a:solidFill>
+              </a:rPr>
+              <a:t>My </a:t>
+            </a:r>
+            <a:r>
+              <a:rPr lang="en-AU" sz="1200" dirty="0" smtClean="0">
+                <a:solidFill>
+                  <a:schemeClr val="accent1">
+                    <a:lumMod val="50000"/>
+                  </a:schemeClr>
+                </a:solidFill>
+              </a:rPr>
+              <a:t>Dashboard</a:t>
+            </a:r>
+            <a:endParaRPr lang="en-AU" sz="1200" dirty="0">
+              <a:solidFill>
+                <a:schemeClr val="accent1">
+                  <a:lumMod val="50000"/>
+                </a:schemeClr>
+              </a:solidFill>
+            </a:endParaRPr>
+          </a:p>
+        </p:txBody>
+      </p:sp>
+      <p:sp>
+        <p:nvSpPr>
+          <p:cNvPr id="53" name="TextBox 52"/>
+          <p:cNvSpPr txBox="1"/>
+          <p:nvPr/>
+        </p:nvSpPr>
+        <p:spPr>
+          <a:xfrm>
+            <a:off x="5530012" y="-1594"/>
+            <a:ext cx="4026167" cy="369332"/>
+          </a:xfrm>
+          <a:prstGeom prst="rect">
+            <a:avLst/>
+          </a:prstGeom>
+          <a:noFill/>
+        </p:spPr>
+        <p:txBody>
+          <a:bodyPr wrap="none" rtlCol="0">
+            <a:spAutoFit/>
+          </a:bodyPr>
+          <a:lstStyle/>
+          <a:p>
+            <a:r>
+              <a:rPr lang="en-AU" b="1" u="sng" dirty="0" smtClean="0"/>
+              <a:t>Home Screen:</a:t>
+            </a:r>
+            <a:r>
+              <a:rPr lang="en-AU" b="1" dirty="0" smtClean="0"/>
+              <a:t> </a:t>
+            </a:r>
+            <a:r>
+              <a:rPr lang="en-AU" dirty="0" smtClean="0"/>
+              <a:t>logged in user comes here</a:t>
+            </a:r>
+            <a:endParaRPr lang="en-AU" b="1" u="sng" dirty="0" smtClean="0"/>
+          </a:p>
+        </p:txBody>
+      </p:sp>
     </p:spTree>
     <p:extLst>
       <p:ext uri="{BB962C8B-B14F-4D97-AF65-F5344CB8AC3E}">
@@ -11077,6 +11757,109 @@
       </p:grpSpPr>
       <p:sp>
         <p:nvSpPr>
+          <p:cNvPr id="170" name="Rounded Rectangle 169"/>
+          <p:cNvSpPr/>
+          <p:nvPr/>
+        </p:nvSpPr>
+        <p:spPr>
+          <a:xfrm>
+            <a:off x="1545465" y="5514122"/>
+            <a:ext cx="3760631" cy="743353"/>
+          </a:xfrm>
+          <a:prstGeom prst="roundRect">
+            <a:avLst>
+              <a:gd name="adj" fmla="val 1291"/>
+            </a:avLst>
+          </a:prstGeom>
+          <a:solidFill>
+            <a:schemeClr val="bg1">
+              <a:lumMod val="95000"/>
+            </a:schemeClr>
+          </a:solidFill>
+          <a:ln w="12700">
+            <a:noFill/>
+          </a:ln>
+        </p:spPr>
+        <p:style>
+          <a:lnRef idx="2">
+            <a:schemeClr val="accent1">
+              <a:shade val="50000"/>
+            </a:schemeClr>
+          </a:lnRef>
+          <a:fillRef idx="1">
+            <a:schemeClr val="accent1"/>
+          </a:fillRef>
+          <a:effectRef idx="0">
+            <a:schemeClr val="accent1"/>
+          </a:effectRef>
+          <a:fontRef idx="minor">
+            <a:schemeClr val="lt1"/>
+          </a:fontRef>
+        </p:style>
+        <p:txBody>
+          <a:bodyPr rtlCol="0" anchor="ctr"/>
+          <a:lstStyle/>
+          <a:p>
+            <a:endParaRPr lang="en-AU" sz="3200" dirty="0">
+              <a:solidFill>
+                <a:schemeClr val="bg1">
+                  <a:lumMod val="50000"/>
+                </a:schemeClr>
+              </a:solidFill>
+            </a:endParaRPr>
+          </a:p>
+        </p:txBody>
+      </p:sp>
+      <p:sp>
+        <p:nvSpPr>
+          <p:cNvPr id="28" name="Rectangle 27"/>
+          <p:cNvSpPr/>
+          <p:nvPr/>
+        </p:nvSpPr>
+        <p:spPr>
+          <a:xfrm>
+            <a:off x="4919213" y="2543676"/>
+            <a:ext cx="386883" cy="2140866"/>
+          </a:xfrm>
+          <a:prstGeom prst="rect">
+            <a:avLst/>
+          </a:prstGeom>
+          <a:solidFill>
+            <a:schemeClr val="bg1">
+              <a:lumMod val="95000"/>
+            </a:schemeClr>
+          </a:solidFill>
+          <a:ln>
+            <a:noFill/>
+          </a:ln>
+        </p:spPr>
+        <p:style>
+          <a:lnRef idx="2">
+            <a:schemeClr val="accent1">
+              <a:shade val="50000"/>
+            </a:schemeClr>
+          </a:lnRef>
+          <a:fillRef idx="1">
+            <a:schemeClr val="accent1"/>
+          </a:fillRef>
+          <a:effectRef idx="0">
+            <a:schemeClr val="accent1"/>
+          </a:effectRef>
+          <a:fontRef idx="minor">
+            <a:schemeClr val="lt1"/>
+          </a:fontRef>
+        </p:style>
+        <p:txBody>
+          <a:bodyPr rtlCol="0" anchor="ctr"/>
+          <a:lstStyle/>
+          <a:p>
+            <a:pPr algn="ctr"/>
+            <a:endParaRPr lang="en-AU"/>
+          </a:p>
+        </p:txBody>
+      </p:sp>
+      <p:sp>
+        <p:nvSpPr>
           <p:cNvPr id="158" name="Rectangle 157"/>
           <p:cNvSpPr/>
           <p:nvPr/>
@@ -11234,6 +12017,13 @@
           </a:prstGeom>
           <a:noFill/>
           <a:ln w="28575"/>
+          <a:effectLst>
+            <a:outerShdw blurRad="63500" sx="102000" sy="102000" algn="ctr" rotWithShape="0">
+              <a:prstClr val="black">
+                <a:alpha val="40000"/>
+              </a:prstClr>
+            </a:outerShdw>
+          </a:effectLst>
         </p:spPr>
         <p:style>
           <a:lnRef idx="2">
@@ -11635,54 +12425,6 @@
       </p:sp>
       <p:sp>
         <p:nvSpPr>
-          <p:cNvPr id="28" name="Rectangle 27"/>
-          <p:cNvSpPr/>
-          <p:nvPr/>
-        </p:nvSpPr>
-        <p:spPr>
-          <a:xfrm>
-            <a:off x="4919213" y="2543676"/>
-            <a:ext cx="386883" cy="2140866"/>
-          </a:xfrm>
-          <a:prstGeom prst="rect">
-            <a:avLst/>
-          </a:prstGeom>
-          <a:solidFill>
-            <a:schemeClr val="bg1">
-              <a:lumMod val="95000"/>
-            </a:schemeClr>
-          </a:solidFill>
-          <a:ln>
-            <a:noFill/>
-          </a:ln>
-        </p:spPr>
-        <p:style>
-          <a:lnRef idx="2">
-            <a:schemeClr val="accent1">
-              <a:shade val="50000"/>
-            </a:schemeClr>
-          </a:lnRef>
-          <a:fillRef idx="1">
-            <a:schemeClr val="accent1"/>
-          </a:fillRef>
-          <a:effectRef idx="0">
-            <a:schemeClr val="accent1"/>
-          </a:effectRef>
-          <a:fontRef idx="minor">
-            <a:schemeClr val="lt1"/>
-          </a:fontRef>
-        </p:style>
-        <p:txBody>
-          <a:bodyPr rtlCol="0" anchor="ctr"/>
-          <a:lstStyle/>
-          <a:p>
-            <a:pPr algn="ctr"/>
-            <a:endParaRPr lang="en-AU"/>
-          </a:p>
-        </p:txBody>
-      </p:sp>
-      <p:sp>
-        <p:nvSpPr>
           <p:cNvPr id="5" name="Rectangle 4"/>
           <p:cNvSpPr/>
           <p:nvPr/>
@@ -11777,7 +12519,7 @@
         </p:nvSpPr>
         <p:spPr>
           <a:xfrm>
-            <a:off x="6022210" y="172731"/>
+            <a:off x="5599125" y="486633"/>
             <a:ext cx="982945" cy="1123928"/>
           </a:xfrm>
           <a:prstGeom prst="rect">
@@ -11823,7 +12565,7 @@
         </p:nvSpPr>
         <p:spPr>
           <a:xfrm>
-            <a:off x="5940377" y="167282"/>
+            <a:off x="5517295" y="453889"/>
             <a:ext cx="1161937" cy="1200329"/>
           </a:xfrm>
           <a:prstGeom prst="rect">
@@ -12036,7 +12778,7 @@
         </p:nvSpPr>
         <p:spPr>
           <a:xfrm>
-            <a:off x="9296399" y="228331"/>
+            <a:off x="8777783" y="392104"/>
             <a:ext cx="873626" cy="763004"/>
           </a:xfrm>
           <a:prstGeom prst="rect">
@@ -12082,7 +12824,7 @@
         </p:nvSpPr>
         <p:spPr>
           <a:xfrm>
-            <a:off x="9296399" y="186127"/>
+            <a:off x="8791425" y="349902"/>
             <a:ext cx="973798" cy="830997"/>
           </a:xfrm>
           <a:prstGeom prst="rect">
@@ -15009,7 +15751,7 @@
         </p:blipFill>
         <p:spPr bwMode="auto">
           <a:xfrm>
-            <a:off x="1561391" y="4868705"/>
+            <a:off x="1570916" y="4868705"/>
             <a:ext cx="1079976" cy="487506"/>
           </a:xfrm>
           <a:prstGeom prst="rect">
@@ -15231,61 +15973,6 @@
       </p:sp>
       <p:sp>
         <p:nvSpPr>
-          <p:cNvPr id="170" name="Rounded Rectangle 169"/>
-          <p:cNvSpPr/>
-          <p:nvPr/>
-        </p:nvSpPr>
-        <p:spPr>
-          <a:xfrm>
-            <a:off x="1545465" y="5514122"/>
-            <a:ext cx="3760631" cy="743353"/>
-          </a:xfrm>
-          <a:prstGeom prst="roundRect">
-            <a:avLst>
-              <a:gd name="adj" fmla="val 1291"/>
-            </a:avLst>
-          </a:prstGeom>
-          <a:solidFill>
-            <a:schemeClr val="bg1">
-              <a:lumMod val="95000"/>
-            </a:schemeClr>
-          </a:solidFill>
-          <a:ln w="12700">
-            <a:noFill/>
-          </a:ln>
-        </p:spPr>
-        <p:style>
-          <a:lnRef idx="2">
-            <a:schemeClr val="accent1">
-              <a:shade val="50000"/>
-            </a:schemeClr>
-          </a:lnRef>
-          <a:fillRef idx="1">
-            <a:schemeClr val="accent1"/>
-          </a:fillRef>
-          <a:effectRef idx="0">
-            <a:schemeClr val="accent1"/>
-          </a:effectRef>
-          <a:fontRef idx="minor">
-            <a:schemeClr val="lt1"/>
-          </a:fontRef>
-        </p:style>
-        <p:txBody>
-          <a:bodyPr rtlCol="0" anchor="ctr"/>
-          <a:lstStyle/>
-          <a:p>
-            <a:endParaRPr lang="en-AU" sz="3200" dirty="0">
-              <a:solidFill>
-                <a:schemeClr val="bg1">
-                  <a:lumMod val="50000"/>
-                </a:schemeClr>
-              </a:solidFill>
-            </a:endParaRPr>
-          </a:p>
-        </p:txBody>
-      </p:sp>
-      <p:sp>
-        <p:nvSpPr>
           <p:cNvPr id="171" name="Oval 170"/>
           <p:cNvSpPr/>
           <p:nvPr/>
@@ -16180,6 +16867,44 @@
                 </a:schemeClr>
               </a:solidFill>
             </a:endParaRPr>
+          </a:p>
+        </p:txBody>
+      </p:sp>
+      <p:sp>
+        <p:nvSpPr>
+          <p:cNvPr id="118" name="TextBox 117"/>
+          <p:cNvSpPr txBox="1"/>
+          <p:nvPr/>
+        </p:nvSpPr>
+        <p:spPr>
+          <a:xfrm>
+            <a:off x="5530012" y="-1594"/>
+            <a:ext cx="4026167" cy="369332"/>
+          </a:xfrm>
+          <a:prstGeom prst="rect">
+            <a:avLst/>
+          </a:prstGeom>
+          <a:noFill/>
+        </p:spPr>
+        <p:txBody>
+          <a:bodyPr wrap="none" rtlCol="0">
+            <a:spAutoFit/>
+          </a:bodyPr>
+          <a:lstStyle/>
+          <a:p>
+            <a:r>
+              <a:rPr lang="en-AU" b="1" u="sng" dirty="0" smtClean="0"/>
+              <a:t>Home Screen:</a:t>
+            </a:r>
+            <a:r>
+              <a:rPr lang="en-AU" b="1" dirty="0" smtClean="0"/>
+              <a:t> </a:t>
+            </a:r>
+            <a:r>
+              <a:rPr lang="en-AU" dirty="0" smtClean="0"/>
+              <a:t>logged in user comes here</a:t>
+            </a:r>
+            <a:endParaRPr lang="en-AU" b="1" u="sng" dirty="0" smtClean="0"/>
           </a:p>
         </p:txBody>
       </p:sp>
@@ -16215,14 +16940,62 @@
       </p:grpSpPr>
       <p:sp>
         <p:nvSpPr>
+          <p:cNvPr id="46" name="Rectangle 45"/>
+          <p:cNvSpPr/>
+          <p:nvPr/>
+        </p:nvSpPr>
+        <p:spPr>
+          <a:xfrm>
+            <a:off x="1558053" y="1090483"/>
+            <a:ext cx="3738518" cy="414990"/>
+          </a:xfrm>
+          <a:prstGeom prst="rect">
+            <a:avLst/>
+          </a:prstGeom>
+          <a:solidFill>
+            <a:schemeClr val="bg2"/>
+          </a:solidFill>
+          <a:ln>
+            <a:solidFill>
+              <a:schemeClr val="bg2"/>
+            </a:solidFill>
+          </a:ln>
+        </p:spPr>
+        <p:style>
+          <a:lnRef idx="2">
+            <a:schemeClr val="accent1">
+              <a:shade val="50000"/>
+            </a:schemeClr>
+          </a:lnRef>
+          <a:fillRef idx="1">
+            <a:schemeClr val="accent1"/>
+          </a:fillRef>
+          <a:effectRef idx="0">
+            <a:schemeClr val="accent1"/>
+          </a:effectRef>
+          <a:fontRef idx="minor">
+            <a:schemeClr val="lt1"/>
+          </a:fontRef>
+        </p:style>
+        <p:txBody>
+          <a:bodyPr rtlCol="0" anchor="ctr"/>
+          <a:lstStyle/>
+          <a:p>
+            <a:pPr algn="ctr"/>
+            <a:endParaRPr lang="en-AU"/>
+          </a:p>
+        </p:txBody>
+      </p:sp>
+      <p:sp>
+        <p:nvSpPr>
           <p:cNvPr id="5" name="Rectangle 4"/>
           <p:cNvSpPr/>
           <p:nvPr/>
         </p:nvSpPr>
         <p:spPr>
           <a:xfrm>
-            <a:off x="1545465" y="668156"/>
-            <a:ext cx="3760631" cy="431699"/>
+            <a:off x="1545465" y="656129"/>
+            <a:ext cx="3760631" cy="443123"/>
           </a:xfrm>
           <a:prstGeom prst="rect">
             <a:avLst/>
@@ -16263,57 +17036,13 @@
       </p:sp>
       <p:sp>
         <p:nvSpPr>
-          <p:cNvPr id="3" name="Rounded Rectangle 2"/>
-          <p:cNvSpPr/>
-          <p:nvPr/>
-        </p:nvSpPr>
-        <p:spPr>
-          <a:xfrm>
-            <a:off x="1545465" y="425003"/>
-            <a:ext cx="3760631" cy="5911403"/>
-          </a:xfrm>
-          <a:prstGeom prst="roundRect">
-            <a:avLst>
-              <a:gd name="adj" fmla="val 4318"/>
-            </a:avLst>
-          </a:prstGeom>
-          <a:noFill/>
-          <a:ln w="28575"/>
-        </p:spPr>
-        <p:style>
-          <a:lnRef idx="2">
-            <a:schemeClr val="accent1">
-              <a:shade val="50000"/>
-            </a:schemeClr>
-          </a:lnRef>
-          <a:fillRef idx="1">
-            <a:schemeClr val="accent1"/>
-          </a:fillRef>
-          <a:effectRef idx="0">
-            <a:schemeClr val="accent1"/>
-          </a:effectRef>
-          <a:fontRef idx="minor">
-            <a:schemeClr val="lt1"/>
-          </a:fontRef>
-        </p:style>
-        <p:txBody>
-          <a:bodyPr rtlCol="0" anchor="ctr"/>
-          <a:lstStyle/>
-          <a:p>
-            <a:pPr algn="ctr"/>
-            <a:endParaRPr lang="en-AU"/>
-          </a:p>
-        </p:txBody>
-      </p:sp>
-      <p:sp>
-        <p:nvSpPr>
           <p:cNvPr id="9" name="Rounded Rectangle 8"/>
           <p:cNvSpPr/>
           <p:nvPr/>
         </p:nvSpPr>
         <p:spPr>
           <a:xfrm>
-            <a:off x="2694574" y="414744"/>
+            <a:off x="2694574" y="414749"/>
             <a:ext cx="1548267" cy="225702"/>
           </a:xfrm>
           <a:prstGeom prst="roundRect">
@@ -16367,7 +17096,7 @@
         </p:nvSpPr>
         <p:spPr bwMode="auto">
           <a:xfrm>
-            <a:off x="155575" y="-144463"/>
+            <a:off x="155575" y="-144458"/>
             <a:ext cx="304800" cy="304801"/>
           </a:xfrm>
           <a:prstGeom prst="rect">
@@ -16396,179 +17125,6 @@
           </a:p>
         </p:txBody>
       </p:sp>
-      <p:sp>
-        <p:nvSpPr>
-          <p:cNvPr id="6" name="Isosceles Triangle 5"/>
-          <p:cNvSpPr/>
-          <p:nvPr/>
-        </p:nvSpPr>
-        <p:spPr>
-          <a:xfrm rot="16200000">
-            <a:off x="2306010" y="6038346"/>
-            <a:ext cx="219758" cy="168185"/>
-          </a:xfrm>
-          <a:prstGeom prst="triangle">
-            <a:avLst/>
-          </a:prstGeom>
-        </p:spPr>
-        <p:style>
-          <a:lnRef idx="2">
-            <a:schemeClr val="accent1">
-              <a:shade val="50000"/>
-            </a:schemeClr>
-          </a:lnRef>
-          <a:fillRef idx="1">
-            <a:schemeClr val="accent1"/>
-          </a:fillRef>
-          <a:effectRef idx="0">
-            <a:schemeClr val="accent1"/>
-          </a:effectRef>
-          <a:fontRef idx="minor">
-            <a:schemeClr val="lt1"/>
-          </a:fontRef>
-        </p:style>
-        <p:txBody>
-          <a:bodyPr rtlCol="0" anchor="ctr"/>
-          <a:lstStyle/>
-          <a:p>
-            <a:pPr algn="ctr"/>
-            <a:endParaRPr lang="en-AU"/>
-          </a:p>
-        </p:txBody>
-      </p:sp>
-      <p:sp>
-        <p:nvSpPr>
-          <p:cNvPr id="7" name="Rectangle 6"/>
-          <p:cNvSpPr/>
-          <p:nvPr/>
-        </p:nvSpPr>
-        <p:spPr>
-          <a:xfrm>
-            <a:off x="4391897" y="6003133"/>
-            <a:ext cx="205652" cy="211398"/>
-          </a:xfrm>
-          <a:prstGeom prst="rect">
-            <a:avLst/>
-          </a:prstGeom>
-        </p:spPr>
-        <p:style>
-          <a:lnRef idx="2">
-            <a:schemeClr val="accent1">
-              <a:shade val="50000"/>
-            </a:schemeClr>
-          </a:lnRef>
-          <a:fillRef idx="1">
-            <a:schemeClr val="accent1"/>
-          </a:fillRef>
-          <a:effectRef idx="0">
-            <a:schemeClr val="accent1"/>
-          </a:effectRef>
-          <a:fontRef idx="minor">
-            <a:schemeClr val="lt1"/>
-          </a:fontRef>
-        </p:style>
-        <p:txBody>
-          <a:bodyPr rtlCol="0" anchor="ctr"/>
-          <a:lstStyle/>
-          <a:p>
-            <a:pPr algn="ctr"/>
-            <a:endParaRPr lang="en-AU"/>
-          </a:p>
-        </p:txBody>
-      </p:sp>
-      <p:cxnSp>
-        <p:nvCxnSpPr>
-          <p:cNvPr id="10" name="Straight Connector 9"/>
-          <p:cNvCxnSpPr/>
-          <p:nvPr/>
-        </p:nvCxnSpPr>
-        <p:spPr>
-          <a:xfrm>
-            <a:off x="3316406" y="6016781"/>
-            <a:ext cx="218364" cy="0"/>
-          </a:xfrm>
-          <a:prstGeom prst="line">
-            <a:avLst/>
-          </a:prstGeom>
-          <a:ln w="25400"/>
-        </p:spPr>
-        <p:style>
-          <a:lnRef idx="1">
-            <a:schemeClr val="accent1"/>
-          </a:lnRef>
-          <a:fillRef idx="0">
-            <a:schemeClr val="accent1"/>
-          </a:fillRef>
-          <a:effectRef idx="0">
-            <a:schemeClr val="accent1"/>
-          </a:effectRef>
-          <a:fontRef idx="minor">
-            <a:schemeClr val="tx1"/>
-          </a:fontRef>
-        </p:style>
-      </p:cxnSp>
-      <p:cxnSp>
-        <p:nvCxnSpPr>
-          <p:cNvPr id="39" name="Straight Connector 38"/>
-          <p:cNvCxnSpPr/>
-          <p:nvPr/>
-        </p:nvCxnSpPr>
-        <p:spPr>
-          <a:xfrm>
-            <a:off x="3318680" y="6114589"/>
-            <a:ext cx="218364" cy="0"/>
-          </a:xfrm>
-          <a:prstGeom prst="line">
-            <a:avLst/>
-          </a:prstGeom>
-          <a:ln w="25400"/>
-        </p:spPr>
-        <p:style>
-          <a:lnRef idx="1">
-            <a:schemeClr val="accent1"/>
-          </a:lnRef>
-          <a:fillRef idx="0">
-            <a:schemeClr val="accent1"/>
-          </a:fillRef>
-          <a:effectRef idx="0">
-            <a:schemeClr val="accent1"/>
-          </a:effectRef>
-          <a:fontRef idx="minor">
-            <a:schemeClr val="tx1"/>
-          </a:fontRef>
-        </p:style>
-      </p:cxnSp>
-      <p:cxnSp>
-        <p:nvCxnSpPr>
-          <p:cNvPr id="41" name="Straight Connector 40"/>
-          <p:cNvCxnSpPr/>
-          <p:nvPr/>
-        </p:nvCxnSpPr>
-        <p:spPr>
-          <a:xfrm>
-            <a:off x="3320954" y="6212397"/>
-            <a:ext cx="218364" cy="0"/>
-          </a:xfrm>
-          <a:prstGeom prst="line">
-            <a:avLst/>
-          </a:prstGeom>
-          <a:ln w="25400"/>
-        </p:spPr>
-        <p:style>
-          <a:lnRef idx="1">
-            <a:schemeClr val="accent1"/>
-          </a:lnRef>
-          <a:fillRef idx="0">
-            <a:schemeClr val="accent1"/>
-          </a:fillRef>
-          <a:effectRef idx="0">
-            <a:schemeClr val="accent1"/>
-          </a:effectRef>
-          <a:fontRef idx="minor">
-            <a:schemeClr val="tx1"/>
-          </a:fontRef>
-        </p:style>
-      </p:cxnSp>
       <p:cxnSp>
         <p:nvCxnSpPr>
           <p:cNvPr id="4" name="Straight Arrow Connector 3"/>
@@ -16577,7 +17133,7 @@
         </p:nvCxnSpPr>
         <p:spPr>
           <a:xfrm flipH="1">
-            <a:off x="1752112" y="876692"/>
+            <a:off x="1685437" y="876697"/>
             <a:ext cx="269286" cy="0"/>
           </a:xfrm>
           <a:prstGeom prst="straightConnector1">
@@ -16616,8 +17172,8 @@
         </p:nvSpPr>
         <p:spPr>
           <a:xfrm>
-            <a:off x="2124085" y="722803"/>
-            <a:ext cx="1065741" cy="307777"/>
+            <a:off x="2009785" y="722808"/>
+            <a:ext cx="2150397" cy="307777"/>
           </a:xfrm>
           <a:prstGeom prst="rect">
             <a:avLst/>
@@ -16648,7 +17204,7 @@
                   </a:schemeClr>
                 </a:solidFill>
               </a:rPr>
-              <a:t>Title</a:t>
+              <a:t>Title of This Course</a:t>
             </a:r>
             <a:endParaRPr lang="en-AU" sz="1400" b="1" dirty="0">
               <a:solidFill>
@@ -16683,8 +17239,8 @@
         </p:blipFill>
         <p:spPr bwMode="auto">
           <a:xfrm>
-            <a:off x="1695743" y="1460796"/>
-            <a:ext cx="3472001" cy="1567276"/>
+            <a:off x="1695742" y="1781800"/>
+            <a:ext cx="3472002" cy="1250650"/>
           </a:xfrm>
           <a:prstGeom prst="rect">
             <a:avLst/>
@@ -16709,7 +17265,7 @@
         </p:nvSpPr>
         <p:spPr>
           <a:xfrm>
-            <a:off x="2871753" y="1707538"/>
+            <a:off x="2871753" y="1781534"/>
             <a:ext cx="1345240" cy="1569660"/>
           </a:xfrm>
           <a:prstGeom prst="rect">
@@ -16761,8 +17317,8 @@
         </p:nvSpPr>
         <p:spPr>
           <a:xfrm>
-            <a:off x="5339478" y="1460796"/>
-            <a:ext cx="3472001" cy="1567276"/>
+            <a:off x="5339477" y="1781800"/>
+            <a:ext cx="3472002" cy="1250650"/>
           </a:xfrm>
           <a:prstGeom prst="rect">
             <a:avLst/>
@@ -16809,8 +17365,8 @@
         </p:nvSpPr>
         <p:spPr>
           <a:xfrm>
-            <a:off x="9066541" y="1460796"/>
-            <a:ext cx="2903779" cy="1567276"/>
+            <a:off x="8971291" y="1781800"/>
+            <a:ext cx="2903779" cy="1250650"/>
           </a:xfrm>
           <a:prstGeom prst="rect">
             <a:avLst/>
@@ -16857,7 +17413,7 @@
         </p:nvSpPr>
         <p:spPr>
           <a:xfrm>
-            <a:off x="1666884" y="3139623"/>
+            <a:off x="1690948" y="3167628"/>
             <a:ext cx="3500859" cy="608665"/>
           </a:xfrm>
           <a:prstGeom prst="roundRect">
@@ -16865,53 +17421,8 @@
               <a:gd name="adj" fmla="val 7576"/>
             </a:avLst>
           </a:prstGeom>
-        </p:spPr>
-        <p:style>
-          <a:lnRef idx="2">
-            <a:schemeClr val="accent1">
-              <a:shade val="50000"/>
-            </a:schemeClr>
-          </a:lnRef>
-          <a:fillRef idx="1">
-            <a:schemeClr val="accent1"/>
-          </a:fillRef>
-          <a:effectRef idx="0">
-            <a:schemeClr val="accent1"/>
-          </a:effectRef>
-          <a:fontRef idx="minor">
-            <a:schemeClr val="lt1"/>
-          </a:fontRef>
-        </p:style>
-        <p:txBody>
-          <a:bodyPr rtlCol="0" anchor="ctr"/>
-          <a:lstStyle/>
-          <a:p>
-            <a:pPr algn="ctr"/>
-            <a:r>
-              <a:rPr lang="en-AU" dirty="0" smtClean="0"/>
-              <a:t>BUY NOW</a:t>
-            </a:r>
-          </a:p>
-        </p:txBody>
-      </p:sp>
-      <p:sp>
-        <p:nvSpPr>
-          <p:cNvPr id="20" name="Oval 19"/>
-          <p:cNvSpPr/>
-          <p:nvPr/>
-        </p:nvSpPr>
-        <p:spPr>
-          <a:xfrm>
-            <a:off x="3144765" y="1939634"/>
-            <a:ext cx="647883" cy="609600"/>
-          </a:xfrm>
-          <a:prstGeom prst="ellipse">
-            <a:avLst/>
-          </a:prstGeom>
           <a:solidFill>
-            <a:schemeClr val="accent1">
-              <a:alpha val="75000"/>
-            </a:schemeClr>
+            <a:srgbClr val="FF0000"/>
           </a:solidFill>
           <a:ln>
             <a:noFill/>
@@ -16938,6 +17449,62 @@
           <a:lstStyle/>
           <a:p>
             <a:pPr algn="ctr"/>
+            <a:r>
+              <a:rPr lang="en-AU" b="1" dirty="0" smtClean="0"/>
+              <a:t>BUY </a:t>
+            </a:r>
+            <a:r>
+              <a:rPr lang="en-AU" b="1" dirty="0" smtClean="0"/>
+              <a:t>NOW </a:t>
+            </a:r>
+            <a:endParaRPr lang="en-AU" b="1" dirty="0" smtClean="0"/>
+          </a:p>
+        </p:txBody>
+      </p:sp>
+      <p:sp>
+        <p:nvSpPr>
+          <p:cNvPr id="20" name="Oval 19"/>
+          <p:cNvSpPr/>
+          <p:nvPr/>
+        </p:nvSpPr>
+        <p:spPr>
+          <a:xfrm>
+            <a:off x="3144765" y="2110510"/>
+            <a:ext cx="647883" cy="609600"/>
+          </a:xfrm>
+          <a:prstGeom prst="ellipse">
+            <a:avLst/>
+          </a:prstGeom>
+          <a:solidFill>
+            <a:schemeClr val="accent1">
+              <a:alpha val="75000"/>
+            </a:schemeClr>
+          </a:solidFill>
+          <a:ln>
+            <a:noFill/>
+          </a:ln>
+        </p:spPr>
+        <p:style>
+          <a:lnRef idx="2">
+            <a:schemeClr val="accent1">
+              <a:shade val="50000"/>
+            </a:schemeClr>
+          </a:lnRef>
+          <a:fillRef idx="1">
+            <a:schemeClr val="accent1"/>
+          </a:fillRef>
+          <a:effectRef idx="0">
+            <a:schemeClr val="accent1"/>
+          </a:effectRef>
+          <a:fontRef idx="minor">
+            <a:schemeClr val="lt1"/>
+          </a:fontRef>
+        </p:style>
+        <p:txBody>
+          <a:bodyPr rtlCol="0" anchor="ctr"/>
+          <a:lstStyle/>
+          <a:p>
+            <a:pPr algn="ctr"/>
             <a:endParaRPr lang="en-AU"/>
           </a:p>
         </p:txBody>
@@ -16950,7 +17517,7 @@
         </p:nvSpPr>
         <p:spPr>
           <a:xfrm rot="5400000">
-            <a:off x="3330842" y="2077608"/>
+            <a:off x="3330842" y="2248484"/>
             <a:ext cx="375792" cy="333141"/>
           </a:xfrm>
           <a:prstGeom prst="triangle">
@@ -16996,7 +17563,7 @@
         </p:nvSpPr>
         <p:spPr>
           <a:xfrm>
-            <a:off x="2913795" y="1124588"/>
+            <a:off x="2023457" y="1501619"/>
             <a:ext cx="1122038" cy="307777"/>
           </a:xfrm>
           <a:prstGeom prst="rect">
@@ -17010,7 +17577,6 @@
           </a:bodyPr>
           <a:lstStyle/>
           <a:p>
-            <a:pPr algn="ctr"/>
             <a:r>
               <a:rPr lang="en-AU" sz="1400" b="1" dirty="0" smtClean="0">
                 <a:solidFill>
@@ -17039,7 +17605,7 @@
         </p:nvSpPr>
         <p:spPr>
           <a:xfrm>
-            <a:off x="1695743" y="1603450"/>
+            <a:off x="1695743" y="1774326"/>
             <a:ext cx="3507692" cy="1107996"/>
           </a:xfrm>
           <a:prstGeom prst="rect">
@@ -17072,14 +17638,14 @@
       </p:sp>
       <p:sp>
         <p:nvSpPr>
-          <p:cNvPr id="31" name="TextBox 30"/>
+          <p:cNvPr id="76" name="TextBox 75"/>
           <p:cNvSpPr txBox="1"/>
           <p:nvPr/>
         </p:nvSpPr>
         <p:spPr>
           <a:xfrm>
-            <a:off x="1777145" y="4845850"/>
-            <a:ext cx="1927387" cy="646331"/>
+            <a:off x="4295493" y="688735"/>
+            <a:ext cx="1018227" cy="261610"/>
           </a:xfrm>
           <a:prstGeom prst="rect">
             <a:avLst/>
@@ -17087,70 +17653,30 @@
           <a:noFill/>
         </p:spPr>
         <p:txBody>
-          <a:bodyPr wrap="none" rtlCol="0">
+          <a:bodyPr wrap="square" rtlCol="0">
             <a:spAutoFit/>
           </a:bodyPr>
-          <a:lstStyle/>
-          <a:p>
-            <a:r>
-              <a:rPr lang="en-AU" dirty="0" smtClean="0"/>
-              <a:t>Teacher’s notes</a:t>
-            </a:r>
-          </a:p>
-          <a:p>
-            <a:r>
-              <a:rPr lang="en-AU" dirty="0" smtClean="0"/>
-              <a:t>Students’ </a:t>
-            </a:r>
-            <a:r>
-              <a:rPr lang="en-AU" dirty="0" err="1" smtClean="0"/>
-              <a:t>coments</a:t>
-            </a:r>
-            <a:endParaRPr lang="en-AU" dirty="0"/>
-          </a:p>
-        </p:txBody>
-      </p:sp>
-      <p:sp>
-        <p:nvSpPr>
-          <p:cNvPr id="76" name="TextBox 75"/>
-          <p:cNvSpPr txBox="1"/>
-          <p:nvPr/>
-        </p:nvSpPr>
-        <p:spPr>
-          <a:xfrm>
-            <a:off x="3712367" y="4420091"/>
-            <a:ext cx="1018227" cy="261610"/>
-          </a:xfrm>
-          <a:prstGeom prst="rect">
-            <a:avLst/>
-          </a:prstGeom>
-          <a:noFill/>
-        </p:spPr>
-        <p:txBody>
-          <a:bodyPr wrap="none" rtlCol="0">
-            <a:spAutoFit/>
-          </a:bodyPr>
-          <a:lstStyle/>
-          <a:p>
-            <a:r>
-              <a:rPr lang="en-AU" sz="1100" dirty="0" smtClean="0">
+          <a:lstStyle>
+            <a:defPPr>
+              <a:defRPr lang="en-US"/>
+            </a:defPPr>
+            <a:lvl1pPr>
+              <a:defRPr sz="1100">
                 <a:solidFill>
                   <a:schemeClr val="accent5">
-                    <a:lumMod val="60000"/>
-                    <a:lumOff val="40000"/>
+                    <a:lumMod val="75000"/>
                   </a:schemeClr>
                 </a:solidFill>
-              </a:rPr>
-              <a:t>Teacher Name</a:t>
-            </a:r>
-            <a:endParaRPr lang="en-AU" sz="1100" dirty="0">
-              <a:solidFill>
-                <a:schemeClr val="accent5">
-                  <a:lumMod val="60000"/>
-                  <a:lumOff val="40000"/>
-                </a:schemeClr>
-              </a:solidFill>
-            </a:endParaRPr>
+              </a:defRPr>
+            </a:lvl1pPr>
+          </a:lstStyle>
+          <a:p>
+            <a:pPr algn="r"/>
+            <a:r>
+              <a:rPr lang="en-AU" dirty="0" smtClean="0"/>
+              <a:t>Teacher</a:t>
+            </a:r>
+            <a:endParaRPr lang="en-AU" dirty="0"/>
           </a:p>
         </p:txBody>
       </p:sp>
@@ -17162,7 +17688,7 @@
         </p:nvSpPr>
         <p:spPr>
           <a:xfrm>
-            <a:off x="3762059" y="5010888"/>
+            <a:off x="2099695" y="1372343"/>
             <a:ext cx="103791" cy="108205"/>
           </a:xfrm>
           <a:prstGeom prst="star5">
@@ -17208,7 +17734,7 @@
         </p:nvSpPr>
         <p:spPr>
           <a:xfrm>
-            <a:off x="3869579" y="5011820"/>
+            <a:off x="2207215" y="1373275"/>
             <a:ext cx="103791" cy="108205"/>
           </a:xfrm>
           <a:prstGeom prst="star5">
@@ -17254,7 +17780,7 @@
         </p:nvSpPr>
         <p:spPr>
           <a:xfrm>
-            <a:off x="3970556" y="5011822"/>
+            <a:off x="2308192" y="1373277"/>
             <a:ext cx="103791" cy="108205"/>
           </a:xfrm>
           <a:prstGeom prst="star5">
@@ -17300,7 +17826,7 @@
         </p:nvSpPr>
         <p:spPr>
           <a:xfrm>
-            <a:off x="4071574" y="5012062"/>
+            <a:off x="2409210" y="1373517"/>
             <a:ext cx="94355" cy="98368"/>
           </a:xfrm>
           <a:prstGeom prst="star5">
@@ -17346,7 +17872,7 @@
         </p:nvSpPr>
         <p:spPr>
           <a:xfrm>
-            <a:off x="4173484" y="5012998"/>
+            <a:off x="2511120" y="1374453"/>
             <a:ext cx="94355" cy="98368"/>
           </a:xfrm>
           <a:prstGeom prst="star5">
@@ -17392,7 +17918,7 @@
         </p:nvSpPr>
         <p:spPr>
           <a:xfrm>
-            <a:off x="4067146" y="5010857"/>
+            <a:off x="2404782" y="1372312"/>
             <a:ext cx="70264" cy="108205"/>
           </a:xfrm>
           <a:custGeom>
@@ -17521,8 +18047,8 @@
         </p:nvSpPr>
         <p:spPr>
           <a:xfrm>
-            <a:off x="4233515" y="4930441"/>
-            <a:ext cx="575799" cy="261610"/>
+            <a:off x="2623790" y="1305376"/>
+            <a:ext cx="575799" cy="196551"/>
           </a:xfrm>
           <a:prstGeom prst="rect">
             <a:avLst/>
@@ -17565,8 +18091,8 @@
         </p:nvSpPr>
         <p:spPr>
           <a:xfrm>
-            <a:off x="1671044" y="3139623"/>
-            <a:ext cx="1200709" cy="608665"/>
+            <a:off x="1671044" y="3167628"/>
+            <a:ext cx="1242751" cy="608665"/>
           </a:xfrm>
           <a:prstGeom prst="star10">
             <a:avLst>
@@ -17603,62 +18129,4295 @@
           <a:p>
             <a:pPr algn="ctr"/>
             <a:r>
-              <a:rPr lang="en-AU" sz="800" strike="sngStrike" dirty="0">
+              <a:rPr lang="en-AU" sz="800" b="1" strike="sngStrike" dirty="0"/>
+              <a:t>₹15000/</a:t>
+            </a:r>
+            <a:r>
+              <a:rPr lang="en-AU" sz="800" b="1" dirty="0"/>
+              <a:t>-</a:t>
+            </a:r>
+          </a:p>
+          <a:p>
+            <a:pPr algn="ctr"/>
+            <a:r>
+              <a:rPr lang="en-AU" sz="800" b="1" dirty="0" smtClean="0"/>
+              <a:t>You Pay</a:t>
+            </a:r>
+          </a:p>
+          <a:p>
+            <a:pPr algn="ctr"/>
+            <a:r>
+              <a:rPr lang="en-AU" sz="1200" b="1" dirty="0" smtClean="0"/>
+              <a:t>₹</a:t>
+            </a:r>
+            <a:r>
+              <a:rPr lang="en-AU" sz="1200" b="1" dirty="0" smtClean="0"/>
+              <a:t>5000/-</a:t>
+            </a:r>
+            <a:endParaRPr lang="en-AU" sz="1200" b="1" dirty="0"/>
+          </a:p>
+        </p:txBody>
+      </p:sp>
+      <p:sp>
+        <p:nvSpPr>
+          <p:cNvPr id="87" name="Rectangle 86"/>
+          <p:cNvSpPr/>
+          <p:nvPr/>
+        </p:nvSpPr>
+        <p:spPr>
+          <a:xfrm>
+            <a:off x="4384822" y="1347717"/>
+            <a:ext cx="837257" cy="147590"/>
+          </a:xfrm>
+          <a:prstGeom prst="rect">
+            <a:avLst/>
+          </a:prstGeom>
+          <a:solidFill>
+            <a:schemeClr val="accent4">
+              <a:lumMod val="40000"/>
+              <a:lumOff val="60000"/>
+            </a:schemeClr>
+          </a:solidFill>
+          <a:ln>
+            <a:noFill/>
+          </a:ln>
+        </p:spPr>
+        <p:style>
+          <a:lnRef idx="2">
+            <a:schemeClr val="accent1">
+              <a:shade val="50000"/>
+            </a:schemeClr>
+          </a:lnRef>
+          <a:fillRef idx="1">
+            <a:schemeClr val="accent1"/>
+          </a:fillRef>
+          <a:effectRef idx="0">
+            <a:schemeClr val="accent1"/>
+          </a:effectRef>
+          <a:fontRef idx="minor">
+            <a:schemeClr val="lt1"/>
+          </a:fontRef>
+        </p:style>
+        <p:txBody>
+          <a:bodyPr rtlCol="0" anchor="ctr"/>
+          <a:lstStyle/>
+          <a:p>
+            <a:pPr algn="ctr"/>
+            <a:r>
+              <a:rPr lang="en-AU" sz="1200" b="1" dirty="0" smtClean="0">
                 <a:solidFill>
-                  <a:schemeClr val="bg1"/>
+                  <a:schemeClr val="accent5">
+                    <a:lumMod val="75000"/>
+                  </a:schemeClr>
+                </a:solidFill>
+              </a:rPr>
+              <a:t>Bestseller</a:t>
+            </a:r>
+            <a:endParaRPr lang="en-AU" sz="1200" b="1" dirty="0">
+              <a:solidFill>
+                <a:schemeClr val="accent5">
+                  <a:lumMod val="75000"/>
+                </a:schemeClr>
+              </a:solidFill>
+            </a:endParaRPr>
+          </a:p>
+        </p:txBody>
+      </p:sp>
+      <p:sp>
+        <p:nvSpPr>
+          <p:cNvPr id="88" name="10-Point Star 87"/>
+          <p:cNvSpPr/>
+          <p:nvPr/>
+        </p:nvSpPr>
+        <p:spPr>
+          <a:xfrm>
+            <a:off x="3879498" y="3167628"/>
+            <a:ext cx="1342581" cy="608665"/>
+          </a:xfrm>
+          <a:prstGeom prst="star10">
+            <a:avLst>
+              <a:gd name="adj" fmla="val 36796"/>
+              <a:gd name="hf" fmla="val 105146"/>
+            </a:avLst>
+          </a:prstGeom>
+          <a:solidFill>
+            <a:srgbClr val="92D050"/>
+          </a:solidFill>
+          <a:ln>
+            <a:noFill/>
+          </a:ln>
+        </p:spPr>
+        <p:style>
+          <a:lnRef idx="2">
+            <a:schemeClr val="accent1">
+              <a:shade val="50000"/>
+            </a:schemeClr>
+          </a:lnRef>
+          <a:fillRef idx="1">
+            <a:schemeClr val="accent1"/>
+          </a:fillRef>
+          <a:effectRef idx="0">
+            <a:schemeClr val="accent1"/>
+          </a:effectRef>
+          <a:fontRef idx="minor">
+            <a:schemeClr val="lt1"/>
+          </a:fontRef>
+        </p:style>
+        <p:txBody>
+          <a:bodyPr rtlCol="0" anchor="ctr"/>
+          <a:lstStyle/>
+          <a:p>
+            <a:pPr algn="ctr"/>
+            <a:r>
+              <a:rPr lang="en-AU" sz="1000" b="1" dirty="0" smtClean="0"/>
+              <a:t>Your Special discount</a:t>
+            </a:r>
+          </a:p>
+          <a:p>
+            <a:pPr algn="ctr"/>
+            <a:r>
+              <a:rPr lang="en-AU" sz="1000" b="1" dirty="0" smtClean="0"/>
+              <a:t>67%</a:t>
+            </a:r>
+            <a:endParaRPr lang="en-AU" sz="1000" b="1" dirty="0" smtClean="0"/>
+          </a:p>
+        </p:txBody>
+      </p:sp>
+      <p:sp>
+        <p:nvSpPr>
+          <p:cNvPr id="89" name="TextBox 88"/>
+          <p:cNvSpPr txBox="1"/>
+          <p:nvPr/>
+        </p:nvSpPr>
+        <p:spPr>
+          <a:xfrm>
+            <a:off x="2009785" y="1096793"/>
+            <a:ext cx="3284698" cy="261610"/>
+          </a:xfrm>
+          <a:prstGeom prst="rect">
+            <a:avLst/>
+          </a:prstGeom>
+          <a:noFill/>
+        </p:spPr>
+        <p:txBody>
+          <a:bodyPr wrap="square" rtlCol="0">
+            <a:spAutoFit/>
+          </a:bodyPr>
+          <a:lstStyle/>
+          <a:p>
+            <a:r>
+              <a:rPr lang="en-AU" sz="1100" dirty="0" smtClean="0">
+                <a:solidFill>
+                  <a:schemeClr val="accent5">
+                    <a:lumMod val="75000"/>
+                  </a:schemeClr>
+                </a:solidFill>
+              </a:rPr>
+              <a:t>Class N | Subject | </a:t>
+            </a:r>
+            <a:r>
+              <a:rPr lang="en-AU" sz="1100" dirty="0" smtClean="0">
+                <a:solidFill>
+                  <a:schemeClr val="accent5">
+                    <a:lumMod val="75000"/>
+                  </a:schemeClr>
+                </a:solidFill>
+              </a:rPr>
+              <a:t>Board | Language </a:t>
+            </a:r>
+            <a:r>
+              <a:rPr lang="en-AU" sz="1100" dirty="0" smtClean="0">
+                <a:solidFill>
+                  <a:schemeClr val="accent5">
+                    <a:lumMod val="75000"/>
+                  </a:schemeClr>
+                </a:solidFill>
+              </a:rPr>
+              <a:t>| </a:t>
+            </a:r>
+            <a:r>
+              <a:rPr lang="en-AU" sz="1100" dirty="0" err="1" smtClean="0">
+                <a:solidFill>
+                  <a:schemeClr val="accent5">
+                    <a:lumMod val="75000"/>
+                  </a:schemeClr>
+                </a:solidFill>
+              </a:rPr>
+              <a:t>Avg</a:t>
+            </a:r>
+            <a:r>
+              <a:rPr lang="en-AU" sz="1100" dirty="0" smtClean="0">
+                <a:solidFill>
+                  <a:schemeClr val="accent5">
+                    <a:lumMod val="75000"/>
+                  </a:schemeClr>
+                </a:solidFill>
+              </a:rPr>
+              <a:t> </a:t>
+            </a:r>
+            <a:r>
+              <a:rPr lang="en-AU" sz="1100" dirty="0" smtClean="0">
+                <a:solidFill>
+                  <a:schemeClr val="accent5">
+                    <a:lumMod val="75000"/>
+                  </a:schemeClr>
+                </a:solidFill>
+              </a:rPr>
+              <a:t>Score 95%</a:t>
+            </a:r>
+            <a:endParaRPr lang="en-AU" sz="1100" dirty="0">
+              <a:solidFill>
+                <a:schemeClr val="accent5">
+                  <a:lumMod val="75000"/>
+                </a:schemeClr>
+              </a:solidFill>
+            </a:endParaRPr>
+          </a:p>
+        </p:txBody>
+      </p:sp>
+      <p:sp>
+        <p:nvSpPr>
+          <p:cNvPr id="35" name="Oval 34"/>
+          <p:cNvSpPr/>
+          <p:nvPr/>
+        </p:nvSpPr>
+        <p:spPr>
+          <a:xfrm>
+            <a:off x="4437944" y="722628"/>
+            <a:ext cx="299870" cy="314759"/>
+          </a:xfrm>
+          <a:prstGeom prst="ellipse">
+            <a:avLst/>
+          </a:prstGeom>
+          <a:ln>
+            <a:solidFill>
+              <a:schemeClr val="accent5">
+                <a:lumMod val="75000"/>
+              </a:schemeClr>
+            </a:solidFill>
+          </a:ln>
+        </p:spPr>
+        <p:style>
+          <a:lnRef idx="2">
+            <a:schemeClr val="accent1">
+              <a:shade val="50000"/>
+            </a:schemeClr>
+          </a:lnRef>
+          <a:fillRef idx="1">
+            <a:schemeClr val="accent1"/>
+          </a:fillRef>
+          <a:effectRef idx="0">
+            <a:schemeClr val="accent1"/>
+          </a:effectRef>
+          <a:fontRef idx="minor">
+            <a:schemeClr val="lt1"/>
+          </a:fontRef>
+        </p:style>
+        <p:txBody>
+          <a:bodyPr rtlCol="0" anchor="ctr"/>
+          <a:lstStyle/>
+          <a:p>
+            <a:pPr algn="ctr"/>
+            <a:endParaRPr lang="en-AU"/>
+          </a:p>
+        </p:txBody>
+      </p:sp>
+      <p:sp>
+        <p:nvSpPr>
+          <p:cNvPr id="36" name="Oval 35"/>
+          <p:cNvSpPr/>
+          <p:nvPr/>
+        </p:nvSpPr>
+        <p:spPr>
+          <a:xfrm>
+            <a:off x="4466996" y="875405"/>
+            <a:ext cx="228346" cy="138928"/>
+          </a:xfrm>
+          <a:prstGeom prst="ellipse">
+            <a:avLst/>
+          </a:prstGeom>
+          <a:solidFill>
+            <a:schemeClr val="accent5">
+              <a:lumMod val="75000"/>
+            </a:schemeClr>
+          </a:solidFill>
+          <a:ln w="25400">
+            <a:solidFill>
+              <a:schemeClr val="accent5">
+                <a:lumMod val="75000"/>
+              </a:schemeClr>
+            </a:solidFill>
+          </a:ln>
+        </p:spPr>
+        <p:style>
+          <a:lnRef idx="2">
+            <a:schemeClr val="accent1">
+              <a:shade val="50000"/>
+            </a:schemeClr>
+          </a:lnRef>
+          <a:fillRef idx="1">
+            <a:schemeClr val="accent1"/>
+          </a:fillRef>
+          <a:effectRef idx="0">
+            <a:schemeClr val="accent1"/>
+          </a:effectRef>
+          <a:fontRef idx="minor">
+            <a:schemeClr val="lt1"/>
+          </a:fontRef>
+        </p:style>
+        <p:txBody>
+          <a:bodyPr rtlCol="0" anchor="ctr"/>
+          <a:lstStyle/>
+          <a:p>
+            <a:pPr algn="ctr"/>
+            <a:endParaRPr lang="en-AU"/>
+          </a:p>
+        </p:txBody>
+      </p:sp>
+      <p:sp>
+        <p:nvSpPr>
+          <p:cNvPr id="37" name="Oval 36"/>
+          <p:cNvSpPr/>
+          <p:nvPr/>
+        </p:nvSpPr>
+        <p:spPr>
+          <a:xfrm>
+            <a:off x="4521652" y="749362"/>
+            <a:ext cx="141785" cy="168103"/>
+          </a:xfrm>
+          <a:prstGeom prst="ellipse">
+            <a:avLst/>
+          </a:prstGeom>
+          <a:ln w="25400">
+            <a:solidFill>
+              <a:schemeClr val="accent5">
+                <a:lumMod val="75000"/>
+              </a:schemeClr>
+            </a:solidFill>
+          </a:ln>
+        </p:spPr>
+        <p:style>
+          <a:lnRef idx="2">
+            <a:schemeClr val="accent1">
+              <a:shade val="50000"/>
+            </a:schemeClr>
+          </a:lnRef>
+          <a:fillRef idx="1">
+            <a:schemeClr val="accent1"/>
+          </a:fillRef>
+          <a:effectRef idx="0">
+            <a:schemeClr val="accent1"/>
+          </a:effectRef>
+          <a:fontRef idx="minor">
+            <a:schemeClr val="lt1"/>
+          </a:fontRef>
+        </p:style>
+        <p:txBody>
+          <a:bodyPr rtlCol="0" anchor="ctr"/>
+          <a:lstStyle/>
+          <a:p>
+            <a:pPr algn="ctr"/>
+            <a:endParaRPr lang="en-AU"/>
+          </a:p>
+        </p:txBody>
+      </p:sp>
+      <p:sp>
+        <p:nvSpPr>
+          <p:cNvPr id="38" name="5-Point Star 37"/>
+          <p:cNvSpPr/>
+          <p:nvPr/>
+        </p:nvSpPr>
+        <p:spPr>
+          <a:xfrm>
+            <a:off x="4781777" y="910772"/>
+            <a:ext cx="77979" cy="81295"/>
+          </a:xfrm>
+          <a:prstGeom prst="star5">
+            <a:avLst/>
+          </a:prstGeom>
+          <a:solidFill>
+            <a:srgbClr val="FF0000"/>
+          </a:solidFill>
+          <a:ln>
+            <a:noFill/>
+          </a:ln>
+        </p:spPr>
+        <p:style>
+          <a:lnRef idx="2">
+            <a:schemeClr val="accent1">
+              <a:shade val="50000"/>
+            </a:schemeClr>
+          </a:lnRef>
+          <a:fillRef idx="1">
+            <a:schemeClr val="accent1"/>
+          </a:fillRef>
+          <a:effectRef idx="0">
+            <a:schemeClr val="accent1"/>
+          </a:effectRef>
+          <a:fontRef idx="minor">
+            <a:schemeClr val="lt1"/>
+          </a:fontRef>
+        </p:style>
+        <p:txBody>
+          <a:bodyPr rtlCol="0" anchor="ctr"/>
+          <a:lstStyle/>
+          <a:p>
+            <a:pPr algn="ctr"/>
+            <a:endParaRPr lang="en-AU"/>
+          </a:p>
+        </p:txBody>
+      </p:sp>
+      <p:sp>
+        <p:nvSpPr>
+          <p:cNvPr id="40" name="5-Point Star 39"/>
+          <p:cNvSpPr/>
+          <p:nvPr/>
+        </p:nvSpPr>
+        <p:spPr>
+          <a:xfrm>
+            <a:off x="4849542" y="918081"/>
+            <a:ext cx="77979" cy="81295"/>
+          </a:xfrm>
+          <a:prstGeom prst="star5">
+            <a:avLst/>
+          </a:prstGeom>
+          <a:solidFill>
+            <a:srgbClr val="FF0000"/>
+          </a:solidFill>
+          <a:ln>
+            <a:noFill/>
+          </a:ln>
+        </p:spPr>
+        <p:style>
+          <a:lnRef idx="2">
+            <a:schemeClr val="accent1">
+              <a:shade val="50000"/>
+            </a:schemeClr>
+          </a:lnRef>
+          <a:fillRef idx="1">
+            <a:schemeClr val="accent1"/>
+          </a:fillRef>
+          <a:effectRef idx="0">
+            <a:schemeClr val="accent1"/>
+          </a:effectRef>
+          <a:fontRef idx="minor">
+            <a:schemeClr val="lt1"/>
+          </a:fontRef>
+        </p:style>
+        <p:txBody>
+          <a:bodyPr rtlCol="0" anchor="ctr"/>
+          <a:lstStyle/>
+          <a:p>
+            <a:pPr algn="ctr"/>
+            <a:endParaRPr lang="en-AU"/>
+          </a:p>
+        </p:txBody>
+      </p:sp>
+      <p:sp>
+        <p:nvSpPr>
+          <p:cNvPr id="42" name="5-Point Star 41"/>
+          <p:cNvSpPr/>
+          <p:nvPr/>
+        </p:nvSpPr>
+        <p:spPr>
+          <a:xfrm>
+            <a:off x="4926666" y="918083"/>
+            <a:ext cx="77979" cy="81295"/>
+          </a:xfrm>
+          <a:prstGeom prst="star5">
+            <a:avLst/>
+          </a:prstGeom>
+          <a:solidFill>
+            <a:srgbClr val="FF0000"/>
+          </a:solidFill>
+          <a:ln>
+            <a:noFill/>
+          </a:ln>
+        </p:spPr>
+        <p:style>
+          <a:lnRef idx="2">
+            <a:schemeClr val="accent1">
+              <a:shade val="50000"/>
+            </a:schemeClr>
+          </a:lnRef>
+          <a:fillRef idx="1">
+            <a:schemeClr val="accent1"/>
+          </a:fillRef>
+          <a:effectRef idx="0">
+            <a:schemeClr val="accent1"/>
+          </a:effectRef>
+          <a:fontRef idx="minor">
+            <a:schemeClr val="lt1"/>
+          </a:fontRef>
+        </p:style>
+        <p:txBody>
+          <a:bodyPr rtlCol="0" anchor="ctr"/>
+          <a:lstStyle/>
+          <a:p>
+            <a:pPr algn="ctr"/>
+            <a:endParaRPr lang="en-AU"/>
+          </a:p>
+        </p:txBody>
+      </p:sp>
+      <p:sp>
+        <p:nvSpPr>
+          <p:cNvPr id="45" name="Freeform 44"/>
+          <p:cNvSpPr/>
+          <p:nvPr/>
+        </p:nvSpPr>
+        <p:spPr>
+          <a:xfrm>
+            <a:off x="4995234" y="918692"/>
+            <a:ext cx="52790" cy="81295"/>
+          </a:xfrm>
+          <a:custGeom>
+            <a:avLst/>
+            <a:gdLst>
+              <a:gd name="connsiteX0" fmla="*/ 51896 w 70264"/>
+              <a:gd name="connsiteY0" fmla="*/ 0 h 108205"/>
+              <a:gd name="connsiteX1" fmla="*/ 64146 w 70264"/>
+              <a:gd name="connsiteY1" fmla="*/ 41331 h 108205"/>
+              <a:gd name="connsiteX2" fmla="*/ 70264 w 70264"/>
+              <a:gd name="connsiteY2" fmla="*/ 41331 h 108205"/>
+              <a:gd name="connsiteX3" fmla="*/ 70264 w 70264"/>
+              <a:gd name="connsiteY3" fmla="*/ 97290 h 108205"/>
+              <a:gd name="connsiteX4" fmla="*/ 51896 w 70264"/>
+              <a:gd name="connsiteY4" fmla="*/ 82661 h 108205"/>
+              <a:gd name="connsiteX5" fmla="*/ 19822 w 70264"/>
+              <a:gd name="connsiteY5" fmla="*/ 108205 h 108205"/>
+              <a:gd name="connsiteX6" fmla="*/ 32074 w 70264"/>
+              <a:gd name="connsiteY6" fmla="*/ 66874 h 108205"/>
+              <a:gd name="connsiteX7" fmla="*/ 0 w 70264"/>
+              <a:gd name="connsiteY7" fmla="*/ 41331 h 108205"/>
+              <a:gd name="connsiteX8" fmla="*/ 39645 w 70264"/>
+              <a:gd name="connsiteY8" fmla="*/ 41331 h 108205"/>
+            </a:gdLst>
+            <a:ahLst/>
+            <a:cxnLst>
+              <a:cxn ang="0">
+                <a:pos x="connsiteX0" y="connsiteY0"/>
+              </a:cxn>
+              <a:cxn ang="0">
+                <a:pos x="connsiteX1" y="connsiteY1"/>
+              </a:cxn>
+              <a:cxn ang="0">
+                <a:pos x="connsiteX2" y="connsiteY2"/>
+              </a:cxn>
+              <a:cxn ang="0">
+                <a:pos x="connsiteX3" y="connsiteY3"/>
+              </a:cxn>
+              <a:cxn ang="0">
+                <a:pos x="connsiteX4" y="connsiteY4"/>
+              </a:cxn>
+              <a:cxn ang="0">
+                <a:pos x="connsiteX5" y="connsiteY5"/>
+              </a:cxn>
+              <a:cxn ang="0">
+                <a:pos x="connsiteX6" y="connsiteY6"/>
+              </a:cxn>
+              <a:cxn ang="0">
+                <a:pos x="connsiteX7" y="connsiteY7"/>
+              </a:cxn>
+              <a:cxn ang="0">
+                <a:pos x="connsiteX8" y="connsiteY8"/>
+              </a:cxn>
+            </a:cxnLst>
+            <a:rect l="l" t="t" r="r" b="b"/>
+            <a:pathLst>
+              <a:path w="70264" h="108205">
+                <a:moveTo>
+                  <a:pt x="51896" y="0"/>
+                </a:moveTo>
+                <a:lnTo>
+                  <a:pt x="64146" y="41331"/>
+                </a:lnTo>
+                <a:lnTo>
+                  <a:pt x="70264" y="41331"/>
+                </a:lnTo>
+                <a:lnTo>
+                  <a:pt x="70264" y="97290"/>
+                </a:lnTo>
+                <a:lnTo>
+                  <a:pt x="51896" y="82661"/>
+                </a:lnTo>
+                <a:lnTo>
+                  <a:pt x="19822" y="108205"/>
+                </a:lnTo>
+                <a:lnTo>
+                  <a:pt x="32074" y="66874"/>
+                </a:lnTo>
+                <a:lnTo>
+                  <a:pt x="0" y="41331"/>
+                </a:lnTo>
+                <a:lnTo>
+                  <a:pt x="39645" y="41331"/>
+                </a:lnTo>
+                <a:close/>
+              </a:path>
+            </a:pathLst>
+          </a:custGeom>
+          <a:solidFill>
+            <a:srgbClr val="FF0000"/>
+          </a:solidFill>
+          <a:ln>
+            <a:noFill/>
+          </a:ln>
+        </p:spPr>
+        <p:style>
+          <a:lnRef idx="2">
+            <a:schemeClr val="accent1">
+              <a:shade val="50000"/>
+            </a:schemeClr>
+          </a:lnRef>
+          <a:fillRef idx="1">
+            <a:schemeClr val="accent1"/>
+          </a:fillRef>
+          <a:effectRef idx="0">
+            <a:schemeClr val="accent1"/>
+          </a:effectRef>
+          <a:fontRef idx="minor">
+            <a:schemeClr val="lt1"/>
+          </a:fontRef>
+        </p:style>
+        <p:txBody>
+          <a:bodyPr rtlCol="0" anchor="ctr"/>
+          <a:lstStyle/>
+          <a:p>
+            <a:pPr algn="ctr"/>
+            <a:endParaRPr lang="en-AU"/>
+          </a:p>
+        </p:txBody>
+      </p:sp>
+      <p:sp>
+        <p:nvSpPr>
+          <p:cNvPr id="47" name="Rounded Rectangle 46"/>
+          <p:cNvSpPr/>
+          <p:nvPr/>
+        </p:nvSpPr>
+        <p:spPr>
+          <a:xfrm>
+            <a:off x="5373517" y="3176906"/>
+            <a:ext cx="3500859" cy="608665"/>
+          </a:xfrm>
+          <a:prstGeom prst="roundRect">
+            <a:avLst>
+              <a:gd name="adj" fmla="val 7576"/>
+            </a:avLst>
+          </a:prstGeom>
+          <a:solidFill>
+            <a:srgbClr val="FF0000"/>
+          </a:solidFill>
+          <a:ln>
+            <a:noFill/>
+          </a:ln>
+        </p:spPr>
+        <p:style>
+          <a:lnRef idx="2">
+            <a:schemeClr val="accent1">
+              <a:shade val="50000"/>
+            </a:schemeClr>
+          </a:lnRef>
+          <a:fillRef idx="1">
+            <a:schemeClr val="accent1"/>
+          </a:fillRef>
+          <a:effectRef idx="0">
+            <a:schemeClr val="accent1"/>
+          </a:effectRef>
+          <a:fontRef idx="minor">
+            <a:schemeClr val="lt1"/>
+          </a:fontRef>
+        </p:style>
+        <p:txBody>
+          <a:bodyPr rtlCol="0" anchor="ctr"/>
+          <a:lstStyle/>
+          <a:p>
+            <a:pPr algn="ctr"/>
+            <a:r>
+              <a:rPr lang="en-AU" b="1" dirty="0" smtClean="0"/>
+              <a:t>ENROLL NOW</a:t>
+            </a:r>
+            <a:endParaRPr lang="en-AU" b="1" dirty="0" smtClean="0"/>
+          </a:p>
+        </p:txBody>
+      </p:sp>
+      <p:sp>
+        <p:nvSpPr>
+          <p:cNvPr id="48" name="10-Point Star 47"/>
+          <p:cNvSpPr/>
+          <p:nvPr/>
+        </p:nvSpPr>
+        <p:spPr>
+          <a:xfrm>
+            <a:off x="5377677" y="3176906"/>
+            <a:ext cx="1094685" cy="608665"/>
+          </a:xfrm>
+          <a:prstGeom prst="star10">
+            <a:avLst>
+              <a:gd name="adj" fmla="val 36796"/>
+              <a:gd name="hf" fmla="val 105146"/>
+            </a:avLst>
+          </a:prstGeom>
+          <a:solidFill>
+            <a:srgbClr val="92D050"/>
+          </a:solidFill>
+          <a:ln>
+            <a:noFill/>
+          </a:ln>
+        </p:spPr>
+        <p:style>
+          <a:lnRef idx="2">
+            <a:schemeClr val="accent1">
+              <a:shade val="50000"/>
+            </a:schemeClr>
+          </a:lnRef>
+          <a:fillRef idx="1">
+            <a:schemeClr val="accent1"/>
+          </a:fillRef>
+          <a:effectRef idx="0">
+            <a:schemeClr val="accent1"/>
+          </a:effectRef>
+          <a:fontRef idx="minor">
+            <a:schemeClr val="lt1"/>
+          </a:fontRef>
+        </p:style>
+        <p:txBody>
+          <a:bodyPr rtlCol="0" anchor="ctr"/>
+          <a:lstStyle/>
+          <a:p>
+            <a:pPr algn="ctr"/>
+            <a:r>
+              <a:rPr lang="en-AU" sz="800" b="1" dirty="0" smtClean="0"/>
+              <a:t>You Pay</a:t>
+            </a:r>
+          </a:p>
+          <a:p>
+            <a:pPr algn="ctr"/>
+            <a:r>
+              <a:rPr lang="en-AU" sz="1200" b="1" dirty="0" smtClean="0"/>
+              <a:t>₹0</a:t>
+            </a:r>
+            <a:r>
+              <a:rPr lang="en-AU" sz="1200" b="1" dirty="0" smtClean="0"/>
+              <a:t>/-</a:t>
+            </a:r>
+            <a:endParaRPr lang="en-AU" sz="1200" b="1" dirty="0"/>
+          </a:p>
+        </p:txBody>
+      </p:sp>
+      <p:sp>
+        <p:nvSpPr>
+          <p:cNvPr id="49" name="10-Point Star 48"/>
+          <p:cNvSpPr/>
+          <p:nvPr/>
+        </p:nvSpPr>
+        <p:spPr>
+          <a:xfrm>
+            <a:off x="7760473" y="3176906"/>
+            <a:ext cx="1127551" cy="608665"/>
+          </a:xfrm>
+          <a:prstGeom prst="star10">
+            <a:avLst>
+              <a:gd name="adj" fmla="val 36796"/>
+              <a:gd name="hf" fmla="val 105146"/>
+            </a:avLst>
+          </a:prstGeom>
+          <a:solidFill>
+            <a:srgbClr val="92D050"/>
+          </a:solidFill>
+          <a:ln>
+            <a:noFill/>
+          </a:ln>
+        </p:spPr>
+        <p:style>
+          <a:lnRef idx="2">
+            <a:schemeClr val="accent1">
+              <a:shade val="50000"/>
+            </a:schemeClr>
+          </a:lnRef>
+          <a:fillRef idx="1">
+            <a:schemeClr val="accent1"/>
+          </a:fillRef>
+          <a:effectRef idx="0">
+            <a:schemeClr val="accent1"/>
+          </a:effectRef>
+          <a:fontRef idx="minor">
+            <a:schemeClr val="lt1"/>
+          </a:fontRef>
+        </p:style>
+        <p:txBody>
+          <a:bodyPr rtlCol="0" anchor="ctr"/>
+          <a:lstStyle/>
+          <a:p>
+            <a:pPr algn="ctr"/>
+            <a:r>
+              <a:rPr lang="en-AU" sz="1200" b="1" dirty="0" smtClean="0"/>
+              <a:t>FREE for</a:t>
+            </a:r>
+          </a:p>
+          <a:p>
+            <a:pPr algn="ctr"/>
+            <a:r>
+              <a:rPr lang="en-AU" sz="1200" b="1" dirty="0" smtClean="0"/>
+              <a:t>YOU!</a:t>
+            </a:r>
+            <a:endParaRPr lang="en-AU" sz="1200" b="1" dirty="0" smtClean="0"/>
+          </a:p>
+        </p:txBody>
+      </p:sp>
+      <p:sp>
+        <p:nvSpPr>
+          <p:cNvPr id="50" name="TextBox 49"/>
+          <p:cNvSpPr txBox="1"/>
+          <p:nvPr/>
+        </p:nvSpPr>
+        <p:spPr>
+          <a:xfrm>
+            <a:off x="2099695" y="4350902"/>
+            <a:ext cx="1402628" cy="307777"/>
+          </a:xfrm>
+          <a:prstGeom prst="rect">
+            <a:avLst/>
+          </a:prstGeom>
+          <a:noFill/>
+        </p:spPr>
+        <p:txBody>
+          <a:bodyPr wrap="none" rtlCol="0">
+            <a:spAutoFit/>
+          </a:bodyPr>
+          <a:lstStyle/>
+          <a:p>
+            <a:r>
+              <a:rPr lang="en-AU" sz="1400" b="1" dirty="0" smtClean="0">
+                <a:solidFill>
+                  <a:schemeClr val="accent5">
+                    <a:lumMod val="75000"/>
+                  </a:schemeClr>
+                </a:solidFill>
+              </a:rPr>
+              <a:t>Teacher’s Notes:</a:t>
+            </a:r>
+          </a:p>
+        </p:txBody>
+      </p:sp>
+      <p:sp>
+        <p:nvSpPr>
+          <p:cNvPr id="51" name="TextBox 50"/>
+          <p:cNvSpPr txBox="1"/>
+          <p:nvPr/>
+        </p:nvSpPr>
+        <p:spPr>
+          <a:xfrm>
+            <a:off x="2099695" y="5274290"/>
+            <a:ext cx="1035796" cy="307777"/>
+          </a:xfrm>
+          <a:prstGeom prst="rect">
+            <a:avLst/>
+          </a:prstGeom>
+          <a:noFill/>
+        </p:spPr>
+        <p:txBody>
+          <a:bodyPr wrap="none" rtlCol="0">
+            <a:spAutoFit/>
+          </a:bodyPr>
+          <a:lstStyle/>
+          <a:p>
+            <a:r>
+              <a:rPr lang="en-AU" sz="1400" b="1" dirty="0" smtClean="0">
+                <a:solidFill>
+                  <a:schemeClr val="accent5">
+                    <a:lumMod val="75000"/>
+                  </a:schemeClr>
+                </a:solidFill>
+              </a:rPr>
+              <a:t>Comments:</a:t>
+            </a:r>
+          </a:p>
+        </p:txBody>
+      </p:sp>
+      <p:sp>
+        <p:nvSpPr>
+          <p:cNvPr id="2" name="TextBox 1"/>
+          <p:cNvSpPr txBox="1"/>
+          <p:nvPr/>
+        </p:nvSpPr>
+        <p:spPr>
+          <a:xfrm>
+            <a:off x="1695743" y="4598524"/>
+            <a:ext cx="3472000" cy="707886"/>
+          </a:xfrm>
+          <a:prstGeom prst="rect">
+            <a:avLst/>
+          </a:prstGeom>
+          <a:noFill/>
+        </p:spPr>
+        <p:txBody>
+          <a:bodyPr wrap="square" rtlCol="0">
+            <a:spAutoFit/>
+          </a:bodyPr>
+          <a:lstStyle/>
+          <a:p>
+            <a:pPr algn="just"/>
+            <a:r>
+              <a:rPr lang="en-AU" sz="1000" dirty="0">
+                <a:solidFill>
+                  <a:schemeClr val="accent5">
+                    <a:lumMod val="75000"/>
+                  </a:schemeClr>
+                </a:solidFill>
+              </a:rPr>
+              <a:t>Lorem Ipsum goes here</a:t>
+            </a:r>
+            <a:r>
+              <a:rPr lang="en-AU" sz="1000" dirty="0" smtClean="0">
+                <a:solidFill>
+                  <a:schemeClr val="accent5">
+                    <a:lumMod val="75000"/>
+                  </a:schemeClr>
+                </a:solidFill>
+              </a:rPr>
+              <a:t>.</a:t>
+            </a:r>
+            <a:r>
+              <a:rPr lang="en-AU" sz="1000" dirty="0">
+                <a:solidFill>
+                  <a:schemeClr val="accent5">
+                    <a:lumMod val="75000"/>
+                  </a:schemeClr>
+                </a:solidFill>
+              </a:rPr>
+              <a:t> Lorem Ipsum goes here. Lorem Ipsum goes here. Lorem Ipsum goes here. Lorem Ipsum goes here. Lorem Ipsum goes here. Lorem Ipsum goes here. Lorem Ipsum goes here. Lorem Ipsum goes here. Lorem Ipsum goes here. </a:t>
+            </a:r>
+          </a:p>
+        </p:txBody>
+      </p:sp>
+      <p:sp>
+        <p:nvSpPr>
+          <p:cNvPr id="52" name="TextBox 51"/>
+          <p:cNvSpPr txBox="1"/>
+          <p:nvPr/>
+        </p:nvSpPr>
+        <p:spPr>
+          <a:xfrm>
+            <a:off x="1715791" y="5491180"/>
+            <a:ext cx="3472000" cy="553998"/>
+          </a:xfrm>
+          <a:prstGeom prst="rect">
+            <a:avLst/>
+          </a:prstGeom>
+          <a:noFill/>
+        </p:spPr>
+        <p:txBody>
+          <a:bodyPr wrap="square" rtlCol="0">
+            <a:spAutoFit/>
+          </a:bodyPr>
+          <a:lstStyle/>
+          <a:p>
+            <a:pPr algn="just"/>
+            <a:r>
+              <a:rPr lang="en-AU" sz="1000" b="1" dirty="0" smtClean="0">
+                <a:solidFill>
+                  <a:schemeClr val="accent5">
+                    <a:lumMod val="75000"/>
+                  </a:schemeClr>
+                </a:solidFill>
+              </a:rPr>
+              <a:t>Student1 Name:</a:t>
+            </a:r>
+          </a:p>
+          <a:p>
+            <a:pPr algn="just"/>
+            <a:r>
+              <a:rPr lang="en-AU" sz="1000" dirty="0" smtClean="0">
+                <a:solidFill>
+                  <a:schemeClr val="accent5">
+                    <a:lumMod val="75000"/>
+                  </a:schemeClr>
+                </a:solidFill>
+              </a:rPr>
+              <a:t>Lorem </a:t>
+            </a:r>
+            <a:r>
+              <a:rPr lang="en-AU" sz="1000" dirty="0">
+                <a:solidFill>
+                  <a:schemeClr val="accent5">
+                    <a:lumMod val="75000"/>
+                  </a:schemeClr>
+                </a:solidFill>
+              </a:rPr>
+              <a:t>Ipsum goes here</a:t>
+            </a:r>
+            <a:r>
+              <a:rPr lang="en-AU" sz="1000" dirty="0" smtClean="0">
+                <a:solidFill>
+                  <a:schemeClr val="accent5">
+                    <a:lumMod val="75000"/>
+                  </a:schemeClr>
+                </a:solidFill>
+              </a:rPr>
+              <a:t>.</a:t>
+            </a:r>
+            <a:r>
+              <a:rPr lang="en-AU" sz="1000" dirty="0">
+                <a:solidFill>
+                  <a:schemeClr val="accent5">
+                    <a:lumMod val="75000"/>
+                  </a:schemeClr>
+                </a:solidFill>
+              </a:rPr>
+              <a:t> Lorem Ipsum goes here. Lorem Ipsum goes here. Lorem Ipsum goes </a:t>
+            </a:r>
+            <a:r>
+              <a:rPr lang="en-AU" sz="1000" dirty="0" smtClean="0">
+                <a:solidFill>
+                  <a:schemeClr val="accent5">
+                    <a:lumMod val="75000"/>
+                  </a:schemeClr>
+                </a:solidFill>
+              </a:rPr>
+              <a:t>here.</a:t>
+            </a:r>
+          </a:p>
+        </p:txBody>
+      </p:sp>
+      <p:sp>
+        <p:nvSpPr>
+          <p:cNvPr id="53" name="5-Point Star 52"/>
+          <p:cNvSpPr/>
+          <p:nvPr/>
+        </p:nvSpPr>
+        <p:spPr>
+          <a:xfrm>
+            <a:off x="4909602" y="5599260"/>
+            <a:ext cx="77979" cy="81295"/>
+          </a:xfrm>
+          <a:prstGeom prst="star5">
+            <a:avLst/>
+          </a:prstGeom>
+          <a:solidFill>
+            <a:srgbClr val="FF0000"/>
+          </a:solidFill>
+          <a:ln>
+            <a:noFill/>
+          </a:ln>
+        </p:spPr>
+        <p:style>
+          <a:lnRef idx="2">
+            <a:schemeClr val="accent1">
+              <a:shade val="50000"/>
+            </a:schemeClr>
+          </a:lnRef>
+          <a:fillRef idx="1">
+            <a:schemeClr val="accent1"/>
+          </a:fillRef>
+          <a:effectRef idx="0">
+            <a:schemeClr val="accent1"/>
+          </a:effectRef>
+          <a:fontRef idx="minor">
+            <a:schemeClr val="lt1"/>
+          </a:fontRef>
+        </p:style>
+        <p:txBody>
+          <a:bodyPr rtlCol="0" anchor="ctr"/>
+          <a:lstStyle/>
+          <a:p>
+            <a:pPr algn="ctr"/>
+            <a:endParaRPr lang="en-AU"/>
+          </a:p>
+        </p:txBody>
+      </p:sp>
+      <p:sp>
+        <p:nvSpPr>
+          <p:cNvPr id="54" name="5-Point Star 53"/>
+          <p:cNvSpPr/>
+          <p:nvPr/>
+        </p:nvSpPr>
+        <p:spPr>
+          <a:xfrm>
+            <a:off x="4986726" y="5599262"/>
+            <a:ext cx="77979" cy="81295"/>
+          </a:xfrm>
+          <a:prstGeom prst="star5">
+            <a:avLst/>
+          </a:prstGeom>
+          <a:solidFill>
+            <a:srgbClr val="FF0000"/>
+          </a:solidFill>
+          <a:ln>
+            <a:noFill/>
+          </a:ln>
+        </p:spPr>
+        <p:style>
+          <a:lnRef idx="2">
+            <a:schemeClr val="accent1">
+              <a:shade val="50000"/>
+            </a:schemeClr>
+          </a:lnRef>
+          <a:fillRef idx="1">
+            <a:schemeClr val="accent1"/>
+          </a:fillRef>
+          <a:effectRef idx="0">
+            <a:schemeClr val="accent1"/>
+          </a:effectRef>
+          <a:fontRef idx="minor">
+            <a:schemeClr val="lt1"/>
+          </a:fontRef>
+        </p:style>
+        <p:txBody>
+          <a:bodyPr rtlCol="0" anchor="ctr"/>
+          <a:lstStyle/>
+          <a:p>
+            <a:pPr algn="ctr"/>
+            <a:endParaRPr lang="en-AU"/>
+          </a:p>
+        </p:txBody>
+      </p:sp>
+      <p:sp>
+        <p:nvSpPr>
+          <p:cNvPr id="57" name="5-Point Star 56"/>
+          <p:cNvSpPr/>
+          <p:nvPr/>
+        </p:nvSpPr>
+        <p:spPr>
+          <a:xfrm>
+            <a:off x="4761210" y="5600951"/>
+            <a:ext cx="77979" cy="81295"/>
+          </a:xfrm>
+          <a:prstGeom prst="star5">
+            <a:avLst/>
+          </a:prstGeom>
+          <a:solidFill>
+            <a:srgbClr val="FF0000"/>
+          </a:solidFill>
+          <a:ln>
+            <a:noFill/>
+          </a:ln>
+        </p:spPr>
+        <p:style>
+          <a:lnRef idx="2">
+            <a:schemeClr val="accent1">
+              <a:shade val="50000"/>
+            </a:schemeClr>
+          </a:lnRef>
+          <a:fillRef idx="1">
+            <a:schemeClr val="accent1"/>
+          </a:fillRef>
+          <a:effectRef idx="0">
+            <a:schemeClr val="accent1"/>
+          </a:effectRef>
+          <a:fontRef idx="minor">
+            <a:schemeClr val="lt1"/>
+          </a:fontRef>
+        </p:style>
+        <p:txBody>
+          <a:bodyPr rtlCol="0" anchor="ctr"/>
+          <a:lstStyle/>
+          <a:p>
+            <a:pPr algn="ctr"/>
+            <a:endParaRPr lang="en-AU"/>
+          </a:p>
+        </p:txBody>
+      </p:sp>
+      <p:sp>
+        <p:nvSpPr>
+          <p:cNvPr id="58" name="5-Point Star 57"/>
+          <p:cNvSpPr/>
+          <p:nvPr/>
+        </p:nvSpPr>
+        <p:spPr>
+          <a:xfrm>
+            <a:off x="4838334" y="5600953"/>
+            <a:ext cx="77979" cy="81295"/>
+          </a:xfrm>
+          <a:prstGeom prst="star5">
+            <a:avLst/>
+          </a:prstGeom>
+          <a:solidFill>
+            <a:srgbClr val="FF0000"/>
+          </a:solidFill>
+          <a:ln>
+            <a:noFill/>
+          </a:ln>
+        </p:spPr>
+        <p:style>
+          <a:lnRef idx="2">
+            <a:schemeClr val="accent1">
+              <a:shade val="50000"/>
+            </a:schemeClr>
+          </a:lnRef>
+          <a:fillRef idx="1">
+            <a:schemeClr val="accent1"/>
+          </a:fillRef>
+          <a:effectRef idx="0">
+            <a:schemeClr val="accent1"/>
+          </a:effectRef>
+          <a:fontRef idx="minor">
+            <a:schemeClr val="lt1"/>
+          </a:fontRef>
+        </p:style>
+        <p:txBody>
+          <a:bodyPr rtlCol="0" anchor="ctr"/>
+          <a:lstStyle/>
+          <a:p>
+            <a:pPr algn="ctr"/>
+            <a:endParaRPr lang="en-AU"/>
+          </a:p>
+        </p:txBody>
+      </p:sp>
+      <p:sp>
+        <p:nvSpPr>
+          <p:cNvPr id="60" name="TextBox 59"/>
+          <p:cNvSpPr txBox="1"/>
+          <p:nvPr/>
+        </p:nvSpPr>
+        <p:spPr>
+          <a:xfrm>
+            <a:off x="1724973" y="5985102"/>
+            <a:ext cx="3472000" cy="553998"/>
+          </a:xfrm>
+          <a:prstGeom prst="rect">
+            <a:avLst/>
+          </a:prstGeom>
+          <a:noFill/>
+        </p:spPr>
+        <p:txBody>
+          <a:bodyPr wrap="square" rtlCol="0">
+            <a:spAutoFit/>
+          </a:bodyPr>
+          <a:lstStyle/>
+          <a:p>
+            <a:pPr algn="just"/>
+            <a:r>
+              <a:rPr lang="en-AU" sz="1000" b="1" dirty="0" smtClean="0">
+                <a:solidFill>
+                  <a:schemeClr val="accent5">
+                    <a:lumMod val="75000"/>
+                  </a:schemeClr>
+                </a:solidFill>
+              </a:rPr>
+              <a:t>Student2 Name:</a:t>
+            </a:r>
+          </a:p>
+          <a:p>
+            <a:pPr algn="just"/>
+            <a:r>
+              <a:rPr lang="en-AU" sz="1000" dirty="0" smtClean="0">
+                <a:solidFill>
+                  <a:schemeClr val="accent5">
+                    <a:lumMod val="75000"/>
+                  </a:schemeClr>
+                </a:solidFill>
+              </a:rPr>
+              <a:t>Lorem </a:t>
+            </a:r>
+            <a:r>
+              <a:rPr lang="en-AU" sz="1000" dirty="0">
+                <a:solidFill>
+                  <a:schemeClr val="accent5">
+                    <a:lumMod val="75000"/>
+                  </a:schemeClr>
+                </a:solidFill>
+              </a:rPr>
+              <a:t>Ipsum goes here</a:t>
+            </a:r>
+            <a:r>
+              <a:rPr lang="en-AU" sz="1000" dirty="0" smtClean="0">
+                <a:solidFill>
+                  <a:schemeClr val="accent5">
+                    <a:lumMod val="75000"/>
+                  </a:schemeClr>
+                </a:solidFill>
+              </a:rPr>
+              <a:t>.</a:t>
+            </a:r>
+            <a:r>
+              <a:rPr lang="en-AU" sz="1000" dirty="0">
+                <a:solidFill>
+                  <a:schemeClr val="accent5">
+                    <a:lumMod val="75000"/>
+                  </a:schemeClr>
+                </a:solidFill>
+              </a:rPr>
+              <a:t> Lorem Ipsum goes here. Lorem Ipsum goes here. Lorem Ipsum goes </a:t>
+            </a:r>
+            <a:r>
+              <a:rPr lang="en-AU" sz="1000" dirty="0" smtClean="0">
+                <a:solidFill>
+                  <a:schemeClr val="accent5">
+                    <a:lumMod val="75000"/>
+                  </a:schemeClr>
+                </a:solidFill>
+              </a:rPr>
+              <a:t>here.</a:t>
+            </a:r>
+          </a:p>
+        </p:txBody>
+      </p:sp>
+      <p:sp>
+        <p:nvSpPr>
+          <p:cNvPr id="61" name="5-Point Star 60"/>
+          <p:cNvSpPr/>
+          <p:nvPr/>
+        </p:nvSpPr>
+        <p:spPr>
+          <a:xfrm>
+            <a:off x="4918784" y="6093182"/>
+            <a:ext cx="77979" cy="81295"/>
+          </a:xfrm>
+          <a:prstGeom prst="star5">
+            <a:avLst/>
+          </a:prstGeom>
+          <a:solidFill>
+            <a:srgbClr val="FF0000"/>
+          </a:solidFill>
+          <a:ln>
+            <a:noFill/>
+          </a:ln>
+        </p:spPr>
+        <p:style>
+          <a:lnRef idx="2">
+            <a:schemeClr val="accent1">
+              <a:shade val="50000"/>
+            </a:schemeClr>
+          </a:lnRef>
+          <a:fillRef idx="1">
+            <a:schemeClr val="accent1"/>
+          </a:fillRef>
+          <a:effectRef idx="0">
+            <a:schemeClr val="accent1"/>
+          </a:effectRef>
+          <a:fontRef idx="minor">
+            <a:schemeClr val="lt1"/>
+          </a:fontRef>
+        </p:style>
+        <p:txBody>
+          <a:bodyPr rtlCol="0" anchor="ctr"/>
+          <a:lstStyle/>
+          <a:p>
+            <a:pPr algn="ctr"/>
+            <a:endParaRPr lang="en-AU"/>
+          </a:p>
+        </p:txBody>
+      </p:sp>
+      <p:sp>
+        <p:nvSpPr>
+          <p:cNvPr id="62" name="5-Point Star 61"/>
+          <p:cNvSpPr/>
+          <p:nvPr/>
+        </p:nvSpPr>
+        <p:spPr>
+          <a:xfrm>
+            <a:off x="4995908" y="6093184"/>
+            <a:ext cx="77979" cy="81295"/>
+          </a:xfrm>
+          <a:prstGeom prst="star5">
+            <a:avLst/>
+          </a:prstGeom>
+          <a:solidFill>
+            <a:srgbClr val="FF0000"/>
+          </a:solidFill>
+          <a:ln>
+            <a:noFill/>
+          </a:ln>
+        </p:spPr>
+        <p:style>
+          <a:lnRef idx="2">
+            <a:schemeClr val="accent1">
+              <a:shade val="50000"/>
+            </a:schemeClr>
+          </a:lnRef>
+          <a:fillRef idx="1">
+            <a:schemeClr val="accent1"/>
+          </a:fillRef>
+          <a:effectRef idx="0">
+            <a:schemeClr val="accent1"/>
+          </a:effectRef>
+          <a:fontRef idx="minor">
+            <a:schemeClr val="lt1"/>
+          </a:fontRef>
+        </p:style>
+        <p:txBody>
+          <a:bodyPr rtlCol="0" anchor="ctr"/>
+          <a:lstStyle/>
+          <a:p>
+            <a:pPr algn="ctr"/>
+            <a:endParaRPr lang="en-AU"/>
+          </a:p>
+        </p:txBody>
+      </p:sp>
+      <p:sp>
+        <p:nvSpPr>
+          <p:cNvPr id="65" name="5-Point Star 64"/>
+          <p:cNvSpPr/>
+          <p:nvPr/>
+        </p:nvSpPr>
+        <p:spPr>
+          <a:xfrm>
+            <a:off x="4847516" y="6081227"/>
+            <a:ext cx="77979" cy="81295"/>
+          </a:xfrm>
+          <a:prstGeom prst="star5">
+            <a:avLst/>
+          </a:prstGeom>
+          <a:solidFill>
+            <a:srgbClr val="FF0000"/>
+          </a:solidFill>
+          <a:ln>
+            <a:noFill/>
+          </a:ln>
+        </p:spPr>
+        <p:style>
+          <a:lnRef idx="2">
+            <a:schemeClr val="accent1">
+              <a:shade val="50000"/>
+            </a:schemeClr>
+          </a:lnRef>
+          <a:fillRef idx="1">
+            <a:schemeClr val="accent1"/>
+          </a:fillRef>
+          <a:effectRef idx="0">
+            <a:schemeClr val="accent1"/>
+          </a:effectRef>
+          <a:fontRef idx="minor">
+            <a:schemeClr val="lt1"/>
+          </a:fontRef>
+        </p:style>
+        <p:txBody>
+          <a:bodyPr rtlCol="0" anchor="ctr"/>
+          <a:lstStyle/>
+          <a:p>
+            <a:pPr algn="ctr"/>
+            <a:endParaRPr lang="en-AU"/>
+          </a:p>
+        </p:txBody>
+      </p:sp>
+      <p:sp>
+        <p:nvSpPr>
+          <p:cNvPr id="11" name="Rectangle 10"/>
+          <p:cNvSpPr/>
+          <p:nvPr/>
+        </p:nvSpPr>
+        <p:spPr>
+          <a:xfrm>
+            <a:off x="1685437" y="6311741"/>
+            <a:ext cx="3536642" cy="196199"/>
+          </a:xfrm>
+          <a:prstGeom prst="rect">
+            <a:avLst/>
+          </a:prstGeom>
+          <a:solidFill>
+            <a:schemeClr val="bg1"/>
+          </a:solidFill>
+          <a:ln>
+            <a:noFill/>
+          </a:ln>
+        </p:spPr>
+        <p:style>
+          <a:lnRef idx="2">
+            <a:schemeClr val="accent1">
+              <a:shade val="50000"/>
+            </a:schemeClr>
+          </a:lnRef>
+          <a:fillRef idx="1">
+            <a:schemeClr val="accent1"/>
+          </a:fillRef>
+          <a:effectRef idx="0">
+            <a:schemeClr val="accent1"/>
+          </a:effectRef>
+          <a:fontRef idx="minor">
+            <a:schemeClr val="lt1"/>
+          </a:fontRef>
+        </p:style>
+        <p:txBody>
+          <a:bodyPr rtlCol="0" anchor="ctr"/>
+          <a:lstStyle/>
+          <a:p>
+            <a:pPr algn="ctr"/>
+            <a:endParaRPr lang="en-AU"/>
+          </a:p>
+        </p:txBody>
+      </p:sp>
+      <p:sp>
+        <p:nvSpPr>
+          <p:cNvPr id="6" name="Isosceles Triangle 5"/>
+          <p:cNvSpPr/>
+          <p:nvPr/>
+        </p:nvSpPr>
+        <p:spPr>
+          <a:xfrm rot="16200000">
+            <a:off x="2306010" y="6383601"/>
+            <a:ext cx="219758" cy="168185"/>
+          </a:xfrm>
+          <a:prstGeom prst="triangle">
+            <a:avLst/>
+          </a:prstGeom>
+        </p:spPr>
+        <p:style>
+          <a:lnRef idx="2">
+            <a:schemeClr val="accent1">
+              <a:shade val="50000"/>
+            </a:schemeClr>
+          </a:lnRef>
+          <a:fillRef idx="1">
+            <a:schemeClr val="accent1"/>
+          </a:fillRef>
+          <a:effectRef idx="0">
+            <a:schemeClr val="accent1"/>
+          </a:effectRef>
+          <a:fontRef idx="minor">
+            <a:schemeClr val="lt1"/>
+          </a:fontRef>
+        </p:style>
+        <p:txBody>
+          <a:bodyPr rtlCol="0" anchor="ctr"/>
+          <a:lstStyle/>
+          <a:p>
+            <a:pPr algn="ctr"/>
+            <a:endParaRPr lang="en-AU"/>
+          </a:p>
+        </p:txBody>
+      </p:sp>
+      <p:sp>
+        <p:nvSpPr>
+          <p:cNvPr id="7" name="Rectangle 6"/>
+          <p:cNvSpPr/>
+          <p:nvPr/>
+        </p:nvSpPr>
+        <p:spPr>
+          <a:xfrm>
+            <a:off x="4391897" y="6348388"/>
+            <a:ext cx="205652" cy="211398"/>
+          </a:xfrm>
+          <a:prstGeom prst="rect">
+            <a:avLst/>
+          </a:prstGeom>
+        </p:spPr>
+        <p:style>
+          <a:lnRef idx="2">
+            <a:schemeClr val="accent1">
+              <a:shade val="50000"/>
+            </a:schemeClr>
+          </a:lnRef>
+          <a:fillRef idx="1">
+            <a:schemeClr val="accent1"/>
+          </a:fillRef>
+          <a:effectRef idx="0">
+            <a:schemeClr val="accent1"/>
+          </a:effectRef>
+          <a:fontRef idx="minor">
+            <a:schemeClr val="lt1"/>
+          </a:fontRef>
+        </p:style>
+        <p:txBody>
+          <a:bodyPr rtlCol="0" anchor="ctr"/>
+          <a:lstStyle/>
+          <a:p>
+            <a:pPr algn="ctr"/>
+            <a:endParaRPr lang="en-AU"/>
+          </a:p>
+        </p:txBody>
+      </p:sp>
+      <p:cxnSp>
+        <p:nvCxnSpPr>
+          <p:cNvPr id="10" name="Straight Connector 9"/>
+          <p:cNvCxnSpPr/>
+          <p:nvPr/>
+        </p:nvCxnSpPr>
+        <p:spPr>
+          <a:xfrm>
+            <a:off x="3316406" y="6387740"/>
+            <a:ext cx="218364" cy="0"/>
+          </a:xfrm>
+          <a:prstGeom prst="line">
+            <a:avLst/>
+          </a:prstGeom>
+          <a:ln w="25400"/>
+        </p:spPr>
+        <p:style>
+          <a:lnRef idx="1">
+            <a:schemeClr val="accent1"/>
+          </a:lnRef>
+          <a:fillRef idx="0">
+            <a:schemeClr val="accent1"/>
+          </a:fillRef>
+          <a:effectRef idx="0">
+            <a:schemeClr val="accent1"/>
+          </a:effectRef>
+          <a:fontRef idx="minor">
+            <a:schemeClr val="tx1"/>
+          </a:fontRef>
+        </p:style>
+      </p:cxnSp>
+      <p:cxnSp>
+        <p:nvCxnSpPr>
+          <p:cNvPr id="39" name="Straight Connector 38"/>
+          <p:cNvCxnSpPr/>
+          <p:nvPr/>
+        </p:nvCxnSpPr>
+        <p:spPr>
+          <a:xfrm>
+            <a:off x="3318680" y="6473492"/>
+            <a:ext cx="218364" cy="0"/>
+          </a:xfrm>
+          <a:prstGeom prst="line">
+            <a:avLst/>
+          </a:prstGeom>
+          <a:ln w="25400"/>
+        </p:spPr>
+        <p:style>
+          <a:lnRef idx="1">
+            <a:schemeClr val="accent1"/>
+          </a:lnRef>
+          <a:fillRef idx="0">
+            <a:schemeClr val="accent1"/>
+          </a:fillRef>
+          <a:effectRef idx="0">
+            <a:schemeClr val="accent1"/>
+          </a:effectRef>
+          <a:fontRef idx="minor">
+            <a:schemeClr val="tx1"/>
+          </a:fontRef>
+        </p:style>
+      </p:cxnSp>
+      <p:cxnSp>
+        <p:nvCxnSpPr>
+          <p:cNvPr id="41" name="Straight Connector 40"/>
+          <p:cNvCxnSpPr/>
+          <p:nvPr/>
+        </p:nvCxnSpPr>
+        <p:spPr>
+          <a:xfrm>
+            <a:off x="3320954" y="6557652"/>
+            <a:ext cx="218364" cy="0"/>
+          </a:xfrm>
+          <a:prstGeom prst="line">
+            <a:avLst/>
+          </a:prstGeom>
+          <a:ln w="25400"/>
+        </p:spPr>
+        <p:style>
+          <a:lnRef idx="1">
+            <a:schemeClr val="accent1"/>
+          </a:lnRef>
+          <a:fillRef idx="0">
+            <a:schemeClr val="accent1"/>
+          </a:fillRef>
+          <a:effectRef idx="0">
+            <a:schemeClr val="accent1"/>
+          </a:effectRef>
+          <a:fontRef idx="minor">
+            <a:schemeClr val="tx1"/>
+          </a:fontRef>
+        </p:style>
+      </p:cxnSp>
+      <p:cxnSp>
+        <p:nvCxnSpPr>
+          <p:cNvPr id="13" name="Straight Connector 12"/>
+          <p:cNvCxnSpPr/>
+          <p:nvPr/>
+        </p:nvCxnSpPr>
+        <p:spPr>
+          <a:xfrm flipH="1">
+            <a:off x="5175839" y="4451174"/>
+            <a:ext cx="7156" cy="1846919"/>
+          </a:xfrm>
+          <a:prstGeom prst="line">
+            <a:avLst/>
+          </a:prstGeom>
+          <a:ln w="25400">
+            <a:solidFill>
+              <a:schemeClr val="accent3">
+                <a:lumMod val="75000"/>
+              </a:schemeClr>
+            </a:solidFill>
+          </a:ln>
+        </p:spPr>
+        <p:style>
+          <a:lnRef idx="1">
+            <a:schemeClr val="accent1"/>
+          </a:lnRef>
+          <a:fillRef idx="0">
+            <a:schemeClr val="accent1"/>
+          </a:fillRef>
+          <a:effectRef idx="0">
+            <a:schemeClr val="accent1"/>
+          </a:effectRef>
+          <a:fontRef idx="minor">
+            <a:schemeClr val="tx1"/>
+          </a:fontRef>
+        </p:style>
+      </p:cxnSp>
+      <p:cxnSp>
+        <p:nvCxnSpPr>
+          <p:cNvPr id="69" name="Straight Connector 68"/>
+          <p:cNvCxnSpPr/>
+          <p:nvPr/>
+        </p:nvCxnSpPr>
+        <p:spPr>
+          <a:xfrm>
+            <a:off x="5165130" y="4452473"/>
+            <a:ext cx="5" cy="682949"/>
+          </a:xfrm>
+          <a:prstGeom prst="line">
+            <a:avLst/>
+          </a:prstGeom>
+          <a:ln w="25400">
+            <a:solidFill>
+              <a:schemeClr val="accent3">
+                <a:lumMod val="40000"/>
+                <a:lumOff val="60000"/>
+              </a:schemeClr>
+            </a:solidFill>
+          </a:ln>
+        </p:spPr>
+        <p:style>
+          <a:lnRef idx="1">
+            <a:schemeClr val="accent1"/>
+          </a:lnRef>
+          <a:fillRef idx="0">
+            <a:schemeClr val="accent1"/>
+          </a:fillRef>
+          <a:effectRef idx="0">
+            <a:schemeClr val="accent1"/>
+          </a:effectRef>
+          <a:fontRef idx="minor">
+            <a:schemeClr val="tx1"/>
+          </a:fontRef>
+        </p:style>
+      </p:cxnSp>
+      <p:sp>
+        <p:nvSpPr>
+          <p:cNvPr id="70" name="Rounded Rectangle 69"/>
+          <p:cNvSpPr/>
+          <p:nvPr/>
+        </p:nvSpPr>
+        <p:spPr>
+          <a:xfrm>
+            <a:off x="1693220" y="3884373"/>
+            <a:ext cx="3500859" cy="406627"/>
+          </a:xfrm>
+          <a:prstGeom prst="roundRect">
+            <a:avLst>
+              <a:gd name="adj" fmla="val 7576"/>
+            </a:avLst>
+          </a:prstGeom>
+          <a:solidFill>
+            <a:schemeClr val="accent5">
+              <a:lumMod val="60000"/>
+              <a:lumOff val="40000"/>
+            </a:schemeClr>
+          </a:solidFill>
+          <a:ln>
+            <a:noFill/>
+          </a:ln>
+        </p:spPr>
+        <p:style>
+          <a:lnRef idx="2">
+            <a:schemeClr val="accent1">
+              <a:shade val="50000"/>
+            </a:schemeClr>
+          </a:lnRef>
+          <a:fillRef idx="1">
+            <a:schemeClr val="accent1"/>
+          </a:fillRef>
+          <a:effectRef idx="0">
+            <a:schemeClr val="accent1"/>
+          </a:effectRef>
+          <a:fontRef idx="minor">
+            <a:schemeClr val="lt1"/>
+          </a:fontRef>
+        </p:style>
+        <p:txBody>
+          <a:bodyPr rtlCol="0" anchor="ctr"/>
+          <a:lstStyle/>
+          <a:p>
+            <a:pPr algn="ctr"/>
+            <a:r>
+              <a:rPr lang="en-AU" b="1" dirty="0" smtClean="0"/>
+              <a:t>ADD TO CART          </a:t>
+            </a:r>
+            <a:endParaRPr lang="en-AU" b="1" dirty="0" smtClean="0"/>
+          </a:p>
+        </p:txBody>
+      </p:sp>
+      <p:sp>
+        <p:nvSpPr>
+          <p:cNvPr id="71" name="Oval 70"/>
+          <p:cNvSpPr/>
+          <p:nvPr/>
+        </p:nvSpPr>
+        <p:spPr>
+          <a:xfrm>
+            <a:off x="4192278" y="3916175"/>
+            <a:ext cx="329857" cy="346235"/>
+          </a:xfrm>
+          <a:prstGeom prst="ellipse">
+            <a:avLst/>
+          </a:prstGeom>
+          <a:ln>
+            <a:solidFill>
+              <a:schemeClr val="accent5">
+                <a:lumMod val="75000"/>
+              </a:schemeClr>
+            </a:solidFill>
+          </a:ln>
+        </p:spPr>
+        <p:style>
+          <a:lnRef idx="2">
+            <a:schemeClr val="accent1">
+              <a:shade val="50000"/>
+            </a:schemeClr>
+          </a:lnRef>
+          <a:fillRef idx="1">
+            <a:schemeClr val="accent1"/>
+          </a:fillRef>
+          <a:effectRef idx="0">
+            <a:schemeClr val="accent1"/>
+          </a:effectRef>
+          <a:fontRef idx="minor">
+            <a:schemeClr val="lt1"/>
+          </a:fontRef>
+        </p:style>
+        <p:txBody>
+          <a:bodyPr rtlCol="0" anchor="ctr"/>
+          <a:lstStyle/>
+          <a:p>
+            <a:pPr algn="ctr"/>
+            <a:endParaRPr lang="en-AU"/>
+          </a:p>
+        </p:txBody>
+      </p:sp>
+      <p:sp>
+        <p:nvSpPr>
+          <p:cNvPr id="75" name="Trapezoid 74"/>
+          <p:cNvSpPr/>
+          <p:nvPr/>
+        </p:nvSpPr>
+        <p:spPr>
+          <a:xfrm flipV="1">
+            <a:off x="4250901" y="4029854"/>
+            <a:ext cx="177117" cy="88714"/>
+          </a:xfrm>
+          <a:prstGeom prst="trapezoid">
+            <a:avLst/>
+          </a:prstGeom>
+          <a:noFill/>
+          <a:ln w="25400">
+            <a:solidFill>
+              <a:schemeClr val="accent5">
+                <a:lumMod val="75000"/>
+              </a:schemeClr>
+            </a:solidFill>
+          </a:ln>
+        </p:spPr>
+        <p:style>
+          <a:lnRef idx="2">
+            <a:schemeClr val="accent1">
+              <a:shade val="50000"/>
+            </a:schemeClr>
+          </a:lnRef>
+          <a:fillRef idx="1">
+            <a:schemeClr val="accent1"/>
+          </a:fillRef>
+          <a:effectRef idx="0">
+            <a:schemeClr val="accent1"/>
+          </a:effectRef>
+          <a:fontRef idx="minor">
+            <a:schemeClr val="lt1"/>
+          </a:fontRef>
+        </p:style>
+        <p:txBody>
+          <a:bodyPr rtlCol="0" anchor="ctr"/>
+          <a:lstStyle/>
+          <a:p>
+            <a:pPr algn="ctr"/>
+            <a:endParaRPr lang="en-AU"/>
+          </a:p>
+        </p:txBody>
+      </p:sp>
+      <p:cxnSp>
+        <p:nvCxnSpPr>
+          <p:cNvPr id="85" name="Straight Connector 84"/>
+          <p:cNvCxnSpPr/>
+          <p:nvPr/>
+        </p:nvCxnSpPr>
+        <p:spPr>
+          <a:xfrm flipV="1">
+            <a:off x="4428154" y="4013811"/>
+            <a:ext cx="51356" cy="28942"/>
+          </a:xfrm>
+          <a:prstGeom prst="line">
+            <a:avLst/>
+          </a:prstGeom>
+          <a:noFill/>
+          <a:ln w="25400">
+            <a:solidFill>
+              <a:schemeClr val="accent5">
+                <a:lumMod val="75000"/>
+              </a:schemeClr>
+            </a:solidFill>
+          </a:ln>
+        </p:spPr>
+        <p:style>
+          <a:lnRef idx="2">
+            <a:schemeClr val="accent1">
+              <a:shade val="50000"/>
+            </a:schemeClr>
+          </a:lnRef>
+          <a:fillRef idx="1">
+            <a:schemeClr val="accent1"/>
+          </a:fillRef>
+          <a:effectRef idx="0">
+            <a:schemeClr val="accent1"/>
+          </a:effectRef>
+          <a:fontRef idx="minor">
+            <a:schemeClr val="lt1"/>
+          </a:fontRef>
+        </p:style>
+      </p:cxnSp>
+      <p:sp>
+        <p:nvSpPr>
+          <p:cNvPr id="86" name="Oval 85"/>
+          <p:cNvSpPr/>
+          <p:nvPr/>
+        </p:nvSpPr>
+        <p:spPr>
+          <a:xfrm>
+            <a:off x="4268875" y="4132384"/>
+            <a:ext cx="45919" cy="55104"/>
+          </a:xfrm>
+          <a:prstGeom prst="ellipse">
+            <a:avLst/>
+          </a:prstGeom>
+          <a:noFill/>
+          <a:ln w="25400">
+            <a:solidFill>
+              <a:schemeClr val="accent5">
+                <a:lumMod val="75000"/>
+              </a:schemeClr>
+            </a:solidFill>
+          </a:ln>
+        </p:spPr>
+        <p:style>
+          <a:lnRef idx="2">
+            <a:schemeClr val="accent1">
+              <a:shade val="50000"/>
+            </a:schemeClr>
+          </a:lnRef>
+          <a:fillRef idx="1">
+            <a:schemeClr val="accent1"/>
+          </a:fillRef>
+          <a:effectRef idx="0">
+            <a:schemeClr val="accent1"/>
+          </a:effectRef>
+          <a:fontRef idx="minor">
+            <a:schemeClr val="lt1"/>
+          </a:fontRef>
+        </p:style>
+        <p:txBody>
+          <a:bodyPr rtlCol="0" anchor="ctr"/>
+          <a:lstStyle/>
+          <a:p>
+            <a:pPr algn="ctr"/>
+            <a:endParaRPr lang="en-AU"/>
+          </a:p>
+        </p:txBody>
+      </p:sp>
+      <p:sp>
+        <p:nvSpPr>
+          <p:cNvPr id="90" name="Oval 89"/>
+          <p:cNvSpPr/>
+          <p:nvPr/>
+        </p:nvSpPr>
+        <p:spPr>
+          <a:xfrm>
+            <a:off x="4368874" y="4132384"/>
+            <a:ext cx="45919" cy="55104"/>
+          </a:xfrm>
+          <a:prstGeom prst="ellipse">
+            <a:avLst/>
+          </a:prstGeom>
+          <a:noFill/>
+          <a:ln w="25400">
+            <a:solidFill>
+              <a:schemeClr val="accent5">
+                <a:lumMod val="75000"/>
+              </a:schemeClr>
+            </a:solidFill>
+          </a:ln>
+        </p:spPr>
+        <p:style>
+          <a:lnRef idx="2">
+            <a:schemeClr val="accent1">
+              <a:shade val="50000"/>
+            </a:schemeClr>
+          </a:lnRef>
+          <a:fillRef idx="1">
+            <a:schemeClr val="accent1"/>
+          </a:fillRef>
+          <a:effectRef idx="0">
+            <a:schemeClr val="accent1"/>
+          </a:effectRef>
+          <a:fontRef idx="minor">
+            <a:schemeClr val="lt1"/>
+          </a:fontRef>
+        </p:style>
+        <p:txBody>
+          <a:bodyPr rtlCol="0" anchor="ctr"/>
+          <a:lstStyle/>
+          <a:p>
+            <a:pPr algn="ctr"/>
+            <a:endParaRPr lang="en-AU"/>
+          </a:p>
+        </p:txBody>
+      </p:sp>
+      <p:cxnSp>
+        <p:nvCxnSpPr>
+          <p:cNvPr id="91" name="Straight Connector 90"/>
+          <p:cNvCxnSpPr>
+            <a:stCxn id="75" idx="1"/>
+            <a:endCxn id="75" idx="3"/>
+          </p:cNvCxnSpPr>
+          <p:nvPr/>
+        </p:nvCxnSpPr>
+        <p:spPr>
+          <a:xfrm>
+            <a:off x="4269032" y="4074211"/>
+            <a:ext cx="140854" cy="0"/>
+          </a:xfrm>
+          <a:prstGeom prst="line">
+            <a:avLst/>
+          </a:prstGeom>
+          <a:noFill/>
+          <a:ln w="25400">
+            <a:solidFill>
+              <a:schemeClr val="accent5">
+                <a:lumMod val="75000"/>
+              </a:schemeClr>
+            </a:solidFill>
+          </a:ln>
+        </p:spPr>
+        <p:style>
+          <a:lnRef idx="2">
+            <a:schemeClr val="accent1">
+              <a:shade val="50000"/>
+            </a:schemeClr>
+          </a:lnRef>
+          <a:fillRef idx="1">
+            <a:schemeClr val="accent1"/>
+          </a:fillRef>
+          <a:effectRef idx="0">
+            <a:schemeClr val="accent1"/>
+          </a:effectRef>
+          <a:fontRef idx="minor">
+            <a:schemeClr val="lt1"/>
+          </a:fontRef>
+        </p:style>
+      </p:cxnSp>
+      <p:cxnSp>
+        <p:nvCxnSpPr>
+          <p:cNvPr id="92" name="Straight Connector 91"/>
+          <p:cNvCxnSpPr>
+            <a:stCxn id="75" idx="2"/>
+            <a:endCxn id="75" idx="0"/>
+          </p:cNvCxnSpPr>
+          <p:nvPr/>
+        </p:nvCxnSpPr>
+        <p:spPr>
+          <a:xfrm>
+            <a:off x="4339460" y="4029854"/>
+            <a:ext cx="0" cy="88714"/>
+          </a:xfrm>
+          <a:prstGeom prst="line">
+            <a:avLst/>
+          </a:prstGeom>
+          <a:noFill/>
+          <a:ln w="25400">
+            <a:solidFill>
+              <a:schemeClr val="accent5">
+                <a:lumMod val="75000"/>
+              </a:schemeClr>
+            </a:solidFill>
+          </a:ln>
+        </p:spPr>
+        <p:style>
+          <a:lnRef idx="2">
+            <a:schemeClr val="accent1">
+              <a:shade val="50000"/>
+            </a:schemeClr>
+          </a:lnRef>
+          <a:fillRef idx="1">
+            <a:schemeClr val="accent1"/>
+          </a:fillRef>
+          <a:effectRef idx="0">
+            <a:schemeClr val="accent1"/>
+          </a:effectRef>
+          <a:fontRef idx="minor">
+            <a:schemeClr val="lt1"/>
+          </a:fontRef>
+        </p:style>
+      </p:cxnSp>
+      <p:sp>
+        <p:nvSpPr>
+          <p:cNvPr id="96" name="Oval 95"/>
+          <p:cNvSpPr/>
+          <p:nvPr/>
+        </p:nvSpPr>
+        <p:spPr>
+          <a:xfrm>
+            <a:off x="2377093" y="3908155"/>
+            <a:ext cx="329857" cy="346235"/>
+          </a:xfrm>
+          <a:prstGeom prst="ellipse">
+            <a:avLst/>
+          </a:prstGeom>
+          <a:ln>
+            <a:solidFill>
+              <a:schemeClr val="accent5">
+                <a:lumMod val="75000"/>
+              </a:schemeClr>
+            </a:solidFill>
+          </a:ln>
+        </p:spPr>
+        <p:style>
+          <a:lnRef idx="2">
+            <a:schemeClr val="accent1">
+              <a:shade val="50000"/>
+            </a:schemeClr>
+          </a:lnRef>
+          <a:fillRef idx="1">
+            <a:schemeClr val="accent1"/>
+          </a:fillRef>
+          <a:effectRef idx="0">
+            <a:schemeClr val="accent1"/>
+          </a:effectRef>
+          <a:fontRef idx="minor">
+            <a:schemeClr val="lt1"/>
+          </a:fontRef>
+        </p:style>
+        <p:txBody>
+          <a:bodyPr rtlCol="0" anchor="ctr"/>
+          <a:lstStyle/>
+          <a:p>
+            <a:pPr algn="ctr"/>
+            <a:endParaRPr lang="en-AU"/>
+          </a:p>
+        </p:txBody>
+      </p:sp>
+      <p:sp>
+        <p:nvSpPr>
+          <p:cNvPr id="97" name="Trapezoid 96"/>
+          <p:cNvSpPr/>
+          <p:nvPr/>
+        </p:nvSpPr>
+        <p:spPr>
+          <a:xfrm flipV="1">
+            <a:off x="2435716" y="4021834"/>
+            <a:ext cx="177117" cy="88714"/>
+          </a:xfrm>
+          <a:prstGeom prst="trapezoid">
+            <a:avLst/>
+          </a:prstGeom>
+          <a:noFill/>
+          <a:ln w="25400">
+            <a:solidFill>
+              <a:schemeClr val="accent5">
+                <a:lumMod val="75000"/>
+              </a:schemeClr>
+            </a:solidFill>
+          </a:ln>
+        </p:spPr>
+        <p:style>
+          <a:lnRef idx="2">
+            <a:schemeClr val="accent1">
+              <a:shade val="50000"/>
+            </a:schemeClr>
+          </a:lnRef>
+          <a:fillRef idx="1">
+            <a:schemeClr val="accent1"/>
+          </a:fillRef>
+          <a:effectRef idx="0">
+            <a:schemeClr val="accent1"/>
+          </a:effectRef>
+          <a:fontRef idx="minor">
+            <a:schemeClr val="lt1"/>
+          </a:fontRef>
+        </p:style>
+        <p:txBody>
+          <a:bodyPr rtlCol="0" anchor="ctr"/>
+          <a:lstStyle/>
+          <a:p>
+            <a:pPr algn="ctr"/>
+            <a:endParaRPr lang="en-AU"/>
+          </a:p>
+        </p:txBody>
+      </p:sp>
+      <p:cxnSp>
+        <p:nvCxnSpPr>
+          <p:cNvPr id="98" name="Straight Connector 97"/>
+          <p:cNvCxnSpPr/>
+          <p:nvPr/>
+        </p:nvCxnSpPr>
+        <p:spPr>
+          <a:xfrm flipV="1">
+            <a:off x="2612969" y="4005791"/>
+            <a:ext cx="51356" cy="28942"/>
+          </a:xfrm>
+          <a:prstGeom prst="line">
+            <a:avLst/>
+          </a:prstGeom>
+          <a:noFill/>
+          <a:ln w="25400">
+            <a:solidFill>
+              <a:schemeClr val="accent5">
+                <a:lumMod val="75000"/>
+              </a:schemeClr>
+            </a:solidFill>
+          </a:ln>
+        </p:spPr>
+        <p:style>
+          <a:lnRef idx="2">
+            <a:schemeClr val="accent1">
+              <a:shade val="50000"/>
+            </a:schemeClr>
+          </a:lnRef>
+          <a:fillRef idx="1">
+            <a:schemeClr val="accent1"/>
+          </a:fillRef>
+          <a:effectRef idx="0">
+            <a:schemeClr val="accent1"/>
+          </a:effectRef>
+          <a:fontRef idx="minor">
+            <a:schemeClr val="lt1"/>
+          </a:fontRef>
+        </p:style>
+      </p:cxnSp>
+      <p:sp>
+        <p:nvSpPr>
+          <p:cNvPr id="99" name="Oval 98"/>
+          <p:cNvSpPr/>
+          <p:nvPr/>
+        </p:nvSpPr>
+        <p:spPr>
+          <a:xfrm>
+            <a:off x="2453690" y="4124364"/>
+            <a:ext cx="45919" cy="55104"/>
+          </a:xfrm>
+          <a:prstGeom prst="ellipse">
+            <a:avLst/>
+          </a:prstGeom>
+          <a:noFill/>
+          <a:ln w="25400">
+            <a:solidFill>
+              <a:schemeClr val="accent5">
+                <a:lumMod val="75000"/>
+              </a:schemeClr>
+            </a:solidFill>
+          </a:ln>
+        </p:spPr>
+        <p:style>
+          <a:lnRef idx="2">
+            <a:schemeClr val="accent1">
+              <a:shade val="50000"/>
+            </a:schemeClr>
+          </a:lnRef>
+          <a:fillRef idx="1">
+            <a:schemeClr val="accent1"/>
+          </a:fillRef>
+          <a:effectRef idx="0">
+            <a:schemeClr val="accent1"/>
+          </a:effectRef>
+          <a:fontRef idx="minor">
+            <a:schemeClr val="lt1"/>
+          </a:fontRef>
+        </p:style>
+        <p:txBody>
+          <a:bodyPr rtlCol="0" anchor="ctr"/>
+          <a:lstStyle/>
+          <a:p>
+            <a:pPr algn="ctr"/>
+            <a:endParaRPr lang="en-AU"/>
+          </a:p>
+        </p:txBody>
+      </p:sp>
+      <p:sp>
+        <p:nvSpPr>
+          <p:cNvPr id="100" name="Oval 99"/>
+          <p:cNvSpPr/>
+          <p:nvPr/>
+        </p:nvSpPr>
+        <p:spPr>
+          <a:xfrm>
+            <a:off x="2553689" y="4124364"/>
+            <a:ext cx="45919" cy="55104"/>
+          </a:xfrm>
+          <a:prstGeom prst="ellipse">
+            <a:avLst/>
+          </a:prstGeom>
+          <a:noFill/>
+          <a:ln w="25400">
+            <a:solidFill>
+              <a:schemeClr val="accent5">
+                <a:lumMod val="75000"/>
+              </a:schemeClr>
+            </a:solidFill>
+          </a:ln>
+        </p:spPr>
+        <p:style>
+          <a:lnRef idx="2">
+            <a:schemeClr val="accent1">
+              <a:shade val="50000"/>
+            </a:schemeClr>
+          </a:lnRef>
+          <a:fillRef idx="1">
+            <a:schemeClr val="accent1"/>
+          </a:fillRef>
+          <a:effectRef idx="0">
+            <a:schemeClr val="accent1"/>
+          </a:effectRef>
+          <a:fontRef idx="minor">
+            <a:schemeClr val="lt1"/>
+          </a:fontRef>
+        </p:style>
+        <p:txBody>
+          <a:bodyPr rtlCol="0" anchor="ctr"/>
+          <a:lstStyle/>
+          <a:p>
+            <a:pPr algn="ctr"/>
+            <a:endParaRPr lang="en-AU"/>
+          </a:p>
+        </p:txBody>
+      </p:sp>
+      <p:cxnSp>
+        <p:nvCxnSpPr>
+          <p:cNvPr id="101" name="Straight Connector 100"/>
+          <p:cNvCxnSpPr/>
+          <p:nvPr/>
+        </p:nvCxnSpPr>
+        <p:spPr>
+          <a:xfrm>
+            <a:off x="2453847" y="4066191"/>
+            <a:ext cx="140854" cy="0"/>
+          </a:xfrm>
+          <a:prstGeom prst="line">
+            <a:avLst/>
+          </a:prstGeom>
+          <a:noFill/>
+          <a:ln w="25400">
+            <a:solidFill>
+              <a:schemeClr val="accent5">
+                <a:lumMod val="75000"/>
+              </a:schemeClr>
+            </a:solidFill>
+          </a:ln>
+        </p:spPr>
+        <p:style>
+          <a:lnRef idx="2">
+            <a:schemeClr val="accent1">
+              <a:shade val="50000"/>
+            </a:schemeClr>
+          </a:lnRef>
+          <a:fillRef idx="1">
+            <a:schemeClr val="accent1"/>
+          </a:fillRef>
+          <a:effectRef idx="0">
+            <a:schemeClr val="accent1"/>
+          </a:effectRef>
+          <a:fontRef idx="minor">
+            <a:schemeClr val="lt1"/>
+          </a:fontRef>
+        </p:style>
+      </p:cxnSp>
+      <p:cxnSp>
+        <p:nvCxnSpPr>
+          <p:cNvPr id="102" name="Straight Connector 101"/>
+          <p:cNvCxnSpPr>
+            <a:stCxn id="97" idx="2"/>
+            <a:endCxn id="97" idx="0"/>
+          </p:cNvCxnSpPr>
+          <p:nvPr/>
+        </p:nvCxnSpPr>
+        <p:spPr>
+          <a:xfrm>
+            <a:off x="2524275" y="4021834"/>
+            <a:ext cx="0" cy="88714"/>
+          </a:xfrm>
+          <a:prstGeom prst="line">
+            <a:avLst/>
+          </a:prstGeom>
+          <a:noFill/>
+          <a:ln w="25400">
+            <a:solidFill>
+              <a:schemeClr val="accent5">
+                <a:lumMod val="75000"/>
+              </a:schemeClr>
+            </a:solidFill>
+          </a:ln>
+        </p:spPr>
+        <p:style>
+          <a:lnRef idx="2">
+            <a:schemeClr val="accent1">
+              <a:shade val="50000"/>
+            </a:schemeClr>
+          </a:lnRef>
+          <a:fillRef idx="1">
+            <a:schemeClr val="accent1"/>
+          </a:fillRef>
+          <a:effectRef idx="0">
+            <a:schemeClr val="accent1"/>
+          </a:effectRef>
+          <a:fontRef idx="minor">
+            <a:schemeClr val="lt1"/>
+          </a:fontRef>
+        </p:style>
+      </p:cxnSp>
+      <p:sp>
+        <p:nvSpPr>
+          <p:cNvPr id="103" name="TextBox 102"/>
+          <p:cNvSpPr txBox="1"/>
+          <p:nvPr/>
+        </p:nvSpPr>
+        <p:spPr>
+          <a:xfrm>
+            <a:off x="5530012" y="-1594"/>
+            <a:ext cx="6594626" cy="646331"/>
+          </a:xfrm>
+          <a:prstGeom prst="rect">
+            <a:avLst/>
+          </a:prstGeom>
+          <a:noFill/>
+        </p:spPr>
+        <p:txBody>
+          <a:bodyPr wrap="none" rtlCol="0">
+            <a:spAutoFit/>
+          </a:bodyPr>
+          <a:lstStyle/>
+          <a:p>
+            <a:r>
+              <a:rPr lang="en-AU" b="1" u="sng" dirty="0" smtClean="0"/>
+              <a:t>Course Detail Screen:</a:t>
+            </a:r>
+            <a:r>
+              <a:rPr lang="en-AU" b="1" dirty="0" smtClean="0"/>
+              <a:t> </a:t>
+            </a:r>
+            <a:r>
+              <a:rPr lang="en-AU" dirty="0" smtClean="0"/>
+              <a:t>Upon tapping unpurchased course’s card user</a:t>
+            </a:r>
+          </a:p>
+          <a:p>
+            <a:r>
+              <a:rPr lang="en-AU" dirty="0"/>
+              <a:t>	</a:t>
+            </a:r>
+            <a:r>
+              <a:rPr lang="en-AU" dirty="0" smtClean="0"/>
+              <a:t>	     comes here.</a:t>
+            </a:r>
+            <a:endParaRPr lang="en-AU" dirty="0" smtClean="0"/>
+          </a:p>
+        </p:txBody>
+      </p:sp>
+      <p:sp>
+        <p:nvSpPr>
+          <p:cNvPr id="3" name="Rounded Rectangle 2"/>
+          <p:cNvSpPr/>
+          <p:nvPr/>
+        </p:nvSpPr>
+        <p:spPr>
+          <a:xfrm>
+            <a:off x="1545465" y="425007"/>
+            <a:ext cx="3760631" cy="6276043"/>
+          </a:xfrm>
+          <a:prstGeom prst="roundRect">
+            <a:avLst>
+              <a:gd name="adj" fmla="val 4318"/>
+            </a:avLst>
+          </a:prstGeom>
+          <a:noFill/>
+          <a:ln w="28575"/>
+          <a:effectLst>
+            <a:outerShdw blurRad="63500" sx="102000" sy="102000" algn="ctr" rotWithShape="0">
+              <a:prstClr val="black">
+                <a:alpha val="40000"/>
+              </a:prstClr>
+            </a:outerShdw>
+          </a:effectLst>
+        </p:spPr>
+        <p:style>
+          <a:lnRef idx="2">
+            <a:schemeClr val="accent1">
+              <a:shade val="50000"/>
+            </a:schemeClr>
+          </a:lnRef>
+          <a:fillRef idx="1">
+            <a:schemeClr val="accent1"/>
+          </a:fillRef>
+          <a:effectRef idx="0">
+            <a:schemeClr val="accent1"/>
+          </a:effectRef>
+          <a:fontRef idx="minor">
+            <a:schemeClr val="lt1"/>
+          </a:fontRef>
+        </p:style>
+        <p:txBody>
+          <a:bodyPr rtlCol="0" anchor="ctr"/>
+          <a:lstStyle/>
+          <a:p>
+            <a:pPr algn="ctr"/>
+            <a:endParaRPr lang="en-AU"/>
+          </a:p>
+        </p:txBody>
+      </p:sp>
+    </p:spTree>
+    <p:extLst>
+      <p:ext uri="{BB962C8B-B14F-4D97-AF65-F5344CB8AC3E}">
+        <p14:creationId xmlns:p14="http://schemas.microsoft.com/office/powerpoint/2010/main" val="837703069"/>
+      </p:ext>
+    </p:extLst>
+  </p:cSld>
+  <p:clrMapOvr>
+    <a:masterClrMapping/>
+  </p:clrMapOvr>
+</p:sld>
+</file>
+
+<file path=ppt/slides/slide8.xml><?xml version="1.0" encoding="utf-8"?>
+<p:sld xmlns:a="http://schemas.openxmlformats.org/drawingml/2006/main" xmlns:r="http://schemas.openxmlformats.org/officeDocument/2006/relationships" xmlns:p="http://schemas.openxmlformats.org/presentationml/2006/main">
+  <p:cSld>
+    <p:spTree>
+      <p:nvGrpSpPr>
+        <p:cNvPr id="1" name=""/>
+        <p:cNvGrpSpPr/>
+        <p:nvPr/>
+      </p:nvGrpSpPr>
+      <p:grpSpPr>
+        <a:xfrm>
+          <a:off x="0" y="0"/>
+          <a:ext cx="0" cy="0"/>
+          <a:chOff x="0" y="0"/>
+          <a:chExt cx="0" cy="0"/>
+        </a:xfrm>
+      </p:grpSpPr>
+      <p:sp>
+        <p:nvSpPr>
+          <p:cNvPr id="176" name="Rectangle 175"/>
+          <p:cNvSpPr/>
+          <p:nvPr/>
+        </p:nvSpPr>
+        <p:spPr>
+          <a:xfrm>
+            <a:off x="1667783" y="5871403"/>
+            <a:ext cx="3499471" cy="554193"/>
+          </a:xfrm>
+          <a:prstGeom prst="rect">
+            <a:avLst/>
+          </a:prstGeom>
+          <a:solidFill>
+            <a:schemeClr val="bg1">
+              <a:lumMod val="95000"/>
+            </a:schemeClr>
+          </a:solidFill>
+          <a:ln>
+            <a:noFill/>
+          </a:ln>
+        </p:spPr>
+        <p:style>
+          <a:lnRef idx="2">
+            <a:schemeClr val="accent1">
+              <a:shade val="50000"/>
+            </a:schemeClr>
+          </a:lnRef>
+          <a:fillRef idx="1">
+            <a:schemeClr val="accent1"/>
+          </a:fillRef>
+          <a:effectRef idx="0">
+            <a:schemeClr val="accent1"/>
+          </a:effectRef>
+          <a:fontRef idx="minor">
+            <a:schemeClr val="lt1"/>
+          </a:fontRef>
+        </p:style>
+        <p:txBody>
+          <a:bodyPr rtlCol="0" anchor="ctr"/>
+          <a:lstStyle/>
+          <a:p>
+            <a:pPr algn="ctr"/>
+            <a:endParaRPr lang="en-AU"/>
+          </a:p>
+        </p:txBody>
+      </p:sp>
+      <p:sp>
+        <p:nvSpPr>
+          <p:cNvPr id="171" name="Rectangle 170"/>
+          <p:cNvSpPr/>
+          <p:nvPr/>
+        </p:nvSpPr>
+        <p:spPr>
+          <a:xfrm>
+            <a:off x="1635697" y="3785927"/>
+            <a:ext cx="3539577" cy="1351044"/>
+          </a:xfrm>
+          <a:prstGeom prst="rect">
+            <a:avLst/>
+          </a:prstGeom>
+          <a:solidFill>
+            <a:schemeClr val="bg1">
+              <a:lumMod val="95000"/>
+            </a:schemeClr>
+          </a:solidFill>
+          <a:ln>
+            <a:noFill/>
+          </a:ln>
+        </p:spPr>
+        <p:style>
+          <a:lnRef idx="2">
+            <a:schemeClr val="accent1">
+              <a:shade val="50000"/>
+            </a:schemeClr>
+          </a:lnRef>
+          <a:fillRef idx="1">
+            <a:schemeClr val="accent1"/>
+          </a:fillRef>
+          <a:effectRef idx="0">
+            <a:schemeClr val="accent1"/>
+          </a:effectRef>
+          <a:fontRef idx="minor">
+            <a:schemeClr val="lt1"/>
+          </a:fontRef>
+        </p:style>
+        <p:txBody>
+          <a:bodyPr rtlCol="0" anchor="ctr"/>
+          <a:lstStyle/>
+          <a:p>
+            <a:pPr algn="ctr"/>
+            <a:endParaRPr lang="en-AU"/>
+          </a:p>
+        </p:txBody>
+      </p:sp>
+      <p:sp>
+        <p:nvSpPr>
+          <p:cNvPr id="5" name="Rectangle 4"/>
+          <p:cNvSpPr/>
+          <p:nvPr/>
+        </p:nvSpPr>
+        <p:spPr>
+          <a:xfrm>
+            <a:off x="1545465" y="656129"/>
+            <a:ext cx="3760631" cy="443123"/>
+          </a:xfrm>
+          <a:prstGeom prst="rect">
+            <a:avLst/>
+          </a:prstGeom>
+          <a:solidFill>
+            <a:schemeClr val="bg1">
+              <a:lumMod val="95000"/>
+            </a:schemeClr>
+          </a:solidFill>
+          <a:ln>
+            <a:noFill/>
+          </a:ln>
+        </p:spPr>
+        <p:style>
+          <a:lnRef idx="2">
+            <a:schemeClr val="accent1">
+              <a:shade val="50000"/>
+            </a:schemeClr>
+          </a:lnRef>
+          <a:fillRef idx="1">
+            <a:schemeClr val="accent1"/>
+          </a:fillRef>
+          <a:effectRef idx="0">
+            <a:schemeClr val="accent1"/>
+          </a:effectRef>
+          <a:fontRef idx="minor">
+            <a:schemeClr val="lt1"/>
+          </a:fontRef>
+        </p:style>
+        <p:txBody>
+          <a:bodyPr rtlCol="0" anchor="ctr"/>
+          <a:lstStyle/>
+          <a:p>
+            <a:pPr algn="ctr"/>
+            <a:endParaRPr lang="en-AU"/>
+          </a:p>
+        </p:txBody>
+      </p:sp>
+      <p:sp>
+        <p:nvSpPr>
+          <p:cNvPr id="9" name="Rounded Rectangle 8"/>
+          <p:cNvSpPr/>
+          <p:nvPr/>
+        </p:nvSpPr>
+        <p:spPr>
+          <a:xfrm>
+            <a:off x="2694574" y="414749"/>
+            <a:ext cx="1548267" cy="225702"/>
+          </a:xfrm>
+          <a:prstGeom prst="roundRect">
+            <a:avLst/>
+          </a:prstGeom>
+          <a:solidFill>
+            <a:schemeClr val="accent1">
+              <a:lumMod val="50000"/>
+            </a:schemeClr>
+          </a:solidFill>
+          <a:ln>
+            <a:solidFill>
+              <a:schemeClr val="accent1">
+                <a:lumMod val="50000"/>
+              </a:schemeClr>
+            </a:solidFill>
+          </a:ln>
+        </p:spPr>
+        <p:style>
+          <a:lnRef idx="2">
+            <a:schemeClr val="accent1">
+              <a:shade val="50000"/>
+            </a:schemeClr>
+          </a:lnRef>
+          <a:fillRef idx="1">
+            <a:schemeClr val="accent1"/>
+          </a:fillRef>
+          <a:effectRef idx="0">
+            <a:schemeClr val="accent1"/>
+          </a:effectRef>
+          <a:fontRef idx="minor">
+            <a:schemeClr val="lt1"/>
+          </a:fontRef>
+        </p:style>
+        <p:txBody>
+          <a:bodyPr rtlCol="0" anchor="ctr"/>
+          <a:lstStyle/>
+          <a:p>
+            <a:pPr algn="ctr"/>
+            <a:endParaRPr lang="en-AU"/>
+          </a:p>
+        </p:txBody>
+      </p:sp>
+      <p:sp>
+        <p:nvSpPr>
+          <p:cNvPr id="23" name="AutoShape 2" descr="blob:https://web.whatsapp.com/875cef06-e096-47fc-b870-98e1c00c5a9a"/>
+          <p:cNvSpPr>
+            <a:spLocks noChangeAspect="1" noChangeArrowheads="1"/>
+          </p:cNvSpPr>
+          <p:nvPr/>
+        </p:nvSpPr>
+        <p:spPr bwMode="auto">
+          <a:xfrm>
+            <a:off x="155575" y="-144458"/>
+            <a:ext cx="304800" cy="304801"/>
+          </a:xfrm>
+          <a:prstGeom prst="rect">
+            <a:avLst/>
+          </a:prstGeom>
+          <a:noFill/>
+          <a:extLst>
+            <a:ext uri="{909E8E84-426E-40DD-AFC4-6F175D3DCCD1}">
+              <a14:hiddenFill xmlns:a14="http://schemas.microsoft.com/office/drawing/2010/main">
+                <a:solidFill>
+                  <a:srgbClr val="FFFFFF"/>
+                </a:solidFill>
+              </a14:hiddenFill>
+            </a:ext>
+          </a:extLst>
+        </p:spPr>
+        <p:txBody>
+          <a:bodyPr vert="horz" wrap="square" lIns="91440" tIns="45720" rIns="91440" bIns="45720" numCol="1" anchor="t" anchorCtr="0" compatLnSpc="1">
+            <a:prstTxWarp prst="textNoShape">
+              <a:avLst/>
+            </a:prstTxWarp>
+          </a:bodyPr>
+          <a:lstStyle/>
+          <a:p>
+            <a:endParaRPr lang="en-AU"/>
+          </a:p>
+        </p:txBody>
+      </p:sp>
+      <p:cxnSp>
+        <p:nvCxnSpPr>
+          <p:cNvPr id="4" name="Straight Arrow Connector 3"/>
+          <p:cNvCxnSpPr/>
+          <p:nvPr/>
+        </p:nvCxnSpPr>
+        <p:spPr>
+          <a:xfrm flipH="1">
+            <a:off x="1685437" y="876697"/>
+            <a:ext cx="269286" cy="0"/>
+          </a:xfrm>
+          <a:prstGeom prst="straightConnector1">
+            <a:avLst/>
+          </a:prstGeom>
+          <a:ln w="25400">
+            <a:solidFill>
+              <a:schemeClr val="accent5">
+                <a:lumMod val="75000"/>
+              </a:schemeClr>
+            </a:solidFill>
+            <a:miter lim="800000"/>
+            <a:tailEnd type="arrow"/>
+          </a:ln>
+        </p:spPr>
+        <p:style>
+          <a:lnRef idx="1">
+            <a:schemeClr val="accent1"/>
+          </a:lnRef>
+          <a:fillRef idx="0">
+            <a:schemeClr val="accent1"/>
+          </a:fillRef>
+          <a:effectRef idx="0">
+            <a:schemeClr val="accent1"/>
+          </a:effectRef>
+          <a:fontRef idx="minor">
+            <a:schemeClr val="tx1"/>
+          </a:fontRef>
+        </p:style>
+      </p:cxnSp>
+      <p:sp>
+        <p:nvSpPr>
+          <p:cNvPr id="55" name="TextBox 54"/>
+          <p:cNvSpPr txBox="1"/>
+          <p:nvPr/>
+        </p:nvSpPr>
+        <p:spPr>
+          <a:xfrm>
+            <a:off x="2009785" y="722808"/>
+            <a:ext cx="1511952" cy="307777"/>
+          </a:xfrm>
+          <a:prstGeom prst="rect">
+            <a:avLst/>
+          </a:prstGeom>
+          <a:noFill/>
+        </p:spPr>
+        <p:txBody>
+          <a:bodyPr wrap="none" rtlCol="0">
+            <a:spAutoFit/>
+          </a:bodyPr>
+          <a:lstStyle/>
+          <a:p>
+            <a:r>
+              <a:rPr lang="en-AU" sz="1400" b="1" dirty="0" smtClean="0">
+                <a:solidFill>
+                  <a:schemeClr val="accent5">
+                    <a:lumMod val="75000"/>
+                  </a:schemeClr>
+                </a:solidFill>
+              </a:rPr>
+              <a:t>My Shopping Cart</a:t>
+            </a:r>
+            <a:endParaRPr lang="en-AU" sz="1400" b="1" dirty="0">
+              <a:solidFill>
+                <a:schemeClr val="accent5">
+                  <a:lumMod val="75000"/>
+                </a:schemeClr>
+              </a:solidFill>
+            </a:endParaRPr>
+          </a:p>
+        </p:txBody>
+      </p:sp>
+      <p:sp>
+        <p:nvSpPr>
+          <p:cNvPr id="103" name="TextBox 102"/>
+          <p:cNvSpPr txBox="1"/>
+          <p:nvPr/>
+        </p:nvSpPr>
+        <p:spPr>
+          <a:xfrm>
+            <a:off x="5530012" y="-1594"/>
+            <a:ext cx="5111849" cy="646331"/>
+          </a:xfrm>
+          <a:prstGeom prst="rect">
+            <a:avLst/>
+          </a:prstGeom>
+          <a:noFill/>
+        </p:spPr>
+        <p:txBody>
+          <a:bodyPr wrap="none" rtlCol="0">
+            <a:spAutoFit/>
+          </a:bodyPr>
+          <a:lstStyle/>
+          <a:p>
+            <a:r>
+              <a:rPr lang="en-AU" b="1" u="sng" dirty="0" smtClean="0"/>
+              <a:t>Cart </a:t>
+            </a:r>
+            <a:r>
+              <a:rPr lang="en-AU" b="1" u="sng" dirty="0" smtClean="0"/>
+              <a:t>Screen:</a:t>
+            </a:r>
+            <a:r>
+              <a:rPr lang="en-AU" b="1" dirty="0" smtClean="0"/>
+              <a:t> </a:t>
+            </a:r>
+            <a:r>
+              <a:rPr lang="en-AU" dirty="0" smtClean="0"/>
+              <a:t>Upon tapping My Cart or Buy Now, user</a:t>
+            </a:r>
+          </a:p>
+          <a:p>
+            <a:r>
+              <a:rPr lang="en-AU" dirty="0"/>
+              <a:t>	</a:t>
+            </a:r>
+            <a:r>
+              <a:rPr lang="en-AU" dirty="0" smtClean="0"/>
+              <a:t>	     comes here.</a:t>
+            </a:r>
+            <a:endParaRPr lang="en-AU" dirty="0" smtClean="0"/>
+          </a:p>
+        </p:txBody>
+      </p:sp>
+      <p:sp>
+        <p:nvSpPr>
+          <p:cNvPr id="109" name="Oval 108"/>
+          <p:cNvSpPr/>
+          <p:nvPr/>
+        </p:nvSpPr>
+        <p:spPr>
+          <a:xfrm>
+            <a:off x="4845418" y="694001"/>
+            <a:ext cx="329857" cy="346235"/>
+          </a:xfrm>
+          <a:prstGeom prst="ellipse">
+            <a:avLst/>
+          </a:prstGeom>
+          <a:ln>
+            <a:solidFill>
+              <a:schemeClr val="accent5">
+                <a:lumMod val="75000"/>
+              </a:schemeClr>
+            </a:solidFill>
+          </a:ln>
+        </p:spPr>
+        <p:style>
+          <a:lnRef idx="2">
+            <a:schemeClr val="accent1">
+              <a:shade val="50000"/>
+            </a:schemeClr>
+          </a:lnRef>
+          <a:fillRef idx="1">
+            <a:schemeClr val="accent1"/>
+          </a:fillRef>
+          <a:effectRef idx="0">
+            <a:schemeClr val="accent1"/>
+          </a:effectRef>
+          <a:fontRef idx="minor">
+            <a:schemeClr val="lt1"/>
+          </a:fontRef>
+        </p:style>
+        <p:txBody>
+          <a:bodyPr rtlCol="0" anchor="ctr"/>
+          <a:lstStyle/>
+          <a:p>
+            <a:pPr algn="ctr"/>
+            <a:endParaRPr lang="en-AU"/>
+          </a:p>
+        </p:txBody>
+      </p:sp>
+      <p:sp>
+        <p:nvSpPr>
+          <p:cNvPr id="110" name="Trapezoid 109"/>
+          <p:cNvSpPr/>
+          <p:nvPr/>
+        </p:nvSpPr>
+        <p:spPr>
+          <a:xfrm flipV="1">
+            <a:off x="4904041" y="807680"/>
+            <a:ext cx="177117" cy="88714"/>
+          </a:xfrm>
+          <a:prstGeom prst="trapezoid">
+            <a:avLst/>
+          </a:prstGeom>
+          <a:noFill/>
+          <a:ln w="25400">
+            <a:solidFill>
+              <a:schemeClr val="accent5">
+                <a:lumMod val="75000"/>
+              </a:schemeClr>
+            </a:solidFill>
+          </a:ln>
+        </p:spPr>
+        <p:style>
+          <a:lnRef idx="2">
+            <a:schemeClr val="accent1">
+              <a:shade val="50000"/>
+            </a:schemeClr>
+          </a:lnRef>
+          <a:fillRef idx="1">
+            <a:schemeClr val="accent1"/>
+          </a:fillRef>
+          <a:effectRef idx="0">
+            <a:schemeClr val="accent1"/>
+          </a:effectRef>
+          <a:fontRef idx="minor">
+            <a:schemeClr val="lt1"/>
+          </a:fontRef>
+        </p:style>
+        <p:txBody>
+          <a:bodyPr rtlCol="0" anchor="ctr"/>
+          <a:lstStyle/>
+          <a:p>
+            <a:pPr algn="ctr"/>
+            <a:endParaRPr lang="en-AU"/>
+          </a:p>
+        </p:txBody>
+      </p:sp>
+      <p:cxnSp>
+        <p:nvCxnSpPr>
+          <p:cNvPr id="111" name="Straight Connector 110"/>
+          <p:cNvCxnSpPr/>
+          <p:nvPr/>
+        </p:nvCxnSpPr>
+        <p:spPr>
+          <a:xfrm flipV="1">
+            <a:off x="5081294" y="791637"/>
+            <a:ext cx="51356" cy="28942"/>
+          </a:xfrm>
+          <a:prstGeom prst="line">
+            <a:avLst/>
+          </a:prstGeom>
+          <a:noFill/>
+          <a:ln w="25400">
+            <a:solidFill>
+              <a:schemeClr val="accent5">
+                <a:lumMod val="75000"/>
+              </a:schemeClr>
+            </a:solidFill>
+          </a:ln>
+        </p:spPr>
+        <p:style>
+          <a:lnRef idx="2">
+            <a:schemeClr val="accent1">
+              <a:shade val="50000"/>
+            </a:schemeClr>
+          </a:lnRef>
+          <a:fillRef idx="1">
+            <a:schemeClr val="accent1"/>
+          </a:fillRef>
+          <a:effectRef idx="0">
+            <a:schemeClr val="accent1"/>
+          </a:effectRef>
+          <a:fontRef idx="minor">
+            <a:schemeClr val="lt1"/>
+          </a:fontRef>
+        </p:style>
+      </p:cxnSp>
+      <p:sp>
+        <p:nvSpPr>
+          <p:cNvPr id="112" name="Oval 111"/>
+          <p:cNvSpPr/>
+          <p:nvPr/>
+        </p:nvSpPr>
+        <p:spPr>
+          <a:xfrm>
+            <a:off x="4922015" y="910210"/>
+            <a:ext cx="45919" cy="55104"/>
+          </a:xfrm>
+          <a:prstGeom prst="ellipse">
+            <a:avLst/>
+          </a:prstGeom>
+          <a:noFill/>
+          <a:ln w="25400">
+            <a:solidFill>
+              <a:schemeClr val="accent5">
+                <a:lumMod val="75000"/>
+              </a:schemeClr>
+            </a:solidFill>
+          </a:ln>
+        </p:spPr>
+        <p:style>
+          <a:lnRef idx="2">
+            <a:schemeClr val="accent1">
+              <a:shade val="50000"/>
+            </a:schemeClr>
+          </a:lnRef>
+          <a:fillRef idx="1">
+            <a:schemeClr val="accent1"/>
+          </a:fillRef>
+          <a:effectRef idx="0">
+            <a:schemeClr val="accent1"/>
+          </a:effectRef>
+          <a:fontRef idx="minor">
+            <a:schemeClr val="lt1"/>
+          </a:fontRef>
+        </p:style>
+        <p:txBody>
+          <a:bodyPr rtlCol="0" anchor="ctr"/>
+          <a:lstStyle/>
+          <a:p>
+            <a:pPr algn="ctr"/>
+            <a:endParaRPr lang="en-AU"/>
+          </a:p>
+        </p:txBody>
+      </p:sp>
+      <p:sp>
+        <p:nvSpPr>
+          <p:cNvPr id="113" name="Oval 112"/>
+          <p:cNvSpPr/>
+          <p:nvPr/>
+        </p:nvSpPr>
+        <p:spPr>
+          <a:xfrm>
+            <a:off x="5022014" y="910210"/>
+            <a:ext cx="45919" cy="55104"/>
+          </a:xfrm>
+          <a:prstGeom prst="ellipse">
+            <a:avLst/>
+          </a:prstGeom>
+          <a:noFill/>
+          <a:ln w="25400">
+            <a:solidFill>
+              <a:schemeClr val="accent5">
+                <a:lumMod val="75000"/>
+              </a:schemeClr>
+            </a:solidFill>
+          </a:ln>
+        </p:spPr>
+        <p:style>
+          <a:lnRef idx="2">
+            <a:schemeClr val="accent1">
+              <a:shade val="50000"/>
+            </a:schemeClr>
+          </a:lnRef>
+          <a:fillRef idx="1">
+            <a:schemeClr val="accent1"/>
+          </a:fillRef>
+          <a:effectRef idx="0">
+            <a:schemeClr val="accent1"/>
+          </a:effectRef>
+          <a:fontRef idx="minor">
+            <a:schemeClr val="lt1"/>
+          </a:fontRef>
+        </p:style>
+        <p:txBody>
+          <a:bodyPr rtlCol="0" anchor="ctr"/>
+          <a:lstStyle/>
+          <a:p>
+            <a:pPr algn="ctr"/>
+            <a:endParaRPr lang="en-AU"/>
+          </a:p>
+        </p:txBody>
+      </p:sp>
+      <p:cxnSp>
+        <p:nvCxnSpPr>
+          <p:cNvPr id="114" name="Straight Connector 113"/>
+          <p:cNvCxnSpPr>
+            <a:stCxn id="110" idx="1"/>
+            <a:endCxn id="110" idx="3"/>
+          </p:cNvCxnSpPr>
+          <p:nvPr/>
+        </p:nvCxnSpPr>
+        <p:spPr>
+          <a:xfrm>
+            <a:off x="4922172" y="852037"/>
+            <a:ext cx="140854" cy="0"/>
+          </a:xfrm>
+          <a:prstGeom prst="line">
+            <a:avLst/>
+          </a:prstGeom>
+          <a:noFill/>
+          <a:ln w="25400">
+            <a:solidFill>
+              <a:schemeClr val="accent5">
+                <a:lumMod val="75000"/>
+              </a:schemeClr>
+            </a:solidFill>
+          </a:ln>
+        </p:spPr>
+        <p:style>
+          <a:lnRef idx="2">
+            <a:schemeClr val="accent1">
+              <a:shade val="50000"/>
+            </a:schemeClr>
+          </a:lnRef>
+          <a:fillRef idx="1">
+            <a:schemeClr val="accent1"/>
+          </a:fillRef>
+          <a:effectRef idx="0">
+            <a:schemeClr val="accent1"/>
+          </a:effectRef>
+          <a:fontRef idx="minor">
+            <a:schemeClr val="lt1"/>
+          </a:fontRef>
+        </p:style>
+      </p:cxnSp>
+      <p:cxnSp>
+        <p:nvCxnSpPr>
+          <p:cNvPr id="115" name="Straight Connector 114"/>
+          <p:cNvCxnSpPr>
+            <a:stCxn id="110" idx="2"/>
+            <a:endCxn id="110" idx="0"/>
+          </p:cNvCxnSpPr>
+          <p:nvPr/>
+        </p:nvCxnSpPr>
+        <p:spPr>
+          <a:xfrm>
+            <a:off x="4992600" y="807680"/>
+            <a:ext cx="0" cy="88714"/>
+          </a:xfrm>
+          <a:prstGeom prst="line">
+            <a:avLst/>
+          </a:prstGeom>
+          <a:noFill/>
+          <a:ln w="25400">
+            <a:solidFill>
+              <a:schemeClr val="accent5">
+                <a:lumMod val="75000"/>
+              </a:schemeClr>
+            </a:solidFill>
+          </a:ln>
+        </p:spPr>
+        <p:style>
+          <a:lnRef idx="2">
+            <a:schemeClr val="accent1">
+              <a:shade val="50000"/>
+            </a:schemeClr>
+          </a:lnRef>
+          <a:fillRef idx="1">
+            <a:schemeClr val="accent1"/>
+          </a:fillRef>
+          <a:effectRef idx="0">
+            <a:schemeClr val="accent1"/>
+          </a:effectRef>
+          <a:fontRef idx="minor">
+            <a:schemeClr val="lt1"/>
+          </a:fontRef>
+        </p:style>
+      </p:cxnSp>
+      <p:sp>
+        <p:nvSpPr>
+          <p:cNvPr id="116" name="Rectangle 115"/>
+          <p:cNvSpPr/>
+          <p:nvPr/>
+        </p:nvSpPr>
+        <p:spPr>
+          <a:xfrm>
+            <a:off x="4890186" y="1222878"/>
+            <a:ext cx="386883" cy="2140866"/>
+          </a:xfrm>
+          <a:prstGeom prst="rect">
+            <a:avLst/>
+          </a:prstGeom>
+          <a:solidFill>
+            <a:schemeClr val="bg1">
+              <a:lumMod val="95000"/>
+            </a:schemeClr>
+          </a:solidFill>
+          <a:ln>
+            <a:noFill/>
+          </a:ln>
+        </p:spPr>
+        <p:style>
+          <a:lnRef idx="2">
+            <a:schemeClr val="accent1">
+              <a:shade val="50000"/>
+            </a:schemeClr>
+          </a:lnRef>
+          <a:fillRef idx="1">
+            <a:schemeClr val="accent1"/>
+          </a:fillRef>
+          <a:effectRef idx="0">
+            <a:schemeClr val="accent1"/>
+          </a:effectRef>
+          <a:fontRef idx="minor">
+            <a:schemeClr val="lt1"/>
+          </a:fontRef>
+        </p:style>
+        <p:txBody>
+          <a:bodyPr rtlCol="0" anchor="ctr"/>
+          <a:lstStyle/>
+          <a:p>
+            <a:pPr algn="ctr"/>
+            <a:endParaRPr lang="en-AU"/>
+          </a:p>
+        </p:txBody>
+      </p:sp>
+      <p:sp>
+        <p:nvSpPr>
+          <p:cNvPr id="117" name="Rectangle 116"/>
+          <p:cNvSpPr/>
+          <p:nvPr/>
+        </p:nvSpPr>
+        <p:spPr>
+          <a:xfrm>
+            <a:off x="4890186" y="1222877"/>
+            <a:ext cx="1484504" cy="2492779"/>
+          </a:xfrm>
+          <a:prstGeom prst="rect">
+            <a:avLst/>
+          </a:prstGeom>
+          <a:solidFill>
+            <a:schemeClr val="bg1">
+              <a:lumMod val="95000"/>
+            </a:schemeClr>
+          </a:solidFill>
+          <a:ln>
+            <a:noFill/>
+          </a:ln>
+        </p:spPr>
+        <p:style>
+          <a:lnRef idx="2">
+            <a:schemeClr val="accent1">
+              <a:shade val="50000"/>
+            </a:schemeClr>
+          </a:lnRef>
+          <a:fillRef idx="1">
+            <a:schemeClr val="accent1"/>
+          </a:fillRef>
+          <a:effectRef idx="0">
+            <a:schemeClr val="accent1"/>
+          </a:effectRef>
+          <a:fontRef idx="minor">
+            <a:schemeClr val="lt1"/>
+          </a:fontRef>
+        </p:style>
+        <p:txBody>
+          <a:bodyPr rtlCol="0" anchor="ctr"/>
+          <a:lstStyle/>
+          <a:p>
+            <a:pPr algn="ctr"/>
+            <a:endParaRPr lang="en-AU"/>
+          </a:p>
+        </p:txBody>
+      </p:sp>
+      <p:sp>
+        <p:nvSpPr>
+          <p:cNvPr id="118" name="Rectangle 117"/>
+          <p:cNvSpPr/>
+          <p:nvPr/>
+        </p:nvSpPr>
+        <p:spPr>
+          <a:xfrm>
+            <a:off x="1647812" y="1225453"/>
+            <a:ext cx="1484504" cy="2492779"/>
+          </a:xfrm>
+          <a:prstGeom prst="rect">
+            <a:avLst/>
+          </a:prstGeom>
+          <a:solidFill>
+            <a:schemeClr val="bg1">
+              <a:lumMod val="95000"/>
+            </a:schemeClr>
+          </a:solidFill>
+          <a:ln>
+            <a:noFill/>
+          </a:ln>
+        </p:spPr>
+        <p:style>
+          <a:lnRef idx="2">
+            <a:schemeClr val="accent1">
+              <a:shade val="50000"/>
+            </a:schemeClr>
+          </a:lnRef>
+          <a:fillRef idx="1">
+            <a:schemeClr val="accent1"/>
+          </a:fillRef>
+          <a:effectRef idx="0">
+            <a:schemeClr val="accent1"/>
+          </a:effectRef>
+          <a:fontRef idx="minor">
+            <a:schemeClr val="lt1"/>
+          </a:fontRef>
+        </p:style>
+        <p:txBody>
+          <a:bodyPr rtlCol="0" anchor="ctr"/>
+          <a:lstStyle/>
+          <a:p>
+            <a:pPr algn="ctr"/>
+            <a:endParaRPr lang="en-AU"/>
+          </a:p>
+        </p:txBody>
+      </p:sp>
+      <p:sp>
+        <p:nvSpPr>
+          <p:cNvPr id="119" name="Rectangle 118"/>
+          <p:cNvSpPr/>
+          <p:nvPr/>
+        </p:nvSpPr>
+        <p:spPr>
+          <a:xfrm>
+            <a:off x="3269727" y="1222877"/>
+            <a:ext cx="1484504" cy="2492779"/>
+          </a:xfrm>
+          <a:prstGeom prst="rect">
+            <a:avLst/>
+          </a:prstGeom>
+          <a:solidFill>
+            <a:schemeClr val="bg1">
+              <a:lumMod val="95000"/>
+            </a:schemeClr>
+          </a:solidFill>
+          <a:ln>
+            <a:noFill/>
+          </a:ln>
+        </p:spPr>
+        <p:style>
+          <a:lnRef idx="2">
+            <a:schemeClr val="accent1">
+              <a:shade val="50000"/>
+            </a:schemeClr>
+          </a:lnRef>
+          <a:fillRef idx="1">
+            <a:schemeClr val="accent1"/>
+          </a:fillRef>
+          <a:effectRef idx="0">
+            <a:schemeClr val="accent1"/>
+          </a:effectRef>
+          <a:fontRef idx="minor">
+            <a:schemeClr val="lt1"/>
+          </a:fontRef>
+        </p:style>
+        <p:txBody>
+          <a:bodyPr rtlCol="0" anchor="ctr"/>
+          <a:lstStyle/>
+          <a:p>
+            <a:pPr algn="ctr"/>
+            <a:endParaRPr lang="en-AU" b="1" dirty="0"/>
+          </a:p>
+        </p:txBody>
+      </p:sp>
+      <p:sp>
+        <p:nvSpPr>
+          <p:cNvPr id="120" name="Rectangle 119"/>
+          <p:cNvSpPr/>
+          <p:nvPr/>
+        </p:nvSpPr>
+        <p:spPr>
+          <a:xfrm>
+            <a:off x="3265597" y="1222878"/>
+            <a:ext cx="1484504" cy="668593"/>
+          </a:xfrm>
+          <a:prstGeom prst="rect">
+            <a:avLst/>
+          </a:prstGeom>
+          <a:solidFill>
+            <a:schemeClr val="accent5">
+              <a:lumMod val="20000"/>
+              <a:lumOff val="80000"/>
+            </a:schemeClr>
+          </a:solidFill>
+        </p:spPr>
+        <p:style>
+          <a:lnRef idx="2">
+            <a:schemeClr val="accent1">
+              <a:shade val="50000"/>
+            </a:schemeClr>
+          </a:lnRef>
+          <a:fillRef idx="1">
+            <a:schemeClr val="accent1"/>
+          </a:fillRef>
+          <a:effectRef idx="0">
+            <a:schemeClr val="accent1"/>
+          </a:effectRef>
+          <a:fontRef idx="minor">
+            <a:schemeClr val="lt1"/>
+          </a:fontRef>
+        </p:style>
+        <p:txBody>
+          <a:bodyPr rtlCol="0" anchor="ctr"/>
+          <a:lstStyle/>
+          <a:p>
+            <a:pPr algn="ctr"/>
+            <a:endParaRPr lang="en-AU" b="1" strike="sngStrike" dirty="0">
+              <a:solidFill>
+                <a:schemeClr val="accent5">
+                  <a:lumMod val="60000"/>
+                  <a:lumOff val="40000"/>
+                </a:schemeClr>
+              </a:solidFill>
+            </a:endParaRPr>
+          </a:p>
+        </p:txBody>
+      </p:sp>
+      <p:sp>
+        <p:nvSpPr>
+          <p:cNvPr id="121" name="Rectangle 120"/>
+          <p:cNvSpPr/>
+          <p:nvPr/>
+        </p:nvSpPr>
+        <p:spPr>
+          <a:xfrm>
+            <a:off x="6510645" y="1222877"/>
+            <a:ext cx="1484504" cy="2492779"/>
+          </a:xfrm>
+          <a:prstGeom prst="rect">
+            <a:avLst/>
+          </a:prstGeom>
+          <a:solidFill>
+            <a:schemeClr val="bg1">
+              <a:lumMod val="95000"/>
+            </a:schemeClr>
+          </a:solidFill>
+          <a:ln>
+            <a:noFill/>
+          </a:ln>
+        </p:spPr>
+        <p:style>
+          <a:lnRef idx="2">
+            <a:schemeClr val="accent1">
+              <a:shade val="50000"/>
+            </a:schemeClr>
+          </a:lnRef>
+          <a:fillRef idx="1">
+            <a:schemeClr val="accent1"/>
+          </a:fillRef>
+          <a:effectRef idx="0">
+            <a:schemeClr val="accent1"/>
+          </a:effectRef>
+          <a:fontRef idx="minor">
+            <a:schemeClr val="lt1"/>
+          </a:fontRef>
+        </p:style>
+        <p:txBody>
+          <a:bodyPr rtlCol="0" anchor="ctr"/>
+          <a:lstStyle/>
+          <a:p>
+            <a:pPr algn="ctr"/>
+            <a:endParaRPr lang="en-AU"/>
+          </a:p>
+        </p:txBody>
+      </p:sp>
+      <p:sp>
+        <p:nvSpPr>
+          <p:cNvPr id="122" name="TextBox 121"/>
+          <p:cNvSpPr txBox="1"/>
+          <p:nvPr/>
+        </p:nvSpPr>
+        <p:spPr>
+          <a:xfrm>
+            <a:off x="8004492" y="1505518"/>
+            <a:ext cx="1034257" cy="1569660"/>
+          </a:xfrm>
+          <a:prstGeom prst="rect">
+            <a:avLst/>
+          </a:prstGeom>
+          <a:noFill/>
+        </p:spPr>
+        <p:txBody>
+          <a:bodyPr wrap="none" rtlCol="0">
+            <a:spAutoFit/>
+          </a:bodyPr>
+          <a:lstStyle/>
+          <a:p>
+            <a:r>
+              <a:rPr lang="en-AU" sz="9600" dirty="0" smtClean="0">
+                <a:solidFill>
+                  <a:schemeClr val="accent1">
+                    <a:lumMod val="60000"/>
+                    <a:lumOff val="40000"/>
+                  </a:schemeClr>
+                </a:solidFill>
+              </a:rPr>
+              <a:t>…</a:t>
+            </a:r>
+            <a:endParaRPr lang="en-AU" sz="9600" dirty="0">
+              <a:solidFill>
+                <a:schemeClr val="accent1">
+                  <a:lumMod val="60000"/>
+                  <a:lumOff val="40000"/>
+                </a:schemeClr>
+              </a:solidFill>
+            </a:endParaRPr>
+          </a:p>
+        </p:txBody>
+      </p:sp>
+      <p:sp>
+        <p:nvSpPr>
+          <p:cNvPr id="123" name="TextBox 122"/>
+          <p:cNvSpPr txBox="1"/>
+          <p:nvPr/>
+        </p:nvSpPr>
+        <p:spPr>
+          <a:xfrm>
+            <a:off x="3203422" y="1863328"/>
+            <a:ext cx="1671676" cy="307777"/>
+          </a:xfrm>
+          <a:prstGeom prst="rect">
+            <a:avLst/>
+          </a:prstGeom>
+          <a:noFill/>
+        </p:spPr>
+        <p:txBody>
+          <a:bodyPr wrap="none" rtlCol="0">
+            <a:spAutoFit/>
+          </a:bodyPr>
+          <a:lstStyle/>
+          <a:p>
+            <a:r>
+              <a:rPr lang="en-AU" sz="1400" b="1" dirty="0" smtClean="0">
+                <a:solidFill>
+                  <a:schemeClr val="accent5">
+                    <a:lumMod val="75000"/>
+                  </a:schemeClr>
+                </a:solidFill>
+              </a:rPr>
+              <a:t>Course Title 1 Line…</a:t>
+            </a:r>
+            <a:endParaRPr lang="en-AU" sz="1400" b="1" dirty="0">
+              <a:solidFill>
+                <a:schemeClr val="accent5">
+                  <a:lumMod val="75000"/>
+                </a:schemeClr>
+              </a:solidFill>
+            </a:endParaRPr>
+          </a:p>
+        </p:txBody>
+      </p:sp>
+      <p:sp>
+        <p:nvSpPr>
+          <p:cNvPr id="124" name="TextBox 123"/>
+          <p:cNvSpPr txBox="1"/>
+          <p:nvPr/>
+        </p:nvSpPr>
+        <p:spPr>
+          <a:xfrm>
+            <a:off x="3239990" y="2074051"/>
+            <a:ext cx="1018227" cy="261610"/>
+          </a:xfrm>
+          <a:prstGeom prst="rect">
+            <a:avLst/>
+          </a:prstGeom>
+          <a:noFill/>
+        </p:spPr>
+        <p:txBody>
+          <a:bodyPr wrap="none" rtlCol="0">
+            <a:spAutoFit/>
+          </a:bodyPr>
+          <a:lstStyle/>
+          <a:p>
+            <a:r>
+              <a:rPr lang="en-AU" sz="1100" dirty="0" smtClean="0">
+                <a:solidFill>
+                  <a:schemeClr val="accent5">
+                    <a:lumMod val="60000"/>
+                    <a:lumOff val="40000"/>
+                  </a:schemeClr>
+                </a:solidFill>
+              </a:rPr>
+              <a:t>Teacher Name</a:t>
+            </a:r>
+            <a:endParaRPr lang="en-AU" sz="1100" dirty="0">
+              <a:solidFill>
+                <a:schemeClr val="accent5">
+                  <a:lumMod val="60000"/>
+                  <a:lumOff val="40000"/>
+                </a:schemeClr>
+              </a:solidFill>
+            </a:endParaRPr>
+          </a:p>
+        </p:txBody>
+      </p:sp>
+      <p:sp>
+        <p:nvSpPr>
+          <p:cNvPr id="125" name="TextBox 124"/>
+          <p:cNvSpPr txBox="1"/>
+          <p:nvPr/>
+        </p:nvSpPr>
+        <p:spPr>
+          <a:xfrm>
+            <a:off x="3176507" y="2223831"/>
+            <a:ext cx="1952050" cy="430887"/>
+          </a:xfrm>
+          <a:prstGeom prst="rect">
+            <a:avLst/>
+          </a:prstGeom>
+          <a:noFill/>
+        </p:spPr>
+        <p:txBody>
+          <a:bodyPr wrap="square" rtlCol="0">
+            <a:spAutoFit/>
+          </a:bodyPr>
+          <a:lstStyle/>
+          <a:p>
+            <a:r>
+              <a:rPr lang="en-AU" sz="1100" dirty="0" smtClean="0">
+                <a:solidFill>
+                  <a:schemeClr val="accent5">
+                    <a:lumMod val="75000"/>
+                  </a:schemeClr>
+                </a:solidFill>
+              </a:rPr>
+              <a:t>Class N | Subject | Board </a:t>
+            </a:r>
+          </a:p>
+          <a:p>
+            <a:r>
+              <a:rPr lang="en-AU" sz="1100" dirty="0" smtClean="0">
+                <a:solidFill>
+                  <a:schemeClr val="accent5">
+                    <a:lumMod val="75000"/>
+                  </a:schemeClr>
+                </a:solidFill>
+              </a:rPr>
+              <a:t>Language | </a:t>
+            </a:r>
+            <a:r>
+              <a:rPr lang="en-AU" sz="1100" dirty="0" err="1" smtClean="0">
+                <a:solidFill>
+                  <a:schemeClr val="accent5">
+                    <a:lumMod val="75000"/>
+                  </a:schemeClr>
+                </a:solidFill>
+              </a:rPr>
+              <a:t>Avg</a:t>
+            </a:r>
+            <a:r>
+              <a:rPr lang="en-AU" sz="1100" dirty="0" smtClean="0">
+                <a:solidFill>
+                  <a:schemeClr val="accent5">
+                    <a:lumMod val="75000"/>
+                  </a:schemeClr>
+                </a:solidFill>
+              </a:rPr>
+              <a:t> Score 95%</a:t>
+            </a:r>
+            <a:endParaRPr lang="en-AU" sz="1100" dirty="0">
+              <a:solidFill>
+                <a:schemeClr val="accent5">
+                  <a:lumMod val="75000"/>
+                </a:schemeClr>
+              </a:solidFill>
+            </a:endParaRPr>
+          </a:p>
+        </p:txBody>
+      </p:sp>
+      <p:sp>
+        <p:nvSpPr>
+          <p:cNvPr id="126" name="5-Point Star 125"/>
+          <p:cNvSpPr/>
+          <p:nvPr/>
+        </p:nvSpPr>
+        <p:spPr>
+          <a:xfrm>
+            <a:off x="3289682" y="2664848"/>
+            <a:ext cx="103791" cy="108205"/>
+          </a:xfrm>
+          <a:prstGeom prst="star5">
+            <a:avLst/>
+          </a:prstGeom>
+          <a:solidFill>
+            <a:srgbClr val="FF0000"/>
+          </a:solidFill>
+          <a:ln>
+            <a:noFill/>
+          </a:ln>
+        </p:spPr>
+        <p:style>
+          <a:lnRef idx="2">
+            <a:schemeClr val="accent1">
+              <a:shade val="50000"/>
+            </a:schemeClr>
+          </a:lnRef>
+          <a:fillRef idx="1">
+            <a:schemeClr val="accent1"/>
+          </a:fillRef>
+          <a:effectRef idx="0">
+            <a:schemeClr val="accent1"/>
+          </a:effectRef>
+          <a:fontRef idx="minor">
+            <a:schemeClr val="lt1"/>
+          </a:fontRef>
+        </p:style>
+        <p:txBody>
+          <a:bodyPr rtlCol="0" anchor="ctr"/>
+          <a:lstStyle/>
+          <a:p>
+            <a:pPr algn="ctr"/>
+            <a:endParaRPr lang="en-AU"/>
+          </a:p>
+        </p:txBody>
+      </p:sp>
+      <p:sp>
+        <p:nvSpPr>
+          <p:cNvPr id="127" name="5-Point Star 126"/>
+          <p:cNvSpPr/>
+          <p:nvPr/>
+        </p:nvSpPr>
+        <p:spPr>
+          <a:xfrm>
+            <a:off x="3397202" y="2665780"/>
+            <a:ext cx="103791" cy="108205"/>
+          </a:xfrm>
+          <a:prstGeom prst="star5">
+            <a:avLst/>
+          </a:prstGeom>
+          <a:solidFill>
+            <a:srgbClr val="FF0000"/>
+          </a:solidFill>
+          <a:ln>
+            <a:noFill/>
+          </a:ln>
+        </p:spPr>
+        <p:style>
+          <a:lnRef idx="2">
+            <a:schemeClr val="accent1">
+              <a:shade val="50000"/>
+            </a:schemeClr>
+          </a:lnRef>
+          <a:fillRef idx="1">
+            <a:schemeClr val="accent1"/>
+          </a:fillRef>
+          <a:effectRef idx="0">
+            <a:schemeClr val="accent1"/>
+          </a:effectRef>
+          <a:fontRef idx="minor">
+            <a:schemeClr val="lt1"/>
+          </a:fontRef>
+        </p:style>
+        <p:txBody>
+          <a:bodyPr rtlCol="0" anchor="ctr"/>
+          <a:lstStyle/>
+          <a:p>
+            <a:pPr algn="ctr"/>
+            <a:endParaRPr lang="en-AU"/>
+          </a:p>
+        </p:txBody>
+      </p:sp>
+      <p:sp>
+        <p:nvSpPr>
+          <p:cNvPr id="128" name="5-Point Star 127"/>
+          <p:cNvSpPr/>
+          <p:nvPr/>
+        </p:nvSpPr>
+        <p:spPr>
+          <a:xfrm>
+            <a:off x="3498179" y="2665782"/>
+            <a:ext cx="103791" cy="108205"/>
+          </a:xfrm>
+          <a:prstGeom prst="star5">
+            <a:avLst/>
+          </a:prstGeom>
+          <a:solidFill>
+            <a:srgbClr val="FF0000"/>
+          </a:solidFill>
+          <a:ln>
+            <a:noFill/>
+          </a:ln>
+        </p:spPr>
+        <p:style>
+          <a:lnRef idx="2">
+            <a:schemeClr val="accent1">
+              <a:shade val="50000"/>
+            </a:schemeClr>
+          </a:lnRef>
+          <a:fillRef idx="1">
+            <a:schemeClr val="accent1"/>
+          </a:fillRef>
+          <a:effectRef idx="0">
+            <a:schemeClr val="accent1"/>
+          </a:effectRef>
+          <a:fontRef idx="minor">
+            <a:schemeClr val="lt1"/>
+          </a:fontRef>
+        </p:style>
+        <p:txBody>
+          <a:bodyPr rtlCol="0" anchor="ctr"/>
+          <a:lstStyle/>
+          <a:p>
+            <a:pPr algn="ctr"/>
+            <a:endParaRPr lang="en-AU"/>
+          </a:p>
+        </p:txBody>
+      </p:sp>
+      <p:sp>
+        <p:nvSpPr>
+          <p:cNvPr id="129" name="5-Point Star 128"/>
+          <p:cNvSpPr/>
+          <p:nvPr/>
+        </p:nvSpPr>
+        <p:spPr>
+          <a:xfrm>
+            <a:off x="3599197" y="2666022"/>
+            <a:ext cx="94355" cy="98368"/>
+          </a:xfrm>
+          <a:prstGeom prst="star5">
+            <a:avLst/>
+          </a:prstGeom>
+          <a:noFill/>
+          <a:ln w="3175">
+            <a:solidFill>
+              <a:srgbClr val="FF0000"/>
+            </a:solidFill>
+          </a:ln>
+        </p:spPr>
+        <p:style>
+          <a:lnRef idx="2">
+            <a:schemeClr val="accent1">
+              <a:shade val="50000"/>
+            </a:schemeClr>
+          </a:lnRef>
+          <a:fillRef idx="1">
+            <a:schemeClr val="accent1"/>
+          </a:fillRef>
+          <a:effectRef idx="0">
+            <a:schemeClr val="accent1"/>
+          </a:effectRef>
+          <a:fontRef idx="minor">
+            <a:schemeClr val="lt1"/>
+          </a:fontRef>
+        </p:style>
+        <p:txBody>
+          <a:bodyPr rtlCol="0" anchor="ctr"/>
+          <a:lstStyle/>
+          <a:p>
+            <a:pPr algn="ctr"/>
+            <a:endParaRPr lang="en-AU"/>
+          </a:p>
+        </p:txBody>
+      </p:sp>
+      <p:sp>
+        <p:nvSpPr>
+          <p:cNvPr id="130" name="5-Point Star 129"/>
+          <p:cNvSpPr/>
+          <p:nvPr/>
+        </p:nvSpPr>
+        <p:spPr>
+          <a:xfrm>
+            <a:off x="3701107" y="2666958"/>
+            <a:ext cx="94355" cy="98368"/>
+          </a:xfrm>
+          <a:prstGeom prst="star5">
+            <a:avLst/>
+          </a:prstGeom>
+          <a:noFill/>
+          <a:ln w="3175">
+            <a:solidFill>
+              <a:srgbClr val="FF0000"/>
+            </a:solidFill>
+          </a:ln>
+        </p:spPr>
+        <p:style>
+          <a:lnRef idx="2">
+            <a:schemeClr val="accent1">
+              <a:shade val="50000"/>
+            </a:schemeClr>
+          </a:lnRef>
+          <a:fillRef idx="1">
+            <a:schemeClr val="accent1"/>
+          </a:fillRef>
+          <a:effectRef idx="0">
+            <a:schemeClr val="accent1"/>
+          </a:effectRef>
+          <a:fontRef idx="minor">
+            <a:schemeClr val="lt1"/>
+          </a:fontRef>
+        </p:style>
+        <p:txBody>
+          <a:bodyPr rtlCol="0" anchor="ctr"/>
+          <a:lstStyle/>
+          <a:p>
+            <a:pPr algn="ctr"/>
+            <a:endParaRPr lang="en-AU"/>
+          </a:p>
+        </p:txBody>
+      </p:sp>
+      <p:sp>
+        <p:nvSpPr>
+          <p:cNvPr id="131" name="Freeform 130"/>
+          <p:cNvSpPr/>
+          <p:nvPr/>
+        </p:nvSpPr>
+        <p:spPr>
+          <a:xfrm>
+            <a:off x="3594769" y="2664817"/>
+            <a:ext cx="70264" cy="108205"/>
+          </a:xfrm>
+          <a:custGeom>
+            <a:avLst/>
+            <a:gdLst>
+              <a:gd name="connsiteX0" fmla="*/ 51896 w 70264"/>
+              <a:gd name="connsiteY0" fmla="*/ 0 h 108205"/>
+              <a:gd name="connsiteX1" fmla="*/ 64146 w 70264"/>
+              <a:gd name="connsiteY1" fmla="*/ 41331 h 108205"/>
+              <a:gd name="connsiteX2" fmla="*/ 70264 w 70264"/>
+              <a:gd name="connsiteY2" fmla="*/ 41331 h 108205"/>
+              <a:gd name="connsiteX3" fmla="*/ 70264 w 70264"/>
+              <a:gd name="connsiteY3" fmla="*/ 97290 h 108205"/>
+              <a:gd name="connsiteX4" fmla="*/ 51896 w 70264"/>
+              <a:gd name="connsiteY4" fmla="*/ 82661 h 108205"/>
+              <a:gd name="connsiteX5" fmla="*/ 19822 w 70264"/>
+              <a:gd name="connsiteY5" fmla="*/ 108205 h 108205"/>
+              <a:gd name="connsiteX6" fmla="*/ 32074 w 70264"/>
+              <a:gd name="connsiteY6" fmla="*/ 66874 h 108205"/>
+              <a:gd name="connsiteX7" fmla="*/ 0 w 70264"/>
+              <a:gd name="connsiteY7" fmla="*/ 41331 h 108205"/>
+              <a:gd name="connsiteX8" fmla="*/ 39645 w 70264"/>
+              <a:gd name="connsiteY8" fmla="*/ 41331 h 108205"/>
+            </a:gdLst>
+            <a:ahLst/>
+            <a:cxnLst>
+              <a:cxn ang="0">
+                <a:pos x="connsiteX0" y="connsiteY0"/>
+              </a:cxn>
+              <a:cxn ang="0">
+                <a:pos x="connsiteX1" y="connsiteY1"/>
+              </a:cxn>
+              <a:cxn ang="0">
+                <a:pos x="connsiteX2" y="connsiteY2"/>
+              </a:cxn>
+              <a:cxn ang="0">
+                <a:pos x="connsiteX3" y="connsiteY3"/>
+              </a:cxn>
+              <a:cxn ang="0">
+                <a:pos x="connsiteX4" y="connsiteY4"/>
+              </a:cxn>
+              <a:cxn ang="0">
+                <a:pos x="connsiteX5" y="connsiteY5"/>
+              </a:cxn>
+              <a:cxn ang="0">
+                <a:pos x="connsiteX6" y="connsiteY6"/>
+              </a:cxn>
+              <a:cxn ang="0">
+                <a:pos x="connsiteX7" y="connsiteY7"/>
+              </a:cxn>
+              <a:cxn ang="0">
+                <a:pos x="connsiteX8" y="connsiteY8"/>
+              </a:cxn>
+            </a:cxnLst>
+            <a:rect l="l" t="t" r="r" b="b"/>
+            <a:pathLst>
+              <a:path w="70264" h="108205">
+                <a:moveTo>
+                  <a:pt x="51896" y="0"/>
+                </a:moveTo>
+                <a:lnTo>
+                  <a:pt x="64146" y="41331"/>
+                </a:lnTo>
+                <a:lnTo>
+                  <a:pt x="70264" y="41331"/>
+                </a:lnTo>
+                <a:lnTo>
+                  <a:pt x="70264" y="97290"/>
+                </a:lnTo>
+                <a:lnTo>
+                  <a:pt x="51896" y="82661"/>
+                </a:lnTo>
+                <a:lnTo>
+                  <a:pt x="19822" y="108205"/>
+                </a:lnTo>
+                <a:lnTo>
+                  <a:pt x="32074" y="66874"/>
+                </a:lnTo>
+                <a:lnTo>
+                  <a:pt x="0" y="41331"/>
+                </a:lnTo>
+                <a:lnTo>
+                  <a:pt x="39645" y="41331"/>
+                </a:lnTo>
+                <a:close/>
+              </a:path>
+            </a:pathLst>
+          </a:custGeom>
+          <a:solidFill>
+            <a:srgbClr val="FF0000"/>
+          </a:solidFill>
+          <a:ln>
+            <a:noFill/>
+          </a:ln>
+        </p:spPr>
+        <p:style>
+          <a:lnRef idx="2">
+            <a:schemeClr val="accent1">
+              <a:shade val="50000"/>
+            </a:schemeClr>
+          </a:lnRef>
+          <a:fillRef idx="1">
+            <a:schemeClr val="accent1"/>
+          </a:fillRef>
+          <a:effectRef idx="0">
+            <a:schemeClr val="accent1"/>
+          </a:effectRef>
+          <a:fontRef idx="minor">
+            <a:schemeClr val="lt1"/>
+          </a:fontRef>
+        </p:style>
+        <p:txBody>
+          <a:bodyPr rtlCol="0" anchor="ctr"/>
+          <a:lstStyle/>
+          <a:p>
+            <a:pPr algn="ctr"/>
+            <a:endParaRPr lang="en-AU"/>
+          </a:p>
+        </p:txBody>
+      </p:sp>
+      <p:sp>
+        <p:nvSpPr>
+          <p:cNvPr id="132" name="TextBox 131"/>
+          <p:cNvSpPr txBox="1"/>
+          <p:nvPr/>
+        </p:nvSpPr>
+        <p:spPr>
+          <a:xfrm>
+            <a:off x="3761138" y="2584401"/>
+            <a:ext cx="575799" cy="261610"/>
+          </a:xfrm>
+          <a:prstGeom prst="rect">
+            <a:avLst/>
+          </a:prstGeom>
+          <a:noFill/>
+        </p:spPr>
+        <p:txBody>
+          <a:bodyPr wrap="none" rtlCol="0">
+            <a:spAutoFit/>
+          </a:bodyPr>
+          <a:lstStyle/>
+          <a:p>
+            <a:r>
+              <a:rPr lang="en-AU" sz="1100" dirty="0" smtClean="0">
+                <a:solidFill>
+                  <a:schemeClr val="accent5">
+                    <a:lumMod val="60000"/>
+                    <a:lumOff val="40000"/>
+                  </a:schemeClr>
+                </a:solidFill>
+              </a:rPr>
+              <a:t>(#sold)</a:t>
+            </a:r>
+            <a:endParaRPr lang="en-AU" sz="1100" dirty="0">
+              <a:solidFill>
+                <a:schemeClr val="accent5">
+                  <a:lumMod val="60000"/>
+                  <a:lumOff val="40000"/>
+                </a:schemeClr>
+              </a:solidFill>
+            </a:endParaRPr>
+          </a:p>
+        </p:txBody>
+      </p:sp>
+      <p:sp>
+        <p:nvSpPr>
+          <p:cNvPr id="134" name="10-Point Star 133"/>
+          <p:cNvSpPr/>
+          <p:nvPr/>
+        </p:nvSpPr>
+        <p:spPr>
+          <a:xfrm>
+            <a:off x="3257148" y="2788486"/>
+            <a:ext cx="1001069" cy="342478"/>
+          </a:xfrm>
+          <a:prstGeom prst="star10">
+            <a:avLst>
+              <a:gd name="adj" fmla="val 36796"/>
+              <a:gd name="hf" fmla="val 105146"/>
+            </a:avLst>
+          </a:prstGeom>
+          <a:solidFill>
+            <a:srgbClr val="92D050"/>
+          </a:solidFill>
+          <a:ln>
+            <a:noFill/>
+          </a:ln>
+        </p:spPr>
+        <p:style>
+          <a:lnRef idx="2">
+            <a:schemeClr val="accent1">
+              <a:shade val="50000"/>
+            </a:schemeClr>
+          </a:lnRef>
+          <a:fillRef idx="1">
+            <a:schemeClr val="accent1"/>
+          </a:fillRef>
+          <a:effectRef idx="0">
+            <a:schemeClr val="accent1"/>
+          </a:effectRef>
+          <a:fontRef idx="minor">
+            <a:schemeClr val="lt1"/>
+          </a:fontRef>
+        </p:style>
+        <p:txBody>
+          <a:bodyPr rtlCol="0" anchor="ctr"/>
+          <a:lstStyle/>
+          <a:p>
+            <a:pPr algn="ctr"/>
+            <a:r>
+              <a:rPr lang="en-AU" sz="1000" b="1" dirty="0" smtClean="0"/>
+              <a:t>₹5000/-</a:t>
+            </a:r>
+            <a:endParaRPr lang="en-AU" sz="1000" b="1" dirty="0"/>
+          </a:p>
+        </p:txBody>
+      </p:sp>
+      <p:sp>
+        <p:nvSpPr>
+          <p:cNvPr id="135" name="Rectangle 134"/>
+          <p:cNvSpPr/>
+          <p:nvPr/>
+        </p:nvSpPr>
+        <p:spPr>
+          <a:xfrm>
+            <a:off x="4169844" y="2795841"/>
+            <a:ext cx="579005" cy="246221"/>
+          </a:xfrm>
+          <a:prstGeom prst="rect">
+            <a:avLst/>
+          </a:prstGeom>
+        </p:spPr>
+        <p:txBody>
+          <a:bodyPr wrap="none">
+            <a:spAutoFit/>
+          </a:bodyPr>
+          <a:lstStyle/>
+          <a:p>
+            <a:r>
+              <a:rPr lang="en-AU" sz="1000" strike="sngStrike" dirty="0" smtClean="0">
+                <a:solidFill>
+                  <a:schemeClr val="accent5">
+                    <a:lumMod val="60000"/>
+                    <a:lumOff val="40000"/>
+                  </a:schemeClr>
                 </a:solidFill>
               </a:rPr>
               <a:t>₹15000</a:t>
             </a:r>
-            <a:endParaRPr lang="en-AU" sz="800" dirty="0">
-              <a:solidFill>
-                <a:schemeClr val="bg1"/>
-              </a:solidFill>
-            </a:endParaRPr>
-          </a:p>
-          <a:p>
-            <a:pPr algn="ctr"/>
-            <a:r>
-              <a:rPr lang="en-AU" sz="800" b="1" dirty="0">
+            <a:endParaRPr lang="en-AU" sz="1000" dirty="0"/>
+          </a:p>
+        </p:txBody>
+      </p:sp>
+      <p:sp>
+        <p:nvSpPr>
+          <p:cNvPr id="136" name="Rectangle 135"/>
+          <p:cNvSpPr/>
+          <p:nvPr/>
+        </p:nvSpPr>
+        <p:spPr>
+          <a:xfrm>
+            <a:off x="4177390" y="2921082"/>
+            <a:ext cx="604653" cy="246221"/>
+          </a:xfrm>
+          <a:prstGeom prst="rect">
+            <a:avLst/>
+          </a:prstGeom>
+        </p:spPr>
+        <p:txBody>
+          <a:bodyPr wrap="none">
+            <a:spAutoFit/>
+          </a:bodyPr>
+          <a:lstStyle/>
+          <a:p>
+            <a:r>
+              <a:rPr lang="en-AU" sz="1000" b="1" dirty="0" smtClean="0">
                 <a:solidFill>
-                  <a:schemeClr val="bg1"/>
+                  <a:schemeClr val="accent5">
+                    <a:lumMod val="60000"/>
+                    <a:lumOff val="40000"/>
+                  </a:schemeClr>
                 </a:solidFill>
               </a:rPr>
-              <a:t>67% </a:t>
-            </a:r>
-            <a:r>
-              <a:rPr lang="en-AU" sz="800" b="1" dirty="0" smtClean="0">
-                <a:solidFill>
-                  <a:schemeClr val="bg1"/>
-                </a:solidFill>
-              </a:rPr>
-              <a:t>Off</a:t>
-            </a:r>
-            <a:endParaRPr lang="en-AU" sz="800" b="1" dirty="0" smtClean="0"/>
-          </a:p>
-          <a:p>
-            <a:pPr algn="ctr"/>
-            <a:r>
-              <a:rPr lang="en-AU" sz="1200" b="1" dirty="0" smtClean="0"/>
-              <a:t>₹</a:t>
-            </a:r>
-            <a:r>
-              <a:rPr lang="en-AU" sz="1200" b="1" dirty="0" smtClean="0"/>
-              <a:t>5000/-</a:t>
-            </a:r>
-            <a:endParaRPr lang="en-AU" sz="1200" b="1" dirty="0"/>
-          </a:p>
-        </p:txBody>
-      </p:sp>
-      <p:sp>
-        <p:nvSpPr>
-          <p:cNvPr id="87" name="Rectangle 86"/>
+              <a:t>67% Off</a:t>
+            </a:r>
+            <a:endParaRPr lang="en-AU" sz="1000" b="1" dirty="0"/>
+          </a:p>
+        </p:txBody>
+      </p:sp>
+      <p:sp>
+        <p:nvSpPr>
+          <p:cNvPr id="137" name="Rectangle 136"/>
           <p:cNvSpPr/>
           <p:nvPr/>
         </p:nvSpPr>
         <p:spPr>
           <a:xfrm>
-            <a:off x="3737974" y="5485415"/>
+            <a:off x="3265597" y="3139375"/>
             <a:ext cx="1483252" cy="216085"/>
           </a:xfrm>
           <a:prstGeom prst="rect">
@@ -17717,27 +22476,128 @@
       </p:sp>
       <p:sp>
         <p:nvSpPr>
-          <p:cNvPr id="88" name="10-Point Star 87"/>
+          <p:cNvPr id="139" name="TextBox 138"/>
+          <p:cNvSpPr txBox="1"/>
+          <p:nvPr/>
+        </p:nvSpPr>
+        <p:spPr>
+          <a:xfrm>
+            <a:off x="1635239" y="1230447"/>
+            <a:ext cx="1509492" cy="584775"/>
+          </a:xfrm>
+          <a:prstGeom prst="rect">
+            <a:avLst/>
+          </a:prstGeom>
+          <a:noFill/>
+        </p:spPr>
+        <p:txBody>
+          <a:bodyPr wrap="square" rtlCol="0">
+            <a:spAutoFit/>
+          </a:bodyPr>
+          <a:lstStyle/>
+          <a:p>
+            <a:r>
+              <a:rPr lang="en-AU" sz="1600" dirty="0" smtClean="0"/>
+              <a:t>Course Cards here …</a:t>
+            </a:r>
+          </a:p>
+        </p:txBody>
+      </p:sp>
+      <p:pic>
+        <p:nvPicPr>
+          <p:cNvPr id="140" name="Picture 4" descr="Geography Books 2021: Physical &amp; Human Geography - Leverage Edu"/>
+          <p:cNvPicPr>
+            <a:picLocks noChangeAspect="1" noChangeArrowheads="1"/>
+          </p:cNvPicPr>
+          <p:nvPr/>
+        </p:nvPicPr>
+        <p:blipFill>
+          <a:blip r:embed="rId2" cstate="print">
+            <a:extLst>
+              <a:ext uri="{28A0092B-C50C-407E-A947-70E740481C1C}">
+                <a14:useLocalDpi xmlns:a14="http://schemas.microsoft.com/office/drawing/2010/main" val="0"/>
+              </a:ext>
+            </a:extLst>
+          </a:blip>
+          <a:srcRect/>
+          <a:stretch>
+            <a:fillRect/>
+          </a:stretch>
+        </p:blipFill>
+        <p:spPr bwMode="auto">
+          <a:xfrm>
+            <a:off x="3263532" y="1214522"/>
+            <a:ext cx="1494082" cy="674435"/>
+          </a:xfrm>
+          <a:prstGeom prst="rect">
+            <a:avLst/>
+          </a:prstGeom>
+          <a:noFill/>
+          <a:extLst>
+            <a:ext uri="{909E8E84-426E-40DD-AFC4-6F175D3DCCD1}">
+              <a14:hiddenFill xmlns:a14="http://schemas.microsoft.com/office/drawing/2010/main">
+                <a:solidFill>
+                  <a:srgbClr val="FFFFFF"/>
+                </a:solidFill>
+              </a14:hiddenFill>
+            </a:ext>
+          </a:extLst>
+        </p:spPr>
+      </p:pic>
+      <p:sp>
+        <p:nvSpPr>
+          <p:cNvPr id="141" name="TextBox 140"/>
+          <p:cNvSpPr txBox="1"/>
+          <p:nvPr/>
+        </p:nvSpPr>
+        <p:spPr>
+          <a:xfrm>
+            <a:off x="4845023" y="1177422"/>
+            <a:ext cx="1509492" cy="584775"/>
+          </a:xfrm>
+          <a:prstGeom prst="rect">
+            <a:avLst/>
+          </a:prstGeom>
+          <a:noFill/>
+        </p:spPr>
+        <p:txBody>
+          <a:bodyPr wrap="square" rtlCol="0">
+            <a:spAutoFit/>
+          </a:bodyPr>
+          <a:lstStyle/>
+          <a:p>
+            <a:r>
+              <a:rPr lang="en-AU" sz="1600" dirty="0" smtClean="0"/>
+              <a:t>Course Cards here …</a:t>
+            </a:r>
+          </a:p>
+        </p:txBody>
+      </p:sp>
+      <p:sp>
+        <p:nvSpPr>
+          <p:cNvPr id="3" name="Rounded Rectangle 2"/>
           <p:cNvSpPr/>
           <p:nvPr/>
         </p:nvSpPr>
         <p:spPr>
           <a:xfrm>
-            <a:off x="3967034" y="3139623"/>
-            <a:ext cx="1200709" cy="608665"/>
-          </a:xfrm>
-          <a:prstGeom prst="star10">
+            <a:off x="1545465" y="425007"/>
+            <a:ext cx="3760631" cy="6276043"/>
+          </a:xfrm>
+          <a:prstGeom prst="roundRect">
             <a:avLst>
-              <a:gd name="adj" fmla="val 36796"/>
-              <a:gd name="hf" fmla="val 105146"/>
+              <a:gd name="adj" fmla="val 4318"/>
             </a:avLst>
           </a:prstGeom>
-          <a:solidFill>
-            <a:srgbClr val="92D050"/>
-          </a:solidFill>
-          <a:ln>
-            <a:noFill/>
-          </a:ln>
+          <a:noFill/>
+          <a:ln w="28575"/>
+          <a:effectLst>
+            <a:outerShdw blurRad="63500" sx="102000" sy="102000" algn="ctr" rotWithShape="0">
+              <a:prstClr val="black">
+                <a:alpha val="40000"/>
+              </a:prstClr>
+            </a:outerShdw>
+          </a:effectLst>
         </p:spPr>
         <p:style>
           <a:lnRef idx="2">
@@ -17760,64 +22620,306 @@
           <a:lstStyle/>
           <a:p>
             <a:pPr algn="ctr"/>
-            <a:r>
-              <a:rPr lang="en-AU" sz="800" strike="sngStrike" dirty="0">
-                <a:solidFill>
-                  <a:schemeClr val="bg1"/>
-                </a:solidFill>
-              </a:rPr>
-              <a:t>₹15000</a:t>
-            </a:r>
-            <a:endParaRPr lang="en-AU" sz="800" dirty="0">
-              <a:solidFill>
-                <a:schemeClr val="bg1"/>
-              </a:solidFill>
-            </a:endParaRPr>
-          </a:p>
+            <a:endParaRPr lang="en-AU"/>
+          </a:p>
+        </p:txBody>
+      </p:sp>
+      <p:sp>
+        <p:nvSpPr>
+          <p:cNvPr id="15" name="Rectangle 14"/>
+          <p:cNvSpPr/>
+          <p:nvPr/>
+        </p:nvSpPr>
+        <p:spPr>
+          <a:xfrm>
+            <a:off x="2297483" y="3432744"/>
+            <a:ext cx="185005" cy="192256"/>
+          </a:xfrm>
+          <a:prstGeom prst="rect">
+            <a:avLst/>
+          </a:prstGeom>
+          <a:solidFill>
+            <a:schemeClr val="bg1"/>
+          </a:solidFill>
+          <a:ln w="25400">
+            <a:solidFill>
+              <a:schemeClr val="accent5">
+                <a:lumMod val="75000"/>
+              </a:schemeClr>
+            </a:solidFill>
+          </a:ln>
+          <a:effectLst>
+            <a:innerShdw blurRad="63500" dist="50800" dir="2700000">
+              <a:prstClr val="black">
+                <a:alpha val="50000"/>
+              </a:prstClr>
+            </a:innerShdw>
+          </a:effectLst>
+        </p:spPr>
+        <p:style>
+          <a:lnRef idx="2">
+            <a:schemeClr val="accent1">
+              <a:shade val="50000"/>
+            </a:schemeClr>
+          </a:lnRef>
+          <a:fillRef idx="1">
+            <a:schemeClr val="accent1"/>
+          </a:fillRef>
+          <a:effectRef idx="0">
+            <a:schemeClr val="accent1"/>
+          </a:effectRef>
+          <a:fontRef idx="minor">
+            <a:schemeClr val="lt1"/>
+          </a:fontRef>
+        </p:style>
+        <p:txBody>
+          <a:bodyPr rtlCol="0" anchor="ctr"/>
+          <a:lstStyle/>
           <a:p>
             <a:pPr algn="ctr"/>
-            <a:r>
-              <a:rPr lang="en-AU" sz="800" b="1" dirty="0">
-                <a:solidFill>
-                  <a:schemeClr val="bg1"/>
-                </a:solidFill>
-              </a:rPr>
-              <a:t>67% </a:t>
-            </a:r>
-            <a:r>
-              <a:rPr lang="en-AU" sz="800" b="1" dirty="0" smtClean="0">
-                <a:solidFill>
-                  <a:schemeClr val="bg1"/>
-                </a:solidFill>
-              </a:rPr>
-              <a:t>Off</a:t>
-            </a:r>
-            <a:endParaRPr lang="en-AU" sz="800" b="1" dirty="0" smtClean="0"/>
-          </a:p>
+            <a:endParaRPr lang="en-AU"/>
+          </a:p>
+        </p:txBody>
+      </p:sp>
+      <p:sp>
+        <p:nvSpPr>
+          <p:cNvPr id="168" name="Rectangle 167"/>
+          <p:cNvSpPr/>
+          <p:nvPr/>
+        </p:nvSpPr>
+        <p:spPr>
+          <a:xfrm>
+            <a:off x="3886798" y="3440004"/>
+            <a:ext cx="185005" cy="192256"/>
+          </a:xfrm>
+          <a:prstGeom prst="rect">
+            <a:avLst/>
+          </a:prstGeom>
+          <a:solidFill>
+            <a:schemeClr val="bg1"/>
+          </a:solidFill>
+          <a:ln w="25400">
+            <a:solidFill>
+              <a:schemeClr val="accent5">
+                <a:lumMod val="75000"/>
+              </a:schemeClr>
+            </a:solidFill>
+          </a:ln>
+          <a:effectLst>
+            <a:innerShdw blurRad="63500" dist="50800" dir="2700000">
+              <a:prstClr val="black">
+                <a:alpha val="50000"/>
+              </a:prstClr>
+            </a:innerShdw>
+          </a:effectLst>
+        </p:spPr>
+        <p:style>
+          <a:lnRef idx="2">
+            <a:schemeClr val="accent1">
+              <a:shade val="50000"/>
+            </a:schemeClr>
+          </a:lnRef>
+          <a:fillRef idx="1">
+            <a:schemeClr val="accent1"/>
+          </a:fillRef>
+          <a:effectRef idx="0">
+            <a:schemeClr val="accent1"/>
+          </a:effectRef>
+          <a:fontRef idx="minor">
+            <a:schemeClr val="lt1"/>
+          </a:fontRef>
+        </p:style>
+        <p:txBody>
+          <a:bodyPr rtlCol="0" anchor="ctr"/>
+          <a:lstStyle/>
           <a:p>
             <a:pPr algn="ctr"/>
-            <a:r>
-              <a:rPr lang="en-AU" sz="1200" b="1" dirty="0" smtClean="0"/>
-              <a:t>₹</a:t>
-            </a:r>
-            <a:r>
-              <a:rPr lang="en-AU" sz="1200" b="1" dirty="0" smtClean="0"/>
-              <a:t>5000/-</a:t>
-            </a:r>
-            <a:endParaRPr lang="en-AU" sz="1200" b="1" dirty="0"/>
-          </a:p>
-        </p:txBody>
-      </p:sp>
-      <p:sp>
-        <p:nvSpPr>
-          <p:cNvPr id="89" name="TextBox 88"/>
+            <a:endParaRPr lang="en-AU"/>
+          </a:p>
+        </p:txBody>
+      </p:sp>
+      <p:cxnSp>
+        <p:nvCxnSpPr>
+          <p:cNvPr id="18" name="Straight Connector 17"/>
+          <p:cNvCxnSpPr/>
+          <p:nvPr/>
+        </p:nvCxnSpPr>
+        <p:spPr>
+          <a:xfrm>
+            <a:off x="3938587" y="3505200"/>
+            <a:ext cx="32086" cy="54922"/>
+          </a:xfrm>
+          <a:prstGeom prst="line">
+            <a:avLst/>
+          </a:prstGeom>
+          <a:ln w="25400">
+            <a:solidFill>
+              <a:schemeClr val="accent5">
+                <a:lumMod val="75000"/>
+              </a:schemeClr>
+            </a:solidFill>
+          </a:ln>
+        </p:spPr>
+        <p:style>
+          <a:lnRef idx="1">
+            <a:schemeClr val="accent1"/>
+          </a:lnRef>
+          <a:fillRef idx="0">
+            <a:schemeClr val="accent1"/>
+          </a:fillRef>
+          <a:effectRef idx="0">
+            <a:schemeClr val="accent1"/>
+          </a:effectRef>
+          <a:fontRef idx="minor">
+            <a:schemeClr val="tx1"/>
+          </a:fontRef>
+        </p:style>
+      </p:cxnSp>
+      <p:cxnSp>
+        <p:nvCxnSpPr>
+          <p:cNvPr id="21" name="Straight Connector 20"/>
+          <p:cNvCxnSpPr/>
+          <p:nvPr/>
+        </p:nvCxnSpPr>
+        <p:spPr>
+          <a:xfrm flipV="1">
+            <a:off x="3956387" y="3500438"/>
+            <a:ext cx="79833" cy="54922"/>
+          </a:xfrm>
+          <a:prstGeom prst="line">
+            <a:avLst/>
+          </a:prstGeom>
+          <a:ln w="25400">
+            <a:solidFill>
+              <a:schemeClr val="accent5">
+                <a:lumMod val="75000"/>
+              </a:schemeClr>
+            </a:solidFill>
+          </a:ln>
+        </p:spPr>
+        <p:style>
+          <a:lnRef idx="1">
+            <a:schemeClr val="accent1"/>
+          </a:lnRef>
+          <a:fillRef idx="0">
+            <a:schemeClr val="accent1"/>
+          </a:fillRef>
+          <a:effectRef idx="0">
+            <a:schemeClr val="accent1"/>
+          </a:effectRef>
+          <a:fontRef idx="minor">
+            <a:schemeClr val="tx1"/>
+          </a:fontRef>
+        </p:style>
+      </p:cxnSp>
+      <p:cxnSp>
+        <p:nvCxnSpPr>
+          <p:cNvPr id="169" name="Straight Connector 168"/>
+          <p:cNvCxnSpPr/>
+          <p:nvPr/>
+        </p:nvCxnSpPr>
+        <p:spPr>
+          <a:xfrm>
+            <a:off x="2357437" y="3505200"/>
+            <a:ext cx="32086" cy="54922"/>
+          </a:xfrm>
+          <a:prstGeom prst="line">
+            <a:avLst/>
+          </a:prstGeom>
+          <a:ln w="25400">
+            <a:solidFill>
+              <a:schemeClr val="accent5">
+                <a:lumMod val="75000"/>
+              </a:schemeClr>
+            </a:solidFill>
+          </a:ln>
+        </p:spPr>
+        <p:style>
+          <a:lnRef idx="1">
+            <a:schemeClr val="accent1"/>
+          </a:lnRef>
+          <a:fillRef idx="0">
+            <a:schemeClr val="accent1"/>
+          </a:fillRef>
+          <a:effectRef idx="0">
+            <a:schemeClr val="accent1"/>
+          </a:effectRef>
+          <a:fontRef idx="minor">
+            <a:schemeClr val="tx1"/>
+          </a:fontRef>
+        </p:style>
+      </p:cxnSp>
+      <p:cxnSp>
+        <p:nvCxnSpPr>
+          <p:cNvPr id="170" name="Straight Connector 169"/>
+          <p:cNvCxnSpPr/>
+          <p:nvPr/>
+        </p:nvCxnSpPr>
+        <p:spPr>
+          <a:xfrm flipV="1">
+            <a:off x="2375237" y="3500438"/>
+            <a:ext cx="79833" cy="54922"/>
+          </a:xfrm>
+          <a:prstGeom prst="line">
+            <a:avLst/>
+          </a:prstGeom>
+          <a:ln w="25400">
+            <a:solidFill>
+              <a:schemeClr val="accent5">
+                <a:lumMod val="75000"/>
+              </a:schemeClr>
+            </a:solidFill>
+          </a:ln>
+        </p:spPr>
+        <p:style>
+          <a:lnRef idx="1">
+            <a:schemeClr val="accent1"/>
+          </a:lnRef>
+          <a:fillRef idx="0">
+            <a:schemeClr val="accent1"/>
+          </a:fillRef>
+          <a:effectRef idx="0">
+            <a:schemeClr val="accent1"/>
+          </a:effectRef>
+          <a:fontRef idx="minor">
+            <a:schemeClr val="tx1"/>
+          </a:fontRef>
+        </p:style>
+      </p:cxnSp>
+      <p:pic>
+        <p:nvPicPr>
+          <p:cNvPr id="27" name="Picture 26"/>
+          <p:cNvPicPr>
+            <a:picLocks noChangeAspect="1"/>
+          </p:cNvPicPr>
+          <p:nvPr/>
+        </p:nvPicPr>
+        <p:blipFill>
+          <a:blip r:embed="rId3"/>
+          <a:stretch>
+            <a:fillRect/>
+          </a:stretch>
+        </p:blipFill>
+        <p:spPr>
+          <a:xfrm>
+            <a:off x="3778111" y="3908397"/>
+            <a:ext cx="1273430" cy="204958"/>
+          </a:xfrm>
+          <a:prstGeom prst="rect">
+            <a:avLst/>
+          </a:prstGeom>
+        </p:spPr>
+      </p:pic>
+      <p:sp>
+        <p:nvSpPr>
+          <p:cNvPr id="172" name="TextBox 171"/>
           <p:cNvSpPr txBox="1"/>
           <p:nvPr/>
         </p:nvSpPr>
         <p:spPr>
           <a:xfrm>
-            <a:off x="1666884" y="3859839"/>
-            <a:ext cx="1952050" cy="430887"/>
+            <a:off x="1632799" y="3875080"/>
+            <a:ext cx="2102755" cy="307777"/>
           </a:xfrm>
           <a:prstGeom prst="rect">
             <a:avLst/>
@@ -17825,54 +22927,202 @@
           <a:noFill/>
         </p:spPr>
         <p:txBody>
-          <a:bodyPr wrap="square" rtlCol="0">
+          <a:bodyPr wrap="none" rtlCol="0">
             <a:spAutoFit/>
           </a:bodyPr>
           <a:lstStyle/>
           <a:p>
             <a:r>
-              <a:rPr lang="en-AU" sz="1100" dirty="0" smtClean="0">
+              <a:rPr lang="en-AU" sz="1400" b="1" dirty="0" smtClean="0">
                 <a:solidFill>
                   <a:schemeClr val="accent5">
                     <a:lumMod val="75000"/>
                   </a:schemeClr>
                 </a:solidFill>
               </a:rPr>
-              <a:t>Class N | Subject | Board </a:t>
-            </a:r>
-          </a:p>
-          <a:p>
-            <a:r>
-              <a:rPr lang="en-AU" sz="1100" dirty="0" smtClean="0">
+              <a:t>Pay by Debit / Credit Card</a:t>
+            </a:r>
+            <a:endParaRPr lang="en-AU" sz="1400" b="1" dirty="0">
+              <a:solidFill>
+                <a:schemeClr val="accent5">
+                  <a:lumMod val="75000"/>
+                </a:schemeClr>
+              </a:solidFill>
+            </a:endParaRPr>
+          </a:p>
+        </p:txBody>
+      </p:sp>
+      <p:sp>
+        <p:nvSpPr>
+          <p:cNvPr id="175" name="Rectangle 174"/>
+          <p:cNvSpPr/>
+          <p:nvPr/>
+        </p:nvSpPr>
+        <p:spPr>
+          <a:xfrm>
+            <a:off x="1659761" y="5221699"/>
+            <a:ext cx="3499471" cy="554193"/>
+          </a:xfrm>
+          <a:prstGeom prst="rect">
+            <a:avLst/>
+          </a:prstGeom>
+          <a:solidFill>
+            <a:schemeClr val="bg1">
+              <a:lumMod val="95000"/>
+            </a:schemeClr>
+          </a:solidFill>
+          <a:ln>
+            <a:noFill/>
+          </a:ln>
+        </p:spPr>
+        <p:style>
+          <a:lnRef idx="2">
+            <a:schemeClr val="accent1">
+              <a:shade val="50000"/>
+            </a:schemeClr>
+          </a:lnRef>
+          <a:fillRef idx="1">
+            <a:schemeClr val="accent1"/>
+          </a:fillRef>
+          <a:effectRef idx="0">
+            <a:schemeClr val="accent1"/>
+          </a:effectRef>
+          <a:fontRef idx="minor">
+            <a:schemeClr val="lt1"/>
+          </a:fontRef>
+        </p:style>
+        <p:txBody>
+          <a:bodyPr rtlCol="0" anchor="ctr"/>
+          <a:lstStyle/>
+          <a:p>
+            <a:pPr algn="ctr"/>
+            <a:endParaRPr lang="en-AU"/>
+          </a:p>
+        </p:txBody>
+      </p:sp>
+      <p:pic>
+        <p:nvPicPr>
+          <p:cNvPr id="28" name="Picture 27"/>
+          <p:cNvPicPr>
+            <a:picLocks noChangeAspect="1"/>
+          </p:cNvPicPr>
+          <p:nvPr/>
+        </p:nvPicPr>
+        <p:blipFill>
+          <a:blip r:embed="rId4"/>
+          <a:stretch>
+            <a:fillRect/>
+          </a:stretch>
+        </p:blipFill>
+        <p:spPr>
+          <a:xfrm>
+            <a:off x="4649341" y="5278793"/>
+            <a:ext cx="384687" cy="429945"/>
+          </a:xfrm>
+          <a:prstGeom prst="rect">
+            <a:avLst/>
+          </a:prstGeom>
+        </p:spPr>
+      </p:pic>
+      <p:sp>
+        <p:nvSpPr>
+          <p:cNvPr id="177" name="TextBox 176"/>
+          <p:cNvSpPr txBox="1"/>
+          <p:nvPr/>
+        </p:nvSpPr>
+        <p:spPr>
+          <a:xfrm>
+            <a:off x="1624779" y="5262722"/>
+            <a:ext cx="1235788" cy="307777"/>
+          </a:xfrm>
+          <a:prstGeom prst="rect">
+            <a:avLst/>
+          </a:prstGeom>
+          <a:noFill/>
+        </p:spPr>
+        <p:txBody>
+          <a:bodyPr wrap="none" rtlCol="0">
+            <a:spAutoFit/>
+          </a:bodyPr>
+          <a:lstStyle/>
+          <a:p>
+            <a:r>
+              <a:rPr lang="en-AU" sz="1400" b="1" dirty="0" smtClean="0">
                 <a:solidFill>
                   <a:schemeClr val="accent5">
                     <a:lumMod val="75000"/>
                   </a:schemeClr>
                 </a:solidFill>
               </a:rPr>
-              <a:t>Language | </a:t>
-            </a:r>
-            <a:r>
-              <a:rPr lang="en-AU" sz="1100" dirty="0" err="1" smtClean="0">
+              <a:t>Pay by Pay Pal</a:t>
+            </a:r>
+            <a:endParaRPr lang="en-AU" sz="1400" b="1" dirty="0">
+              <a:solidFill>
+                <a:schemeClr val="accent5">
+                  <a:lumMod val="75000"/>
+                </a:schemeClr>
+              </a:solidFill>
+            </a:endParaRPr>
+          </a:p>
+        </p:txBody>
+      </p:sp>
+      <p:pic>
+        <p:nvPicPr>
+          <p:cNvPr id="29" name="Picture 28"/>
+          <p:cNvPicPr>
+            <a:picLocks noChangeAspect="1"/>
+          </p:cNvPicPr>
+          <p:nvPr/>
+        </p:nvPicPr>
+        <p:blipFill>
+          <a:blip r:embed="rId5"/>
+          <a:stretch>
+            <a:fillRect/>
+          </a:stretch>
+        </p:blipFill>
+        <p:spPr>
+          <a:xfrm>
+            <a:off x="4584944" y="5948340"/>
+            <a:ext cx="519545" cy="415636"/>
+          </a:xfrm>
+          <a:prstGeom prst="rect">
+            <a:avLst/>
+          </a:prstGeom>
+        </p:spPr>
+      </p:pic>
+      <p:sp>
+        <p:nvSpPr>
+          <p:cNvPr id="178" name="TextBox 177"/>
+          <p:cNvSpPr txBox="1"/>
+          <p:nvPr/>
+        </p:nvSpPr>
+        <p:spPr>
+          <a:xfrm>
+            <a:off x="1616759" y="5896382"/>
+            <a:ext cx="1535870" cy="307777"/>
+          </a:xfrm>
+          <a:prstGeom prst="rect">
+            <a:avLst/>
+          </a:prstGeom>
+          <a:noFill/>
+        </p:spPr>
+        <p:txBody>
+          <a:bodyPr wrap="none" rtlCol="0">
+            <a:spAutoFit/>
+          </a:bodyPr>
+          <a:lstStyle/>
+          <a:p>
+            <a:r>
+              <a:rPr lang="en-AU" sz="1400" b="1" dirty="0" smtClean="0">
                 <a:solidFill>
                   <a:schemeClr val="accent5">
                     <a:lumMod val="75000"/>
                   </a:schemeClr>
                 </a:solidFill>
               </a:rPr>
-              <a:t>Avg</a:t>
-            </a:r>
-            <a:r>
-              <a:rPr lang="en-AU" sz="1100" dirty="0" smtClean="0">
-                <a:solidFill>
-                  <a:schemeClr val="accent5">
-                    <a:lumMod val="75000"/>
-                  </a:schemeClr>
-                </a:solidFill>
-              </a:rPr>
-              <a:t> Score 95%</a:t>
-            </a:r>
-            <a:endParaRPr lang="en-AU" sz="1100" dirty="0">
+              <a:t>Pay by Google Pay</a:t>
+            </a:r>
+            <a:endParaRPr lang="en-AU" sz="1400" b="1" dirty="0">
               <a:solidFill>
                 <a:schemeClr val="accent5">
                   <a:lumMod val="75000"/>
@@ -17882,10 +23132,273 @@
           </a:p>
         </p:txBody>
       </p:sp>
+      <p:sp>
+        <p:nvSpPr>
+          <p:cNvPr id="11" name="Rectangle 10"/>
+          <p:cNvSpPr/>
+          <p:nvPr/>
+        </p:nvSpPr>
+        <p:spPr>
+          <a:xfrm>
+            <a:off x="1685437" y="6236030"/>
+            <a:ext cx="3536642" cy="228408"/>
+          </a:xfrm>
+          <a:prstGeom prst="rect">
+            <a:avLst/>
+          </a:prstGeom>
+          <a:solidFill>
+            <a:schemeClr val="bg1"/>
+          </a:solidFill>
+          <a:ln>
+            <a:noFill/>
+          </a:ln>
+        </p:spPr>
+        <p:style>
+          <a:lnRef idx="2">
+            <a:schemeClr val="accent1">
+              <a:shade val="50000"/>
+            </a:schemeClr>
+          </a:lnRef>
+          <a:fillRef idx="1">
+            <a:schemeClr val="accent1"/>
+          </a:fillRef>
+          <a:effectRef idx="0">
+            <a:schemeClr val="accent1"/>
+          </a:effectRef>
+          <a:fontRef idx="minor">
+            <a:schemeClr val="lt1"/>
+          </a:fontRef>
+        </p:style>
+        <p:txBody>
+          <a:bodyPr rtlCol="0" anchor="ctr"/>
+          <a:lstStyle/>
+          <a:p>
+            <a:pPr algn="ctr"/>
+            <a:endParaRPr lang="en-AU"/>
+          </a:p>
+        </p:txBody>
+      </p:sp>
+      <p:sp>
+        <p:nvSpPr>
+          <p:cNvPr id="6" name="Isosceles Triangle 5"/>
+          <p:cNvSpPr/>
+          <p:nvPr/>
+        </p:nvSpPr>
+        <p:spPr>
+          <a:xfrm rot="16200000">
+            <a:off x="2306010" y="6383601"/>
+            <a:ext cx="219758" cy="168185"/>
+          </a:xfrm>
+          <a:prstGeom prst="triangle">
+            <a:avLst/>
+          </a:prstGeom>
+        </p:spPr>
+        <p:style>
+          <a:lnRef idx="2">
+            <a:schemeClr val="accent1">
+              <a:shade val="50000"/>
+            </a:schemeClr>
+          </a:lnRef>
+          <a:fillRef idx="1">
+            <a:schemeClr val="accent1"/>
+          </a:fillRef>
+          <a:effectRef idx="0">
+            <a:schemeClr val="accent1"/>
+          </a:effectRef>
+          <a:fontRef idx="minor">
+            <a:schemeClr val="lt1"/>
+          </a:fontRef>
+        </p:style>
+        <p:txBody>
+          <a:bodyPr rtlCol="0" anchor="ctr"/>
+          <a:lstStyle/>
+          <a:p>
+            <a:pPr algn="ctr"/>
+            <a:endParaRPr lang="en-AU"/>
+          </a:p>
+        </p:txBody>
+      </p:sp>
+      <p:sp>
+        <p:nvSpPr>
+          <p:cNvPr id="7" name="Rectangle 6"/>
+          <p:cNvSpPr/>
+          <p:nvPr/>
+        </p:nvSpPr>
+        <p:spPr>
+          <a:xfrm>
+            <a:off x="4391897" y="6348388"/>
+            <a:ext cx="205652" cy="211398"/>
+          </a:xfrm>
+          <a:prstGeom prst="rect">
+            <a:avLst/>
+          </a:prstGeom>
+        </p:spPr>
+        <p:style>
+          <a:lnRef idx="2">
+            <a:schemeClr val="accent1">
+              <a:shade val="50000"/>
+            </a:schemeClr>
+          </a:lnRef>
+          <a:fillRef idx="1">
+            <a:schemeClr val="accent1"/>
+          </a:fillRef>
+          <a:effectRef idx="0">
+            <a:schemeClr val="accent1"/>
+          </a:effectRef>
+          <a:fontRef idx="minor">
+            <a:schemeClr val="lt1"/>
+          </a:fontRef>
+        </p:style>
+        <p:txBody>
+          <a:bodyPr rtlCol="0" anchor="ctr"/>
+          <a:lstStyle/>
+          <a:p>
+            <a:pPr algn="ctr"/>
+            <a:endParaRPr lang="en-AU"/>
+          </a:p>
+        </p:txBody>
+      </p:sp>
+      <p:cxnSp>
+        <p:nvCxnSpPr>
+          <p:cNvPr id="39" name="Straight Connector 38"/>
+          <p:cNvCxnSpPr/>
+          <p:nvPr/>
+        </p:nvCxnSpPr>
+        <p:spPr>
+          <a:xfrm>
+            <a:off x="3318680" y="6473492"/>
+            <a:ext cx="218364" cy="0"/>
+          </a:xfrm>
+          <a:prstGeom prst="line">
+            <a:avLst/>
+          </a:prstGeom>
+          <a:ln w="25400"/>
+        </p:spPr>
+        <p:style>
+          <a:lnRef idx="1">
+            <a:schemeClr val="accent1"/>
+          </a:lnRef>
+          <a:fillRef idx="0">
+            <a:schemeClr val="accent1"/>
+          </a:fillRef>
+          <a:effectRef idx="0">
+            <a:schemeClr val="accent1"/>
+          </a:effectRef>
+          <a:fontRef idx="minor">
+            <a:schemeClr val="tx1"/>
+          </a:fontRef>
+        </p:style>
+      </p:cxnSp>
+      <p:cxnSp>
+        <p:nvCxnSpPr>
+          <p:cNvPr id="41" name="Straight Connector 40"/>
+          <p:cNvCxnSpPr/>
+          <p:nvPr/>
+        </p:nvCxnSpPr>
+        <p:spPr>
+          <a:xfrm>
+            <a:off x="3320954" y="6557652"/>
+            <a:ext cx="218364" cy="0"/>
+          </a:xfrm>
+          <a:prstGeom prst="line">
+            <a:avLst/>
+          </a:prstGeom>
+          <a:ln w="25400"/>
+        </p:spPr>
+        <p:style>
+          <a:lnRef idx="1">
+            <a:schemeClr val="accent1"/>
+          </a:lnRef>
+          <a:fillRef idx="0">
+            <a:schemeClr val="accent1"/>
+          </a:fillRef>
+          <a:effectRef idx="0">
+            <a:schemeClr val="accent1"/>
+          </a:effectRef>
+          <a:fontRef idx="minor">
+            <a:schemeClr val="tx1"/>
+          </a:fontRef>
+        </p:style>
+      </p:cxnSp>
+      <p:cxnSp>
+        <p:nvCxnSpPr>
+          <p:cNvPr id="179" name="Straight Connector 178"/>
+          <p:cNvCxnSpPr/>
+          <p:nvPr/>
+        </p:nvCxnSpPr>
+        <p:spPr>
+          <a:xfrm flipH="1">
+            <a:off x="5191881" y="3808627"/>
+            <a:ext cx="7156" cy="2458249"/>
+          </a:xfrm>
+          <a:prstGeom prst="line">
+            <a:avLst/>
+          </a:prstGeom>
+          <a:ln w="25400">
+            <a:solidFill>
+              <a:schemeClr val="accent3">
+                <a:lumMod val="75000"/>
+              </a:schemeClr>
+            </a:solidFill>
+          </a:ln>
+        </p:spPr>
+        <p:style>
+          <a:lnRef idx="1">
+            <a:schemeClr val="accent1"/>
+          </a:lnRef>
+          <a:fillRef idx="0">
+            <a:schemeClr val="accent1"/>
+          </a:fillRef>
+          <a:effectRef idx="0">
+            <a:schemeClr val="accent1"/>
+          </a:effectRef>
+          <a:fontRef idx="minor">
+            <a:schemeClr val="tx1"/>
+          </a:fontRef>
+        </p:style>
+      </p:cxnSp>
+      <p:cxnSp>
+        <p:nvCxnSpPr>
+          <p:cNvPr id="180" name="Straight Connector 179"/>
+          <p:cNvCxnSpPr/>
+          <p:nvPr/>
+        </p:nvCxnSpPr>
+        <p:spPr>
+          <a:xfrm>
+            <a:off x="5181172" y="3805293"/>
+            <a:ext cx="5" cy="1463964"/>
+          </a:xfrm>
+          <a:prstGeom prst="line">
+            <a:avLst/>
+          </a:prstGeom>
+          <a:ln w="25400">
+            <a:solidFill>
+              <a:schemeClr val="accent3">
+                <a:lumMod val="40000"/>
+                <a:lumOff val="60000"/>
+              </a:schemeClr>
+            </a:solidFill>
+          </a:ln>
+        </p:spPr>
+        <p:style>
+          <a:lnRef idx="1">
+            <a:schemeClr val="accent1"/>
+          </a:lnRef>
+          <a:fillRef idx="0">
+            <a:schemeClr val="accent1"/>
+          </a:fillRef>
+          <a:effectRef idx="0">
+            <a:schemeClr val="accent1"/>
+          </a:effectRef>
+          <a:fontRef idx="minor">
+            <a:schemeClr val="tx1"/>
+          </a:fontRef>
+        </p:style>
+      </p:cxnSp>
     </p:spTree>
     <p:extLst>
       <p:ext uri="{BB962C8B-B14F-4D97-AF65-F5344CB8AC3E}">
-        <p14:creationId xmlns:p14="http://schemas.microsoft.com/office/powerpoint/2010/main" val="837703069"/>
+        <p14:creationId xmlns:p14="http://schemas.microsoft.com/office/powerpoint/2010/main" val="4225595788"/>
       </p:ext>
     </p:extLst>
   </p:cSld>

--- a/ITProjectManagement/BA/SpecsWireframes/MVP/wireframe.pptx
+++ b/ITProjectManagement/BA/SpecsWireframes/MVP/wireframe.pptx
@@ -129,7 +129,7 @@
       </p14:sectionLst>
     </p:ext>
     <p:ext uri="{EFAFB233-063F-42B5-8137-9DF3F51BA10A}">
-      <p15:sldGuideLst xmlns:p15="http://schemas.microsoft.com/office/powerpoint/2012/main"/>
+      <p15:sldGuideLst xmlns:p15="http://schemas.microsoft.com/office/powerpoint/2012/main" xmlns=""/>
     </p:ext>
   </p:extLst>
 </p:presentation>
@@ -5822,11 +5822,7 @@
             </a:r>
             <a:r>
               <a:rPr lang="en-AU" dirty="0" smtClean="0"/>
-              <a:t>     </a:t>
-            </a:r>
-            <a:r>
-              <a:rPr lang="en-AU" dirty="0" smtClean="0"/>
-              <a:t>grade </a:t>
+              <a:t>     grade </a:t>
             </a:r>
             <a:r>
               <a:rPr lang="en-AU" dirty="0"/>
@@ -5836,7 +5832,6 @@
               <a:rPr lang="en-AU" dirty="0" smtClean="0"/>
               <a:t>grip!</a:t>
             </a:r>
-            <a:endParaRPr lang="en-AU" dirty="0" smtClean="0"/>
           </a:p>
         </p:txBody>
       </p:sp>
@@ -11665,17 +11660,7 @@
                   </a:schemeClr>
                 </a:solidFill>
               </a:rPr>
-              <a:t>My </a:t>
-            </a:r>
-            <a:r>
-              <a:rPr lang="en-AU" sz="1200" dirty="0" smtClean="0">
-                <a:solidFill>
-                  <a:schemeClr val="accent1">
-                    <a:lumMod val="50000"/>
-                  </a:schemeClr>
-                </a:solidFill>
-              </a:rPr>
-              <a:t>Dashboard</a:t>
+              <a:t>My Dashboard</a:t>
             </a:r>
             <a:endParaRPr lang="en-AU" sz="1200" dirty="0">
               <a:solidFill>
@@ -17194,17 +17179,7 @@
                   </a:schemeClr>
                 </a:solidFill>
               </a:rPr>
-              <a:t>Course </a:t>
-            </a:r>
-            <a:r>
-              <a:rPr lang="en-AU" sz="1400" b="1" dirty="0" smtClean="0">
-                <a:solidFill>
-                  <a:schemeClr val="accent5">
-                    <a:lumMod val="75000"/>
-                  </a:schemeClr>
-                </a:solidFill>
-              </a:rPr>
-              <a:t>Title of This Course</a:t>
+              <a:t>Course Title of This Course</a:t>
             </a:r>
             <a:endParaRPr lang="en-AU" sz="1400" b="1" dirty="0">
               <a:solidFill>
@@ -17451,13 +17426,8 @@
             <a:pPr algn="ctr"/>
             <a:r>
               <a:rPr lang="en-AU" b="1" dirty="0" smtClean="0"/>
-              <a:t>BUY </a:t>
-            </a:r>
-            <a:r>
-              <a:rPr lang="en-AU" b="1" dirty="0" smtClean="0"/>
-              <a:t>NOW </a:t>
-            </a:r>
-            <a:endParaRPr lang="en-AU" b="1" dirty="0" smtClean="0"/>
+              <a:t>BUY NOW </a:t>
+            </a:r>
           </a:p>
         </p:txBody>
       </p:sp>
@@ -18148,11 +18118,7 @@
             <a:pPr algn="ctr"/>
             <a:r>
               <a:rPr lang="en-AU" sz="1200" b="1" dirty="0" smtClean="0"/>
-              <a:t>₹</a:t>
-            </a:r>
-            <a:r>
-              <a:rPr lang="en-AU" sz="1200" b="1" dirty="0" smtClean="0"/>
-              <a:t>5000/-</a:t>
+              <a:t>₹5000/-</a:t>
             </a:r>
             <a:endParaRPr lang="en-AU" sz="1200" b="1" dirty="0"/>
           </a:p>
@@ -18279,7 +18245,6 @@
               <a:rPr lang="en-AU" sz="1000" b="1" dirty="0" smtClean="0"/>
               <a:t>67%</a:t>
             </a:r>
-            <a:endParaRPr lang="en-AU" sz="1000" b="1" dirty="0" smtClean="0"/>
           </a:p>
         </p:txBody>
       </p:sp>
@@ -18313,27 +18278,7 @@
                   </a:schemeClr>
                 </a:solidFill>
               </a:rPr>
-              <a:t>Class N | Subject | </a:t>
-            </a:r>
-            <a:r>
-              <a:rPr lang="en-AU" sz="1100" dirty="0" smtClean="0">
-                <a:solidFill>
-                  <a:schemeClr val="accent5">
-                    <a:lumMod val="75000"/>
-                  </a:schemeClr>
-                </a:solidFill>
-              </a:rPr>
-              <a:t>Board | Language </a:t>
-            </a:r>
-            <a:r>
-              <a:rPr lang="en-AU" sz="1100" dirty="0" smtClean="0">
-                <a:solidFill>
-                  <a:schemeClr val="accent5">
-                    <a:lumMod val="75000"/>
-                  </a:schemeClr>
-                </a:solidFill>
-              </a:rPr>
-              <a:t>| </a:t>
+              <a:t>Class N | Subject | Board | Language | </a:t>
             </a:r>
             <a:r>
               <a:rPr lang="en-AU" sz="1100" dirty="0" err="1" smtClean="0">
@@ -18353,17 +18298,7 @@
                   </a:schemeClr>
                 </a:solidFill>
               </a:rPr>
-              <a:t> </a:t>
-            </a:r>
-            <a:r>
-              <a:rPr lang="en-AU" sz="1100" dirty="0" smtClean="0">
-                <a:solidFill>
-                  <a:schemeClr val="accent5">
-                    <a:lumMod val="75000"/>
-                  </a:schemeClr>
-                </a:solidFill>
-              </a:rPr>
-              <a:t>Score 95%</a:t>
+              <a:t> Score 95%</a:t>
             </a:r>
             <a:endParaRPr lang="en-AU" sz="1100" dirty="0">
               <a:solidFill>
@@ -18836,7 +18771,6 @@
               <a:rPr lang="en-AU" b="1" dirty="0" smtClean="0"/>
               <a:t>ENROLL NOW</a:t>
             </a:r>
-            <a:endParaRPr lang="en-AU" b="1" dirty="0" smtClean="0"/>
           </a:p>
         </p:txBody>
       </p:sp>
@@ -18894,11 +18828,7 @@
             <a:pPr algn="ctr"/>
             <a:r>
               <a:rPr lang="en-AU" sz="1200" b="1" dirty="0" smtClean="0"/>
-              <a:t>₹0</a:t>
-            </a:r>
-            <a:r>
-              <a:rPr lang="en-AU" sz="1200" b="1" dirty="0" smtClean="0"/>
-              <a:t>/-</a:t>
+              <a:t>₹0/-</a:t>
             </a:r>
             <a:endParaRPr lang="en-AU" sz="1200" b="1" dirty="0"/>
           </a:p>
@@ -18960,7 +18890,6 @@
               <a:rPr lang="en-AU" sz="1200" b="1" dirty="0" smtClean="0"/>
               <a:t>YOU!</a:t>
             </a:r>
-            <a:endParaRPr lang="en-AU" sz="1200" b="1" dirty="0" smtClean="0"/>
           </a:p>
         </p:txBody>
       </p:sp>
@@ -19935,7 +19864,6 @@
               <a:rPr lang="en-AU" b="1" dirty="0" smtClean="0"/>
               <a:t>ADD TO CART          </a:t>
             </a:r>
-            <a:endParaRPr lang="en-AU" b="1" dirty="0" smtClean="0"/>
           </a:p>
         </p:txBody>
       </p:sp>
@@ -20614,7 +20542,6 @@
               <a:rPr lang="en-AU" dirty="0" smtClean="0"/>
               <a:t>	     comes here.</a:t>
             </a:r>
-            <a:endParaRPr lang="en-AU" dirty="0" smtClean="0"/>
           </a:p>
         </p:txBody>
       </p:sp>
@@ -20755,8 +20682,8 @@
         </p:nvSpPr>
         <p:spPr>
           <a:xfrm>
-            <a:off x="1635697" y="3785927"/>
-            <a:ext cx="3539577" cy="1351044"/>
+            <a:off x="1635697" y="4792497"/>
+            <a:ext cx="3539577" cy="355773"/>
           </a:xfrm>
           <a:prstGeom prst="rect">
             <a:avLst/>
@@ -21039,11 +20966,7 @@
           <a:p>
             <a:r>
               <a:rPr lang="en-AU" b="1" u="sng" dirty="0" smtClean="0"/>
-              <a:t>Cart </a:t>
-            </a:r>
-            <a:r>
-              <a:rPr lang="en-AU" b="1" u="sng" dirty="0" smtClean="0"/>
-              <a:t>Screen:</a:t>
+              <a:t>Cart Screen:</a:t>
             </a:r>
             <a:r>
               <a:rPr lang="en-AU" b="1" dirty="0" smtClean="0"/>
@@ -21063,7 +20986,6 @@
               <a:rPr lang="en-AU" dirty="0" smtClean="0"/>
               <a:t>	     comes here.</a:t>
             </a:r>
-            <a:endParaRPr lang="en-AU" dirty="0" smtClean="0"/>
           </a:p>
         </p:txBody>
       </p:sp>
@@ -22902,7 +22824,7 @@
         </p:blipFill>
         <p:spPr>
           <a:xfrm>
-            <a:off x="3778111" y="3908397"/>
+            <a:off x="3778111" y="4891761"/>
             <a:ext cx="1273430" cy="204958"/>
           </a:xfrm>
           <a:prstGeom prst="rect">
@@ -22918,7 +22840,7 @@
         </p:nvSpPr>
         <p:spPr>
           <a:xfrm>
-            <a:off x="1632799" y="3875080"/>
+            <a:off x="1632799" y="4858444"/>
             <a:ext cx="2102755" cy="307777"/>
           </a:xfrm>
           <a:prstGeom prst="rect">
@@ -23140,8 +23062,8 @@
         </p:nvSpPr>
         <p:spPr>
           <a:xfrm>
-            <a:off x="1685437" y="6236030"/>
-            <a:ext cx="3536642" cy="228408"/>
+            <a:off x="1668185" y="6236030"/>
+            <a:ext cx="3608884" cy="228408"/>
           </a:xfrm>
           <a:prstGeom prst="rect">
             <a:avLst/>
@@ -23379,6 +23301,352 @@
               </a:schemeClr>
             </a:solidFill>
           </a:ln>
+        </p:spPr>
+        <p:style>
+          <a:lnRef idx="1">
+            <a:schemeClr val="accent1"/>
+          </a:lnRef>
+          <a:fillRef idx="0">
+            <a:schemeClr val="accent1"/>
+          </a:fillRef>
+          <a:effectRef idx="0">
+            <a:schemeClr val="accent1"/>
+          </a:effectRef>
+          <a:fontRef idx="minor">
+            <a:schemeClr val="tx1"/>
+          </a:fontRef>
+        </p:style>
+      </p:cxnSp>
+      <p:sp>
+        <p:nvSpPr>
+          <p:cNvPr id="63" name="Rectangle 62"/>
+          <p:cNvSpPr/>
+          <p:nvPr/>
+        </p:nvSpPr>
+        <p:spPr>
+          <a:xfrm>
+            <a:off x="1618679" y="3878764"/>
+            <a:ext cx="3509878" cy="788127"/>
+          </a:xfrm>
+          <a:prstGeom prst="rect">
+            <a:avLst/>
+          </a:prstGeom>
+          <a:solidFill>
+            <a:schemeClr val="bg1">
+              <a:lumMod val="95000"/>
+            </a:schemeClr>
+          </a:solidFill>
+          <a:ln>
+            <a:noFill/>
+          </a:ln>
+        </p:spPr>
+        <p:style>
+          <a:lnRef idx="2">
+            <a:schemeClr val="accent1">
+              <a:shade val="50000"/>
+            </a:schemeClr>
+          </a:lnRef>
+          <a:fillRef idx="1">
+            <a:schemeClr val="accent1"/>
+          </a:fillRef>
+          <a:effectRef idx="0">
+            <a:schemeClr val="accent1"/>
+          </a:effectRef>
+          <a:fontRef idx="minor">
+            <a:schemeClr val="lt1"/>
+          </a:fontRef>
+        </p:style>
+        <p:txBody>
+          <a:bodyPr rtlCol="0" anchor="ctr"/>
+          <a:lstStyle/>
+          <a:p>
+            <a:pPr algn="ctr"/>
+            <a:endParaRPr lang="en-AU"/>
+          </a:p>
+        </p:txBody>
+      </p:sp>
+      <p:sp>
+        <p:nvSpPr>
+          <p:cNvPr id="64" name="TextBox 63"/>
+          <p:cNvSpPr txBox="1"/>
+          <p:nvPr/>
+        </p:nvSpPr>
+        <p:spPr>
+          <a:xfrm>
+            <a:off x="1647183" y="3898090"/>
+            <a:ext cx="1837939" cy="307777"/>
+          </a:xfrm>
+          <a:prstGeom prst="rect">
+            <a:avLst/>
+          </a:prstGeom>
+          <a:noFill/>
+        </p:spPr>
+        <p:txBody>
+          <a:bodyPr wrap="none" rtlCol="0">
+            <a:spAutoFit/>
+          </a:bodyPr>
+          <a:lstStyle/>
+          <a:p>
+            <a:r>
+              <a:rPr lang="en-AU" sz="1400" b="1" dirty="0" smtClean="0">
+                <a:solidFill>
+                  <a:schemeClr val="accent5">
+                    <a:lumMod val="75000"/>
+                  </a:schemeClr>
+                </a:solidFill>
+              </a:rPr>
+              <a:t>Invoice: </a:t>
+            </a:r>
+            <a:r>
+              <a:rPr lang="en-US" sz="1000" b="1" dirty="0">
+                <a:solidFill>
+                  <a:srgbClr val="FF0000"/>
+                </a:solidFill>
+              </a:rPr>
+              <a:t>Final </a:t>
+            </a:r>
+            <a:r>
+              <a:rPr lang="en-US" sz="1000" b="1" dirty="0" smtClean="0">
+                <a:solidFill>
+                  <a:srgbClr val="FF0000"/>
+                </a:solidFill>
+              </a:rPr>
+              <a:t>Price  </a:t>
+            </a:r>
+            <a:r>
+              <a:rPr lang="en-IN" sz="1000" b="1" dirty="0" smtClean="0">
+                <a:solidFill>
+                  <a:srgbClr val="FF0000"/>
+                </a:solidFill>
+              </a:rPr>
+              <a:t>₹23,600</a:t>
+            </a:r>
+            <a:endParaRPr lang="en-AU" sz="1000" b="1" dirty="0">
+              <a:solidFill>
+                <a:srgbClr val="FF0000"/>
+              </a:solidFill>
+            </a:endParaRPr>
+          </a:p>
+        </p:txBody>
+      </p:sp>
+      <p:sp>
+        <p:nvSpPr>
+          <p:cNvPr id="65" name="TextBox 64"/>
+          <p:cNvSpPr txBox="1"/>
+          <p:nvPr/>
+        </p:nvSpPr>
+        <p:spPr>
+          <a:xfrm>
+            <a:off x="5538380" y="3905667"/>
+            <a:ext cx="1952050" cy="1338828"/>
+          </a:xfrm>
+          <a:prstGeom prst="rect">
+            <a:avLst/>
+          </a:prstGeom>
+          <a:noFill/>
+        </p:spPr>
+        <p:txBody>
+          <a:bodyPr wrap="square" rtlCol="0">
+            <a:spAutoFit/>
+          </a:bodyPr>
+          <a:lstStyle/>
+          <a:p>
+            <a:r>
+              <a:rPr lang="en-AU" sz="1000" dirty="0" smtClean="0">
+                <a:solidFill>
+                  <a:schemeClr val="accent5">
+                    <a:lumMod val="75000"/>
+                  </a:schemeClr>
+                </a:solidFill>
+              </a:rPr>
+              <a:t>1. Course 1 Title           </a:t>
+            </a:r>
+            <a:r>
+              <a:rPr lang="en-IN" sz="1000" dirty="0" smtClean="0"/>
+              <a:t>₹20,000</a:t>
+            </a:r>
+          </a:p>
+          <a:p>
+            <a:r>
+              <a:rPr lang="en-US" sz="1000" dirty="0" smtClean="0">
+                <a:solidFill>
+                  <a:schemeClr val="accent5">
+                    <a:lumMod val="75000"/>
+                  </a:schemeClr>
+                </a:solidFill>
+              </a:rPr>
+              <a:t>       Discount (75%)    - </a:t>
+            </a:r>
+            <a:r>
+              <a:rPr lang="en-IN" sz="1000" dirty="0" smtClean="0"/>
+              <a:t>₹15,000</a:t>
+            </a:r>
+          </a:p>
+          <a:p>
+            <a:r>
+              <a:rPr lang="en-US" sz="1000" dirty="0" smtClean="0"/>
+              <a:t>       Discounted Price      </a:t>
+            </a:r>
+            <a:r>
+              <a:rPr lang="en-IN" sz="1000" dirty="0" smtClean="0"/>
+              <a:t>₹5,000</a:t>
+            </a:r>
+          </a:p>
+          <a:p>
+            <a:r>
+              <a:rPr lang="en-AU" sz="1000" dirty="0" smtClean="0">
+                <a:solidFill>
+                  <a:schemeClr val="accent5">
+                    <a:lumMod val="75000"/>
+                  </a:schemeClr>
+                </a:solidFill>
+              </a:rPr>
+              <a:t>2. </a:t>
+            </a:r>
+            <a:r>
+              <a:rPr lang="en-AU" sz="1000" dirty="0">
+                <a:solidFill>
+                  <a:schemeClr val="accent5">
+                    <a:lumMod val="75000"/>
+                  </a:schemeClr>
+                </a:solidFill>
+              </a:rPr>
+              <a:t>Course </a:t>
+            </a:r>
+            <a:r>
+              <a:rPr lang="en-AU" sz="1000" dirty="0" smtClean="0">
+                <a:solidFill>
+                  <a:schemeClr val="accent5">
+                    <a:lumMod val="75000"/>
+                  </a:schemeClr>
+                </a:solidFill>
+              </a:rPr>
+              <a:t>2 Title           </a:t>
+            </a:r>
+            <a:r>
+              <a:rPr lang="en-IN" sz="1000" dirty="0" smtClean="0"/>
+              <a:t>₹30,000</a:t>
+            </a:r>
+            <a:endParaRPr lang="en-IN" sz="1000" dirty="0"/>
+          </a:p>
+          <a:p>
+            <a:r>
+              <a:rPr lang="en-US" sz="1000" dirty="0">
+                <a:solidFill>
+                  <a:schemeClr val="accent5">
+                    <a:lumMod val="75000"/>
+                  </a:schemeClr>
+                </a:solidFill>
+              </a:rPr>
+              <a:t>       Discount </a:t>
+            </a:r>
+            <a:r>
+              <a:rPr lang="en-US" sz="1000" dirty="0" smtClean="0">
+                <a:solidFill>
+                  <a:schemeClr val="accent5">
+                    <a:lumMod val="75000"/>
+                  </a:schemeClr>
+                </a:solidFill>
+              </a:rPr>
+              <a:t>(50%)    </a:t>
+            </a:r>
+            <a:r>
+              <a:rPr lang="en-US" sz="1000" dirty="0">
+                <a:solidFill>
+                  <a:schemeClr val="accent5">
+                    <a:lumMod val="75000"/>
+                  </a:schemeClr>
+                </a:solidFill>
+              </a:rPr>
+              <a:t>- </a:t>
+            </a:r>
+            <a:r>
+              <a:rPr lang="en-IN" sz="1000" dirty="0"/>
+              <a:t>₹</a:t>
+            </a:r>
+            <a:r>
+              <a:rPr lang="en-IN" sz="1000" dirty="0" smtClean="0"/>
+              <a:t>15,000</a:t>
+            </a:r>
+          </a:p>
+          <a:p>
+            <a:r>
+              <a:rPr lang="en-US" sz="1000" dirty="0" smtClean="0"/>
+              <a:t>       </a:t>
+            </a:r>
+            <a:r>
+              <a:rPr lang="en-US" sz="1000" dirty="0"/>
+              <a:t>Discounted Price    </a:t>
+            </a:r>
+            <a:r>
+              <a:rPr lang="en-US" sz="1000" dirty="0" smtClean="0"/>
+              <a:t> </a:t>
+            </a:r>
+            <a:r>
+              <a:rPr lang="en-IN" sz="1000" dirty="0" smtClean="0"/>
+              <a:t>₹15,000</a:t>
+            </a:r>
+          </a:p>
+          <a:p>
+            <a:r>
+              <a:rPr lang="en-US" sz="1100" dirty="0"/>
+              <a:t> </a:t>
+            </a:r>
+            <a:r>
+              <a:rPr lang="en-US" sz="1100" dirty="0" smtClean="0"/>
+              <a:t>     </a:t>
+            </a:r>
+            <a:r>
+              <a:rPr lang="en-US" sz="1000" b="1" dirty="0" smtClean="0"/>
+              <a:t> Offer Price:              </a:t>
+            </a:r>
+            <a:r>
+              <a:rPr lang="en-IN" sz="1000" b="1" dirty="0" smtClean="0"/>
+              <a:t>₹20,000</a:t>
+            </a:r>
+          </a:p>
+          <a:p>
+            <a:r>
+              <a:rPr lang="en-US" sz="1000" b="1" dirty="0">
+                <a:solidFill>
+                  <a:schemeClr val="accent5">
+                    <a:lumMod val="75000"/>
+                  </a:schemeClr>
+                </a:solidFill>
+              </a:rPr>
+              <a:t> </a:t>
+            </a:r>
+            <a:r>
+              <a:rPr lang="en-US" sz="1000" b="1" dirty="0" smtClean="0">
+                <a:solidFill>
+                  <a:schemeClr val="accent5">
+                    <a:lumMod val="75000"/>
+                  </a:schemeClr>
+                </a:solidFill>
+              </a:rPr>
+              <a:t>      GST 18%                    </a:t>
+            </a:r>
+            <a:r>
+              <a:rPr lang="en-IN" sz="1000" b="1" dirty="0" smtClean="0"/>
+              <a:t>₹ 3,600</a:t>
+            </a:r>
+          </a:p>
+        </p:txBody>
+      </p:sp>
+      <p:cxnSp>
+        <p:nvCxnSpPr>
+          <p:cNvPr id="8" name="Straight Connector 7"/>
+          <p:cNvCxnSpPr/>
+          <p:nvPr/>
+        </p:nvCxnSpPr>
+        <p:spPr>
+          <a:xfrm>
+            <a:off x="5708946" y="4858444"/>
+            <a:ext cx="1603397" cy="0"/>
+          </a:xfrm>
+          <a:prstGeom prst="line">
+            <a:avLst/>
+          </a:prstGeom>
         </p:spPr>
         <p:style>
           <a:lnRef idx="1">
@@ -23451,7 +23719,7 @@
     </a:clrScheme>
     <a:fontScheme name="Office">
       <a:majorFont>
-        <a:latin typeface="Calibri Light" panose="020F0302020204030204"/>
+        <a:latin typeface="Calibri Light"/>
         <a:ea typeface=""/>
         <a:cs typeface=""/>
         <a:font script="Jpan" typeface="ＭＳ Ｐゴシック"/>
@@ -23486,7 +23754,7 @@
         <a:font script="Geor" typeface="Sylfaen"/>
       </a:majorFont>
       <a:minorFont>
-        <a:latin typeface="Calibri" panose="020F0502020204030204"/>
+        <a:latin typeface="Calibri"/>
         <a:ea typeface=""/>
         <a:cs typeface=""/>
         <a:font script="Jpan" typeface="ＭＳ Ｐゴシック"/>
@@ -23663,7 +23931,7 @@
   <a:extraClrSchemeLst/>
   <a:extLst>
     <a:ext uri="{05A4C25C-085E-4340-85A3-A5531E510DB2}">
-      <thm15:themeFamily xmlns:thm15="http://schemas.microsoft.com/office/thememl/2012/main" name="Office Theme" id="{62F939B6-93AF-4DB8-9C6B-D6C7DFDC589F}" vid="{4A3C46E8-61CC-4603-A589-7422A47A8E4A}"/>
+      <thm15:themeFamily xmlns:thm15="http://schemas.microsoft.com/office/thememl/2012/main" xmlns="" name="Office Theme" id="{62F939B6-93AF-4DB8-9C6B-D6C7DFDC589F}" vid="{4A3C46E8-61CC-4603-A589-7422A47A8E4A}"/>
     </a:ext>
   </a:extLst>
 </a:theme>

--- a/ITProjectManagement/BA/SpecsWireframes/MVP/wireframe.pptx
+++ b/ITProjectManagement/BA/SpecsWireframes/MVP/wireframe.pptx
@@ -129,7 +129,7 @@
       </p14:sectionLst>
     </p:ext>
     <p:ext uri="{EFAFB233-063F-42B5-8137-9DF3F51BA10A}">
-      <p15:sldGuideLst xmlns:p15="http://schemas.microsoft.com/office/powerpoint/2012/main" xmlns=""/>
+      <p15:sldGuideLst xmlns="" xmlns:p15="http://schemas.microsoft.com/office/powerpoint/2012/main"/>
     </p:ext>
   </p:extLst>
 </p:presentation>
@@ -7488,6 +7488,1216 @@
           </a:p>
         </p:txBody>
       </p:sp>
+      <p:sp>
+        <p:nvSpPr>
+          <p:cNvPr id="35" name="Rectangle 34"/>
+          <p:cNvSpPr/>
+          <p:nvPr/>
+        </p:nvSpPr>
+        <p:spPr>
+          <a:xfrm>
+            <a:off x="5908756" y="1024975"/>
+            <a:ext cx="1225290" cy="901767"/>
+          </a:xfrm>
+          <a:prstGeom prst="rect">
+            <a:avLst/>
+          </a:prstGeom>
+          <a:solidFill>
+            <a:srgbClr val="D9D9D9">
+              <a:alpha val="70000"/>
+            </a:srgbClr>
+          </a:solidFill>
+          <a:ln>
+            <a:noFill/>
+          </a:ln>
+        </p:spPr>
+        <p:style>
+          <a:lnRef idx="2">
+            <a:schemeClr val="accent1">
+              <a:shade val="50000"/>
+            </a:schemeClr>
+          </a:lnRef>
+          <a:fillRef idx="1">
+            <a:schemeClr val="accent1"/>
+          </a:fillRef>
+          <a:effectRef idx="0">
+            <a:schemeClr val="accent1"/>
+          </a:effectRef>
+          <a:fontRef idx="minor">
+            <a:schemeClr val="lt1"/>
+          </a:fontRef>
+        </p:style>
+        <p:txBody>
+          <a:bodyPr rtlCol="0" anchor="ctr"/>
+          <a:lstStyle/>
+          <a:p>
+            <a:r>
+              <a:rPr lang="en-AU" sz="1200" dirty="0" err="1">
+                <a:solidFill>
+                  <a:schemeClr val="tx1"/>
+                </a:solidFill>
+              </a:rPr>
+              <a:t>BGColor</a:t>
+            </a:r>
+            <a:r>
+              <a:rPr lang="en-AU" sz="1200" dirty="0">
+                <a:solidFill>
+                  <a:schemeClr val="tx1"/>
+                </a:solidFill>
+              </a:rPr>
+              <a:t>: #</a:t>
+            </a:r>
+            <a:r>
+              <a:rPr lang="en-AU" sz="1200" dirty="0" err="1">
+                <a:solidFill>
+                  <a:schemeClr val="tx1"/>
+                </a:solidFill>
+              </a:rPr>
+              <a:t>eee</a:t>
+            </a:r>
+            <a:endParaRPr lang="en-AU" sz="1200" dirty="0">
+              <a:solidFill>
+                <a:schemeClr val="tx1"/>
+              </a:solidFill>
+            </a:endParaRPr>
+          </a:p>
+          <a:p>
+            <a:r>
+              <a:rPr lang="en-AU" sz="1200" dirty="0">
+                <a:solidFill>
+                  <a:schemeClr val="tx1"/>
+                </a:solidFill>
+              </a:rPr>
+              <a:t>Height: </a:t>
+            </a:r>
+            <a:r>
+              <a:rPr lang="en-AU" sz="1200" dirty="0" smtClean="0">
+                <a:solidFill>
+                  <a:schemeClr val="tx1"/>
+                </a:solidFill>
+              </a:rPr>
+              <a:t>43</a:t>
+            </a:r>
+            <a:endParaRPr lang="en-AU" sz="1200" dirty="0">
+              <a:solidFill>
+                <a:schemeClr val="tx1"/>
+              </a:solidFill>
+            </a:endParaRPr>
+          </a:p>
+          <a:p>
+            <a:r>
+              <a:rPr lang="en-AU" sz="1200" dirty="0">
+                <a:solidFill>
+                  <a:schemeClr val="tx1"/>
+                </a:solidFill>
+              </a:rPr>
+              <a:t>Width: </a:t>
+            </a:r>
+            <a:r>
+              <a:rPr lang="en-AU" sz="1200" dirty="0" smtClean="0">
+                <a:solidFill>
+                  <a:schemeClr val="tx1"/>
+                </a:solidFill>
+              </a:rPr>
+              <a:t>300</a:t>
+            </a:r>
+            <a:endParaRPr lang="en-AU" sz="1200" dirty="0">
+              <a:solidFill>
+                <a:schemeClr val="tx1"/>
+              </a:solidFill>
+            </a:endParaRPr>
+          </a:p>
+          <a:p>
+            <a:r>
+              <a:rPr lang="en-AU" sz="1200" dirty="0">
+                <a:solidFill>
+                  <a:schemeClr val="tx1"/>
+                </a:solidFill>
+              </a:rPr>
+              <a:t>Margin: 15</a:t>
+            </a:r>
+          </a:p>
+          <a:p>
+            <a:pPr algn="ctr"/>
+            <a:endParaRPr lang="en-AU" dirty="0">
+              <a:solidFill>
+                <a:schemeClr val="tx1"/>
+              </a:solidFill>
+            </a:endParaRPr>
+          </a:p>
+        </p:txBody>
+      </p:sp>
+      <p:cxnSp>
+        <p:nvCxnSpPr>
+          <p:cNvPr id="4" name="Straight Connector 3"/>
+          <p:cNvCxnSpPr/>
+          <p:nvPr/>
+        </p:nvCxnSpPr>
+        <p:spPr>
+          <a:xfrm>
+            <a:off x="4776803" y="1495157"/>
+            <a:ext cx="1164626" cy="0"/>
+          </a:xfrm>
+          <a:prstGeom prst="line">
+            <a:avLst/>
+          </a:prstGeom>
+        </p:spPr>
+        <p:style>
+          <a:lnRef idx="1">
+            <a:schemeClr val="accent1"/>
+          </a:lnRef>
+          <a:fillRef idx="0">
+            <a:schemeClr val="accent1"/>
+          </a:fillRef>
+          <a:effectRef idx="0">
+            <a:schemeClr val="accent1"/>
+          </a:effectRef>
+          <a:fontRef idx="minor">
+            <a:schemeClr val="tx1"/>
+          </a:fontRef>
+        </p:style>
+      </p:cxnSp>
+      <p:sp>
+        <p:nvSpPr>
+          <p:cNvPr id="36" name="Rectangle 35"/>
+          <p:cNvSpPr/>
+          <p:nvPr/>
+        </p:nvSpPr>
+        <p:spPr>
+          <a:xfrm>
+            <a:off x="5966270" y="2091731"/>
+            <a:ext cx="1225290" cy="901767"/>
+          </a:xfrm>
+          <a:prstGeom prst="rect">
+            <a:avLst/>
+          </a:prstGeom>
+          <a:solidFill>
+            <a:srgbClr val="D9D9D9">
+              <a:alpha val="70000"/>
+            </a:srgbClr>
+          </a:solidFill>
+          <a:ln>
+            <a:noFill/>
+          </a:ln>
+        </p:spPr>
+        <p:style>
+          <a:lnRef idx="2">
+            <a:schemeClr val="accent1">
+              <a:shade val="50000"/>
+            </a:schemeClr>
+          </a:lnRef>
+          <a:fillRef idx="1">
+            <a:schemeClr val="accent1"/>
+          </a:fillRef>
+          <a:effectRef idx="0">
+            <a:schemeClr val="accent1"/>
+          </a:effectRef>
+          <a:fontRef idx="minor">
+            <a:schemeClr val="lt1"/>
+          </a:fontRef>
+        </p:style>
+        <p:txBody>
+          <a:bodyPr rtlCol="0" anchor="ctr"/>
+          <a:lstStyle/>
+          <a:p>
+            <a:r>
+              <a:rPr lang="en-AU" sz="1200" dirty="0" err="1">
+                <a:solidFill>
+                  <a:schemeClr val="tx1"/>
+                </a:solidFill>
+              </a:rPr>
+              <a:t>BGColor</a:t>
+            </a:r>
+            <a:r>
+              <a:rPr lang="en-AU" sz="1200" dirty="0">
+                <a:solidFill>
+                  <a:schemeClr val="tx1"/>
+                </a:solidFill>
+              </a:rPr>
+              <a:t>: #</a:t>
+            </a:r>
+            <a:r>
+              <a:rPr lang="en-AU" sz="1200" dirty="0" err="1">
+                <a:solidFill>
+                  <a:schemeClr val="tx1"/>
+                </a:solidFill>
+              </a:rPr>
+              <a:t>eee</a:t>
+            </a:r>
+            <a:endParaRPr lang="en-AU" sz="1200" dirty="0">
+              <a:solidFill>
+                <a:schemeClr val="tx1"/>
+              </a:solidFill>
+            </a:endParaRPr>
+          </a:p>
+          <a:p>
+            <a:r>
+              <a:rPr lang="en-AU" sz="1200" dirty="0">
+                <a:solidFill>
+                  <a:schemeClr val="tx1"/>
+                </a:solidFill>
+              </a:rPr>
+              <a:t>Height: </a:t>
+            </a:r>
+            <a:r>
+              <a:rPr lang="en-AU" sz="1200" dirty="0" smtClean="0">
+                <a:solidFill>
+                  <a:schemeClr val="tx1"/>
+                </a:solidFill>
+              </a:rPr>
+              <a:t>43</a:t>
+            </a:r>
+            <a:endParaRPr lang="en-AU" sz="1200" dirty="0">
+              <a:solidFill>
+                <a:schemeClr val="tx1"/>
+              </a:solidFill>
+            </a:endParaRPr>
+          </a:p>
+          <a:p>
+            <a:r>
+              <a:rPr lang="en-AU" sz="1200" dirty="0">
+                <a:solidFill>
+                  <a:schemeClr val="tx1"/>
+                </a:solidFill>
+              </a:rPr>
+              <a:t>Width: </a:t>
+            </a:r>
+            <a:r>
+              <a:rPr lang="en-AU" sz="1200" dirty="0" smtClean="0">
+                <a:solidFill>
+                  <a:schemeClr val="tx1"/>
+                </a:solidFill>
+              </a:rPr>
+              <a:t>300</a:t>
+            </a:r>
+            <a:endParaRPr lang="en-AU" sz="1200" dirty="0">
+              <a:solidFill>
+                <a:schemeClr val="tx1"/>
+              </a:solidFill>
+            </a:endParaRPr>
+          </a:p>
+          <a:p>
+            <a:r>
+              <a:rPr lang="en-AU" sz="1200" dirty="0">
+                <a:solidFill>
+                  <a:schemeClr val="tx1"/>
+                </a:solidFill>
+              </a:rPr>
+              <a:t>Margin: 15</a:t>
+            </a:r>
+          </a:p>
+          <a:p>
+            <a:pPr algn="ctr"/>
+            <a:endParaRPr lang="en-AU" dirty="0">
+              <a:solidFill>
+                <a:schemeClr val="tx1"/>
+              </a:solidFill>
+            </a:endParaRPr>
+          </a:p>
+        </p:txBody>
+      </p:sp>
+      <p:cxnSp>
+        <p:nvCxnSpPr>
+          <p:cNvPr id="37" name="Straight Connector 36"/>
+          <p:cNvCxnSpPr/>
+          <p:nvPr/>
+        </p:nvCxnSpPr>
+        <p:spPr>
+          <a:xfrm>
+            <a:off x="4075213" y="2587791"/>
+            <a:ext cx="2018616" cy="0"/>
+          </a:xfrm>
+          <a:prstGeom prst="line">
+            <a:avLst/>
+          </a:prstGeom>
+        </p:spPr>
+        <p:style>
+          <a:lnRef idx="1">
+            <a:schemeClr val="accent1"/>
+          </a:lnRef>
+          <a:fillRef idx="0">
+            <a:schemeClr val="accent1"/>
+          </a:fillRef>
+          <a:effectRef idx="0">
+            <a:schemeClr val="accent1"/>
+          </a:effectRef>
+          <a:fontRef idx="minor">
+            <a:schemeClr val="tx1"/>
+          </a:fontRef>
+        </p:style>
+      </p:cxnSp>
+      <p:sp>
+        <p:nvSpPr>
+          <p:cNvPr id="38" name="Rectangle 37"/>
+          <p:cNvSpPr/>
+          <p:nvPr/>
+        </p:nvSpPr>
+        <p:spPr>
+          <a:xfrm>
+            <a:off x="6006532" y="3365511"/>
+            <a:ext cx="1225290" cy="901767"/>
+          </a:xfrm>
+          <a:prstGeom prst="rect">
+            <a:avLst/>
+          </a:prstGeom>
+          <a:solidFill>
+            <a:srgbClr val="D9D9D9">
+              <a:alpha val="70000"/>
+            </a:srgbClr>
+          </a:solidFill>
+          <a:ln>
+            <a:noFill/>
+          </a:ln>
+        </p:spPr>
+        <p:style>
+          <a:lnRef idx="2">
+            <a:schemeClr val="accent1">
+              <a:shade val="50000"/>
+            </a:schemeClr>
+          </a:lnRef>
+          <a:fillRef idx="1">
+            <a:schemeClr val="accent1"/>
+          </a:fillRef>
+          <a:effectRef idx="0">
+            <a:schemeClr val="accent1"/>
+          </a:effectRef>
+          <a:fontRef idx="minor">
+            <a:schemeClr val="lt1"/>
+          </a:fontRef>
+        </p:style>
+        <p:txBody>
+          <a:bodyPr rtlCol="0" anchor="ctr"/>
+          <a:lstStyle/>
+          <a:p>
+            <a:r>
+              <a:rPr lang="en-AU" sz="1200" dirty="0" err="1">
+                <a:solidFill>
+                  <a:schemeClr val="tx1"/>
+                </a:solidFill>
+              </a:rPr>
+              <a:t>BGColor</a:t>
+            </a:r>
+            <a:r>
+              <a:rPr lang="en-AU" sz="1200" dirty="0">
+                <a:solidFill>
+                  <a:schemeClr val="tx1"/>
+                </a:solidFill>
+              </a:rPr>
+              <a:t>: #</a:t>
+            </a:r>
+            <a:r>
+              <a:rPr lang="en-AU" sz="1200" dirty="0" err="1">
+                <a:solidFill>
+                  <a:schemeClr val="tx1"/>
+                </a:solidFill>
+              </a:rPr>
+              <a:t>eee</a:t>
+            </a:r>
+            <a:endParaRPr lang="en-AU" sz="1200" dirty="0">
+              <a:solidFill>
+                <a:schemeClr val="tx1"/>
+              </a:solidFill>
+            </a:endParaRPr>
+          </a:p>
+          <a:p>
+            <a:r>
+              <a:rPr lang="en-AU" sz="1200" dirty="0">
+                <a:solidFill>
+                  <a:schemeClr val="tx1"/>
+                </a:solidFill>
+              </a:rPr>
+              <a:t>Height: </a:t>
+            </a:r>
+            <a:r>
+              <a:rPr lang="en-AU" sz="1200" dirty="0" smtClean="0">
+                <a:solidFill>
+                  <a:schemeClr val="tx1"/>
+                </a:solidFill>
+              </a:rPr>
+              <a:t>43</a:t>
+            </a:r>
+            <a:endParaRPr lang="en-AU" sz="1200" dirty="0">
+              <a:solidFill>
+                <a:schemeClr val="tx1"/>
+              </a:solidFill>
+            </a:endParaRPr>
+          </a:p>
+          <a:p>
+            <a:r>
+              <a:rPr lang="en-AU" sz="1200" dirty="0">
+                <a:solidFill>
+                  <a:schemeClr val="tx1"/>
+                </a:solidFill>
+              </a:rPr>
+              <a:t>Width: </a:t>
+            </a:r>
+            <a:r>
+              <a:rPr lang="en-AU" sz="1200" dirty="0" smtClean="0">
+                <a:solidFill>
+                  <a:schemeClr val="tx1"/>
+                </a:solidFill>
+              </a:rPr>
+              <a:t>300</a:t>
+            </a:r>
+            <a:endParaRPr lang="en-AU" sz="1200" dirty="0">
+              <a:solidFill>
+                <a:schemeClr val="tx1"/>
+              </a:solidFill>
+            </a:endParaRPr>
+          </a:p>
+          <a:p>
+            <a:r>
+              <a:rPr lang="en-AU" sz="1200" dirty="0">
+                <a:solidFill>
+                  <a:schemeClr val="tx1"/>
+                </a:solidFill>
+              </a:rPr>
+              <a:t>Margin: 15</a:t>
+            </a:r>
+          </a:p>
+          <a:p>
+            <a:pPr algn="ctr"/>
+            <a:endParaRPr lang="en-AU" dirty="0">
+              <a:solidFill>
+                <a:schemeClr val="tx1"/>
+              </a:solidFill>
+            </a:endParaRPr>
+          </a:p>
+        </p:txBody>
+      </p:sp>
+      <p:cxnSp>
+        <p:nvCxnSpPr>
+          <p:cNvPr id="39" name="Straight Connector 38"/>
+          <p:cNvCxnSpPr/>
+          <p:nvPr/>
+        </p:nvCxnSpPr>
+        <p:spPr>
+          <a:xfrm>
+            <a:off x="4227613" y="3922020"/>
+            <a:ext cx="2018616" cy="0"/>
+          </a:xfrm>
+          <a:prstGeom prst="line">
+            <a:avLst/>
+          </a:prstGeom>
+        </p:spPr>
+        <p:style>
+          <a:lnRef idx="1">
+            <a:schemeClr val="accent1"/>
+          </a:lnRef>
+          <a:fillRef idx="0">
+            <a:schemeClr val="accent1"/>
+          </a:fillRef>
+          <a:effectRef idx="0">
+            <a:schemeClr val="accent1"/>
+          </a:effectRef>
+          <a:fontRef idx="minor">
+            <a:schemeClr val="tx1"/>
+          </a:fontRef>
+        </p:style>
+      </p:cxnSp>
+      <p:sp>
+        <p:nvSpPr>
+          <p:cNvPr id="40" name="Rectangle 39"/>
+          <p:cNvSpPr/>
+          <p:nvPr/>
+        </p:nvSpPr>
+        <p:spPr>
+          <a:xfrm>
+            <a:off x="6046794" y="4406389"/>
+            <a:ext cx="1225290" cy="901767"/>
+          </a:xfrm>
+          <a:prstGeom prst="rect">
+            <a:avLst/>
+          </a:prstGeom>
+          <a:solidFill>
+            <a:srgbClr val="D9D9D9">
+              <a:alpha val="70000"/>
+            </a:srgbClr>
+          </a:solidFill>
+          <a:ln>
+            <a:noFill/>
+          </a:ln>
+        </p:spPr>
+        <p:style>
+          <a:lnRef idx="2">
+            <a:schemeClr val="accent1">
+              <a:shade val="50000"/>
+            </a:schemeClr>
+          </a:lnRef>
+          <a:fillRef idx="1">
+            <a:schemeClr val="accent1"/>
+          </a:fillRef>
+          <a:effectRef idx="0">
+            <a:schemeClr val="accent1"/>
+          </a:effectRef>
+          <a:fontRef idx="minor">
+            <a:schemeClr val="lt1"/>
+          </a:fontRef>
+        </p:style>
+        <p:txBody>
+          <a:bodyPr rtlCol="0" anchor="ctr"/>
+          <a:lstStyle/>
+          <a:p>
+            <a:r>
+              <a:rPr lang="en-AU" sz="1200" dirty="0" err="1">
+                <a:solidFill>
+                  <a:schemeClr val="tx1"/>
+                </a:solidFill>
+              </a:rPr>
+              <a:t>BGColor</a:t>
+            </a:r>
+            <a:r>
+              <a:rPr lang="en-AU" sz="1200" dirty="0">
+                <a:solidFill>
+                  <a:schemeClr val="tx1"/>
+                </a:solidFill>
+              </a:rPr>
+              <a:t>: </a:t>
+            </a:r>
+            <a:r>
+              <a:rPr lang="en-AU" sz="1200" dirty="0" smtClean="0">
+                <a:solidFill>
+                  <a:schemeClr val="tx1"/>
+                </a:solidFill>
+              </a:rPr>
+              <a:t>Blue</a:t>
+            </a:r>
+            <a:endParaRPr lang="en-AU" sz="1200" dirty="0">
+              <a:solidFill>
+                <a:schemeClr val="tx1"/>
+              </a:solidFill>
+            </a:endParaRPr>
+          </a:p>
+          <a:p>
+            <a:r>
+              <a:rPr lang="en-AU" sz="1200" dirty="0">
+                <a:solidFill>
+                  <a:schemeClr val="tx1"/>
+                </a:solidFill>
+              </a:rPr>
+              <a:t>Height: </a:t>
+            </a:r>
+            <a:r>
+              <a:rPr lang="en-AU" sz="1200" dirty="0" smtClean="0">
+                <a:solidFill>
+                  <a:schemeClr val="tx1"/>
+                </a:solidFill>
+              </a:rPr>
+              <a:t>43</a:t>
+            </a:r>
+            <a:endParaRPr lang="en-AU" sz="1200" dirty="0">
+              <a:solidFill>
+                <a:schemeClr val="tx1"/>
+              </a:solidFill>
+            </a:endParaRPr>
+          </a:p>
+          <a:p>
+            <a:r>
+              <a:rPr lang="en-AU" sz="1200" dirty="0">
+                <a:solidFill>
+                  <a:schemeClr val="tx1"/>
+                </a:solidFill>
+              </a:rPr>
+              <a:t>Width: </a:t>
+            </a:r>
+            <a:r>
+              <a:rPr lang="en-AU" sz="1200" dirty="0" smtClean="0">
+                <a:solidFill>
+                  <a:schemeClr val="tx1"/>
+                </a:solidFill>
+              </a:rPr>
+              <a:t>300</a:t>
+            </a:r>
+            <a:endParaRPr lang="en-AU" sz="1200" dirty="0">
+              <a:solidFill>
+                <a:schemeClr val="tx1"/>
+              </a:solidFill>
+            </a:endParaRPr>
+          </a:p>
+          <a:p>
+            <a:r>
+              <a:rPr lang="en-AU" sz="1200" dirty="0">
+                <a:solidFill>
+                  <a:schemeClr val="tx1"/>
+                </a:solidFill>
+              </a:rPr>
+              <a:t>Margin: 15</a:t>
+            </a:r>
+          </a:p>
+          <a:p>
+            <a:pPr algn="ctr"/>
+            <a:endParaRPr lang="en-AU" dirty="0">
+              <a:solidFill>
+                <a:schemeClr val="tx1"/>
+              </a:solidFill>
+            </a:endParaRPr>
+          </a:p>
+        </p:txBody>
+      </p:sp>
+      <p:cxnSp>
+        <p:nvCxnSpPr>
+          <p:cNvPr id="41" name="Straight Connector 40"/>
+          <p:cNvCxnSpPr/>
+          <p:nvPr/>
+        </p:nvCxnSpPr>
+        <p:spPr>
+          <a:xfrm>
+            <a:off x="4380013" y="4885264"/>
+            <a:ext cx="2018616" cy="0"/>
+          </a:xfrm>
+          <a:prstGeom prst="line">
+            <a:avLst/>
+          </a:prstGeom>
+        </p:spPr>
+        <p:style>
+          <a:lnRef idx="1">
+            <a:schemeClr val="accent1"/>
+          </a:lnRef>
+          <a:fillRef idx="0">
+            <a:schemeClr val="accent1"/>
+          </a:fillRef>
+          <a:effectRef idx="0">
+            <a:schemeClr val="accent1"/>
+          </a:effectRef>
+          <a:fontRef idx="minor">
+            <a:schemeClr val="tx1"/>
+          </a:fontRef>
+        </p:style>
+      </p:cxnSp>
+      <p:sp>
+        <p:nvSpPr>
+          <p:cNvPr id="42" name="TextBox 41"/>
+          <p:cNvSpPr txBox="1"/>
+          <p:nvPr/>
+        </p:nvSpPr>
+        <p:spPr>
+          <a:xfrm>
+            <a:off x="7816554" y="707714"/>
+            <a:ext cx="1150605" cy="646331"/>
+          </a:xfrm>
+          <a:prstGeom prst="rect">
+            <a:avLst/>
+          </a:prstGeom>
+          <a:solidFill>
+            <a:schemeClr val="bg1">
+              <a:lumMod val="85000"/>
+            </a:schemeClr>
+          </a:solidFill>
+        </p:spPr>
+        <p:txBody>
+          <a:bodyPr wrap="square" rtlCol="0">
+            <a:spAutoFit/>
+          </a:bodyPr>
+          <a:lstStyle/>
+          <a:p>
+            <a:r>
+              <a:rPr lang="en-AU" sz="1200" dirty="0" err="1" smtClean="0"/>
+              <a:t>FontSize</a:t>
+            </a:r>
+            <a:r>
+              <a:rPr lang="en-AU" sz="1200" dirty="0" smtClean="0"/>
+              <a:t>: 14</a:t>
+            </a:r>
+          </a:p>
+          <a:p>
+            <a:r>
+              <a:rPr lang="en-AU" sz="1200" dirty="0" smtClean="0"/>
+              <a:t>Face: Bold</a:t>
+            </a:r>
+          </a:p>
+          <a:p>
+            <a:r>
+              <a:rPr lang="en-AU" sz="1200" dirty="0" smtClean="0"/>
+              <a:t>Color: #</a:t>
+            </a:r>
+            <a:r>
+              <a:rPr lang="en-AU" sz="1200" dirty="0" smtClean="0"/>
+              <a:t>2f5597</a:t>
+            </a:r>
+            <a:endParaRPr lang="en-AU" sz="1200" dirty="0" smtClean="0"/>
+          </a:p>
+        </p:txBody>
+      </p:sp>
+      <p:cxnSp>
+        <p:nvCxnSpPr>
+          <p:cNvPr id="43" name="Straight Connector 42"/>
+          <p:cNvCxnSpPr/>
+          <p:nvPr/>
+        </p:nvCxnSpPr>
+        <p:spPr>
+          <a:xfrm flipV="1">
+            <a:off x="2534359" y="905774"/>
+            <a:ext cx="5445075" cy="257700"/>
+          </a:xfrm>
+          <a:prstGeom prst="line">
+            <a:avLst/>
+          </a:prstGeom>
+        </p:spPr>
+        <p:style>
+          <a:lnRef idx="1">
+            <a:schemeClr val="accent1"/>
+          </a:lnRef>
+          <a:fillRef idx="0">
+            <a:schemeClr val="accent1"/>
+          </a:fillRef>
+          <a:effectRef idx="0">
+            <a:schemeClr val="accent1"/>
+          </a:effectRef>
+          <a:fontRef idx="minor">
+            <a:schemeClr val="tx1"/>
+          </a:fontRef>
+        </p:style>
+      </p:cxnSp>
+      <p:cxnSp>
+        <p:nvCxnSpPr>
+          <p:cNvPr id="44" name="Straight Connector 43"/>
+          <p:cNvCxnSpPr>
+            <a:endCxn id="42" idx="1"/>
+          </p:cNvCxnSpPr>
+          <p:nvPr/>
+        </p:nvCxnSpPr>
+        <p:spPr>
+          <a:xfrm flipV="1">
+            <a:off x="2661413" y="1030880"/>
+            <a:ext cx="5155141" cy="1199713"/>
+          </a:xfrm>
+          <a:prstGeom prst="line">
+            <a:avLst/>
+          </a:prstGeom>
+        </p:spPr>
+        <p:style>
+          <a:lnRef idx="1">
+            <a:schemeClr val="accent1"/>
+          </a:lnRef>
+          <a:fillRef idx="0">
+            <a:schemeClr val="accent1"/>
+          </a:fillRef>
+          <a:effectRef idx="0">
+            <a:schemeClr val="accent1"/>
+          </a:effectRef>
+          <a:fontRef idx="minor">
+            <a:schemeClr val="tx1"/>
+          </a:fontRef>
+        </p:style>
+      </p:cxnSp>
+      <p:cxnSp>
+        <p:nvCxnSpPr>
+          <p:cNvPr id="45" name="Straight Connector 44"/>
+          <p:cNvCxnSpPr/>
+          <p:nvPr/>
+        </p:nvCxnSpPr>
+        <p:spPr>
+          <a:xfrm flipV="1">
+            <a:off x="2871001" y="1233577"/>
+            <a:ext cx="4945553" cy="1933646"/>
+          </a:xfrm>
+          <a:prstGeom prst="line">
+            <a:avLst/>
+          </a:prstGeom>
+        </p:spPr>
+        <p:style>
+          <a:lnRef idx="1">
+            <a:schemeClr val="accent1"/>
+          </a:lnRef>
+          <a:fillRef idx="0">
+            <a:schemeClr val="accent1"/>
+          </a:fillRef>
+          <a:effectRef idx="0">
+            <a:schemeClr val="accent1"/>
+          </a:effectRef>
+          <a:fontRef idx="minor">
+            <a:schemeClr val="tx1"/>
+          </a:fontRef>
+        </p:style>
+      </p:cxnSp>
+      <p:cxnSp>
+        <p:nvCxnSpPr>
+          <p:cNvPr id="50" name="Straight Connector 49"/>
+          <p:cNvCxnSpPr/>
+          <p:nvPr/>
+        </p:nvCxnSpPr>
+        <p:spPr>
+          <a:xfrm flipV="1">
+            <a:off x="3040331" y="1301974"/>
+            <a:ext cx="4939103" cy="2218397"/>
+          </a:xfrm>
+          <a:prstGeom prst="line">
+            <a:avLst/>
+          </a:prstGeom>
+        </p:spPr>
+        <p:style>
+          <a:lnRef idx="1">
+            <a:schemeClr val="accent1"/>
+          </a:lnRef>
+          <a:fillRef idx="0">
+            <a:schemeClr val="accent1"/>
+          </a:fillRef>
+          <a:effectRef idx="0">
+            <a:schemeClr val="accent1"/>
+          </a:effectRef>
+          <a:fontRef idx="minor">
+            <a:schemeClr val="tx1"/>
+          </a:fontRef>
+        </p:style>
+      </p:cxnSp>
+      <p:sp>
+        <p:nvSpPr>
+          <p:cNvPr id="53" name="TextBox 52"/>
+          <p:cNvSpPr txBox="1"/>
+          <p:nvPr/>
+        </p:nvSpPr>
+        <p:spPr>
+          <a:xfrm>
+            <a:off x="7856816" y="1783096"/>
+            <a:ext cx="1150605" cy="646331"/>
+          </a:xfrm>
+          <a:prstGeom prst="rect">
+            <a:avLst/>
+          </a:prstGeom>
+          <a:solidFill>
+            <a:schemeClr val="bg1">
+              <a:lumMod val="85000"/>
+            </a:schemeClr>
+          </a:solidFill>
+        </p:spPr>
+        <p:txBody>
+          <a:bodyPr wrap="square" rtlCol="0">
+            <a:spAutoFit/>
+          </a:bodyPr>
+          <a:lstStyle/>
+          <a:p>
+            <a:r>
+              <a:rPr lang="en-AU" sz="1200" dirty="0" err="1" smtClean="0"/>
+              <a:t>FontSize</a:t>
+            </a:r>
+            <a:r>
+              <a:rPr lang="en-AU" sz="1200" dirty="0" smtClean="0"/>
+              <a:t>: 14</a:t>
+            </a:r>
+          </a:p>
+          <a:p>
+            <a:r>
+              <a:rPr lang="en-AU" sz="1200" dirty="0" smtClean="0"/>
+              <a:t>Face: Bold</a:t>
+            </a:r>
+          </a:p>
+          <a:p>
+            <a:r>
+              <a:rPr lang="en-AU" sz="1200" dirty="0" smtClean="0"/>
+              <a:t>Color: </a:t>
+            </a:r>
+            <a:r>
+              <a:rPr lang="en-AU" sz="1200" dirty="0" smtClean="0"/>
+              <a:t>Red</a:t>
+            </a:r>
+            <a:endParaRPr lang="en-AU" sz="1200" dirty="0" smtClean="0"/>
+          </a:p>
+        </p:txBody>
+      </p:sp>
+      <p:cxnSp>
+        <p:nvCxnSpPr>
+          <p:cNvPr id="54" name="Straight Connector 53"/>
+          <p:cNvCxnSpPr/>
+          <p:nvPr/>
+        </p:nvCxnSpPr>
+        <p:spPr>
+          <a:xfrm>
+            <a:off x="2686759" y="1817190"/>
+            <a:ext cx="5170057" cy="109552"/>
+          </a:xfrm>
+          <a:prstGeom prst="line">
+            <a:avLst/>
+          </a:prstGeom>
+        </p:spPr>
+        <p:style>
+          <a:lnRef idx="1">
+            <a:schemeClr val="accent1"/>
+          </a:lnRef>
+          <a:fillRef idx="0">
+            <a:schemeClr val="accent1"/>
+          </a:fillRef>
+          <a:effectRef idx="0">
+            <a:schemeClr val="accent1"/>
+          </a:effectRef>
+          <a:fontRef idx="minor">
+            <a:schemeClr val="tx1"/>
+          </a:fontRef>
+        </p:style>
+      </p:cxnSp>
+      <p:cxnSp>
+        <p:nvCxnSpPr>
+          <p:cNvPr id="56" name="Straight Connector 55"/>
+          <p:cNvCxnSpPr/>
+          <p:nvPr/>
+        </p:nvCxnSpPr>
+        <p:spPr>
+          <a:xfrm flipV="1">
+            <a:off x="2871001" y="2369091"/>
+            <a:ext cx="5108433" cy="957570"/>
+          </a:xfrm>
+          <a:prstGeom prst="line">
+            <a:avLst/>
+          </a:prstGeom>
+        </p:spPr>
+        <p:style>
+          <a:lnRef idx="1">
+            <a:schemeClr val="accent1"/>
+          </a:lnRef>
+          <a:fillRef idx="0">
+            <a:schemeClr val="accent1"/>
+          </a:fillRef>
+          <a:effectRef idx="0">
+            <a:schemeClr val="accent1"/>
+          </a:effectRef>
+          <a:fontRef idx="minor">
+            <a:schemeClr val="tx1"/>
+          </a:fontRef>
+        </p:style>
+      </p:cxnSp>
+      <p:cxnSp>
+        <p:nvCxnSpPr>
+          <p:cNvPr id="58" name="Straight Connector 57"/>
+          <p:cNvCxnSpPr/>
+          <p:nvPr/>
+        </p:nvCxnSpPr>
+        <p:spPr>
+          <a:xfrm flipV="1">
+            <a:off x="3040331" y="2383598"/>
+            <a:ext cx="4939103" cy="1843038"/>
+          </a:xfrm>
+          <a:prstGeom prst="line">
+            <a:avLst/>
+          </a:prstGeom>
+        </p:spPr>
+        <p:style>
+          <a:lnRef idx="1">
+            <a:schemeClr val="accent1"/>
+          </a:lnRef>
+          <a:fillRef idx="0">
+            <a:schemeClr val="accent1"/>
+          </a:fillRef>
+          <a:effectRef idx="0">
+            <a:schemeClr val="accent1"/>
+          </a:effectRef>
+          <a:fontRef idx="minor">
+            <a:schemeClr val="tx1"/>
+          </a:fontRef>
+        </p:style>
+      </p:cxnSp>
+      <p:cxnSp>
+        <p:nvCxnSpPr>
+          <p:cNvPr id="60" name="Straight Connector 59"/>
+          <p:cNvCxnSpPr/>
+          <p:nvPr/>
+        </p:nvCxnSpPr>
+        <p:spPr>
+          <a:xfrm flipV="1">
+            <a:off x="3023401" y="2521491"/>
+            <a:ext cx="5108433" cy="957570"/>
+          </a:xfrm>
+          <a:prstGeom prst="line">
+            <a:avLst/>
+          </a:prstGeom>
+        </p:spPr>
+        <p:style>
+          <a:lnRef idx="1">
+            <a:schemeClr val="accent1"/>
+          </a:lnRef>
+          <a:fillRef idx="0">
+            <a:schemeClr val="accent1"/>
+          </a:fillRef>
+          <a:effectRef idx="0">
+            <a:schemeClr val="accent1"/>
+          </a:effectRef>
+          <a:fontRef idx="minor">
+            <a:schemeClr val="tx1"/>
+          </a:fontRef>
+        </p:style>
+      </p:cxnSp>
+      <p:sp>
+        <p:nvSpPr>
+          <p:cNvPr id="61" name="TextBox 60"/>
+          <p:cNvSpPr txBox="1"/>
+          <p:nvPr/>
+        </p:nvSpPr>
+        <p:spPr>
+          <a:xfrm>
+            <a:off x="7745164" y="5460167"/>
+            <a:ext cx="1150605" cy="646331"/>
+          </a:xfrm>
+          <a:prstGeom prst="rect">
+            <a:avLst/>
+          </a:prstGeom>
+          <a:solidFill>
+            <a:schemeClr val="bg1">
+              <a:lumMod val="85000"/>
+            </a:schemeClr>
+          </a:solidFill>
+        </p:spPr>
+        <p:txBody>
+          <a:bodyPr wrap="square" rtlCol="0">
+            <a:spAutoFit/>
+          </a:bodyPr>
+          <a:lstStyle/>
+          <a:p>
+            <a:r>
+              <a:rPr lang="en-AU" sz="1200" dirty="0" err="1" smtClean="0"/>
+              <a:t>FontSize</a:t>
+            </a:r>
+            <a:r>
+              <a:rPr lang="en-AU" sz="1200" dirty="0" smtClean="0"/>
+              <a:t>: </a:t>
+            </a:r>
+            <a:r>
+              <a:rPr lang="en-AU" sz="1200" dirty="0" smtClean="0"/>
+              <a:t>16</a:t>
+            </a:r>
+            <a:endParaRPr lang="en-AU" sz="1200" dirty="0" smtClean="0"/>
+          </a:p>
+          <a:p>
+            <a:r>
+              <a:rPr lang="en-AU" sz="1200" dirty="0" smtClean="0"/>
+              <a:t>Face: Bold</a:t>
+            </a:r>
+          </a:p>
+          <a:p>
+            <a:r>
+              <a:rPr lang="en-AU" sz="1200" dirty="0" smtClean="0"/>
+              <a:t>Color: </a:t>
+            </a:r>
+            <a:r>
+              <a:rPr lang="en-AU" sz="1200" dirty="0" smtClean="0"/>
+              <a:t>Blue</a:t>
+            </a:r>
+            <a:endParaRPr lang="en-AU" sz="1200" dirty="0" smtClean="0"/>
+          </a:p>
+        </p:txBody>
+      </p:sp>
+      <p:cxnSp>
+        <p:nvCxnSpPr>
+          <p:cNvPr id="62" name="Straight Connector 61"/>
+          <p:cNvCxnSpPr>
+            <a:endCxn id="61" idx="1"/>
+          </p:cNvCxnSpPr>
+          <p:nvPr/>
+        </p:nvCxnSpPr>
+        <p:spPr>
+          <a:xfrm>
+            <a:off x="2899969" y="5532901"/>
+            <a:ext cx="4845195" cy="250432"/>
+          </a:xfrm>
+          <a:prstGeom prst="line">
+            <a:avLst/>
+          </a:prstGeom>
+        </p:spPr>
+        <p:style>
+          <a:lnRef idx="1">
+            <a:schemeClr val="accent1"/>
+          </a:lnRef>
+          <a:fillRef idx="0">
+            <a:schemeClr val="accent1"/>
+          </a:fillRef>
+          <a:effectRef idx="0">
+            <a:schemeClr val="accent1"/>
+          </a:effectRef>
+          <a:fontRef idx="minor">
+            <a:schemeClr val="tx1"/>
+          </a:fontRef>
+        </p:style>
+      </p:cxnSp>
+      <p:sp>
+        <p:nvSpPr>
+          <p:cNvPr id="64" name="TextBox 63"/>
+          <p:cNvSpPr txBox="1"/>
+          <p:nvPr/>
+        </p:nvSpPr>
+        <p:spPr>
+          <a:xfrm>
+            <a:off x="7742296" y="4085765"/>
+            <a:ext cx="1265125" cy="646331"/>
+          </a:xfrm>
+          <a:prstGeom prst="rect">
+            <a:avLst/>
+          </a:prstGeom>
+          <a:solidFill>
+            <a:schemeClr val="bg1">
+              <a:lumMod val="85000"/>
+            </a:schemeClr>
+          </a:solidFill>
+        </p:spPr>
+        <p:txBody>
+          <a:bodyPr wrap="square" rtlCol="0">
+            <a:spAutoFit/>
+          </a:bodyPr>
+          <a:lstStyle/>
+          <a:p>
+            <a:r>
+              <a:rPr lang="en-AU" sz="1200" dirty="0" err="1" smtClean="0"/>
+              <a:t>FontSize</a:t>
+            </a:r>
+            <a:r>
+              <a:rPr lang="en-AU" sz="1200" dirty="0" smtClean="0"/>
+              <a:t>: </a:t>
+            </a:r>
+            <a:r>
+              <a:rPr lang="en-AU" sz="1200" dirty="0" smtClean="0"/>
+              <a:t>16</a:t>
+            </a:r>
+            <a:endParaRPr lang="en-AU" sz="1200" dirty="0" smtClean="0"/>
+          </a:p>
+          <a:p>
+            <a:r>
+              <a:rPr lang="en-AU" sz="1200" dirty="0" smtClean="0"/>
+              <a:t>Face: Bold</a:t>
+            </a:r>
+          </a:p>
+          <a:p>
+            <a:r>
+              <a:rPr lang="en-AU" sz="1200" dirty="0" smtClean="0"/>
+              <a:t>Color: </a:t>
+            </a:r>
+            <a:r>
+              <a:rPr lang="en-AU" sz="1200" dirty="0" smtClean="0"/>
+              <a:t>Light </a:t>
+            </a:r>
+            <a:r>
+              <a:rPr lang="en-AU" sz="1200" dirty="0" smtClean="0"/>
+              <a:t>Blue</a:t>
+            </a:r>
+            <a:endParaRPr lang="en-AU" sz="1200" dirty="0" smtClean="0"/>
+          </a:p>
+        </p:txBody>
+      </p:sp>
+      <p:cxnSp>
+        <p:nvCxnSpPr>
+          <p:cNvPr id="67" name="Straight Connector 66"/>
+          <p:cNvCxnSpPr/>
+          <p:nvPr/>
+        </p:nvCxnSpPr>
+        <p:spPr>
+          <a:xfrm flipV="1">
+            <a:off x="4098803" y="4594749"/>
+            <a:ext cx="3880631" cy="925838"/>
+          </a:xfrm>
+          <a:prstGeom prst="line">
+            <a:avLst/>
+          </a:prstGeom>
+        </p:spPr>
+        <p:style>
+          <a:lnRef idx="1">
+            <a:schemeClr val="accent1"/>
+          </a:lnRef>
+          <a:fillRef idx="0">
+            <a:schemeClr val="accent1"/>
+          </a:fillRef>
+          <a:effectRef idx="0">
+            <a:schemeClr val="accent1"/>
+          </a:effectRef>
+          <a:fontRef idx="minor">
+            <a:schemeClr val="tx1"/>
+          </a:fontRef>
+        </p:style>
+      </p:cxnSp>
     </p:spTree>
     <p:extLst>
       <p:ext uri="{BB962C8B-B14F-4D97-AF65-F5344CB8AC3E}">
@@ -23931,7 +25141,7 @@
   <a:extraClrSchemeLst/>
   <a:extLst>
     <a:ext uri="{05A4C25C-085E-4340-85A3-A5531E510DB2}">
-      <thm15:themeFamily xmlns:thm15="http://schemas.microsoft.com/office/thememl/2012/main" xmlns="" name="Office Theme" id="{62F939B6-93AF-4DB8-9C6B-D6C7DFDC589F}" vid="{4A3C46E8-61CC-4603-A589-7422A47A8E4A}"/>
+      <thm15:themeFamily xmlns="" xmlns:thm15="http://schemas.microsoft.com/office/thememl/2012/main" name="Office Theme" id="{62F939B6-93AF-4DB8-9C6B-D6C7DFDC589F}" vid="{4A3C46E8-61CC-4603-A589-7422A47A8E4A}"/>
     </a:ext>
   </a:extLst>
 </a:theme>

--- a/ITProjectManagement/BA/SpecsWireframes/MVP/wireframe.pptx
+++ b/ITProjectManagement/BA/SpecsWireframes/MVP/wireframe.pptx
@@ -129,7 +129,7 @@
       </p14:sectionLst>
     </p:ext>
     <p:ext uri="{EFAFB233-063F-42B5-8137-9DF3F51BA10A}">
-      <p15:sldGuideLst xmlns="" xmlns:p15="http://schemas.microsoft.com/office/powerpoint/2012/main"/>
+      <p15:sldGuideLst xmlns:p15="http://schemas.microsoft.com/office/powerpoint/2012/main" xmlns=""/>
     </p:ext>
   </p:extLst>
 </p:presentation>
@@ -8208,13 +8208,8 @@
           <a:p>
             <a:r>
               <a:rPr lang="en-AU" sz="1200" dirty="0" smtClean="0"/>
-              <a:t>Color: #</a:t>
-            </a:r>
-            <a:r>
-              <a:rPr lang="en-AU" sz="1200" dirty="0" smtClean="0"/>
-              <a:t>2f5597</a:t>
-            </a:r>
-            <a:endParaRPr lang="en-AU" sz="1200" dirty="0" smtClean="0"/>
+              <a:t>Color: #2f5597</a:t>
+            </a:r>
           </a:p>
         </p:txBody>
       </p:sp>
@@ -8384,13 +8379,8 @@
           <a:p>
             <a:r>
               <a:rPr lang="en-AU" sz="1200" dirty="0" smtClean="0"/>
-              <a:t>Color: </a:t>
-            </a:r>
-            <a:r>
-              <a:rPr lang="en-AU" sz="1200" dirty="0" smtClean="0"/>
-              <a:t>Red</a:t>
-            </a:r>
-            <a:endParaRPr lang="en-AU" sz="1200" dirty="0" smtClean="0"/>
+              <a:t>Color: Red</a:t>
+            </a:r>
           </a:p>
         </p:txBody>
       </p:sp>
@@ -8546,13 +8536,8 @@
             </a:r>
             <a:r>
               <a:rPr lang="en-AU" sz="1200" dirty="0" smtClean="0"/>
-              <a:t>: </a:t>
-            </a:r>
-            <a:r>
-              <a:rPr lang="en-AU" sz="1200" dirty="0" smtClean="0"/>
-              <a:t>16</a:t>
-            </a:r>
-            <a:endParaRPr lang="en-AU" sz="1200" dirty="0" smtClean="0"/>
+              <a:t>: 16</a:t>
+            </a:r>
           </a:p>
           <a:p>
             <a:r>
@@ -8563,13 +8548,8 @@
           <a:p>
             <a:r>
               <a:rPr lang="en-AU" sz="1200" dirty="0" smtClean="0"/>
-              <a:t>Color: </a:t>
-            </a:r>
-            <a:r>
-              <a:rPr lang="en-AU" sz="1200" dirty="0" smtClean="0"/>
-              <a:t>Blue</a:t>
-            </a:r>
-            <a:endParaRPr lang="en-AU" sz="1200" dirty="0" smtClean="0"/>
+              <a:t>Color: Blue</a:t>
+            </a:r>
           </a:p>
         </p:txBody>
       </p:sp>
@@ -8637,13 +8617,8 @@
             </a:r>
             <a:r>
               <a:rPr lang="en-AU" sz="1200" dirty="0" smtClean="0"/>
-              <a:t>: </a:t>
-            </a:r>
-            <a:r>
-              <a:rPr lang="en-AU" sz="1200" dirty="0" smtClean="0"/>
-              <a:t>16</a:t>
-            </a:r>
-            <a:endParaRPr lang="en-AU" sz="1200" dirty="0" smtClean="0"/>
+              <a:t>: 16</a:t>
+            </a:r>
           </a:p>
           <a:p>
             <a:r>
@@ -8654,17 +8629,8 @@
           <a:p>
             <a:r>
               <a:rPr lang="en-AU" sz="1200" dirty="0" smtClean="0"/>
-              <a:t>Color: </a:t>
-            </a:r>
-            <a:r>
-              <a:rPr lang="en-AU" sz="1200" dirty="0" smtClean="0"/>
-              <a:t>Light </a:t>
-            </a:r>
-            <a:r>
-              <a:rPr lang="en-AU" sz="1200" dirty="0" smtClean="0"/>
-              <a:t>Blue</a:t>
-            </a:r>
-            <a:endParaRPr lang="en-AU" sz="1200" dirty="0" smtClean="0"/>
+              <a:t>Color: Light Blue</a:t>
+            </a:r>
           </a:p>
         </p:txBody>
       </p:sp>
@@ -10632,8 +10598,8 @@
         </p:nvSpPr>
         <p:spPr>
           <a:xfrm>
-            <a:off x="1748880" y="2506362"/>
-            <a:ext cx="3557216" cy="1737516"/>
+            <a:off x="1910572" y="3220506"/>
+            <a:ext cx="3233833" cy="1045912"/>
           </a:xfrm>
           <a:prstGeom prst="rect">
             <a:avLst/>
@@ -10782,8 +10748,8 @@
         </p:nvSpPr>
         <p:spPr>
           <a:xfrm>
-            <a:off x="2015543" y="930499"/>
-            <a:ext cx="2820473" cy="386366"/>
+            <a:off x="2015543" y="749353"/>
+            <a:ext cx="2820473" cy="309846"/>
           </a:xfrm>
           <a:prstGeom prst="roundRect">
             <a:avLst/>
@@ -10842,8 +10808,8 @@
         </p:nvSpPr>
         <p:spPr>
           <a:xfrm>
-            <a:off x="4381615" y="930499"/>
-            <a:ext cx="454401" cy="386366"/>
+            <a:off x="4372989" y="749353"/>
+            <a:ext cx="454401" cy="301220"/>
           </a:xfrm>
           <a:prstGeom prst="roundRect">
             <a:avLst/>
@@ -10887,7 +10853,7 @@
         </p:nvSpPr>
         <p:spPr>
           <a:xfrm>
-            <a:off x="4463381" y="967367"/>
+            <a:off x="4463381" y="794847"/>
             <a:ext cx="206545" cy="233751"/>
           </a:xfrm>
           <a:prstGeom prst="ellipse">
@@ -10933,8 +10899,8 @@
         </p:nvCxnSpPr>
         <p:spPr>
           <a:xfrm>
-            <a:off x="4655125" y="1160862"/>
-            <a:ext cx="123627" cy="141715"/>
+            <a:off x="4665853" y="867578"/>
+            <a:ext cx="102171" cy="141715"/>
           </a:xfrm>
           <a:prstGeom prst="line">
             <a:avLst/>
@@ -11610,8 +11576,8 @@
         </p:nvSpPr>
         <p:spPr>
           <a:xfrm>
-            <a:off x="2046776" y="1399586"/>
-            <a:ext cx="2764294" cy="1020439"/>
+            <a:off x="2029523" y="1175311"/>
+            <a:ext cx="2809309" cy="1429866"/>
           </a:xfrm>
           <a:prstGeom prst="rect">
             <a:avLst/>
@@ -11646,35 +11612,6 @@
           <a:lstStyle/>
           <a:p>
             <a:endParaRPr lang="en-AU" dirty="0"/>
-          </a:p>
-        </p:txBody>
-      </p:sp>
-      <p:sp>
-        <p:nvSpPr>
-          <p:cNvPr id="26" name="TextBox 25"/>
-          <p:cNvSpPr txBox="1"/>
-          <p:nvPr/>
-        </p:nvSpPr>
-        <p:spPr>
-          <a:xfrm>
-            <a:off x="2039687" y="1401007"/>
-            <a:ext cx="1964465" cy="338554"/>
-          </a:xfrm>
-          <a:prstGeom prst="rect">
-            <a:avLst/>
-          </a:prstGeom>
-          <a:noFill/>
-        </p:spPr>
-        <p:txBody>
-          <a:bodyPr wrap="square" rtlCol="0">
-            <a:spAutoFit/>
-          </a:bodyPr>
-          <a:lstStyle/>
-          <a:p>
-            <a:r>
-              <a:rPr lang="en-AU" sz="1600" dirty="0" smtClean="0"/>
-              <a:t>Search Filters here …</a:t>
-            </a:r>
           </a:p>
         </p:txBody>
       </p:sp>
@@ -11865,8 +11802,8 @@
         </p:nvCxnSpPr>
         <p:spPr>
           <a:xfrm flipV="1">
-            <a:off x="4778754" y="1562217"/>
-            <a:ext cx="2241023" cy="512253"/>
+            <a:off x="5000584" y="1562217"/>
+            <a:ext cx="2019193" cy="512253"/>
           </a:xfrm>
           <a:prstGeom prst="line">
             <a:avLst/>
@@ -12547,7 +12484,7 @@
         </p:nvSpPr>
         <p:spPr>
           <a:xfrm>
-            <a:off x="1728062" y="2536045"/>
+            <a:off x="1920381" y="2786211"/>
             <a:ext cx="1964465" cy="338554"/>
           </a:xfrm>
           <a:prstGeom prst="rect">
@@ -12917,6 +12854,321 @@
               <a:t>logged in user comes here</a:t>
             </a:r>
             <a:endParaRPr lang="en-AU" b="1" u="sng" dirty="0" smtClean="0"/>
+          </a:p>
+        </p:txBody>
+      </p:sp>
+      <p:sp>
+        <p:nvSpPr>
+          <p:cNvPr id="2" name="Rectangle 1"/>
+          <p:cNvSpPr/>
+          <p:nvPr/>
+        </p:nvSpPr>
+        <p:spPr>
+          <a:xfrm>
+            <a:off x="2104845" y="1250830"/>
+            <a:ext cx="2663179" cy="224287"/>
+          </a:xfrm>
+          <a:prstGeom prst="rect">
+            <a:avLst/>
+          </a:prstGeom>
+        </p:spPr>
+        <p:style>
+          <a:lnRef idx="2">
+            <a:schemeClr val="accent6"/>
+          </a:lnRef>
+          <a:fillRef idx="1">
+            <a:schemeClr val="lt1"/>
+          </a:fillRef>
+          <a:effectRef idx="0">
+            <a:schemeClr val="accent6"/>
+          </a:effectRef>
+          <a:fontRef idx="minor">
+            <a:schemeClr val="dk1"/>
+          </a:fontRef>
+        </p:style>
+        <p:txBody>
+          <a:bodyPr rtlCol="0" anchor="ctr"/>
+          <a:lstStyle/>
+          <a:p>
+            <a:r>
+              <a:rPr lang="en-US" sz="1200" dirty="0" smtClean="0">
+                <a:latin typeface="Arial" pitchFamily="34" charset="0"/>
+                <a:cs typeface="Arial" pitchFamily="34" charset="0"/>
+              </a:rPr>
+              <a:t>Subject</a:t>
+            </a:r>
+            <a:endParaRPr lang="en-IN" sz="1200" dirty="0">
+              <a:latin typeface="Arial" pitchFamily="34" charset="0"/>
+              <a:cs typeface="Arial" pitchFamily="34" charset="0"/>
+            </a:endParaRPr>
+          </a:p>
+        </p:txBody>
+      </p:sp>
+      <p:sp>
+        <p:nvSpPr>
+          <p:cNvPr id="4" name="Down Arrow 3"/>
+          <p:cNvSpPr/>
+          <p:nvPr/>
+        </p:nvSpPr>
+        <p:spPr>
+          <a:xfrm>
+            <a:off x="4623115" y="1270293"/>
+            <a:ext cx="116245" cy="185361"/>
+          </a:xfrm>
+          <a:prstGeom prst="downArrow">
+            <a:avLst/>
+          </a:prstGeom>
+        </p:spPr>
+        <p:style>
+          <a:lnRef idx="2">
+            <a:schemeClr val="accent1">
+              <a:shade val="50000"/>
+            </a:schemeClr>
+          </a:lnRef>
+          <a:fillRef idx="1">
+            <a:schemeClr val="accent1"/>
+          </a:fillRef>
+          <a:effectRef idx="0">
+            <a:schemeClr val="accent1"/>
+          </a:effectRef>
+          <a:fontRef idx="minor">
+            <a:schemeClr val="lt1"/>
+          </a:fontRef>
+        </p:style>
+        <p:txBody>
+          <a:bodyPr rtlCol="0" anchor="ctr"/>
+          <a:lstStyle/>
+          <a:p>
+            <a:pPr algn="ctr"/>
+            <a:endParaRPr lang="en-IN"/>
+          </a:p>
+        </p:txBody>
+      </p:sp>
+      <p:sp>
+        <p:nvSpPr>
+          <p:cNvPr id="67" name="Rectangle 66"/>
+          <p:cNvSpPr/>
+          <p:nvPr/>
+        </p:nvSpPr>
+        <p:spPr>
+          <a:xfrm>
+            <a:off x="2104845" y="1584376"/>
+            <a:ext cx="2663179" cy="224287"/>
+          </a:xfrm>
+          <a:prstGeom prst="rect">
+            <a:avLst/>
+          </a:prstGeom>
+        </p:spPr>
+        <p:style>
+          <a:lnRef idx="2">
+            <a:schemeClr val="accent6"/>
+          </a:lnRef>
+          <a:fillRef idx="1">
+            <a:schemeClr val="lt1"/>
+          </a:fillRef>
+          <a:effectRef idx="0">
+            <a:schemeClr val="accent6"/>
+          </a:effectRef>
+          <a:fontRef idx="minor">
+            <a:schemeClr val="dk1"/>
+          </a:fontRef>
+        </p:style>
+        <p:txBody>
+          <a:bodyPr rtlCol="0" anchor="ctr"/>
+          <a:lstStyle/>
+          <a:p>
+            <a:r>
+              <a:rPr lang="en-US" sz="1200" dirty="0" smtClean="0">
+                <a:latin typeface="Arial" pitchFamily="34" charset="0"/>
+                <a:cs typeface="Arial" pitchFamily="34" charset="0"/>
+              </a:rPr>
+              <a:t>Class</a:t>
+            </a:r>
+            <a:endParaRPr lang="en-IN" sz="1200" dirty="0">
+              <a:latin typeface="Arial" pitchFamily="34" charset="0"/>
+              <a:cs typeface="Arial" pitchFamily="34" charset="0"/>
+            </a:endParaRPr>
+          </a:p>
+        </p:txBody>
+      </p:sp>
+      <p:sp>
+        <p:nvSpPr>
+          <p:cNvPr id="68" name="Down Arrow 67"/>
+          <p:cNvSpPr/>
+          <p:nvPr/>
+        </p:nvSpPr>
+        <p:spPr>
+          <a:xfrm>
+            <a:off x="4607787" y="1603839"/>
+            <a:ext cx="127869" cy="185361"/>
+          </a:xfrm>
+          <a:prstGeom prst="downArrow">
+            <a:avLst/>
+          </a:prstGeom>
+        </p:spPr>
+        <p:style>
+          <a:lnRef idx="2">
+            <a:schemeClr val="accent1">
+              <a:shade val="50000"/>
+            </a:schemeClr>
+          </a:lnRef>
+          <a:fillRef idx="1">
+            <a:schemeClr val="accent1"/>
+          </a:fillRef>
+          <a:effectRef idx="0">
+            <a:schemeClr val="accent1"/>
+          </a:effectRef>
+          <a:fontRef idx="minor">
+            <a:schemeClr val="lt1"/>
+          </a:fontRef>
+        </p:style>
+        <p:txBody>
+          <a:bodyPr rtlCol="0" anchor="ctr"/>
+          <a:lstStyle/>
+          <a:p>
+            <a:pPr algn="ctr"/>
+            <a:endParaRPr lang="en-IN"/>
+          </a:p>
+        </p:txBody>
+      </p:sp>
+      <p:sp>
+        <p:nvSpPr>
+          <p:cNvPr id="72" name="Rectangle 71"/>
+          <p:cNvSpPr/>
+          <p:nvPr/>
+        </p:nvSpPr>
+        <p:spPr>
+          <a:xfrm>
+            <a:off x="2104845" y="1926548"/>
+            <a:ext cx="2663179" cy="224287"/>
+          </a:xfrm>
+          <a:prstGeom prst="rect">
+            <a:avLst/>
+          </a:prstGeom>
+        </p:spPr>
+        <p:style>
+          <a:lnRef idx="2">
+            <a:schemeClr val="accent6"/>
+          </a:lnRef>
+          <a:fillRef idx="1">
+            <a:schemeClr val="lt1"/>
+          </a:fillRef>
+          <a:effectRef idx="0">
+            <a:schemeClr val="accent6"/>
+          </a:effectRef>
+          <a:fontRef idx="minor">
+            <a:schemeClr val="dk1"/>
+          </a:fontRef>
+        </p:style>
+        <p:txBody>
+          <a:bodyPr rtlCol="0" anchor="ctr"/>
+          <a:lstStyle/>
+          <a:p>
+            <a:r>
+              <a:rPr lang="en-US" sz="1200" dirty="0" smtClean="0">
+                <a:latin typeface="Arial" pitchFamily="34" charset="0"/>
+                <a:cs typeface="Arial" pitchFamily="34" charset="0"/>
+              </a:rPr>
+              <a:t>Board</a:t>
+            </a:r>
+            <a:endParaRPr lang="en-IN" sz="1200" dirty="0">
+              <a:latin typeface="Arial" pitchFamily="34" charset="0"/>
+              <a:cs typeface="Arial" pitchFamily="34" charset="0"/>
+            </a:endParaRPr>
+          </a:p>
+        </p:txBody>
+      </p:sp>
+      <p:sp>
+        <p:nvSpPr>
+          <p:cNvPr id="73" name="Down Arrow 72"/>
+          <p:cNvSpPr/>
+          <p:nvPr/>
+        </p:nvSpPr>
+        <p:spPr>
+          <a:xfrm>
+            <a:off x="4600051" y="1936743"/>
+            <a:ext cx="127869" cy="203897"/>
+          </a:xfrm>
+          <a:prstGeom prst="downArrow">
+            <a:avLst/>
+          </a:prstGeom>
+        </p:spPr>
+        <p:style>
+          <a:lnRef idx="2">
+            <a:schemeClr val="accent1">
+              <a:shade val="50000"/>
+            </a:schemeClr>
+          </a:lnRef>
+          <a:fillRef idx="1">
+            <a:schemeClr val="accent1"/>
+          </a:fillRef>
+          <a:effectRef idx="0">
+            <a:schemeClr val="accent1"/>
+          </a:effectRef>
+          <a:fontRef idx="minor">
+            <a:schemeClr val="lt1"/>
+          </a:fontRef>
+        </p:style>
+        <p:txBody>
+          <a:bodyPr rtlCol="0" anchor="ctr"/>
+          <a:lstStyle/>
+          <a:p>
+            <a:pPr algn="ctr"/>
+            <a:endParaRPr lang="en-IN"/>
+          </a:p>
+        </p:txBody>
+      </p:sp>
+      <p:sp>
+        <p:nvSpPr>
+          <p:cNvPr id="74" name="Rectangle 73"/>
+          <p:cNvSpPr/>
+          <p:nvPr/>
+        </p:nvSpPr>
+        <p:spPr>
+          <a:xfrm>
+            <a:off x="2101977" y="2260094"/>
+            <a:ext cx="2663179" cy="224287"/>
+          </a:xfrm>
+          <a:prstGeom prst="rect">
+            <a:avLst/>
+          </a:prstGeom>
+        </p:spPr>
+        <p:style>
+          <a:lnRef idx="2">
+            <a:schemeClr val="accent6"/>
+          </a:lnRef>
+          <a:fillRef idx="1">
+            <a:schemeClr val="lt1"/>
+          </a:fillRef>
+          <a:effectRef idx="0">
+            <a:schemeClr val="accent6"/>
+          </a:effectRef>
+          <a:fontRef idx="minor">
+            <a:schemeClr val="dk1"/>
+          </a:fontRef>
+        </p:style>
+        <p:txBody>
+          <a:bodyPr rtlCol="0" anchor="ctr"/>
+          <a:lstStyle/>
+          <a:p>
+            <a:r>
+              <a:rPr lang="en-US" sz="1200" dirty="0" smtClean="0">
+                <a:latin typeface="Arial" pitchFamily="34" charset="0"/>
+                <a:cs typeface="Arial" pitchFamily="34" charset="0"/>
+              </a:rPr>
+              <a:t>Teacher </a:t>
+            </a:r>
+            <a:r>
+              <a:rPr lang="en-US" sz="1200" dirty="0" err="1" smtClean="0">
+                <a:latin typeface="Arial" pitchFamily="34" charset="0"/>
+                <a:cs typeface="Arial" pitchFamily="34" charset="0"/>
+              </a:rPr>
+              <a:t>name,Language</a:t>
+            </a:r>
+            <a:endParaRPr lang="en-IN" sz="1200" dirty="0">
+              <a:latin typeface="Arial" pitchFamily="34" charset="0"/>
+              <a:cs typeface="Arial" pitchFamily="34" charset="0"/>
+            </a:endParaRPr>
           </a:p>
         </p:txBody>
       </p:sp>
@@ -25141,7 +25393,7 @@
   <a:extraClrSchemeLst/>
   <a:extLst>
     <a:ext uri="{05A4C25C-085E-4340-85A3-A5531E510DB2}">
-      <thm15:themeFamily xmlns="" xmlns:thm15="http://schemas.microsoft.com/office/thememl/2012/main" name="Office Theme" id="{62F939B6-93AF-4DB8-9C6B-D6C7DFDC589F}" vid="{4A3C46E8-61CC-4603-A589-7422A47A8E4A}"/>
+      <thm15:themeFamily xmlns:thm15="http://schemas.microsoft.com/office/thememl/2012/main" xmlns="" name="Office Theme" id="{62F939B6-93AF-4DB8-9C6B-D6C7DFDC589F}" vid="{4A3C46E8-61CC-4603-A589-7422A47A8E4A}"/>
     </a:ext>
   </a:extLst>
 </a:theme>

--- a/ITProjectManagement/BA/SpecsWireframes/MVP/wireframe.pptx
+++ b/ITProjectManagement/BA/SpecsWireframes/MVP/wireframe.pptx
@@ -129,7 +129,7 @@
       </p14:sectionLst>
     </p:ext>
     <p:ext uri="{EFAFB233-063F-42B5-8137-9DF3F51BA10A}">
-      <p15:sldGuideLst xmlns:p15="http://schemas.microsoft.com/office/powerpoint/2012/main" xmlns=""/>
+      <p15:sldGuideLst xmlns="" xmlns:p15="http://schemas.microsoft.com/office/powerpoint/2012/main"/>
     </p:ext>
   </p:extLst>
 </p:presentation>
@@ -13152,20 +13152,20 @@
           <a:lstStyle/>
           <a:p>
             <a:r>
-              <a:rPr lang="en-US" sz="1200" dirty="0" smtClean="0">
+              <a:rPr lang="en-US" sz="1000" b="1" dirty="0" err="1" smtClean="0">
                 <a:latin typeface="Arial" pitchFamily="34" charset="0"/>
                 <a:cs typeface="Arial" pitchFamily="34" charset="0"/>
               </a:rPr>
-              <a:t>Teacher </a:t>
-            </a:r>
-            <a:r>
-              <a:rPr lang="en-US" sz="1200" dirty="0" err="1" smtClean="0">
+              <a:t>Teacher,Language,Scale</a:t>
+            </a:r>
+            <a:r>
+              <a:rPr lang="en-US" sz="1000" b="1" dirty="0" smtClean="0">
                 <a:latin typeface="Arial" pitchFamily="34" charset="0"/>
                 <a:cs typeface="Arial" pitchFamily="34" charset="0"/>
               </a:rPr>
-              <a:t>name,Language</a:t>
-            </a:r>
-            <a:endParaRPr lang="en-IN" sz="1200" dirty="0">
+              <a:t> and Score</a:t>
+            </a:r>
+            <a:endParaRPr lang="en-IN" sz="1000" b="1" dirty="0">
               <a:latin typeface="Arial" pitchFamily="34" charset="0"/>
               <a:cs typeface="Arial" pitchFamily="34" charset="0"/>
             </a:endParaRPr>
@@ -25393,7 +25393,7 @@
   <a:extraClrSchemeLst/>
   <a:extLst>
     <a:ext uri="{05A4C25C-085E-4340-85A3-A5531E510DB2}">
-      <thm15:themeFamily xmlns:thm15="http://schemas.microsoft.com/office/thememl/2012/main" xmlns="" name="Office Theme" id="{62F939B6-93AF-4DB8-9C6B-D6C7DFDC589F}" vid="{4A3C46E8-61CC-4603-A589-7422A47A8E4A}"/>
+      <thm15:themeFamily xmlns="" xmlns:thm15="http://schemas.microsoft.com/office/thememl/2012/main" name="Office Theme" id="{62F939B6-93AF-4DB8-9C6B-D6C7DFDC589F}" vid="{4A3C46E8-61CC-4603-A589-7422A47A8E4A}"/>
     </a:ext>
   </a:extLst>
 </a:theme>

--- a/ITProjectManagement/BA/SpecsWireframes/MVP/wireframe.pptx
+++ b/ITProjectManagement/BA/SpecsWireframes/MVP/wireframe.pptx
@@ -129,7 +129,18 @@
       </p14:sectionLst>
     </p:ext>
     <p:ext uri="{EFAFB233-063F-42B5-8137-9DF3F51BA10A}">
-      <p15:sldGuideLst xmlns="" xmlns:p15="http://schemas.microsoft.com/office/powerpoint/2012/main"/>
+      <p15:sldGuideLst xmlns:p15="http://schemas.microsoft.com/office/powerpoint/2012/main">
+        <p15:guide id="1" orient="horz" pos="2160">
+          <p15:clr>
+            <a:srgbClr val="A4A3A4"/>
+          </p15:clr>
+        </p15:guide>
+        <p15:guide id="2" pos="3840">
+          <p15:clr>
+            <a:srgbClr val="A4A3A4"/>
+          </p15:clr>
+        </p15:guide>
+      </p15:sldGuideLst>
     </p:ext>
   </p:extLst>
 </p:presentation>
@@ -266,7 +277,7 @@
           <a:p>
             <a:fld id="{4807185A-816E-4D07-BD68-6FA3F9B52EF9}" type="datetimeFigureOut">
               <a:rPr lang="en-AU" smtClean="0"/>
-              <a:t>18/03/2022</a:t>
+              <a:t>20/03/2022</a:t>
             </a:fld>
             <a:endParaRPr lang="en-AU"/>
           </a:p>
@@ -436,7 +447,7 @@
           <a:p>
             <a:fld id="{4807185A-816E-4D07-BD68-6FA3F9B52EF9}" type="datetimeFigureOut">
               <a:rPr lang="en-AU" smtClean="0"/>
-              <a:t>18/03/2022</a:t>
+              <a:t>20/03/2022</a:t>
             </a:fld>
             <a:endParaRPr lang="en-AU"/>
           </a:p>
@@ -616,7 +627,7 @@
           <a:p>
             <a:fld id="{4807185A-816E-4D07-BD68-6FA3F9B52EF9}" type="datetimeFigureOut">
               <a:rPr lang="en-AU" smtClean="0"/>
-              <a:t>18/03/2022</a:t>
+              <a:t>20/03/2022</a:t>
             </a:fld>
             <a:endParaRPr lang="en-AU"/>
           </a:p>
@@ -786,7 +797,7 @@
           <a:p>
             <a:fld id="{4807185A-816E-4D07-BD68-6FA3F9B52EF9}" type="datetimeFigureOut">
               <a:rPr lang="en-AU" smtClean="0"/>
-              <a:t>18/03/2022</a:t>
+              <a:t>20/03/2022</a:t>
             </a:fld>
             <a:endParaRPr lang="en-AU"/>
           </a:p>
@@ -1032,7 +1043,7 @@
           <a:p>
             <a:fld id="{4807185A-816E-4D07-BD68-6FA3F9B52EF9}" type="datetimeFigureOut">
               <a:rPr lang="en-AU" smtClean="0"/>
-              <a:t>18/03/2022</a:t>
+              <a:t>20/03/2022</a:t>
             </a:fld>
             <a:endParaRPr lang="en-AU"/>
           </a:p>
@@ -1264,7 +1275,7 @@
           <a:p>
             <a:fld id="{4807185A-816E-4D07-BD68-6FA3F9B52EF9}" type="datetimeFigureOut">
               <a:rPr lang="en-AU" smtClean="0"/>
-              <a:t>18/03/2022</a:t>
+              <a:t>20/03/2022</a:t>
             </a:fld>
             <a:endParaRPr lang="en-AU"/>
           </a:p>
@@ -1631,7 +1642,7 @@
           <a:p>
             <a:fld id="{4807185A-816E-4D07-BD68-6FA3F9B52EF9}" type="datetimeFigureOut">
               <a:rPr lang="en-AU" smtClean="0"/>
-              <a:t>18/03/2022</a:t>
+              <a:t>20/03/2022</a:t>
             </a:fld>
             <a:endParaRPr lang="en-AU"/>
           </a:p>
@@ -1749,7 +1760,7 @@
           <a:p>
             <a:fld id="{4807185A-816E-4D07-BD68-6FA3F9B52EF9}" type="datetimeFigureOut">
               <a:rPr lang="en-AU" smtClean="0"/>
-              <a:t>18/03/2022</a:t>
+              <a:t>20/03/2022</a:t>
             </a:fld>
             <a:endParaRPr lang="en-AU"/>
           </a:p>
@@ -1844,7 +1855,7 @@
           <a:p>
             <a:fld id="{4807185A-816E-4D07-BD68-6FA3F9B52EF9}" type="datetimeFigureOut">
               <a:rPr lang="en-AU" smtClean="0"/>
-              <a:t>18/03/2022</a:t>
+              <a:t>20/03/2022</a:t>
             </a:fld>
             <a:endParaRPr lang="en-AU"/>
           </a:p>
@@ -2121,7 +2132,7 @@
           <a:p>
             <a:fld id="{4807185A-816E-4D07-BD68-6FA3F9B52EF9}" type="datetimeFigureOut">
               <a:rPr lang="en-AU" smtClean="0"/>
-              <a:t>18/03/2022</a:t>
+              <a:t>20/03/2022</a:t>
             </a:fld>
             <a:endParaRPr lang="en-AU"/>
           </a:p>
@@ -2374,7 +2385,7 @@
           <a:p>
             <a:fld id="{4807185A-816E-4D07-BD68-6FA3F9B52EF9}" type="datetimeFigureOut">
               <a:rPr lang="en-AU" smtClean="0"/>
-              <a:t>18/03/2022</a:t>
+              <a:t>20/03/2022</a:t>
             </a:fld>
             <a:endParaRPr lang="en-AU"/>
           </a:p>
@@ -2587,7 +2598,7 @@
           <a:p>
             <a:fld id="{4807185A-816E-4D07-BD68-6FA3F9B52EF9}" type="datetimeFigureOut">
               <a:rPr lang="en-AU" smtClean="0"/>
-              <a:t>18/03/2022</a:t>
+              <a:t>20/03/2022</a:t>
             </a:fld>
             <a:endParaRPr lang="en-AU"/>
           </a:p>
@@ -3972,8 +3983,13 @@
           <a:p>
             <a:r>
               <a:rPr lang="en-AU" dirty="0" smtClean="0"/>
-              <a:t>Trademark Icon ©: ‘#2f5597’</a:t>
-            </a:r>
+              <a:t>Trademark Icon ©: ‘#2f5597</a:t>
+            </a:r>
+            <a:r>
+              <a:rPr lang="en-AU" dirty="0" smtClean="0"/>
+              <a:t>’</a:t>
+            </a:r>
+            <a:endParaRPr lang="en-AU" dirty="0" smtClean="0"/>
           </a:p>
           <a:p>
             <a:endParaRPr lang="en-AU" dirty="0" smtClean="0"/>
@@ -25393,7 +25409,7 @@
   <a:extraClrSchemeLst/>
   <a:extLst>
     <a:ext uri="{05A4C25C-085E-4340-85A3-A5531E510DB2}">
-      <thm15:themeFamily xmlns="" xmlns:thm15="http://schemas.microsoft.com/office/thememl/2012/main" name="Office Theme" id="{62F939B6-93AF-4DB8-9C6B-D6C7DFDC589F}" vid="{4A3C46E8-61CC-4603-A589-7422A47A8E4A}"/>
+      <thm15:themeFamily xmlns:thm15="http://schemas.microsoft.com/office/thememl/2012/main" name="Office Theme" id="{62F939B6-93AF-4DB8-9C6B-D6C7DFDC589F}" vid="{4A3C46E8-61CC-4603-A589-7422A47A8E4A}"/>
     </a:ext>
   </a:extLst>
 </a:theme>
